--- a/Presentation/KeyFinder Proposal.pptx
+++ b/Presentation/KeyFinder Proposal.pptx
@@ -5,7 +5,7 @@
     <p:sldMasterId id="2147483661" r:id="rId1"/>
   </p:sldMasterIdLst>
   <p:notesMasterIdLst>
-    <p:notesMasterId r:id="rId10"/>
+    <p:notesMasterId r:id="rId12"/>
   </p:notesMasterIdLst>
   <p:sldIdLst>
     <p:sldId id="263" r:id="rId2"/>
@@ -16,41 +16,43 @@
     <p:sldId id="355" r:id="rId7"/>
     <p:sldId id="331" r:id="rId8"/>
     <p:sldId id="349" r:id="rId9"/>
+    <p:sldId id="356" r:id="rId10"/>
+    <p:sldId id="357" r:id="rId11"/>
   </p:sldIdLst>
   <p:sldSz cx="12192000" cy="6858000"/>
   <p:notesSz cx="6858000" cy="9144000"/>
   <p:embeddedFontLst>
     <p:embeddedFont>
       <p:font typeface="Calibri" panose="020F0502020204030204" pitchFamily="34" charset="0"/>
-      <p:regular r:id="rId11"/>
-      <p:bold r:id="rId12"/>
-      <p:italic r:id="rId13"/>
-      <p:boldItalic r:id="rId14"/>
+      <p:regular r:id="rId13"/>
+      <p:bold r:id="rId14"/>
+      <p:italic r:id="rId15"/>
+      <p:boldItalic r:id="rId16"/>
     </p:embeddedFont>
     <p:embeddedFont>
       <p:font typeface="Open Sans" panose="020B0606030504020204" pitchFamily="34" charset="0"/>
-      <p:regular r:id="rId15"/>
-      <p:bold r:id="rId16"/>
-      <p:italic r:id="rId17"/>
-      <p:boldItalic r:id="rId18"/>
+      <p:regular r:id="rId17"/>
+      <p:bold r:id="rId18"/>
+      <p:italic r:id="rId19"/>
+      <p:boldItalic r:id="rId20"/>
     </p:embeddedFont>
     <p:embeddedFont>
       <p:font typeface="Open Sans Light" panose="020B0306030504020204" pitchFamily="34" charset="0"/>
-      <p:regular r:id="rId19"/>
-      <p:italic r:id="rId20"/>
+      <p:regular r:id="rId21"/>
+      <p:italic r:id="rId22"/>
     </p:embeddedFont>
     <p:embeddedFont>
       <p:font typeface="Open Sans Semibold" panose="020B0706030804020204" pitchFamily="34" charset="0"/>
-      <p:bold r:id="rId21"/>
-      <p:boldItalic r:id="rId22"/>
+      <p:bold r:id="rId23"/>
+      <p:boldItalic r:id="rId24"/>
     </p:embeddedFont>
     <p:embeddedFont>
       <p:font typeface="Open Sans Semibold Italic" panose="020B0706030804020204" charset="0"/>
-      <p:boldItalic r:id="rId23"/>
+      <p:boldItalic r:id="rId25"/>
     </p:embeddedFont>
   </p:embeddedFontLst>
   <p:custDataLst>
-    <p:tags r:id="rId24"/>
+    <p:tags r:id="rId26"/>
   </p:custDataLst>
   <p:defaultTextStyle>
     <a:defPPr>
@@ -153,6 +155,3334 @@
     </p:ext>
   </p:extLst>
 </p:presentation>
+</file>
+
+<file path=ppt/diagrams/colors1.xml><?xml version="1.0" encoding="utf-8"?>
+<dgm:colorsDef xmlns:dgm="http://schemas.openxmlformats.org/drawingml/2006/diagram" xmlns:a="http://schemas.openxmlformats.org/drawingml/2006/main" uniqueId="urn:microsoft.com/office/officeart/2005/8/colors/accent1_2">
+  <dgm:title val=""/>
+  <dgm:desc val=""/>
+  <dgm:catLst>
+    <dgm:cat type="accent1" pri="11200"/>
+  </dgm:catLst>
+  <dgm:styleLbl name="node0">
+    <dgm:fillClrLst meth="repeat">
+      <a:schemeClr val="accent1"/>
+    </dgm:fillClrLst>
+    <dgm:linClrLst meth="repeat">
+      <a:schemeClr val="lt1"/>
+    </dgm:linClrLst>
+    <dgm:effectClrLst/>
+    <dgm:txLinClrLst/>
+    <dgm:txFillClrLst/>
+    <dgm:txEffectClrLst/>
+  </dgm:styleLbl>
+  <dgm:styleLbl name="alignNode1">
+    <dgm:fillClrLst meth="repeat">
+      <a:schemeClr val="accent1"/>
+    </dgm:fillClrLst>
+    <dgm:linClrLst meth="repeat">
+      <a:schemeClr val="accent1"/>
+    </dgm:linClrLst>
+    <dgm:effectClrLst/>
+    <dgm:txLinClrLst/>
+    <dgm:txFillClrLst/>
+    <dgm:txEffectClrLst/>
+  </dgm:styleLbl>
+  <dgm:styleLbl name="node1">
+    <dgm:fillClrLst meth="repeat">
+      <a:schemeClr val="accent1"/>
+    </dgm:fillClrLst>
+    <dgm:linClrLst meth="repeat">
+      <a:schemeClr val="lt1"/>
+    </dgm:linClrLst>
+    <dgm:effectClrLst/>
+    <dgm:txLinClrLst/>
+    <dgm:txFillClrLst/>
+    <dgm:txEffectClrLst/>
+  </dgm:styleLbl>
+  <dgm:styleLbl name="lnNode1">
+    <dgm:fillClrLst meth="repeat">
+      <a:schemeClr val="accent1"/>
+    </dgm:fillClrLst>
+    <dgm:linClrLst meth="repeat">
+      <a:schemeClr val="lt1"/>
+    </dgm:linClrLst>
+    <dgm:effectClrLst/>
+    <dgm:txLinClrLst/>
+    <dgm:txFillClrLst/>
+    <dgm:txEffectClrLst/>
+  </dgm:styleLbl>
+  <dgm:styleLbl name="vennNode1">
+    <dgm:fillClrLst meth="repeat">
+      <a:schemeClr val="accent1">
+        <a:alpha val="50000"/>
+      </a:schemeClr>
+    </dgm:fillClrLst>
+    <dgm:linClrLst meth="repeat">
+      <a:schemeClr val="lt1"/>
+    </dgm:linClrLst>
+    <dgm:effectClrLst/>
+    <dgm:txLinClrLst/>
+    <dgm:txFillClrLst/>
+    <dgm:txEffectClrLst/>
+  </dgm:styleLbl>
+  <dgm:styleLbl name="node2">
+    <dgm:fillClrLst meth="repeat">
+      <a:schemeClr val="accent1"/>
+    </dgm:fillClrLst>
+    <dgm:linClrLst meth="repeat">
+      <a:schemeClr val="lt1"/>
+    </dgm:linClrLst>
+    <dgm:effectClrLst/>
+    <dgm:txLinClrLst/>
+    <dgm:txFillClrLst/>
+    <dgm:txEffectClrLst/>
+  </dgm:styleLbl>
+  <dgm:styleLbl name="node3">
+    <dgm:fillClrLst meth="repeat">
+      <a:schemeClr val="accent1"/>
+    </dgm:fillClrLst>
+    <dgm:linClrLst meth="repeat">
+      <a:schemeClr val="lt1"/>
+    </dgm:linClrLst>
+    <dgm:effectClrLst/>
+    <dgm:txLinClrLst/>
+    <dgm:txFillClrLst/>
+    <dgm:txEffectClrLst/>
+  </dgm:styleLbl>
+  <dgm:styleLbl name="node4">
+    <dgm:fillClrLst meth="repeat">
+      <a:schemeClr val="accent1"/>
+    </dgm:fillClrLst>
+    <dgm:linClrLst meth="repeat">
+      <a:schemeClr val="lt1"/>
+    </dgm:linClrLst>
+    <dgm:effectClrLst/>
+    <dgm:txLinClrLst/>
+    <dgm:txFillClrLst/>
+    <dgm:txEffectClrLst/>
+  </dgm:styleLbl>
+  <dgm:styleLbl name="fgImgPlace1">
+    <dgm:fillClrLst meth="repeat">
+      <a:schemeClr val="accent1">
+        <a:tint val="50000"/>
+      </a:schemeClr>
+    </dgm:fillClrLst>
+    <dgm:linClrLst meth="repeat">
+      <a:schemeClr val="lt1"/>
+    </dgm:linClrLst>
+    <dgm:effectClrLst/>
+    <dgm:txLinClrLst/>
+    <dgm:txFillClrLst meth="repeat">
+      <a:schemeClr val="lt1"/>
+    </dgm:txFillClrLst>
+    <dgm:txEffectClrLst/>
+  </dgm:styleLbl>
+  <dgm:styleLbl name="alignImgPlace1">
+    <dgm:fillClrLst meth="repeat">
+      <a:schemeClr val="accent1">
+        <a:tint val="50000"/>
+      </a:schemeClr>
+    </dgm:fillClrLst>
+    <dgm:linClrLst meth="repeat">
+      <a:schemeClr val="lt1"/>
+    </dgm:linClrLst>
+    <dgm:effectClrLst/>
+    <dgm:txLinClrLst/>
+    <dgm:txFillClrLst meth="repeat">
+      <a:schemeClr val="lt1"/>
+    </dgm:txFillClrLst>
+    <dgm:txEffectClrLst/>
+  </dgm:styleLbl>
+  <dgm:styleLbl name="bgImgPlace1">
+    <dgm:fillClrLst meth="repeat">
+      <a:schemeClr val="accent1">
+        <a:tint val="50000"/>
+      </a:schemeClr>
+    </dgm:fillClrLst>
+    <dgm:linClrLst meth="repeat">
+      <a:schemeClr val="lt1"/>
+    </dgm:linClrLst>
+    <dgm:effectClrLst/>
+    <dgm:txLinClrLst/>
+    <dgm:txFillClrLst meth="repeat">
+      <a:schemeClr val="lt1"/>
+    </dgm:txFillClrLst>
+    <dgm:txEffectClrLst/>
+  </dgm:styleLbl>
+  <dgm:styleLbl name="sibTrans2D1">
+    <dgm:fillClrLst meth="repeat">
+      <a:schemeClr val="accent1">
+        <a:tint val="60000"/>
+      </a:schemeClr>
+    </dgm:fillClrLst>
+    <dgm:linClrLst meth="repeat">
+      <a:schemeClr val="accent1">
+        <a:tint val="60000"/>
+      </a:schemeClr>
+    </dgm:linClrLst>
+    <dgm:effectClrLst/>
+    <dgm:txLinClrLst/>
+    <dgm:txFillClrLst/>
+    <dgm:txEffectClrLst/>
+  </dgm:styleLbl>
+  <dgm:styleLbl name="fgSibTrans2D1">
+    <dgm:fillClrLst meth="repeat">
+      <a:schemeClr val="accent1">
+        <a:tint val="60000"/>
+      </a:schemeClr>
+    </dgm:fillClrLst>
+    <dgm:linClrLst meth="repeat">
+      <a:schemeClr val="accent1">
+        <a:tint val="60000"/>
+      </a:schemeClr>
+    </dgm:linClrLst>
+    <dgm:effectClrLst/>
+    <dgm:txLinClrLst/>
+    <dgm:txFillClrLst/>
+    <dgm:txEffectClrLst/>
+  </dgm:styleLbl>
+  <dgm:styleLbl name="bgSibTrans2D1">
+    <dgm:fillClrLst meth="repeat">
+      <a:schemeClr val="accent1">
+        <a:tint val="60000"/>
+      </a:schemeClr>
+    </dgm:fillClrLst>
+    <dgm:linClrLst meth="repeat">
+      <a:schemeClr val="accent1">
+        <a:tint val="60000"/>
+      </a:schemeClr>
+    </dgm:linClrLst>
+    <dgm:effectClrLst/>
+    <dgm:txLinClrLst/>
+    <dgm:txFillClrLst/>
+    <dgm:txEffectClrLst/>
+  </dgm:styleLbl>
+  <dgm:styleLbl name="sibTrans1D1">
+    <dgm:fillClrLst meth="repeat">
+      <a:schemeClr val="accent1"/>
+    </dgm:fillClrLst>
+    <dgm:linClrLst meth="repeat">
+      <a:schemeClr val="accent1"/>
+    </dgm:linClrLst>
+    <dgm:effectClrLst/>
+    <dgm:txLinClrLst/>
+    <dgm:txFillClrLst meth="repeat">
+      <a:schemeClr val="tx1"/>
+    </dgm:txFillClrLst>
+    <dgm:txEffectClrLst/>
+  </dgm:styleLbl>
+  <dgm:styleLbl name="callout">
+    <dgm:fillClrLst meth="repeat">
+      <a:schemeClr val="accent1"/>
+    </dgm:fillClrLst>
+    <dgm:linClrLst meth="repeat">
+      <a:schemeClr val="accent1">
+        <a:tint val="50000"/>
+      </a:schemeClr>
+    </dgm:linClrLst>
+    <dgm:effectClrLst/>
+    <dgm:txLinClrLst/>
+    <dgm:txFillClrLst meth="repeat">
+      <a:schemeClr val="tx1"/>
+    </dgm:txFillClrLst>
+    <dgm:txEffectClrLst/>
+  </dgm:styleLbl>
+  <dgm:styleLbl name="asst0">
+    <dgm:fillClrLst meth="repeat">
+      <a:schemeClr val="accent1"/>
+    </dgm:fillClrLst>
+    <dgm:linClrLst meth="repeat">
+      <a:schemeClr val="lt1"/>
+    </dgm:linClrLst>
+    <dgm:effectClrLst/>
+    <dgm:txLinClrLst/>
+    <dgm:txFillClrLst/>
+    <dgm:txEffectClrLst/>
+  </dgm:styleLbl>
+  <dgm:styleLbl name="asst1">
+    <dgm:fillClrLst meth="repeat">
+      <a:schemeClr val="accent1"/>
+    </dgm:fillClrLst>
+    <dgm:linClrLst meth="repeat">
+      <a:schemeClr val="lt1"/>
+    </dgm:linClrLst>
+    <dgm:effectClrLst/>
+    <dgm:txLinClrLst/>
+    <dgm:txFillClrLst/>
+    <dgm:txEffectClrLst/>
+  </dgm:styleLbl>
+  <dgm:styleLbl name="asst2">
+    <dgm:fillClrLst meth="repeat">
+      <a:schemeClr val="accent1"/>
+    </dgm:fillClrLst>
+    <dgm:linClrLst meth="repeat">
+      <a:schemeClr val="lt1"/>
+    </dgm:linClrLst>
+    <dgm:effectClrLst/>
+    <dgm:txLinClrLst/>
+    <dgm:txFillClrLst/>
+    <dgm:txEffectClrLst/>
+  </dgm:styleLbl>
+  <dgm:styleLbl name="asst3">
+    <dgm:fillClrLst meth="repeat">
+      <a:schemeClr val="accent1"/>
+    </dgm:fillClrLst>
+    <dgm:linClrLst meth="repeat">
+      <a:schemeClr val="lt1"/>
+    </dgm:linClrLst>
+    <dgm:effectClrLst/>
+    <dgm:txLinClrLst/>
+    <dgm:txFillClrLst/>
+    <dgm:txEffectClrLst/>
+  </dgm:styleLbl>
+  <dgm:styleLbl name="asst4">
+    <dgm:fillClrLst meth="repeat">
+      <a:schemeClr val="accent1"/>
+    </dgm:fillClrLst>
+    <dgm:linClrLst meth="repeat">
+      <a:schemeClr val="lt1"/>
+    </dgm:linClrLst>
+    <dgm:effectClrLst/>
+    <dgm:txLinClrLst/>
+    <dgm:txFillClrLst/>
+    <dgm:txEffectClrLst/>
+  </dgm:styleLbl>
+  <dgm:styleLbl name="parChTrans2D1">
+    <dgm:fillClrLst meth="repeat">
+      <a:schemeClr val="accent1">
+        <a:tint val="60000"/>
+      </a:schemeClr>
+    </dgm:fillClrLst>
+    <dgm:linClrLst meth="repeat">
+      <a:schemeClr val="accent1">
+        <a:tint val="60000"/>
+      </a:schemeClr>
+    </dgm:linClrLst>
+    <dgm:effectClrLst/>
+    <dgm:txLinClrLst/>
+    <dgm:txFillClrLst meth="repeat">
+      <a:schemeClr val="lt1"/>
+    </dgm:txFillClrLst>
+    <dgm:txEffectClrLst/>
+  </dgm:styleLbl>
+  <dgm:styleLbl name="parChTrans2D2">
+    <dgm:fillClrLst meth="repeat">
+      <a:schemeClr val="accent1"/>
+    </dgm:fillClrLst>
+    <dgm:linClrLst meth="repeat">
+      <a:schemeClr val="accent1"/>
+    </dgm:linClrLst>
+    <dgm:effectClrLst/>
+    <dgm:txLinClrLst/>
+    <dgm:txFillClrLst meth="repeat">
+      <a:schemeClr val="lt1"/>
+    </dgm:txFillClrLst>
+    <dgm:txEffectClrLst/>
+  </dgm:styleLbl>
+  <dgm:styleLbl name="parChTrans2D3">
+    <dgm:fillClrLst meth="repeat">
+      <a:schemeClr val="accent1"/>
+    </dgm:fillClrLst>
+    <dgm:linClrLst meth="repeat">
+      <a:schemeClr val="accent1"/>
+    </dgm:linClrLst>
+    <dgm:effectClrLst/>
+    <dgm:txLinClrLst/>
+    <dgm:txFillClrLst meth="repeat">
+      <a:schemeClr val="lt1"/>
+    </dgm:txFillClrLst>
+    <dgm:txEffectClrLst/>
+  </dgm:styleLbl>
+  <dgm:styleLbl name="parChTrans2D4">
+    <dgm:fillClrLst meth="repeat">
+      <a:schemeClr val="accent1"/>
+    </dgm:fillClrLst>
+    <dgm:linClrLst meth="repeat">
+      <a:schemeClr val="accent1"/>
+    </dgm:linClrLst>
+    <dgm:effectClrLst/>
+    <dgm:txLinClrLst/>
+    <dgm:txFillClrLst meth="repeat">
+      <a:schemeClr val="lt1"/>
+    </dgm:txFillClrLst>
+    <dgm:txEffectClrLst/>
+  </dgm:styleLbl>
+  <dgm:styleLbl name="parChTrans1D1">
+    <dgm:fillClrLst meth="repeat">
+      <a:schemeClr val="accent1"/>
+    </dgm:fillClrLst>
+    <dgm:linClrLst meth="repeat">
+      <a:schemeClr val="accent1">
+        <a:shade val="60000"/>
+      </a:schemeClr>
+    </dgm:linClrLst>
+    <dgm:effectClrLst/>
+    <dgm:txLinClrLst/>
+    <dgm:txFillClrLst meth="repeat">
+      <a:schemeClr val="tx1"/>
+    </dgm:txFillClrLst>
+    <dgm:txEffectClrLst/>
+  </dgm:styleLbl>
+  <dgm:styleLbl name="parChTrans1D2">
+    <dgm:fillClrLst meth="repeat">
+      <a:schemeClr val="accent1"/>
+    </dgm:fillClrLst>
+    <dgm:linClrLst meth="repeat">
+      <a:schemeClr val="accent1">
+        <a:shade val="60000"/>
+      </a:schemeClr>
+    </dgm:linClrLst>
+    <dgm:effectClrLst/>
+    <dgm:txLinClrLst/>
+    <dgm:txFillClrLst meth="repeat">
+      <a:schemeClr val="tx1"/>
+    </dgm:txFillClrLst>
+    <dgm:txEffectClrLst/>
+  </dgm:styleLbl>
+  <dgm:styleLbl name="parChTrans1D3">
+    <dgm:fillClrLst meth="repeat">
+      <a:schemeClr val="accent1"/>
+    </dgm:fillClrLst>
+    <dgm:linClrLst meth="repeat">
+      <a:schemeClr val="accent1">
+        <a:shade val="80000"/>
+      </a:schemeClr>
+    </dgm:linClrLst>
+    <dgm:effectClrLst/>
+    <dgm:txLinClrLst/>
+    <dgm:txFillClrLst meth="repeat">
+      <a:schemeClr val="tx1"/>
+    </dgm:txFillClrLst>
+    <dgm:txEffectClrLst/>
+  </dgm:styleLbl>
+  <dgm:styleLbl name="parChTrans1D4">
+    <dgm:fillClrLst meth="repeat">
+      <a:schemeClr val="accent1"/>
+    </dgm:fillClrLst>
+    <dgm:linClrLst meth="repeat">
+      <a:schemeClr val="accent1">
+        <a:shade val="80000"/>
+      </a:schemeClr>
+    </dgm:linClrLst>
+    <dgm:effectClrLst/>
+    <dgm:txLinClrLst/>
+    <dgm:txFillClrLst meth="repeat">
+      <a:schemeClr val="tx1"/>
+    </dgm:txFillClrLst>
+    <dgm:txEffectClrLst/>
+  </dgm:styleLbl>
+  <dgm:styleLbl name="fgAcc1">
+    <dgm:fillClrLst meth="repeat">
+      <a:schemeClr val="lt1">
+        <a:alpha val="90000"/>
+      </a:schemeClr>
+    </dgm:fillClrLst>
+    <dgm:linClrLst meth="repeat">
+      <a:schemeClr val="accent1"/>
+    </dgm:linClrLst>
+    <dgm:effectClrLst/>
+    <dgm:txLinClrLst/>
+    <dgm:txFillClrLst meth="repeat">
+      <a:schemeClr val="dk1"/>
+    </dgm:txFillClrLst>
+    <dgm:txEffectClrLst/>
+  </dgm:styleLbl>
+  <dgm:styleLbl name="conFgAcc1">
+    <dgm:fillClrLst meth="repeat">
+      <a:schemeClr val="lt1">
+        <a:alpha val="90000"/>
+      </a:schemeClr>
+    </dgm:fillClrLst>
+    <dgm:linClrLst meth="repeat">
+      <a:schemeClr val="accent1"/>
+    </dgm:linClrLst>
+    <dgm:effectClrLst/>
+    <dgm:txLinClrLst/>
+    <dgm:txFillClrLst meth="repeat">
+      <a:schemeClr val="dk1"/>
+    </dgm:txFillClrLst>
+    <dgm:txEffectClrLst/>
+  </dgm:styleLbl>
+  <dgm:styleLbl name="alignAcc1">
+    <dgm:fillClrLst meth="repeat">
+      <a:schemeClr val="lt1">
+        <a:alpha val="90000"/>
+      </a:schemeClr>
+    </dgm:fillClrLst>
+    <dgm:linClrLst meth="repeat">
+      <a:schemeClr val="accent1"/>
+    </dgm:linClrLst>
+    <dgm:effectClrLst/>
+    <dgm:txLinClrLst/>
+    <dgm:txFillClrLst meth="repeat">
+      <a:schemeClr val="dk1"/>
+    </dgm:txFillClrLst>
+    <dgm:txEffectClrLst/>
+  </dgm:styleLbl>
+  <dgm:styleLbl name="trAlignAcc1">
+    <dgm:fillClrLst meth="repeat">
+      <a:schemeClr val="lt1">
+        <a:alpha val="40000"/>
+      </a:schemeClr>
+    </dgm:fillClrLst>
+    <dgm:linClrLst meth="repeat">
+      <a:schemeClr val="accent1"/>
+    </dgm:linClrLst>
+    <dgm:effectClrLst/>
+    <dgm:txLinClrLst/>
+    <dgm:txFillClrLst meth="repeat">
+      <a:schemeClr val="dk1"/>
+    </dgm:txFillClrLst>
+    <dgm:txEffectClrLst/>
+  </dgm:styleLbl>
+  <dgm:styleLbl name="bgAcc1">
+    <dgm:fillClrLst meth="repeat">
+      <a:schemeClr val="lt1">
+        <a:alpha val="90000"/>
+      </a:schemeClr>
+    </dgm:fillClrLst>
+    <dgm:linClrLst meth="repeat">
+      <a:schemeClr val="accent1"/>
+    </dgm:linClrLst>
+    <dgm:effectClrLst/>
+    <dgm:txLinClrLst/>
+    <dgm:txFillClrLst meth="repeat">
+      <a:schemeClr val="dk1"/>
+    </dgm:txFillClrLst>
+    <dgm:txEffectClrLst/>
+  </dgm:styleLbl>
+  <dgm:styleLbl name="solidFgAcc1">
+    <dgm:fillClrLst meth="repeat">
+      <a:schemeClr val="lt1"/>
+    </dgm:fillClrLst>
+    <dgm:linClrLst meth="repeat">
+      <a:schemeClr val="accent1"/>
+    </dgm:linClrLst>
+    <dgm:effectClrLst/>
+    <dgm:txLinClrLst/>
+    <dgm:txFillClrLst meth="repeat">
+      <a:schemeClr val="dk1"/>
+    </dgm:txFillClrLst>
+    <dgm:txEffectClrLst/>
+  </dgm:styleLbl>
+  <dgm:styleLbl name="solidAlignAcc1">
+    <dgm:fillClrLst meth="repeat">
+      <a:schemeClr val="lt1"/>
+    </dgm:fillClrLst>
+    <dgm:linClrLst meth="repeat">
+      <a:schemeClr val="accent1"/>
+    </dgm:linClrLst>
+    <dgm:effectClrLst/>
+    <dgm:txLinClrLst/>
+    <dgm:txFillClrLst meth="repeat">
+      <a:schemeClr val="dk1"/>
+    </dgm:txFillClrLst>
+    <dgm:txEffectClrLst/>
+  </dgm:styleLbl>
+  <dgm:styleLbl name="solidBgAcc1">
+    <dgm:fillClrLst meth="repeat">
+      <a:schemeClr val="lt1"/>
+    </dgm:fillClrLst>
+    <dgm:linClrLst meth="repeat">
+      <a:schemeClr val="accent1"/>
+    </dgm:linClrLst>
+    <dgm:effectClrLst/>
+    <dgm:txLinClrLst/>
+    <dgm:txFillClrLst meth="repeat">
+      <a:schemeClr val="dk1"/>
+    </dgm:txFillClrLst>
+    <dgm:txEffectClrLst/>
+  </dgm:styleLbl>
+  <dgm:styleLbl name="fgAccFollowNode1">
+    <dgm:fillClrLst meth="repeat">
+      <a:schemeClr val="accent1">
+        <a:alpha val="90000"/>
+        <a:tint val="40000"/>
+      </a:schemeClr>
+    </dgm:fillClrLst>
+    <dgm:linClrLst meth="repeat">
+      <a:schemeClr val="accent1">
+        <a:alpha val="90000"/>
+        <a:tint val="40000"/>
+      </a:schemeClr>
+    </dgm:linClrLst>
+    <dgm:effectClrLst/>
+    <dgm:txLinClrLst/>
+    <dgm:txFillClrLst meth="repeat">
+      <a:schemeClr val="dk1"/>
+    </dgm:txFillClrLst>
+    <dgm:txEffectClrLst/>
+  </dgm:styleLbl>
+  <dgm:styleLbl name="alignAccFollowNode1">
+    <dgm:fillClrLst meth="repeat">
+      <a:schemeClr val="accent1">
+        <a:alpha val="90000"/>
+        <a:tint val="40000"/>
+      </a:schemeClr>
+    </dgm:fillClrLst>
+    <dgm:linClrLst meth="repeat">
+      <a:schemeClr val="accent1">
+        <a:alpha val="90000"/>
+        <a:tint val="40000"/>
+      </a:schemeClr>
+    </dgm:linClrLst>
+    <dgm:effectClrLst/>
+    <dgm:txLinClrLst/>
+    <dgm:txFillClrLst meth="repeat">
+      <a:schemeClr val="dk1"/>
+    </dgm:txFillClrLst>
+    <dgm:txEffectClrLst/>
+  </dgm:styleLbl>
+  <dgm:styleLbl name="bgAccFollowNode1">
+    <dgm:fillClrLst meth="repeat">
+      <a:schemeClr val="accent1">
+        <a:alpha val="90000"/>
+        <a:tint val="40000"/>
+      </a:schemeClr>
+    </dgm:fillClrLst>
+    <dgm:linClrLst meth="repeat">
+      <a:schemeClr val="accent1">
+        <a:alpha val="90000"/>
+        <a:tint val="40000"/>
+      </a:schemeClr>
+    </dgm:linClrLst>
+    <dgm:effectClrLst/>
+    <dgm:txLinClrLst/>
+    <dgm:txFillClrLst meth="repeat">
+      <a:schemeClr val="dk1"/>
+    </dgm:txFillClrLst>
+    <dgm:txEffectClrLst/>
+  </dgm:styleLbl>
+  <dgm:styleLbl name="fgAcc0">
+    <dgm:fillClrLst meth="repeat">
+      <a:schemeClr val="lt1">
+        <a:alpha val="90000"/>
+      </a:schemeClr>
+    </dgm:fillClrLst>
+    <dgm:linClrLst meth="repeat">
+      <a:schemeClr val="accent1"/>
+    </dgm:linClrLst>
+    <dgm:effectClrLst/>
+    <dgm:txLinClrLst/>
+    <dgm:txFillClrLst meth="repeat">
+      <a:schemeClr val="dk1"/>
+    </dgm:txFillClrLst>
+    <dgm:txEffectClrLst/>
+  </dgm:styleLbl>
+  <dgm:styleLbl name="fgAcc2">
+    <dgm:fillClrLst meth="repeat">
+      <a:schemeClr val="lt1">
+        <a:alpha val="90000"/>
+      </a:schemeClr>
+    </dgm:fillClrLst>
+    <dgm:linClrLst meth="repeat">
+      <a:schemeClr val="accent1"/>
+    </dgm:linClrLst>
+    <dgm:effectClrLst/>
+    <dgm:txLinClrLst/>
+    <dgm:txFillClrLst meth="repeat">
+      <a:schemeClr val="dk1"/>
+    </dgm:txFillClrLst>
+    <dgm:txEffectClrLst/>
+  </dgm:styleLbl>
+  <dgm:styleLbl name="fgAcc3">
+    <dgm:fillClrLst meth="repeat">
+      <a:schemeClr val="lt1">
+        <a:alpha val="90000"/>
+      </a:schemeClr>
+    </dgm:fillClrLst>
+    <dgm:linClrLst meth="repeat">
+      <a:schemeClr val="accent1"/>
+    </dgm:linClrLst>
+    <dgm:effectClrLst/>
+    <dgm:txLinClrLst/>
+    <dgm:txFillClrLst meth="repeat">
+      <a:schemeClr val="dk1"/>
+    </dgm:txFillClrLst>
+    <dgm:txEffectClrLst/>
+  </dgm:styleLbl>
+  <dgm:styleLbl name="fgAcc4">
+    <dgm:fillClrLst meth="repeat">
+      <a:schemeClr val="lt1">
+        <a:alpha val="90000"/>
+      </a:schemeClr>
+    </dgm:fillClrLst>
+    <dgm:linClrLst meth="repeat">
+      <a:schemeClr val="accent1"/>
+    </dgm:linClrLst>
+    <dgm:effectClrLst/>
+    <dgm:txLinClrLst/>
+    <dgm:txFillClrLst meth="repeat">
+      <a:schemeClr val="dk1"/>
+    </dgm:txFillClrLst>
+    <dgm:txEffectClrLst/>
+  </dgm:styleLbl>
+  <dgm:styleLbl name="bgShp">
+    <dgm:fillClrLst meth="repeat">
+      <a:schemeClr val="accent1">
+        <a:tint val="40000"/>
+      </a:schemeClr>
+    </dgm:fillClrLst>
+    <dgm:linClrLst meth="repeat">
+      <a:schemeClr val="accent1"/>
+    </dgm:linClrLst>
+    <dgm:effectClrLst/>
+    <dgm:txLinClrLst/>
+    <dgm:txFillClrLst meth="repeat">
+      <a:schemeClr val="dk1"/>
+    </dgm:txFillClrLst>
+    <dgm:txEffectClrLst/>
+  </dgm:styleLbl>
+  <dgm:styleLbl name="dkBgShp">
+    <dgm:fillClrLst meth="repeat">
+      <a:schemeClr val="accent1">
+        <a:shade val="80000"/>
+      </a:schemeClr>
+    </dgm:fillClrLst>
+    <dgm:linClrLst meth="repeat">
+      <a:schemeClr val="accent1"/>
+    </dgm:linClrLst>
+    <dgm:effectClrLst/>
+    <dgm:txLinClrLst/>
+    <dgm:txFillClrLst meth="repeat">
+      <a:schemeClr val="lt1"/>
+    </dgm:txFillClrLst>
+    <dgm:txEffectClrLst/>
+  </dgm:styleLbl>
+  <dgm:styleLbl name="trBgShp">
+    <dgm:fillClrLst meth="repeat">
+      <a:schemeClr val="accent1">
+        <a:tint val="50000"/>
+        <a:alpha val="40000"/>
+      </a:schemeClr>
+    </dgm:fillClrLst>
+    <dgm:linClrLst meth="repeat">
+      <a:schemeClr val="accent1"/>
+    </dgm:linClrLst>
+    <dgm:effectClrLst/>
+    <dgm:txLinClrLst/>
+    <dgm:txFillClrLst meth="repeat">
+      <a:schemeClr val="lt1"/>
+    </dgm:txFillClrLst>
+    <dgm:txEffectClrLst/>
+  </dgm:styleLbl>
+  <dgm:styleLbl name="fgShp">
+    <dgm:fillClrLst meth="repeat">
+      <a:schemeClr val="accent1">
+        <a:tint val="60000"/>
+      </a:schemeClr>
+    </dgm:fillClrLst>
+    <dgm:linClrLst meth="repeat">
+      <a:schemeClr val="lt1"/>
+    </dgm:linClrLst>
+    <dgm:effectClrLst/>
+    <dgm:txLinClrLst/>
+    <dgm:txFillClrLst meth="repeat">
+      <a:schemeClr val="dk1"/>
+    </dgm:txFillClrLst>
+    <dgm:txEffectClrLst/>
+  </dgm:styleLbl>
+  <dgm:styleLbl name="revTx">
+    <dgm:fillClrLst meth="repeat">
+      <a:schemeClr val="lt1">
+        <a:alpha val="0"/>
+      </a:schemeClr>
+    </dgm:fillClrLst>
+    <dgm:linClrLst meth="repeat">
+      <a:schemeClr val="dk1">
+        <a:alpha val="0"/>
+      </a:schemeClr>
+    </dgm:linClrLst>
+    <dgm:effectClrLst/>
+    <dgm:txLinClrLst/>
+    <dgm:txFillClrLst meth="repeat">
+      <a:schemeClr val="tx1"/>
+    </dgm:txFillClrLst>
+    <dgm:txEffectClrLst/>
+  </dgm:styleLbl>
+</dgm:colorsDef>
+</file>
+
+<file path=ppt/diagrams/data1.xml><?xml version="1.0" encoding="utf-8"?>
+<dgm:dataModel xmlns:dgm="http://schemas.openxmlformats.org/drawingml/2006/diagram" xmlns:a="http://schemas.openxmlformats.org/drawingml/2006/main">
+  <dgm:ptLst>
+    <dgm:pt modelId="{4935AF64-13A5-4B02-9BC1-23B0B009FBEB}" type="doc">
+      <dgm:prSet loTypeId="urn:microsoft.com/office/officeart/2005/8/layout/cycle5" loCatId="cycle" qsTypeId="urn:microsoft.com/office/officeart/2005/8/quickstyle/simple1" qsCatId="simple" csTypeId="urn:microsoft.com/office/officeart/2005/8/colors/accent1_2" csCatId="accent1" phldr="1"/>
+      <dgm:spPr/>
+      <dgm:t>
+        <a:bodyPr/>
+        <a:lstStyle/>
+        <a:p>
+          <a:endParaRPr lang="en-US"/>
+        </a:p>
+      </dgm:t>
+    </dgm:pt>
+    <dgm:pt modelId="{B55D5B58-CA5B-486F-805E-E1E3EE75211F}">
+      <dgm:prSet phldrT="[Metin]"/>
+      <dgm:spPr/>
+      <dgm:t>
+        <a:bodyPr/>
+        <a:lstStyle/>
+        <a:p>
+          <a:r>
+            <a:rPr lang="en-CA" dirty="0">
+              <a:solidFill>
+                <a:srgbClr val="002060"/>
+              </a:solidFill>
+              <a:latin typeface="Open Sans Semibold" panose="020B0706030804020204" pitchFamily="34" charset="0"/>
+              <a:ea typeface="Open Sans Semibold" panose="020B0706030804020204" pitchFamily="34" charset="0"/>
+              <a:cs typeface="Open Sans Semibold" panose="020B0706030804020204" pitchFamily="34" charset="0"/>
+            </a:rPr>
+            <a:t>Resident </a:t>
+          </a:r>
+          <a:r>
+            <a:rPr lang="en-CA" dirty="0">
+              <a:solidFill>
+                <a:srgbClr val="002060"/>
+              </a:solidFill>
+              <a:latin typeface="Open Sans Light" panose="020B0306030504020204" pitchFamily="34" charset="0"/>
+              <a:ea typeface="Open Sans Light" panose="020B0306030504020204" pitchFamily="34" charset="0"/>
+              <a:cs typeface="Open Sans Light" panose="020B0306030504020204" pitchFamily="34" charset="0"/>
+            </a:rPr>
+            <a:t>comes to the reception and asks for a key.</a:t>
+          </a:r>
+          <a:endParaRPr lang="en-US" dirty="0">
+            <a:solidFill>
+              <a:srgbClr val="002060"/>
+            </a:solidFill>
+          </a:endParaRPr>
+        </a:p>
+      </dgm:t>
+    </dgm:pt>
+    <dgm:pt modelId="{F3D78E60-8719-4DAE-92E2-900ABF25187F}" type="parTrans" cxnId="{FBA75805-F3A8-4C31-B027-AC63EAA5A65C}">
+      <dgm:prSet/>
+      <dgm:spPr/>
+      <dgm:t>
+        <a:bodyPr/>
+        <a:lstStyle/>
+        <a:p>
+          <a:endParaRPr lang="en-US"/>
+        </a:p>
+      </dgm:t>
+    </dgm:pt>
+    <dgm:pt modelId="{EAF2A131-A15C-4C45-9FB4-8DFAD4C48DFA}" type="sibTrans" cxnId="{FBA75805-F3A8-4C31-B027-AC63EAA5A65C}">
+      <dgm:prSet/>
+      <dgm:spPr/>
+      <dgm:t>
+        <a:bodyPr/>
+        <a:lstStyle/>
+        <a:p>
+          <a:endParaRPr lang="en-US"/>
+        </a:p>
+      </dgm:t>
+    </dgm:pt>
+    <dgm:pt modelId="{4DF4A299-099D-4E98-809E-FA4A27E0780A}">
+      <dgm:prSet phldrT="[Metin]"/>
+      <dgm:spPr/>
+      <dgm:t>
+        <a:bodyPr/>
+        <a:lstStyle/>
+        <a:p>
+          <a:r>
+            <a:rPr lang="en-CA" dirty="0">
+              <a:solidFill>
+                <a:srgbClr val="002060"/>
+              </a:solidFill>
+              <a:latin typeface="Open Sans Semibold" panose="020B0706030804020204" pitchFamily="34" charset="0"/>
+              <a:ea typeface="Open Sans Semibold" panose="020B0706030804020204" pitchFamily="34" charset="0"/>
+              <a:cs typeface="Open Sans Semibold" panose="020B0706030804020204" pitchFamily="34" charset="0"/>
+            </a:rPr>
+            <a:t>Receptionist </a:t>
+          </a:r>
+          <a:r>
+            <a:rPr lang="en-CA" dirty="0">
+              <a:solidFill>
+                <a:srgbClr val="002060"/>
+              </a:solidFill>
+              <a:latin typeface="Open Sans Light" panose="020B0306030504020204" pitchFamily="34" charset="0"/>
+              <a:ea typeface="Open Sans Light" panose="020B0306030504020204" pitchFamily="34" charset="0"/>
+              <a:cs typeface="Open Sans Light" panose="020B0306030504020204" pitchFamily="34" charset="0"/>
+            </a:rPr>
+            <a:t>takes </a:t>
+          </a:r>
+          <a:r>
+            <a:rPr lang="en-CA" dirty="0" err="1">
+              <a:solidFill>
+                <a:srgbClr val="002060"/>
+              </a:solidFill>
+              <a:latin typeface="Open Sans Light" panose="020B0306030504020204" pitchFamily="34" charset="0"/>
+              <a:ea typeface="Open Sans Light" panose="020B0306030504020204" pitchFamily="34" charset="0"/>
+              <a:cs typeface="Open Sans Light" panose="020B0306030504020204" pitchFamily="34" charset="0"/>
+            </a:rPr>
+            <a:t>informations</a:t>
+          </a:r>
+          <a:r>
+            <a:rPr lang="en-CA" dirty="0">
+              <a:solidFill>
+                <a:srgbClr val="002060"/>
+              </a:solidFill>
+              <a:latin typeface="Open Sans Light" panose="020B0306030504020204" pitchFamily="34" charset="0"/>
+              <a:ea typeface="Open Sans Light" panose="020B0306030504020204" pitchFamily="34" charset="0"/>
+              <a:cs typeface="Open Sans Light" panose="020B0306030504020204" pitchFamily="34" charset="0"/>
+            </a:rPr>
+            <a:t> about resident’s laundry, saves them and starts a timer.</a:t>
+          </a:r>
+          <a:endParaRPr lang="en-US" dirty="0">
+            <a:solidFill>
+              <a:srgbClr val="002060"/>
+            </a:solidFill>
+          </a:endParaRPr>
+        </a:p>
+      </dgm:t>
+    </dgm:pt>
+    <dgm:pt modelId="{BA614931-6922-4DCB-9496-800F9D653F75}" type="parTrans" cxnId="{B9D00115-3B2A-4CA4-B51B-593867C5A293}">
+      <dgm:prSet/>
+      <dgm:spPr/>
+      <dgm:t>
+        <a:bodyPr/>
+        <a:lstStyle/>
+        <a:p>
+          <a:endParaRPr lang="en-US"/>
+        </a:p>
+      </dgm:t>
+    </dgm:pt>
+    <dgm:pt modelId="{515EEDC2-8318-4A89-A8EF-80A4AE3A65B7}" type="sibTrans" cxnId="{B9D00115-3B2A-4CA4-B51B-593867C5A293}">
+      <dgm:prSet/>
+      <dgm:spPr/>
+      <dgm:t>
+        <a:bodyPr/>
+        <a:lstStyle/>
+        <a:p>
+          <a:endParaRPr lang="en-US"/>
+        </a:p>
+      </dgm:t>
+    </dgm:pt>
+    <dgm:pt modelId="{2A128D65-A08A-413B-92E1-FFCF173D153E}">
+      <dgm:prSet phldrT="[Metin]"/>
+      <dgm:spPr/>
+      <dgm:t>
+        <a:bodyPr/>
+        <a:lstStyle/>
+        <a:p>
+          <a:r>
+            <a:rPr lang="en-CA" dirty="0">
+              <a:solidFill>
+                <a:srgbClr val="002060"/>
+              </a:solidFill>
+              <a:latin typeface="Open Sans Semibold" panose="020B0706030804020204" pitchFamily="34" charset="0"/>
+              <a:ea typeface="Open Sans Semibold" panose="020B0706030804020204" pitchFamily="34" charset="0"/>
+              <a:cs typeface="Open Sans Semibold" panose="020B0706030804020204" pitchFamily="34" charset="0"/>
+            </a:rPr>
+            <a:t>Resident </a:t>
+          </a:r>
+          <a:r>
+            <a:rPr lang="en-CA" dirty="0">
+              <a:solidFill>
+                <a:srgbClr val="002060"/>
+              </a:solidFill>
+              <a:latin typeface="Open Sans Light" panose="020B0306030504020204" pitchFamily="34" charset="0"/>
+              <a:ea typeface="Open Sans Light" panose="020B0306030504020204" pitchFamily="34" charset="0"/>
+              <a:cs typeface="Open Sans Light" panose="020B0306030504020204" pitchFamily="34" charset="0"/>
+            </a:rPr>
+            <a:t>has to finish their laundry in given time.</a:t>
+          </a:r>
+          <a:endParaRPr lang="en-US" dirty="0">
+            <a:solidFill>
+              <a:srgbClr val="002060"/>
+            </a:solidFill>
+          </a:endParaRPr>
+        </a:p>
+      </dgm:t>
+    </dgm:pt>
+    <dgm:pt modelId="{D9B81D33-C961-4AC3-8F4B-D2B16D18A915}" type="parTrans" cxnId="{852955DC-771B-444F-8757-EDC5AB9AF865}">
+      <dgm:prSet/>
+      <dgm:spPr/>
+      <dgm:t>
+        <a:bodyPr/>
+        <a:lstStyle/>
+        <a:p>
+          <a:endParaRPr lang="en-US"/>
+        </a:p>
+      </dgm:t>
+    </dgm:pt>
+    <dgm:pt modelId="{CA5FFEFC-1DA9-4861-8CE7-2CE14466CA06}" type="sibTrans" cxnId="{852955DC-771B-444F-8757-EDC5AB9AF865}">
+      <dgm:prSet/>
+      <dgm:spPr/>
+      <dgm:t>
+        <a:bodyPr/>
+        <a:lstStyle/>
+        <a:p>
+          <a:endParaRPr lang="en-US"/>
+        </a:p>
+      </dgm:t>
+    </dgm:pt>
+    <dgm:pt modelId="{E00E9FA8-C539-4410-9748-09B26EDDDD45}">
+      <dgm:prSet phldrT="[Metin]"/>
+      <dgm:spPr/>
+      <dgm:t>
+        <a:bodyPr/>
+        <a:lstStyle/>
+        <a:p>
+          <a:r>
+            <a:rPr lang="en-CA" dirty="0">
+              <a:solidFill>
+                <a:srgbClr val="002060"/>
+              </a:solidFill>
+              <a:latin typeface="Open Sans Semibold" panose="020B0706030804020204" pitchFamily="34" charset="0"/>
+              <a:ea typeface="Open Sans Semibold" panose="020B0706030804020204" pitchFamily="34" charset="0"/>
+              <a:cs typeface="Open Sans Semibold" panose="020B0706030804020204" pitchFamily="34" charset="0"/>
+            </a:rPr>
+            <a:t>Resident </a:t>
+          </a:r>
+          <a:r>
+            <a:rPr lang="en-CA" dirty="0">
+              <a:solidFill>
+                <a:srgbClr val="002060"/>
+              </a:solidFill>
+              <a:latin typeface="Open Sans Light" panose="020B0306030504020204" pitchFamily="34" charset="0"/>
+              <a:ea typeface="Open Sans Light" panose="020B0306030504020204" pitchFamily="34" charset="0"/>
+              <a:cs typeface="Open Sans Light" panose="020B0306030504020204" pitchFamily="34" charset="0"/>
+            </a:rPr>
+            <a:t>gets notifications about the time limit and current penalty status.</a:t>
+          </a:r>
+          <a:endParaRPr lang="en-US" dirty="0">
+            <a:solidFill>
+              <a:srgbClr val="002060"/>
+            </a:solidFill>
+          </a:endParaRPr>
+        </a:p>
+      </dgm:t>
+    </dgm:pt>
+    <dgm:pt modelId="{039BF61B-C472-4243-BE0E-2A18B8D0C0EA}" type="parTrans" cxnId="{0BBB69DB-D768-4761-9848-97B638220505}">
+      <dgm:prSet/>
+      <dgm:spPr/>
+      <dgm:t>
+        <a:bodyPr/>
+        <a:lstStyle/>
+        <a:p>
+          <a:endParaRPr lang="en-US"/>
+        </a:p>
+      </dgm:t>
+    </dgm:pt>
+    <dgm:pt modelId="{04B1B09A-FE1B-4838-B6EE-96483DCD2465}" type="sibTrans" cxnId="{0BBB69DB-D768-4761-9848-97B638220505}">
+      <dgm:prSet/>
+      <dgm:spPr/>
+      <dgm:t>
+        <a:bodyPr/>
+        <a:lstStyle/>
+        <a:p>
+          <a:endParaRPr lang="en-US"/>
+        </a:p>
+      </dgm:t>
+    </dgm:pt>
+    <dgm:pt modelId="{40C6DC99-4023-465A-93EB-F81806FCEFD7}">
+      <dgm:prSet phldrT="[Metin]"/>
+      <dgm:spPr/>
+      <dgm:t>
+        <a:bodyPr/>
+        <a:lstStyle/>
+        <a:p>
+          <a:r>
+            <a:rPr lang="en-CA" dirty="0">
+              <a:solidFill>
+                <a:srgbClr val="002060"/>
+              </a:solidFill>
+              <a:latin typeface="Open Sans Light" panose="020B0306030504020204" pitchFamily="34" charset="0"/>
+              <a:ea typeface="Open Sans Light" panose="020B0306030504020204" pitchFamily="34" charset="0"/>
+              <a:cs typeface="Open Sans Light" panose="020B0306030504020204" pitchFamily="34" charset="0"/>
+            </a:rPr>
+            <a:t>When </a:t>
+          </a:r>
+          <a:r>
+            <a:rPr lang="en-CA" dirty="0">
+              <a:solidFill>
+                <a:srgbClr val="002060"/>
+              </a:solidFill>
+              <a:latin typeface="Open Sans Semibold" panose="020B0706030804020204" pitchFamily="34" charset="0"/>
+              <a:ea typeface="Open Sans Semibold" panose="020B0706030804020204" pitchFamily="34" charset="0"/>
+              <a:cs typeface="Open Sans Semibold" panose="020B0706030804020204" pitchFamily="34" charset="0"/>
+            </a:rPr>
+            <a:t>Resident </a:t>
+          </a:r>
+          <a:r>
+            <a:rPr lang="en-CA" dirty="0">
+              <a:solidFill>
+                <a:srgbClr val="002060"/>
+              </a:solidFill>
+              <a:latin typeface="Open Sans Light" panose="020B0306030504020204" pitchFamily="34" charset="0"/>
+              <a:ea typeface="Open Sans Light" panose="020B0306030504020204" pitchFamily="34" charset="0"/>
+              <a:cs typeface="Open Sans Light" panose="020B0306030504020204" pitchFamily="34" charset="0"/>
+            </a:rPr>
+            <a:t>brings the key back, </a:t>
+          </a:r>
+          <a:r>
+            <a:rPr lang="en-CA" dirty="0">
+              <a:solidFill>
+                <a:srgbClr val="002060"/>
+              </a:solidFill>
+              <a:latin typeface="Open Sans Semibold" panose="020B0706030804020204" pitchFamily="34" charset="0"/>
+              <a:ea typeface="Open Sans Semibold" panose="020B0706030804020204" pitchFamily="34" charset="0"/>
+              <a:cs typeface="Open Sans Semibold" panose="020B0706030804020204" pitchFamily="34" charset="0"/>
+            </a:rPr>
+            <a:t>receptionist </a:t>
+          </a:r>
+          <a:r>
+            <a:rPr lang="en-CA" dirty="0">
+              <a:solidFill>
+                <a:srgbClr val="002060"/>
+              </a:solidFill>
+              <a:latin typeface="Open Sans Light" panose="020B0306030504020204" pitchFamily="34" charset="0"/>
+              <a:ea typeface="Open Sans Light" panose="020B0306030504020204" pitchFamily="34" charset="0"/>
+              <a:cs typeface="Open Sans Light" panose="020B0306030504020204" pitchFamily="34" charset="0"/>
+            </a:rPr>
+            <a:t>stops the timer and if there’s a penalty, pays.</a:t>
+          </a:r>
+          <a:endParaRPr lang="en-US" dirty="0">
+            <a:solidFill>
+              <a:srgbClr val="002060"/>
+            </a:solidFill>
+          </a:endParaRPr>
+        </a:p>
+      </dgm:t>
+    </dgm:pt>
+    <dgm:pt modelId="{C57D7FEF-F17E-4815-B6B0-07430456E77C}" type="parTrans" cxnId="{3BE040F0-8589-4431-BC53-2FB5DE5CB95C}">
+      <dgm:prSet/>
+      <dgm:spPr/>
+      <dgm:t>
+        <a:bodyPr/>
+        <a:lstStyle/>
+        <a:p>
+          <a:endParaRPr lang="en-US"/>
+        </a:p>
+      </dgm:t>
+    </dgm:pt>
+    <dgm:pt modelId="{0FC9FEF9-FE44-4377-8A34-476D281EC896}" type="sibTrans" cxnId="{3BE040F0-8589-4431-BC53-2FB5DE5CB95C}">
+      <dgm:prSet/>
+      <dgm:spPr/>
+      <dgm:t>
+        <a:bodyPr/>
+        <a:lstStyle/>
+        <a:p>
+          <a:endParaRPr lang="en-US"/>
+        </a:p>
+      </dgm:t>
+    </dgm:pt>
+    <dgm:pt modelId="{E6B7878A-37EA-4160-A872-833067E6690F}" type="pres">
+      <dgm:prSet presAssocID="{4935AF64-13A5-4B02-9BC1-23B0B009FBEB}" presName="cycle" presStyleCnt="0">
+        <dgm:presLayoutVars>
+          <dgm:dir/>
+          <dgm:resizeHandles val="exact"/>
+        </dgm:presLayoutVars>
+      </dgm:prSet>
+      <dgm:spPr/>
+    </dgm:pt>
+    <dgm:pt modelId="{C6F7BC21-2154-4F32-BAEE-4E699CED6FB3}" type="pres">
+      <dgm:prSet presAssocID="{B55D5B58-CA5B-486F-805E-E1E3EE75211F}" presName="node" presStyleLbl="node1" presStyleIdx="0" presStyleCnt="5">
+        <dgm:presLayoutVars>
+          <dgm:bulletEnabled val="1"/>
+        </dgm:presLayoutVars>
+      </dgm:prSet>
+      <dgm:spPr/>
+    </dgm:pt>
+    <dgm:pt modelId="{97635C38-D38D-483F-94B1-51E93F1B20FC}" type="pres">
+      <dgm:prSet presAssocID="{B55D5B58-CA5B-486F-805E-E1E3EE75211F}" presName="spNode" presStyleCnt="0"/>
+      <dgm:spPr/>
+    </dgm:pt>
+    <dgm:pt modelId="{A2C2B360-BE72-4E0C-9300-B73EB4501C66}" type="pres">
+      <dgm:prSet presAssocID="{EAF2A131-A15C-4C45-9FB4-8DFAD4C48DFA}" presName="sibTrans" presStyleLbl="sibTrans1D1" presStyleIdx="0" presStyleCnt="5"/>
+      <dgm:spPr/>
+    </dgm:pt>
+    <dgm:pt modelId="{8FD121C8-6D1B-4778-B026-E88C2858C129}" type="pres">
+      <dgm:prSet presAssocID="{4DF4A299-099D-4E98-809E-FA4A27E0780A}" presName="node" presStyleLbl="node1" presStyleIdx="1" presStyleCnt="5">
+        <dgm:presLayoutVars>
+          <dgm:bulletEnabled val="1"/>
+        </dgm:presLayoutVars>
+      </dgm:prSet>
+      <dgm:spPr/>
+    </dgm:pt>
+    <dgm:pt modelId="{813A134E-2A45-48F6-AA4C-0681709CD4C7}" type="pres">
+      <dgm:prSet presAssocID="{4DF4A299-099D-4E98-809E-FA4A27E0780A}" presName="spNode" presStyleCnt="0"/>
+      <dgm:spPr/>
+    </dgm:pt>
+    <dgm:pt modelId="{8848DC1D-7675-4A58-B77E-BE9D7E8B406D}" type="pres">
+      <dgm:prSet presAssocID="{515EEDC2-8318-4A89-A8EF-80A4AE3A65B7}" presName="sibTrans" presStyleLbl="sibTrans1D1" presStyleIdx="1" presStyleCnt="5"/>
+      <dgm:spPr/>
+    </dgm:pt>
+    <dgm:pt modelId="{EFEBCD92-45C9-400E-9ABB-B4F75B66AF73}" type="pres">
+      <dgm:prSet presAssocID="{2A128D65-A08A-413B-92E1-FFCF173D153E}" presName="node" presStyleLbl="node1" presStyleIdx="2" presStyleCnt="5">
+        <dgm:presLayoutVars>
+          <dgm:bulletEnabled val="1"/>
+        </dgm:presLayoutVars>
+      </dgm:prSet>
+      <dgm:spPr/>
+    </dgm:pt>
+    <dgm:pt modelId="{1299EA6E-F346-4437-A263-EB1FD6DEBD23}" type="pres">
+      <dgm:prSet presAssocID="{2A128D65-A08A-413B-92E1-FFCF173D153E}" presName="spNode" presStyleCnt="0"/>
+      <dgm:spPr/>
+    </dgm:pt>
+    <dgm:pt modelId="{B0392B7B-7551-49E3-9746-DB08AAFF8128}" type="pres">
+      <dgm:prSet presAssocID="{CA5FFEFC-1DA9-4861-8CE7-2CE14466CA06}" presName="sibTrans" presStyleLbl="sibTrans1D1" presStyleIdx="2" presStyleCnt="5"/>
+      <dgm:spPr/>
+    </dgm:pt>
+    <dgm:pt modelId="{53F71540-CDE1-46CC-BB41-1CAFF4F33333}" type="pres">
+      <dgm:prSet presAssocID="{E00E9FA8-C539-4410-9748-09B26EDDDD45}" presName="node" presStyleLbl="node1" presStyleIdx="3" presStyleCnt="5">
+        <dgm:presLayoutVars>
+          <dgm:bulletEnabled val="1"/>
+        </dgm:presLayoutVars>
+      </dgm:prSet>
+      <dgm:spPr/>
+    </dgm:pt>
+    <dgm:pt modelId="{46818D39-3AC5-4A3E-907D-6A932B34BE8D}" type="pres">
+      <dgm:prSet presAssocID="{E00E9FA8-C539-4410-9748-09B26EDDDD45}" presName="spNode" presStyleCnt="0"/>
+      <dgm:spPr/>
+    </dgm:pt>
+    <dgm:pt modelId="{3B0CEDEE-4DB6-49F0-9978-E2F16EEE4DF3}" type="pres">
+      <dgm:prSet presAssocID="{04B1B09A-FE1B-4838-B6EE-96483DCD2465}" presName="sibTrans" presStyleLbl="sibTrans1D1" presStyleIdx="3" presStyleCnt="5"/>
+      <dgm:spPr/>
+    </dgm:pt>
+    <dgm:pt modelId="{FD21D4E1-0959-47A6-8311-BADBA984B84E}" type="pres">
+      <dgm:prSet presAssocID="{40C6DC99-4023-465A-93EB-F81806FCEFD7}" presName="node" presStyleLbl="node1" presStyleIdx="4" presStyleCnt="5">
+        <dgm:presLayoutVars>
+          <dgm:bulletEnabled val="1"/>
+        </dgm:presLayoutVars>
+      </dgm:prSet>
+      <dgm:spPr/>
+    </dgm:pt>
+    <dgm:pt modelId="{159713FF-A5F3-4046-8284-1D7BA94D20DE}" type="pres">
+      <dgm:prSet presAssocID="{40C6DC99-4023-465A-93EB-F81806FCEFD7}" presName="spNode" presStyleCnt="0"/>
+      <dgm:spPr/>
+    </dgm:pt>
+    <dgm:pt modelId="{5E43DE4B-9165-422D-A6B1-FADD9324CAD7}" type="pres">
+      <dgm:prSet presAssocID="{0FC9FEF9-FE44-4377-8A34-476D281EC896}" presName="sibTrans" presStyleLbl="sibTrans1D1" presStyleIdx="4" presStyleCnt="5"/>
+      <dgm:spPr/>
+    </dgm:pt>
+  </dgm:ptLst>
+  <dgm:cxnLst>
+    <dgm:cxn modelId="{FBA75805-F3A8-4C31-B027-AC63EAA5A65C}" srcId="{4935AF64-13A5-4B02-9BC1-23B0B009FBEB}" destId="{B55D5B58-CA5B-486F-805E-E1E3EE75211F}" srcOrd="0" destOrd="0" parTransId="{F3D78E60-8719-4DAE-92E2-900ABF25187F}" sibTransId="{EAF2A131-A15C-4C45-9FB4-8DFAD4C48DFA}"/>
+    <dgm:cxn modelId="{B9D00115-3B2A-4CA4-B51B-593867C5A293}" srcId="{4935AF64-13A5-4B02-9BC1-23B0B009FBEB}" destId="{4DF4A299-099D-4E98-809E-FA4A27E0780A}" srcOrd="1" destOrd="0" parTransId="{BA614931-6922-4DCB-9496-800F9D653F75}" sibTransId="{515EEDC2-8318-4A89-A8EF-80A4AE3A65B7}"/>
+    <dgm:cxn modelId="{5D6C391E-1F1A-4292-867A-4B4E617E5681}" type="presOf" srcId="{CA5FFEFC-1DA9-4861-8CE7-2CE14466CA06}" destId="{B0392B7B-7551-49E3-9746-DB08AAFF8128}" srcOrd="0" destOrd="0" presId="urn:microsoft.com/office/officeart/2005/8/layout/cycle5"/>
+    <dgm:cxn modelId="{A18ACD60-3AB8-4E97-9B7B-FD0E55324767}" type="presOf" srcId="{40C6DC99-4023-465A-93EB-F81806FCEFD7}" destId="{FD21D4E1-0959-47A6-8311-BADBA984B84E}" srcOrd="0" destOrd="0" presId="urn:microsoft.com/office/officeart/2005/8/layout/cycle5"/>
+    <dgm:cxn modelId="{7FF78763-5848-4DF0-B3A7-69E91C1BD9EE}" type="presOf" srcId="{B55D5B58-CA5B-486F-805E-E1E3EE75211F}" destId="{C6F7BC21-2154-4F32-BAEE-4E699CED6FB3}" srcOrd="0" destOrd="0" presId="urn:microsoft.com/office/officeart/2005/8/layout/cycle5"/>
+    <dgm:cxn modelId="{7BD3AD55-0E62-4E4E-A12D-530046655995}" type="presOf" srcId="{4935AF64-13A5-4B02-9BC1-23B0B009FBEB}" destId="{E6B7878A-37EA-4160-A872-833067E6690F}" srcOrd="0" destOrd="0" presId="urn:microsoft.com/office/officeart/2005/8/layout/cycle5"/>
+    <dgm:cxn modelId="{B7589779-5D18-4231-84FF-D686D46F71FF}" type="presOf" srcId="{0FC9FEF9-FE44-4377-8A34-476D281EC896}" destId="{5E43DE4B-9165-422D-A6B1-FADD9324CAD7}" srcOrd="0" destOrd="0" presId="urn:microsoft.com/office/officeart/2005/8/layout/cycle5"/>
+    <dgm:cxn modelId="{C36F269A-F71B-4E0D-8ECF-26A607B3ABFF}" type="presOf" srcId="{515EEDC2-8318-4A89-A8EF-80A4AE3A65B7}" destId="{8848DC1D-7675-4A58-B77E-BE9D7E8B406D}" srcOrd="0" destOrd="0" presId="urn:microsoft.com/office/officeart/2005/8/layout/cycle5"/>
+    <dgm:cxn modelId="{333D6AAC-D6F7-4F0F-91EC-1AEA6118A8F4}" type="presOf" srcId="{EAF2A131-A15C-4C45-9FB4-8DFAD4C48DFA}" destId="{A2C2B360-BE72-4E0C-9300-B73EB4501C66}" srcOrd="0" destOrd="0" presId="urn:microsoft.com/office/officeart/2005/8/layout/cycle5"/>
+    <dgm:cxn modelId="{A0DB51B6-5B82-4E12-93D5-50985896DFE3}" type="presOf" srcId="{E00E9FA8-C539-4410-9748-09B26EDDDD45}" destId="{53F71540-CDE1-46CC-BB41-1CAFF4F33333}" srcOrd="0" destOrd="0" presId="urn:microsoft.com/office/officeart/2005/8/layout/cycle5"/>
+    <dgm:cxn modelId="{1C7031CC-17D7-4355-A6D4-1B51407A01A7}" type="presOf" srcId="{04B1B09A-FE1B-4838-B6EE-96483DCD2465}" destId="{3B0CEDEE-4DB6-49F0-9978-E2F16EEE4DF3}" srcOrd="0" destOrd="0" presId="urn:microsoft.com/office/officeart/2005/8/layout/cycle5"/>
+    <dgm:cxn modelId="{0BBB69DB-D768-4761-9848-97B638220505}" srcId="{4935AF64-13A5-4B02-9BC1-23B0B009FBEB}" destId="{E00E9FA8-C539-4410-9748-09B26EDDDD45}" srcOrd="3" destOrd="0" parTransId="{039BF61B-C472-4243-BE0E-2A18B8D0C0EA}" sibTransId="{04B1B09A-FE1B-4838-B6EE-96483DCD2465}"/>
+    <dgm:cxn modelId="{852955DC-771B-444F-8757-EDC5AB9AF865}" srcId="{4935AF64-13A5-4B02-9BC1-23B0B009FBEB}" destId="{2A128D65-A08A-413B-92E1-FFCF173D153E}" srcOrd="2" destOrd="0" parTransId="{D9B81D33-C961-4AC3-8F4B-D2B16D18A915}" sibTransId="{CA5FFEFC-1DA9-4861-8CE7-2CE14466CA06}"/>
+    <dgm:cxn modelId="{4AFD3FDE-D90C-4945-958B-8328E7BDF1AA}" type="presOf" srcId="{4DF4A299-099D-4E98-809E-FA4A27E0780A}" destId="{8FD121C8-6D1B-4778-B026-E88C2858C129}" srcOrd="0" destOrd="0" presId="urn:microsoft.com/office/officeart/2005/8/layout/cycle5"/>
+    <dgm:cxn modelId="{BB13A4E1-F0F1-461C-9DDD-56C29B981FAF}" type="presOf" srcId="{2A128D65-A08A-413B-92E1-FFCF173D153E}" destId="{EFEBCD92-45C9-400E-9ABB-B4F75B66AF73}" srcOrd="0" destOrd="0" presId="urn:microsoft.com/office/officeart/2005/8/layout/cycle5"/>
+    <dgm:cxn modelId="{3BE040F0-8589-4431-BC53-2FB5DE5CB95C}" srcId="{4935AF64-13A5-4B02-9BC1-23B0B009FBEB}" destId="{40C6DC99-4023-465A-93EB-F81806FCEFD7}" srcOrd="4" destOrd="0" parTransId="{C57D7FEF-F17E-4815-B6B0-07430456E77C}" sibTransId="{0FC9FEF9-FE44-4377-8A34-476D281EC896}"/>
+    <dgm:cxn modelId="{77C6A97D-9397-4A8F-92DF-6148B4D92483}" type="presParOf" srcId="{E6B7878A-37EA-4160-A872-833067E6690F}" destId="{C6F7BC21-2154-4F32-BAEE-4E699CED6FB3}" srcOrd="0" destOrd="0" presId="urn:microsoft.com/office/officeart/2005/8/layout/cycle5"/>
+    <dgm:cxn modelId="{26BF9E03-39A5-48DF-90DD-3E629FB4CC1E}" type="presParOf" srcId="{E6B7878A-37EA-4160-A872-833067E6690F}" destId="{97635C38-D38D-483F-94B1-51E93F1B20FC}" srcOrd="1" destOrd="0" presId="urn:microsoft.com/office/officeart/2005/8/layout/cycle5"/>
+    <dgm:cxn modelId="{9EE0E2C9-C88F-46BD-B466-56046697411A}" type="presParOf" srcId="{E6B7878A-37EA-4160-A872-833067E6690F}" destId="{A2C2B360-BE72-4E0C-9300-B73EB4501C66}" srcOrd="2" destOrd="0" presId="urn:microsoft.com/office/officeart/2005/8/layout/cycle5"/>
+    <dgm:cxn modelId="{2F72C56B-0BFA-4598-B4BE-DF1D0D14B164}" type="presParOf" srcId="{E6B7878A-37EA-4160-A872-833067E6690F}" destId="{8FD121C8-6D1B-4778-B026-E88C2858C129}" srcOrd="3" destOrd="0" presId="urn:microsoft.com/office/officeart/2005/8/layout/cycle5"/>
+    <dgm:cxn modelId="{B12994DE-B50A-42A6-8DE0-7A30A1E8DFDA}" type="presParOf" srcId="{E6B7878A-37EA-4160-A872-833067E6690F}" destId="{813A134E-2A45-48F6-AA4C-0681709CD4C7}" srcOrd="4" destOrd="0" presId="urn:microsoft.com/office/officeart/2005/8/layout/cycle5"/>
+    <dgm:cxn modelId="{AED8CE5B-AA1B-4D98-9DEC-5BDB802F6E21}" type="presParOf" srcId="{E6B7878A-37EA-4160-A872-833067E6690F}" destId="{8848DC1D-7675-4A58-B77E-BE9D7E8B406D}" srcOrd="5" destOrd="0" presId="urn:microsoft.com/office/officeart/2005/8/layout/cycle5"/>
+    <dgm:cxn modelId="{379E069B-0292-4C02-B1DC-6F925A5FC07E}" type="presParOf" srcId="{E6B7878A-37EA-4160-A872-833067E6690F}" destId="{EFEBCD92-45C9-400E-9ABB-B4F75B66AF73}" srcOrd="6" destOrd="0" presId="urn:microsoft.com/office/officeart/2005/8/layout/cycle5"/>
+    <dgm:cxn modelId="{A309598A-0905-49CA-B4F4-067ABD0938E8}" type="presParOf" srcId="{E6B7878A-37EA-4160-A872-833067E6690F}" destId="{1299EA6E-F346-4437-A263-EB1FD6DEBD23}" srcOrd="7" destOrd="0" presId="urn:microsoft.com/office/officeart/2005/8/layout/cycle5"/>
+    <dgm:cxn modelId="{756EF952-4226-4254-B862-5CF7226F319A}" type="presParOf" srcId="{E6B7878A-37EA-4160-A872-833067E6690F}" destId="{B0392B7B-7551-49E3-9746-DB08AAFF8128}" srcOrd="8" destOrd="0" presId="urn:microsoft.com/office/officeart/2005/8/layout/cycle5"/>
+    <dgm:cxn modelId="{6C4C86A3-7B7E-4848-9064-F264573D8A39}" type="presParOf" srcId="{E6B7878A-37EA-4160-A872-833067E6690F}" destId="{53F71540-CDE1-46CC-BB41-1CAFF4F33333}" srcOrd="9" destOrd="0" presId="urn:microsoft.com/office/officeart/2005/8/layout/cycle5"/>
+    <dgm:cxn modelId="{F7B692E2-9AD0-4A8A-B6D0-6C18BC5142D9}" type="presParOf" srcId="{E6B7878A-37EA-4160-A872-833067E6690F}" destId="{46818D39-3AC5-4A3E-907D-6A932B34BE8D}" srcOrd="10" destOrd="0" presId="urn:microsoft.com/office/officeart/2005/8/layout/cycle5"/>
+    <dgm:cxn modelId="{61526B93-7CD0-4347-8A46-1643C2B7FFE7}" type="presParOf" srcId="{E6B7878A-37EA-4160-A872-833067E6690F}" destId="{3B0CEDEE-4DB6-49F0-9978-E2F16EEE4DF3}" srcOrd="11" destOrd="0" presId="urn:microsoft.com/office/officeart/2005/8/layout/cycle5"/>
+    <dgm:cxn modelId="{3C8FCC0F-45AA-4302-9E7D-997B31AF2C14}" type="presParOf" srcId="{E6B7878A-37EA-4160-A872-833067E6690F}" destId="{FD21D4E1-0959-47A6-8311-BADBA984B84E}" srcOrd="12" destOrd="0" presId="urn:microsoft.com/office/officeart/2005/8/layout/cycle5"/>
+    <dgm:cxn modelId="{3330C2B5-5D7F-4B91-B17F-586FAC2A2716}" type="presParOf" srcId="{E6B7878A-37EA-4160-A872-833067E6690F}" destId="{159713FF-A5F3-4046-8284-1D7BA94D20DE}" srcOrd="13" destOrd="0" presId="urn:microsoft.com/office/officeart/2005/8/layout/cycle5"/>
+    <dgm:cxn modelId="{BECAC0DC-BBBE-4B40-8443-1510A8521074}" type="presParOf" srcId="{E6B7878A-37EA-4160-A872-833067E6690F}" destId="{5E43DE4B-9165-422D-A6B1-FADD9324CAD7}" srcOrd="14" destOrd="0" presId="urn:microsoft.com/office/officeart/2005/8/layout/cycle5"/>
+  </dgm:cxnLst>
+  <dgm:bg/>
+  <dgm:whole/>
+  <dgm:extLst>
+    <a:ext uri="http://schemas.microsoft.com/office/drawing/2008/diagram">
+      <dsp:dataModelExt xmlns:dsp="http://schemas.microsoft.com/office/drawing/2008/diagram" relId="rId8" minVer="http://schemas.openxmlformats.org/drawingml/2006/diagram"/>
+    </a:ext>
+  </dgm:extLst>
+</dgm:dataModel>
+</file>
+
+<file path=ppt/diagrams/drawing1.xml><?xml version="1.0" encoding="utf-8"?>
+<dsp:drawing xmlns:dgm="http://schemas.openxmlformats.org/drawingml/2006/diagram" xmlns:dsp="http://schemas.microsoft.com/office/drawing/2008/diagram" xmlns:a="http://schemas.openxmlformats.org/drawingml/2006/main">
+  <dsp:spTree>
+    <dsp:nvGrpSpPr>
+      <dsp:cNvPr id="0" name=""/>
+      <dsp:cNvGrpSpPr/>
+    </dsp:nvGrpSpPr>
+    <dsp:grpSpPr/>
+    <dsp:sp modelId="{C6F7BC21-2154-4F32-BAEE-4E699CED6FB3}">
+      <dsp:nvSpPr>
+        <dsp:cNvPr id="0" name=""/>
+        <dsp:cNvSpPr/>
+      </dsp:nvSpPr>
+      <dsp:spPr>
+        <a:xfrm>
+          <a:off x="3174007" y="3160"/>
+          <a:ext cx="1779984" cy="1156989"/>
+        </a:xfrm>
+        <a:prstGeom prst="roundRect">
+          <a:avLst/>
+        </a:prstGeom>
+        <a:solidFill>
+          <a:schemeClr val="accent1">
+            <a:hueOff val="0"/>
+            <a:satOff val="0"/>
+            <a:lumOff val="0"/>
+            <a:alphaOff val="0"/>
+          </a:schemeClr>
+        </a:solidFill>
+        <a:ln w="12700" cap="flat" cmpd="sng" algn="ctr">
+          <a:solidFill>
+            <a:schemeClr val="lt1">
+              <a:hueOff val="0"/>
+              <a:satOff val="0"/>
+              <a:lumOff val="0"/>
+              <a:alphaOff val="0"/>
+            </a:schemeClr>
+          </a:solidFill>
+          <a:prstDash val="solid"/>
+          <a:miter lim="800000"/>
+        </a:ln>
+        <a:effectLst/>
+      </dsp:spPr>
+      <dsp:style>
+        <a:lnRef idx="2">
+          <a:scrgbClr r="0" g="0" b="0"/>
+        </a:lnRef>
+        <a:fillRef idx="1">
+          <a:scrgbClr r="0" g="0" b="0"/>
+        </a:fillRef>
+        <a:effectRef idx="0">
+          <a:scrgbClr r="0" g="0" b="0"/>
+        </a:effectRef>
+        <a:fontRef idx="minor">
+          <a:schemeClr val="lt1"/>
+        </a:fontRef>
+      </dsp:style>
+      <dsp:txBody>
+        <a:bodyPr spcFirstLastPara="0" vert="horz" wrap="square" lIns="45720" tIns="45720" rIns="45720" bIns="45720" numCol="1" spcCol="1270" anchor="ctr" anchorCtr="0">
+          <a:noAutofit/>
+        </a:bodyPr>
+        <a:lstStyle/>
+        <a:p>
+          <a:pPr marL="0" lvl="0" indent="0" algn="ctr" defTabSz="533400">
+            <a:lnSpc>
+              <a:spcPct val="90000"/>
+            </a:lnSpc>
+            <a:spcBef>
+              <a:spcPct val="0"/>
+            </a:spcBef>
+            <a:spcAft>
+              <a:spcPct val="35000"/>
+            </a:spcAft>
+            <a:buNone/>
+          </a:pPr>
+          <a:r>
+            <a:rPr lang="en-CA" sz="1200" kern="1200" dirty="0">
+              <a:solidFill>
+                <a:srgbClr val="002060"/>
+              </a:solidFill>
+              <a:latin typeface="Open Sans Semibold" panose="020B0706030804020204" pitchFamily="34" charset="0"/>
+              <a:ea typeface="Open Sans Semibold" panose="020B0706030804020204" pitchFamily="34" charset="0"/>
+              <a:cs typeface="Open Sans Semibold" panose="020B0706030804020204" pitchFamily="34" charset="0"/>
+            </a:rPr>
+            <a:t>Resident </a:t>
+          </a:r>
+          <a:r>
+            <a:rPr lang="en-CA" sz="1200" kern="1200" dirty="0">
+              <a:solidFill>
+                <a:srgbClr val="002060"/>
+              </a:solidFill>
+              <a:latin typeface="Open Sans Light" panose="020B0306030504020204" pitchFamily="34" charset="0"/>
+              <a:ea typeface="Open Sans Light" panose="020B0306030504020204" pitchFamily="34" charset="0"/>
+              <a:cs typeface="Open Sans Light" panose="020B0306030504020204" pitchFamily="34" charset="0"/>
+            </a:rPr>
+            <a:t>comes to the reception and asks for a key.</a:t>
+          </a:r>
+          <a:endParaRPr lang="en-US" sz="1200" kern="1200" dirty="0">
+            <a:solidFill>
+              <a:srgbClr val="002060"/>
+            </a:solidFill>
+          </a:endParaRPr>
+        </a:p>
+      </dsp:txBody>
+      <dsp:txXfrm>
+        <a:off x="3230487" y="59640"/>
+        <a:ext cx="1667024" cy="1044029"/>
+      </dsp:txXfrm>
+    </dsp:sp>
+    <dsp:sp modelId="{A2C2B360-BE72-4E0C-9300-B73EB4501C66}">
+      <dsp:nvSpPr>
+        <dsp:cNvPr id="0" name=""/>
+        <dsp:cNvSpPr/>
+      </dsp:nvSpPr>
+      <dsp:spPr>
+        <a:xfrm>
+          <a:off x="1753873" y="581655"/>
+          <a:ext cx="4620252" cy="4620252"/>
+        </a:xfrm>
+        <a:custGeom>
+          <a:avLst/>
+          <a:gdLst/>
+          <a:ahLst/>
+          <a:cxnLst/>
+          <a:rect l="0" t="0" r="0" b="0"/>
+          <a:pathLst>
+            <a:path>
+              <a:moveTo>
+                <a:pt x="3438230" y="294173"/>
+              </a:moveTo>
+              <a:arcTo wR="2310126" hR="2310126" stAng="17953853" swAng="1210876"/>
+            </a:path>
+          </a:pathLst>
+        </a:custGeom>
+        <a:noFill/>
+        <a:ln w="6350" cap="flat" cmpd="sng" algn="ctr">
+          <a:solidFill>
+            <a:schemeClr val="accent1">
+              <a:hueOff val="0"/>
+              <a:satOff val="0"/>
+              <a:lumOff val="0"/>
+              <a:alphaOff val="0"/>
+            </a:schemeClr>
+          </a:solidFill>
+          <a:prstDash val="solid"/>
+          <a:miter lim="800000"/>
+          <a:tailEnd type="arrow"/>
+        </a:ln>
+        <a:effectLst/>
+      </dsp:spPr>
+      <dsp:style>
+        <a:lnRef idx="1">
+          <a:scrgbClr r="0" g="0" b="0"/>
+        </a:lnRef>
+        <a:fillRef idx="0">
+          <a:scrgbClr r="0" g="0" b="0"/>
+        </a:fillRef>
+        <a:effectRef idx="0">
+          <a:scrgbClr r="0" g="0" b="0"/>
+        </a:effectRef>
+        <a:fontRef idx="minor"/>
+      </dsp:style>
+    </dsp:sp>
+    <dsp:sp modelId="{8FD121C8-6D1B-4778-B026-E88C2858C129}">
+      <dsp:nvSpPr>
+        <dsp:cNvPr id="0" name=""/>
+        <dsp:cNvSpPr/>
+      </dsp:nvSpPr>
+      <dsp:spPr>
+        <a:xfrm>
+          <a:off x="5371068" y="1599418"/>
+          <a:ext cx="1779984" cy="1156989"/>
+        </a:xfrm>
+        <a:prstGeom prst="roundRect">
+          <a:avLst/>
+        </a:prstGeom>
+        <a:solidFill>
+          <a:schemeClr val="accent1">
+            <a:hueOff val="0"/>
+            <a:satOff val="0"/>
+            <a:lumOff val="0"/>
+            <a:alphaOff val="0"/>
+          </a:schemeClr>
+        </a:solidFill>
+        <a:ln w="12700" cap="flat" cmpd="sng" algn="ctr">
+          <a:solidFill>
+            <a:schemeClr val="lt1">
+              <a:hueOff val="0"/>
+              <a:satOff val="0"/>
+              <a:lumOff val="0"/>
+              <a:alphaOff val="0"/>
+            </a:schemeClr>
+          </a:solidFill>
+          <a:prstDash val="solid"/>
+          <a:miter lim="800000"/>
+        </a:ln>
+        <a:effectLst/>
+      </dsp:spPr>
+      <dsp:style>
+        <a:lnRef idx="2">
+          <a:scrgbClr r="0" g="0" b="0"/>
+        </a:lnRef>
+        <a:fillRef idx="1">
+          <a:scrgbClr r="0" g="0" b="0"/>
+        </a:fillRef>
+        <a:effectRef idx="0">
+          <a:scrgbClr r="0" g="0" b="0"/>
+        </a:effectRef>
+        <a:fontRef idx="minor">
+          <a:schemeClr val="lt1"/>
+        </a:fontRef>
+      </dsp:style>
+      <dsp:txBody>
+        <a:bodyPr spcFirstLastPara="0" vert="horz" wrap="square" lIns="45720" tIns="45720" rIns="45720" bIns="45720" numCol="1" spcCol="1270" anchor="ctr" anchorCtr="0">
+          <a:noAutofit/>
+        </a:bodyPr>
+        <a:lstStyle/>
+        <a:p>
+          <a:pPr marL="0" lvl="0" indent="0" algn="ctr" defTabSz="533400">
+            <a:lnSpc>
+              <a:spcPct val="90000"/>
+            </a:lnSpc>
+            <a:spcBef>
+              <a:spcPct val="0"/>
+            </a:spcBef>
+            <a:spcAft>
+              <a:spcPct val="35000"/>
+            </a:spcAft>
+            <a:buNone/>
+          </a:pPr>
+          <a:r>
+            <a:rPr lang="en-CA" sz="1200" kern="1200" dirty="0">
+              <a:solidFill>
+                <a:srgbClr val="002060"/>
+              </a:solidFill>
+              <a:latin typeface="Open Sans Semibold" panose="020B0706030804020204" pitchFamily="34" charset="0"/>
+              <a:ea typeface="Open Sans Semibold" panose="020B0706030804020204" pitchFamily="34" charset="0"/>
+              <a:cs typeface="Open Sans Semibold" panose="020B0706030804020204" pitchFamily="34" charset="0"/>
+            </a:rPr>
+            <a:t>Receptionist </a:t>
+          </a:r>
+          <a:r>
+            <a:rPr lang="en-CA" sz="1200" kern="1200" dirty="0">
+              <a:solidFill>
+                <a:srgbClr val="002060"/>
+              </a:solidFill>
+              <a:latin typeface="Open Sans Light" panose="020B0306030504020204" pitchFamily="34" charset="0"/>
+              <a:ea typeface="Open Sans Light" panose="020B0306030504020204" pitchFamily="34" charset="0"/>
+              <a:cs typeface="Open Sans Light" panose="020B0306030504020204" pitchFamily="34" charset="0"/>
+            </a:rPr>
+            <a:t>takes </a:t>
+          </a:r>
+          <a:r>
+            <a:rPr lang="en-CA" sz="1200" kern="1200" dirty="0" err="1">
+              <a:solidFill>
+                <a:srgbClr val="002060"/>
+              </a:solidFill>
+              <a:latin typeface="Open Sans Light" panose="020B0306030504020204" pitchFamily="34" charset="0"/>
+              <a:ea typeface="Open Sans Light" panose="020B0306030504020204" pitchFamily="34" charset="0"/>
+              <a:cs typeface="Open Sans Light" panose="020B0306030504020204" pitchFamily="34" charset="0"/>
+            </a:rPr>
+            <a:t>informations</a:t>
+          </a:r>
+          <a:r>
+            <a:rPr lang="en-CA" sz="1200" kern="1200" dirty="0">
+              <a:solidFill>
+                <a:srgbClr val="002060"/>
+              </a:solidFill>
+              <a:latin typeface="Open Sans Light" panose="020B0306030504020204" pitchFamily="34" charset="0"/>
+              <a:ea typeface="Open Sans Light" panose="020B0306030504020204" pitchFamily="34" charset="0"/>
+              <a:cs typeface="Open Sans Light" panose="020B0306030504020204" pitchFamily="34" charset="0"/>
+            </a:rPr>
+            <a:t> about resident’s laundry, saves them and starts a timer.</a:t>
+          </a:r>
+          <a:endParaRPr lang="en-US" sz="1200" kern="1200" dirty="0">
+            <a:solidFill>
+              <a:srgbClr val="002060"/>
+            </a:solidFill>
+          </a:endParaRPr>
+        </a:p>
+      </dsp:txBody>
+      <dsp:txXfrm>
+        <a:off x="5427548" y="1655898"/>
+        <a:ext cx="1667024" cy="1044029"/>
+      </dsp:txXfrm>
+    </dsp:sp>
+    <dsp:sp modelId="{8848DC1D-7675-4A58-B77E-BE9D7E8B406D}">
+      <dsp:nvSpPr>
+        <dsp:cNvPr id="0" name=""/>
+        <dsp:cNvSpPr/>
+      </dsp:nvSpPr>
+      <dsp:spPr>
+        <a:xfrm>
+          <a:off x="1753873" y="581655"/>
+          <a:ext cx="4620252" cy="4620252"/>
+        </a:xfrm>
+        <a:custGeom>
+          <a:avLst/>
+          <a:gdLst/>
+          <a:ahLst/>
+          <a:cxnLst/>
+          <a:rect l="0" t="0" r="0" b="0"/>
+          <a:pathLst>
+            <a:path>
+              <a:moveTo>
+                <a:pt x="4614700" y="2470186"/>
+              </a:moveTo>
+              <a:arcTo wR="2310126" hR="2310126" stAng="21838381" swAng="1359213"/>
+            </a:path>
+          </a:pathLst>
+        </a:custGeom>
+        <a:noFill/>
+        <a:ln w="6350" cap="flat" cmpd="sng" algn="ctr">
+          <a:solidFill>
+            <a:schemeClr val="accent1">
+              <a:hueOff val="0"/>
+              <a:satOff val="0"/>
+              <a:lumOff val="0"/>
+              <a:alphaOff val="0"/>
+            </a:schemeClr>
+          </a:solidFill>
+          <a:prstDash val="solid"/>
+          <a:miter lim="800000"/>
+          <a:tailEnd type="arrow"/>
+        </a:ln>
+        <a:effectLst/>
+      </dsp:spPr>
+      <dsp:style>
+        <a:lnRef idx="1">
+          <a:scrgbClr r="0" g="0" b="0"/>
+        </a:lnRef>
+        <a:fillRef idx="0">
+          <a:scrgbClr r="0" g="0" b="0"/>
+        </a:fillRef>
+        <a:effectRef idx="0">
+          <a:scrgbClr r="0" g="0" b="0"/>
+        </a:effectRef>
+        <a:fontRef idx="minor"/>
+      </dsp:style>
+    </dsp:sp>
+    <dsp:sp modelId="{EFEBCD92-45C9-400E-9ABB-B4F75B66AF73}">
+      <dsp:nvSpPr>
+        <dsp:cNvPr id="0" name=""/>
+        <dsp:cNvSpPr/>
+      </dsp:nvSpPr>
+      <dsp:spPr>
+        <a:xfrm>
+          <a:off x="4531865" y="4182218"/>
+          <a:ext cx="1779984" cy="1156989"/>
+        </a:xfrm>
+        <a:prstGeom prst="roundRect">
+          <a:avLst/>
+        </a:prstGeom>
+        <a:solidFill>
+          <a:schemeClr val="accent1">
+            <a:hueOff val="0"/>
+            <a:satOff val="0"/>
+            <a:lumOff val="0"/>
+            <a:alphaOff val="0"/>
+          </a:schemeClr>
+        </a:solidFill>
+        <a:ln w="12700" cap="flat" cmpd="sng" algn="ctr">
+          <a:solidFill>
+            <a:schemeClr val="lt1">
+              <a:hueOff val="0"/>
+              <a:satOff val="0"/>
+              <a:lumOff val="0"/>
+              <a:alphaOff val="0"/>
+            </a:schemeClr>
+          </a:solidFill>
+          <a:prstDash val="solid"/>
+          <a:miter lim="800000"/>
+        </a:ln>
+        <a:effectLst/>
+      </dsp:spPr>
+      <dsp:style>
+        <a:lnRef idx="2">
+          <a:scrgbClr r="0" g="0" b="0"/>
+        </a:lnRef>
+        <a:fillRef idx="1">
+          <a:scrgbClr r="0" g="0" b="0"/>
+        </a:fillRef>
+        <a:effectRef idx="0">
+          <a:scrgbClr r="0" g="0" b="0"/>
+        </a:effectRef>
+        <a:fontRef idx="minor">
+          <a:schemeClr val="lt1"/>
+        </a:fontRef>
+      </dsp:style>
+      <dsp:txBody>
+        <a:bodyPr spcFirstLastPara="0" vert="horz" wrap="square" lIns="45720" tIns="45720" rIns="45720" bIns="45720" numCol="1" spcCol="1270" anchor="ctr" anchorCtr="0">
+          <a:noAutofit/>
+        </a:bodyPr>
+        <a:lstStyle/>
+        <a:p>
+          <a:pPr marL="0" lvl="0" indent="0" algn="ctr" defTabSz="533400">
+            <a:lnSpc>
+              <a:spcPct val="90000"/>
+            </a:lnSpc>
+            <a:spcBef>
+              <a:spcPct val="0"/>
+            </a:spcBef>
+            <a:spcAft>
+              <a:spcPct val="35000"/>
+            </a:spcAft>
+            <a:buNone/>
+          </a:pPr>
+          <a:r>
+            <a:rPr lang="en-CA" sz="1200" kern="1200" dirty="0">
+              <a:solidFill>
+                <a:srgbClr val="002060"/>
+              </a:solidFill>
+              <a:latin typeface="Open Sans Semibold" panose="020B0706030804020204" pitchFamily="34" charset="0"/>
+              <a:ea typeface="Open Sans Semibold" panose="020B0706030804020204" pitchFamily="34" charset="0"/>
+              <a:cs typeface="Open Sans Semibold" panose="020B0706030804020204" pitchFamily="34" charset="0"/>
+            </a:rPr>
+            <a:t>Resident </a:t>
+          </a:r>
+          <a:r>
+            <a:rPr lang="en-CA" sz="1200" kern="1200" dirty="0">
+              <a:solidFill>
+                <a:srgbClr val="002060"/>
+              </a:solidFill>
+              <a:latin typeface="Open Sans Light" panose="020B0306030504020204" pitchFamily="34" charset="0"/>
+              <a:ea typeface="Open Sans Light" panose="020B0306030504020204" pitchFamily="34" charset="0"/>
+              <a:cs typeface="Open Sans Light" panose="020B0306030504020204" pitchFamily="34" charset="0"/>
+            </a:rPr>
+            <a:t>has to finish their laundry in given time.</a:t>
+          </a:r>
+          <a:endParaRPr lang="en-US" sz="1200" kern="1200" dirty="0">
+            <a:solidFill>
+              <a:srgbClr val="002060"/>
+            </a:solidFill>
+          </a:endParaRPr>
+        </a:p>
+      </dsp:txBody>
+      <dsp:txXfrm>
+        <a:off x="4588345" y="4238698"/>
+        <a:ext cx="1667024" cy="1044029"/>
+      </dsp:txXfrm>
+    </dsp:sp>
+    <dsp:sp modelId="{B0392B7B-7551-49E3-9746-DB08AAFF8128}">
+      <dsp:nvSpPr>
+        <dsp:cNvPr id="0" name=""/>
+        <dsp:cNvSpPr/>
+      </dsp:nvSpPr>
+      <dsp:spPr>
+        <a:xfrm>
+          <a:off x="1753873" y="581655"/>
+          <a:ext cx="4620252" cy="4620252"/>
+        </a:xfrm>
+        <a:custGeom>
+          <a:avLst/>
+          <a:gdLst/>
+          <a:ahLst/>
+          <a:cxnLst/>
+          <a:rect l="0" t="0" r="0" b="0"/>
+          <a:pathLst>
+            <a:path>
+              <a:moveTo>
+                <a:pt x="2593389" y="4602819"/>
+              </a:moveTo>
+              <a:arcTo wR="2310126" hR="2310126" stAng="4977406" swAng="845189"/>
+            </a:path>
+          </a:pathLst>
+        </a:custGeom>
+        <a:noFill/>
+        <a:ln w="6350" cap="flat" cmpd="sng" algn="ctr">
+          <a:solidFill>
+            <a:schemeClr val="accent1">
+              <a:hueOff val="0"/>
+              <a:satOff val="0"/>
+              <a:lumOff val="0"/>
+              <a:alphaOff val="0"/>
+            </a:schemeClr>
+          </a:solidFill>
+          <a:prstDash val="solid"/>
+          <a:miter lim="800000"/>
+          <a:tailEnd type="arrow"/>
+        </a:ln>
+        <a:effectLst/>
+      </dsp:spPr>
+      <dsp:style>
+        <a:lnRef idx="1">
+          <a:scrgbClr r="0" g="0" b="0"/>
+        </a:lnRef>
+        <a:fillRef idx="0">
+          <a:scrgbClr r="0" g="0" b="0"/>
+        </a:fillRef>
+        <a:effectRef idx="0">
+          <a:scrgbClr r="0" g="0" b="0"/>
+        </a:effectRef>
+        <a:fontRef idx="minor"/>
+      </dsp:style>
+    </dsp:sp>
+    <dsp:sp modelId="{53F71540-CDE1-46CC-BB41-1CAFF4F33333}">
+      <dsp:nvSpPr>
+        <dsp:cNvPr id="0" name=""/>
+        <dsp:cNvSpPr/>
+      </dsp:nvSpPr>
+      <dsp:spPr>
+        <a:xfrm>
+          <a:off x="1816149" y="4182218"/>
+          <a:ext cx="1779984" cy="1156989"/>
+        </a:xfrm>
+        <a:prstGeom prst="roundRect">
+          <a:avLst/>
+        </a:prstGeom>
+        <a:solidFill>
+          <a:schemeClr val="accent1">
+            <a:hueOff val="0"/>
+            <a:satOff val="0"/>
+            <a:lumOff val="0"/>
+            <a:alphaOff val="0"/>
+          </a:schemeClr>
+        </a:solidFill>
+        <a:ln w="12700" cap="flat" cmpd="sng" algn="ctr">
+          <a:solidFill>
+            <a:schemeClr val="lt1">
+              <a:hueOff val="0"/>
+              <a:satOff val="0"/>
+              <a:lumOff val="0"/>
+              <a:alphaOff val="0"/>
+            </a:schemeClr>
+          </a:solidFill>
+          <a:prstDash val="solid"/>
+          <a:miter lim="800000"/>
+        </a:ln>
+        <a:effectLst/>
+      </dsp:spPr>
+      <dsp:style>
+        <a:lnRef idx="2">
+          <a:scrgbClr r="0" g="0" b="0"/>
+        </a:lnRef>
+        <a:fillRef idx="1">
+          <a:scrgbClr r="0" g="0" b="0"/>
+        </a:fillRef>
+        <a:effectRef idx="0">
+          <a:scrgbClr r="0" g="0" b="0"/>
+        </a:effectRef>
+        <a:fontRef idx="minor">
+          <a:schemeClr val="lt1"/>
+        </a:fontRef>
+      </dsp:style>
+      <dsp:txBody>
+        <a:bodyPr spcFirstLastPara="0" vert="horz" wrap="square" lIns="45720" tIns="45720" rIns="45720" bIns="45720" numCol="1" spcCol="1270" anchor="ctr" anchorCtr="0">
+          <a:noAutofit/>
+        </a:bodyPr>
+        <a:lstStyle/>
+        <a:p>
+          <a:pPr marL="0" lvl="0" indent="0" algn="ctr" defTabSz="533400">
+            <a:lnSpc>
+              <a:spcPct val="90000"/>
+            </a:lnSpc>
+            <a:spcBef>
+              <a:spcPct val="0"/>
+            </a:spcBef>
+            <a:spcAft>
+              <a:spcPct val="35000"/>
+            </a:spcAft>
+            <a:buNone/>
+          </a:pPr>
+          <a:r>
+            <a:rPr lang="en-CA" sz="1200" kern="1200" dirty="0">
+              <a:solidFill>
+                <a:srgbClr val="002060"/>
+              </a:solidFill>
+              <a:latin typeface="Open Sans Semibold" panose="020B0706030804020204" pitchFamily="34" charset="0"/>
+              <a:ea typeface="Open Sans Semibold" panose="020B0706030804020204" pitchFamily="34" charset="0"/>
+              <a:cs typeface="Open Sans Semibold" panose="020B0706030804020204" pitchFamily="34" charset="0"/>
+            </a:rPr>
+            <a:t>Resident </a:t>
+          </a:r>
+          <a:r>
+            <a:rPr lang="en-CA" sz="1200" kern="1200" dirty="0">
+              <a:solidFill>
+                <a:srgbClr val="002060"/>
+              </a:solidFill>
+              <a:latin typeface="Open Sans Light" panose="020B0306030504020204" pitchFamily="34" charset="0"/>
+              <a:ea typeface="Open Sans Light" panose="020B0306030504020204" pitchFamily="34" charset="0"/>
+              <a:cs typeface="Open Sans Light" panose="020B0306030504020204" pitchFamily="34" charset="0"/>
+            </a:rPr>
+            <a:t>gets notifications about the time limit and current penalty status.</a:t>
+          </a:r>
+          <a:endParaRPr lang="en-US" sz="1200" kern="1200" dirty="0">
+            <a:solidFill>
+              <a:srgbClr val="002060"/>
+            </a:solidFill>
+          </a:endParaRPr>
+        </a:p>
+      </dsp:txBody>
+      <dsp:txXfrm>
+        <a:off x="1872629" y="4238698"/>
+        <a:ext cx="1667024" cy="1044029"/>
+      </dsp:txXfrm>
+    </dsp:sp>
+    <dsp:sp modelId="{3B0CEDEE-4DB6-49F0-9978-E2F16EEE4DF3}">
+      <dsp:nvSpPr>
+        <dsp:cNvPr id="0" name=""/>
+        <dsp:cNvSpPr/>
+      </dsp:nvSpPr>
+      <dsp:spPr>
+        <a:xfrm>
+          <a:off x="1753873" y="581655"/>
+          <a:ext cx="4620252" cy="4620252"/>
+        </a:xfrm>
+        <a:custGeom>
+          <a:avLst/>
+          <a:gdLst/>
+          <a:ahLst/>
+          <a:cxnLst/>
+          <a:rect l="0" t="0" r="0" b="0"/>
+          <a:pathLst>
+            <a:path>
+              <a:moveTo>
+                <a:pt x="244996" y="3345463"/>
+              </a:moveTo>
+              <a:arcTo wR="2310126" hR="2310126" stAng="9202406" swAng="1359213"/>
+            </a:path>
+          </a:pathLst>
+        </a:custGeom>
+        <a:noFill/>
+        <a:ln w="6350" cap="flat" cmpd="sng" algn="ctr">
+          <a:solidFill>
+            <a:schemeClr val="accent1">
+              <a:hueOff val="0"/>
+              <a:satOff val="0"/>
+              <a:lumOff val="0"/>
+              <a:alphaOff val="0"/>
+            </a:schemeClr>
+          </a:solidFill>
+          <a:prstDash val="solid"/>
+          <a:miter lim="800000"/>
+          <a:tailEnd type="arrow"/>
+        </a:ln>
+        <a:effectLst/>
+      </dsp:spPr>
+      <dsp:style>
+        <a:lnRef idx="1">
+          <a:scrgbClr r="0" g="0" b="0"/>
+        </a:lnRef>
+        <a:fillRef idx="0">
+          <a:scrgbClr r="0" g="0" b="0"/>
+        </a:fillRef>
+        <a:effectRef idx="0">
+          <a:scrgbClr r="0" g="0" b="0"/>
+        </a:effectRef>
+        <a:fontRef idx="minor"/>
+      </dsp:style>
+    </dsp:sp>
+    <dsp:sp modelId="{FD21D4E1-0959-47A6-8311-BADBA984B84E}">
+      <dsp:nvSpPr>
+        <dsp:cNvPr id="0" name=""/>
+        <dsp:cNvSpPr/>
+      </dsp:nvSpPr>
+      <dsp:spPr>
+        <a:xfrm>
+          <a:off x="976947" y="1599418"/>
+          <a:ext cx="1779984" cy="1156989"/>
+        </a:xfrm>
+        <a:prstGeom prst="roundRect">
+          <a:avLst/>
+        </a:prstGeom>
+        <a:solidFill>
+          <a:schemeClr val="accent1">
+            <a:hueOff val="0"/>
+            <a:satOff val="0"/>
+            <a:lumOff val="0"/>
+            <a:alphaOff val="0"/>
+          </a:schemeClr>
+        </a:solidFill>
+        <a:ln w="12700" cap="flat" cmpd="sng" algn="ctr">
+          <a:solidFill>
+            <a:schemeClr val="lt1">
+              <a:hueOff val="0"/>
+              <a:satOff val="0"/>
+              <a:lumOff val="0"/>
+              <a:alphaOff val="0"/>
+            </a:schemeClr>
+          </a:solidFill>
+          <a:prstDash val="solid"/>
+          <a:miter lim="800000"/>
+        </a:ln>
+        <a:effectLst/>
+      </dsp:spPr>
+      <dsp:style>
+        <a:lnRef idx="2">
+          <a:scrgbClr r="0" g="0" b="0"/>
+        </a:lnRef>
+        <a:fillRef idx="1">
+          <a:scrgbClr r="0" g="0" b="0"/>
+        </a:fillRef>
+        <a:effectRef idx="0">
+          <a:scrgbClr r="0" g="0" b="0"/>
+        </a:effectRef>
+        <a:fontRef idx="minor">
+          <a:schemeClr val="lt1"/>
+        </a:fontRef>
+      </dsp:style>
+      <dsp:txBody>
+        <a:bodyPr spcFirstLastPara="0" vert="horz" wrap="square" lIns="45720" tIns="45720" rIns="45720" bIns="45720" numCol="1" spcCol="1270" anchor="ctr" anchorCtr="0">
+          <a:noAutofit/>
+        </a:bodyPr>
+        <a:lstStyle/>
+        <a:p>
+          <a:pPr marL="0" lvl="0" indent="0" algn="ctr" defTabSz="533400">
+            <a:lnSpc>
+              <a:spcPct val="90000"/>
+            </a:lnSpc>
+            <a:spcBef>
+              <a:spcPct val="0"/>
+            </a:spcBef>
+            <a:spcAft>
+              <a:spcPct val="35000"/>
+            </a:spcAft>
+            <a:buNone/>
+          </a:pPr>
+          <a:r>
+            <a:rPr lang="en-CA" sz="1200" kern="1200" dirty="0">
+              <a:solidFill>
+                <a:srgbClr val="002060"/>
+              </a:solidFill>
+              <a:latin typeface="Open Sans Light" panose="020B0306030504020204" pitchFamily="34" charset="0"/>
+              <a:ea typeface="Open Sans Light" panose="020B0306030504020204" pitchFamily="34" charset="0"/>
+              <a:cs typeface="Open Sans Light" panose="020B0306030504020204" pitchFamily="34" charset="0"/>
+            </a:rPr>
+            <a:t>When </a:t>
+          </a:r>
+          <a:r>
+            <a:rPr lang="en-CA" sz="1200" kern="1200" dirty="0">
+              <a:solidFill>
+                <a:srgbClr val="002060"/>
+              </a:solidFill>
+              <a:latin typeface="Open Sans Semibold" panose="020B0706030804020204" pitchFamily="34" charset="0"/>
+              <a:ea typeface="Open Sans Semibold" panose="020B0706030804020204" pitchFamily="34" charset="0"/>
+              <a:cs typeface="Open Sans Semibold" panose="020B0706030804020204" pitchFamily="34" charset="0"/>
+            </a:rPr>
+            <a:t>Resident </a:t>
+          </a:r>
+          <a:r>
+            <a:rPr lang="en-CA" sz="1200" kern="1200" dirty="0">
+              <a:solidFill>
+                <a:srgbClr val="002060"/>
+              </a:solidFill>
+              <a:latin typeface="Open Sans Light" panose="020B0306030504020204" pitchFamily="34" charset="0"/>
+              <a:ea typeface="Open Sans Light" panose="020B0306030504020204" pitchFamily="34" charset="0"/>
+              <a:cs typeface="Open Sans Light" panose="020B0306030504020204" pitchFamily="34" charset="0"/>
+            </a:rPr>
+            <a:t>brings the key back, </a:t>
+          </a:r>
+          <a:r>
+            <a:rPr lang="en-CA" sz="1200" kern="1200" dirty="0">
+              <a:solidFill>
+                <a:srgbClr val="002060"/>
+              </a:solidFill>
+              <a:latin typeface="Open Sans Semibold" panose="020B0706030804020204" pitchFamily="34" charset="0"/>
+              <a:ea typeface="Open Sans Semibold" panose="020B0706030804020204" pitchFamily="34" charset="0"/>
+              <a:cs typeface="Open Sans Semibold" panose="020B0706030804020204" pitchFamily="34" charset="0"/>
+            </a:rPr>
+            <a:t>receptionist </a:t>
+          </a:r>
+          <a:r>
+            <a:rPr lang="en-CA" sz="1200" kern="1200" dirty="0">
+              <a:solidFill>
+                <a:srgbClr val="002060"/>
+              </a:solidFill>
+              <a:latin typeface="Open Sans Light" panose="020B0306030504020204" pitchFamily="34" charset="0"/>
+              <a:ea typeface="Open Sans Light" panose="020B0306030504020204" pitchFamily="34" charset="0"/>
+              <a:cs typeface="Open Sans Light" panose="020B0306030504020204" pitchFamily="34" charset="0"/>
+            </a:rPr>
+            <a:t>stops the timer and if there’s a penalty, pays.</a:t>
+          </a:r>
+          <a:endParaRPr lang="en-US" sz="1200" kern="1200" dirty="0">
+            <a:solidFill>
+              <a:srgbClr val="002060"/>
+            </a:solidFill>
+          </a:endParaRPr>
+        </a:p>
+      </dsp:txBody>
+      <dsp:txXfrm>
+        <a:off x="1033427" y="1655898"/>
+        <a:ext cx="1667024" cy="1044029"/>
+      </dsp:txXfrm>
+    </dsp:sp>
+    <dsp:sp modelId="{5E43DE4B-9165-422D-A6B1-FADD9324CAD7}">
+      <dsp:nvSpPr>
+        <dsp:cNvPr id="0" name=""/>
+        <dsp:cNvSpPr/>
+      </dsp:nvSpPr>
+      <dsp:spPr>
+        <a:xfrm>
+          <a:off x="1753873" y="581655"/>
+          <a:ext cx="4620252" cy="4620252"/>
+        </a:xfrm>
+        <a:custGeom>
+          <a:avLst/>
+          <a:gdLst/>
+          <a:ahLst/>
+          <a:cxnLst/>
+          <a:rect l="0" t="0" r="0" b="0"/>
+          <a:pathLst>
+            <a:path>
+              <a:moveTo>
+                <a:pt x="555794" y="807127"/>
+              </a:moveTo>
+              <a:arcTo wR="2310126" hR="2310126" stAng="13235271" swAng="1210876"/>
+            </a:path>
+          </a:pathLst>
+        </a:custGeom>
+        <a:noFill/>
+        <a:ln w="6350" cap="flat" cmpd="sng" algn="ctr">
+          <a:solidFill>
+            <a:schemeClr val="accent1">
+              <a:hueOff val="0"/>
+              <a:satOff val="0"/>
+              <a:lumOff val="0"/>
+              <a:alphaOff val="0"/>
+            </a:schemeClr>
+          </a:solidFill>
+          <a:prstDash val="solid"/>
+          <a:miter lim="800000"/>
+          <a:tailEnd type="arrow"/>
+        </a:ln>
+        <a:effectLst/>
+      </dsp:spPr>
+      <dsp:style>
+        <a:lnRef idx="1">
+          <a:scrgbClr r="0" g="0" b="0"/>
+        </a:lnRef>
+        <a:fillRef idx="0">
+          <a:scrgbClr r="0" g="0" b="0"/>
+        </a:fillRef>
+        <a:effectRef idx="0">
+          <a:scrgbClr r="0" g="0" b="0"/>
+        </a:effectRef>
+        <a:fontRef idx="minor"/>
+      </dsp:style>
+    </dsp:sp>
+  </dsp:spTree>
+</dsp:drawing>
+</file>
+
+<file path=ppt/diagrams/layout1.xml><?xml version="1.0" encoding="utf-8"?>
+<dgm:layoutDef xmlns:dgm="http://schemas.openxmlformats.org/drawingml/2006/diagram" xmlns:a="http://schemas.openxmlformats.org/drawingml/2006/main" uniqueId="urn:microsoft.com/office/officeart/2005/8/layout/cycle5">
+  <dgm:title val=""/>
+  <dgm:desc val=""/>
+  <dgm:catLst>
+    <dgm:cat type="cycle" pri="3000"/>
+  </dgm:catLst>
+  <dgm:sampData>
+    <dgm:dataModel>
+      <dgm:ptLst>
+        <dgm:pt modelId="0" type="doc"/>
+        <dgm:pt modelId="1">
+          <dgm:prSet phldr="1"/>
+        </dgm:pt>
+        <dgm:pt modelId="2">
+          <dgm:prSet phldr="1"/>
+        </dgm:pt>
+        <dgm:pt modelId="3">
+          <dgm:prSet phldr="1"/>
+        </dgm:pt>
+        <dgm:pt modelId="4">
+          <dgm:prSet phldr="1"/>
+        </dgm:pt>
+        <dgm:pt modelId="5">
+          <dgm:prSet phldr="1"/>
+        </dgm:pt>
+      </dgm:ptLst>
+      <dgm:cxnLst>
+        <dgm:cxn modelId="6" srcId="0" destId="1" srcOrd="0" destOrd="0"/>
+        <dgm:cxn modelId="7" srcId="0" destId="2" srcOrd="1" destOrd="0"/>
+        <dgm:cxn modelId="8" srcId="0" destId="3" srcOrd="2" destOrd="0"/>
+        <dgm:cxn modelId="9" srcId="0" destId="4" srcOrd="3" destOrd="0"/>
+        <dgm:cxn modelId="10" srcId="0" destId="5" srcOrd="4" destOrd="0"/>
+      </dgm:cxnLst>
+      <dgm:bg/>
+      <dgm:whole/>
+    </dgm:dataModel>
+  </dgm:sampData>
+  <dgm:styleData>
+    <dgm:dataModel>
+      <dgm:ptLst>
+        <dgm:pt modelId="0" type="doc"/>
+        <dgm:pt modelId="1"/>
+        <dgm:pt modelId="2"/>
+        <dgm:pt modelId="3"/>
+      </dgm:ptLst>
+      <dgm:cxnLst>
+        <dgm:cxn modelId="4" srcId="0" destId="1" srcOrd="0" destOrd="0"/>
+        <dgm:cxn modelId="5" srcId="0" destId="2" srcOrd="1" destOrd="0"/>
+        <dgm:cxn modelId="6" srcId="0" destId="3" srcOrd="2" destOrd="0"/>
+      </dgm:cxnLst>
+      <dgm:bg/>
+      <dgm:whole/>
+    </dgm:dataModel>
+  </dgm:styleData>
+  <dgm:clrData>
+    <dgm:dataModel>
+      <dgm:ptLst>
+        <dgm:pt modelId="0" type="doc"/>
+        <dgm:pt modelId="1"/>
+        <dgm:pt modelId="2"/>
+        <dgm:pt modelId="3"/>
+        <dgm:pt modelId="4"/>
+        <dgm:pt modelId="5"/>
+        <dgm:pt modelId="6"/>
+      </dgm:ptLst>
+      <dgm:cxnLst>
+        <dgm:cxn modelId="7" srcId="0" destId="1" srcOrd="0" destOrd="0"/>
+        <dgm:cxn modelId="8" srcId="0" destId="2" srcOrd="1" destOrd="0"/>
+        <dgm:cxn modelId="9" srcId="0" destId="3" srcOrd="2" destOrd="0"/>
+        <dgm:cxn modelId="10" srcId="0" destId="4" srcOrd="3" destOrd="0"/>
+        <dgm:cxn modelId="11" srcId="0" destId="5" srcOrd="4" destOrd="0"/>
+        <dgm:cxn modelId="12" srcId="0" destId="6" srcOrd="5" destOrd="0"/>
+      </dgm:cxnLst>
+      <dgm:bg/>
+      <dgm:whole/>
+    </dgm:dataModel>
+  </dgm:clrData>
+  <dgm:layoutNode name="cycle">
+    <dgm:varLst>
+      <dgm:dir/>
+      <dgm:resizeHandles val="exact"/>
+    </dgm:varLst>
+    <dgm:choose name="Name0">
+      <dgm:if name="Name1" func="var" arg="dir" op="equ" val="norm">
+        <dgm:choose name="Name2">
+          <dgm:if name="Name3" axis="ch" ptType="node" func="cnt" op="gt" val="2">
+            <dgm:alg type="cycle">
+              <dgm:param type="stAng" val="0"/>
+              <dgm:param type="spanAng" val="360"/>
+            </dgm:alg>
+          </dgm:if>
+          <dgm:else name="Name4">
+            <dgm:alg type="cycle">
+              <dgm:param type="stAng" val="-90"/>
+              <dgm:param type="spanAng" val="360"/>
+            </dgm:alg>
+          </dgm:else>
+        </dgm:choose>
+      </dgm:if>
+      <dgm:else name="Name5">
+        <dgm:choose name="Name6">
+          <dgm:if name="Name7" axis="ch" ptType="node" func="cnt" op="gt" val="2">
+            <dgm:alg type="cycle">
+              <dgm:param type="stAng" val="0"/>
+              <dgm:param type="spanAng" val="-360"/>
+            </dgm:alg>
+          </dgm:if>
+          <dgm:else name="Name8">
+            <dgm:alg type="cycle">
+              <dgm:param type="stAng" val="90"/>
+              <dgm:param type="spanAng" val="-360"/>
+            </dgm:alg>
+          </dgm:else>
+        </dgm:choose>
+      </dgm:else>
+    </dgm:choose>
+    <dgm:shape xmlns:r="http://schemas.openxmlformats.org/officeDocument/2006/relationships" r:blip="">
+      <dgm:adjLst/>
+    </dgm:shape>
+    <dgm:presOf/>
+    <dgm:choose name="Name9">
+      <dgm:if name="Name10" func="var" arg="dir" op="equ" val="norm">
+        <dgm:constrLst>
+          <dgm:constr type="w" for="ch" forName="node" refType="w"/>
+          <dgm:constr type="w" for="ch" ptType="sibTrans" refType="w" refFor="ch" refForName="node" op="equ" fact="0.3"/>
+          <dgm:constr type="diam" for="ch" ptType="sibTrans" refType="diam" op="equ"/>
+          <dgm:constr type="sibSp" refType="w" refFor="ch" refForName="node" op="equ" fact="0.15"/>
+          <dgm:constr type="w" for="ch" forName="spNode" refType="sibSp" fact="1.6"/>
+          <dgm:constr type="primFontSz" for="ch" forName="node" op="equ" val="65"/>
+        </dgm:constrLst>
+      </dgm:if>
+      <dgm:else name="Name11">
+        <dgm:constrLst>
+          <dgm:constr type="w" for="ch" forName="node" refType="w"/>
+          <dgm:constr type="w" for="ch" ptType="sibTrans" refType="w" refFor="ch" refForName="node" op="equ" fact="0.3"/>
+          <dgm:constr type="diam" for="ch" ptType="sibTrans" refType="diam" fact="-1"/>
+          <dgm:constr type="diam" for="ch" refType="diam" op="equ" fact="-1"/>
+          <dgm:constr type="sibSp" refType="w" refFor="ch" refForName="node" op="equ" fact="0.15"/>
+          <dgm:constr type="w" for="ch" forName="spNode" refType="sibSp" fact="1.6"/>
+          <dgm:constr type="primFontSz" for="ch" forName="node" op="equ" val="65"/>
+        </dgm:constrLst>
+      </dgm:else>
+    </dgm:choose>
+    <dgm:ruleLst/>
+    <dgm:forEach name="Name12" axis="ch" ptType="node">
+      <dgm:layoutNode name="node">
+        <dgm:varLst>
+          <dgm:bulletEnabled val="1"/>
+        </dgm:varLst>
+        <dgm:alg type="tx"/>
+        <dgm:shape xmlns:r="http://schemas.openxmlformats.org/officeDocument/2006/relationships" type="roundRect" r:blip="">
+          <dgm:adjLst/>
+        </dgm:shape>
+        <dgm:presOf axis="desOrSelf" ptType="node"/>
+        <dgm:constrLst>
+          <dgm:constr type="h" refType="w" fact="0.65"/>
+          <dgm:constr type="tMarg" refType="primFontSz" fact="0.3"/>
+          <dgm:constr type="bMarg" refType="primFontSz" fact="0.3"/>
+          <dgm:constr type="lMarg" refType="primFontSz" fact="0.3"/>
+          <dgm:constr type="rMarg" refType="primFontSz" fact="0.3"/>
+        </dgm:constrLst>
+        <dgm:ruleLst>
+          <dgm:rule type="primFontSz" val="5" fact="NaN" max="NaN"/>
+        </dgm:ruleLst>
+      </dgm:layoutNode>
+      <dgm:choose name="Name13">
+        <dgm:if name="Name14" axis="par ch" ptType="doc node" func="cnt" op="gt" val="1">
+          <dgm:layoutNode name="spNode">
+            <dgm:alg type="sp"/>
+            <dgm:shape xmlns:r="http://schemas.openxmlformats.org/officeDocument/2006/relationships" r:blip="">
+              <dgm:adjLst/>
+            </dgm:shape>
+            <dgm:presOf/>
+            <dgm:constrLst>
+              <dgm:constr type="h" refType="w"/>
+            </dgm:constrLst>
+            <dgm:ruleLst/>
+          </dgm:layoutNode>
+          <dgm:forEach name="Name15" axis="followSib" ptType="sibTrans" hideLastTrans="0" cnt="1">
+            <dgm:layoutNode name="sibTrans">
+              <dgm:alg type="conn">
+                <dgm:param type="dim" val="1D"/>
+                <dgm:param type="connRout" val="curve"/>
+                <dgm:param type="begPts" val="radial"/>
+                <dgm:param type="endPts" val="radial"/>
+              </dgm:alg>
+              <dgm:shape xmlns:r="http://schemas.openxmlformats.org/officeDocument/2006/relationships" type="conn" r:blip="">
+                <dgm:adjLst/>
+              </dgm:shape>
+              <dgm:presOf axis="self"/>
+              <dgm:constrLst>
+                <dgm:constr type="h" refType="w" fact="0.65"/>
+                <dgm:constr type="connDist"/>
+                <dgm:constr type="begPad" refType="connDist" fact="0.2"/>
+                <dgm:constr type="endPad" refType="connDist" fact="0.2"/>
+              </dgm:constrLst>
+              <dgm:ruleLst/>
+            </dgm:layoutNode>
+          </dgm:forEach>
+        </dgm:if>
+        <dgm:else name="Name16"/>
+      </dgm:choose>
+    </dgm:forEach>
+  </dgm:layoutNode>
+</dgm:layoutDef>
+</file>
+
+<file path=ppt/diagrams/quickStyle1.xml><?xml version="1.0" encoding="utf-8"?>
+<dgm:styleDef xmlns:dgm="http://schemas.openxmlformats.org/drawingml/2006/diagram" xmlns:a="http://schemas.openxmlformats.org/drawingml/2006/main" uniqueId="urn:microsoft.com/office/officeart/2005/8/quickstyle/simple1">
+  <dgm:title val=""/>
+  <dgm:desc val=""/>
+  <dgm:catLst>
+    <dgm:cat type="simple" pri="10100"/>
+  </dgm:catLst>
+  <dgm:scene3d>
+    <a:camera prst="orthographicFront"/>
+    <a:lightRig rig="threePt" dir="t"/>
+  </dgm:scene3d>
+  <dgm:styleLbl name="node0">
+    <dgm:scene3d>
+      <a:camera prst="orthographicFront"/>
+      <a:lightRig rig="threePt" dir="t"/>
+    </dgm:scene3d>
+    <dgm:sp3d/>
+    <dgm:txPr/>
+    <dgm:style>
+      <a:lnRef idx="2">
+        <a:scrgbClr r="0" g="0" b="0"/>
+      </a:lnRef>
+      <a:fillRef idx="1">
+        <a:scrgbClr r="0" g="0" b="0"/>
+      </a:fillRef>
+      <a:effectRef idx="0">
+        <a:scrgbClr r="0" g="0" b="0"/>
+      </a:effectRef>
+      <a:fontRef idx="minor">
+        <a:schemeClr val="lt1"/>
+      </a:fontRef>
+    </dgm:style>
+  </dgm:styleLbl>
+  <dgm:styleLbl name="lnNode1">
+    <dgm:scene3d>
+      <a:camera prst="orthographicFront"/>
+      <a:lightRig rig="threePt" dir="t"/>
+    </dgm:scene3d>
+    <dgm:sp3d/>
+    <dgm:txPr/>
+    <dgm:style>
+      <a:lnRef idx="2">
+        <a:scrgbClr r="0" g="0" b="0"/>
+      </a:lnRef>
+      <a:fillRef idx="1">
+        <a:scrgbClr r="0" g="0" b="0"/>
+      </a:fillRef>
+      <a:effectRef idx="0">
+        <a:scrgbClr r="0" g="0" b="0"/>
+      </a:effectRef>
+      <a:fontRef idx="minor">
+        <a:schemeClr val="lt1"/>
+      </a:fontRef>
+    </dgm:style>
+  </dgm:styleLbl>
+  <dgm:styleLbl name="vennNode1">
+    <dgm:scene3d>
+      <a:camera prst="orthographicFront"/>
+      <a:lightRig rig="threePt" dir="t"/>
+    </dgm:scene3d>
+    <dgm:sp3d/>
+    <dgm:txPr/>
+    <dgm:style>
+      <a:lnRef idx="2">
+        <a:scrgbClr r="0" g="0" b="0"/>
+      </a:lnRef>
+      <a:fillRef idx="1">
+        <a:scrgbClr r="0" g="0" b="0"/>
+      </a:fillRef>
+      <a:effectRef idx="0">
+        <a:scrgbClr r="0" g="0" b="0"/>
+      </a:effectRef>
+      <a:fontRef idx="minor">
+        <a:schemeClr val="tx1"/>
+      </a:fontRef>
+    </dgm:style>
+  </dgm:styleLbl>
+  <dgm:styleLbl name="alignNode1">
+    <dgm:scene3d>
+      <a:camera prst="orthographicFront"/>
+      <a:lightRig rig="threePt" dir="t"/>
+    </dgm:scene3d>
+    <dgm:sp3d/>
+    <dgm:txPr/>
+    <dgm:style>
+      <a:lnRef idx="2">
+        <a:scrgbClr r="0" g="0" b="0"/>
+      </a:lnRef>
+      <a:fillRef idx="1">
+        <a:scrgbClr r="0" g="0" b="0"/>
+      </a:fillRef>
+      <a:effectRef idx="0">
+        <a:scrgbClr r="0" g="0" b="0"/>
+      </a:effectRef>
+      <a:fontRef idx="minor">
+        <a:schemeClr val="lt1"/>
+      </a:fontRef>
+    </dgm:style>
+  </dgm:styleLbl>
+  <dgm:styleLbl name="node1">
+    <dgm:scene3d>
+      <a:camera prst="orthographicFront"/>
+      <a:lightRig rig="threePt" dir="t"/>
+    </dgm:scene3d>
+    <dgm:sp3d/>
+    <dgm:txPr/>
+    <dgm:style>
+      <a:lnRef idx="2">
+        <a:scrgbClr r="0" g="0" b="0"/>
+      </a:lnRef>
+      <a:fillRef idx="1">
+        <a:scrgbClr r="0" g="0" b="0"/>
+      </a:fillRef>
+      <a:effectRef idx="0">
+        <a:scrgbClr r="0" g="0" b="0"/>
+      </a:effectRef>
+      <a:fontRef idx="minor">
+        <a:schemeClr val="lt1"/>
+      </a:fontRef>
+    </dgm:style>
+  </dgm:styleLbl>
+  <dgm:styleLbl name="node2">
+    <dgm:scene3d>
+      <a:camera prst="orthographicFront"/>
+      <a:lightRig rig="threePt" dir="t"/>
+    </dgm:scene3d>
+    <dgm:sp3d/>
+    <dgm:txPr/>
+    <dgm:style>
+      <a:lnRef idx="2">
+        <a:scrgbClr r="0" g="0" b="0"/>
+      </a:lnRef>
+      <a:fillRef idx="1">
+        <a:scrgbClr r="0" g="0" b="0"/>
+      </a:fillRef>
+      <a:effectRef idx="0">
+        <a:scrgbClr r="0" g="0" b="0"/>
+      </a:effectRef>
+      <a:fontRef idx="minor">
+        <a:schemeClr val="lt1"/>
+      </a:fontRef>
+    </dgm:style>
+  </dgm:styleLbl>
+  <dgm:styleLbl name="node3">
+    <dgm:scene3d>
+      <a:camera prst="orthographicFront"/>
+      <a:lightRig rig="threePt" dir="t"/>
+    </dgm:scene3d>
+    <dgm:sp3d/>
+    <dgm:txPr/>
+    <dgm:style>
+      <a:lnRef idx="2">
+        <a:scrgbClr r="0" g="0" b="0"/>
+      </a:lnRef>
+      <a:fillRef idx="1">
+        <a:scrgbClr r="0" g="0" b="0"/>
+      </a:fillRef>
+      <a:effectRef idx="0">
+        <a:scrgbClr r="0" g="0" b="0"/>
+      </a:effectRef>
+      <a:fontRef idx="minor">
+        <a:schemeClr val="lt1"/>
+      </a:fontRef>
+    </dgm:style>
+  </dgm:styleLbl>
+  <dgm:styleLbl name="node4">
+    <dgm:scene3d>
+      <a:camera prst="orthographicFront"/>
+      <a:lightRig rig="threePt" dir="t"/>
+    </dgm:scene3d>
+    <dgm:sp3d/>
+    <dgm:txPr/>
+    <dgm:style>
+      <a:lnRef idx="2">
+        <a:scrgbClr r="0" g="0" b="0"/>
+      </a:lnRef>
+      <a:fillRef idx="1">
+        <a:scrgbClr r="0" g="0" b="0"/>
+      </a:fillRef>
+      <a:effectRef idx="0">
+        <a:scrgbClr r="0" g="0" b="0"/>
+      </a:effectRef>
+      <a:fontRef idx="minor">
+        <a:schemeClr val="lt1"/>
+      </a:fontRef>
+    </dgm:style>
+  </dgm:styleLbl>
+  <dgm:styleLbl name="fgImgPlace1">
+    <dgm:scene3d>
+      <a:camera prst="orthographicFront"/>
+      <a:lightRig rig="threePt" dir="t"/>
+    </dgm:scene3d>
+    <dgm:sp3d/>
+    <dgm:txPr/>
+    <dgm:style>
+      <a:lnRef idx="2">
+        <a:scrgbClr r="0" g="0" b="0"/>
+      </a:lnRef>
+      <a:fillRef idx="1">
+        <a:scrgbClr r="0" g="0" b="0"/>
+      </a:fillRef>
+      <a:effectRef idx="0">
+        <a:scrgbClr r="0" g="0" b="0"/>
+      </a:effectRef>
+      <a:fontRef idx="minor"/>
+    </dgm:style>
+  </dgm:styleLbl>
+  <dgm:styleLbl name="alignImgPlace1">
+    <dgm:scene3d>
+      <a:camera prst="orthographicFront"/>
+      <a:lightRig rig="threePt" dir="t"/>
+    </dgm:scene3d>
+    <dgm:sp3d/>
+    <dgm:txPr/>
+    <dgm:style>
+      <a:lnRef idx="2">
+        <a:scrgbClr r="0" g="0" b="0"/>
+      </a:lnRef>
+      <a:fillRef idx="1">
+        <a:scrgbClr r="0" g="0" b="0"/>
+      </a:fillRef>
+      <a:effectRef idx="0">
+        <a:scrgbClr r="0" g="0" b="0"/>
+      </a:effectRef>
+      <a:fontRef idx="minor"/>
+    </dgm:style>
+  </dgm:styleLbl>
+  <dgm:styleLbl name="bgImgPlace1">
+    <dgm:scene3d>
+      <a:camera prst="orthographicFront"/>
+      <a:lightRig rig="threePt" dir="t"/>
+    </dgm:scene3d>
+    <dgm:sp3d/>
+    <dgm:txPr/>
+    <dgm:style>
+      <a:lnRef idx="2">
+        <a:scrgbClr r="0" g="0" b="0"/>
+      </a:lnRef>
+      <a:fillRef idx="1">
+        <a:scrgbClr r="0" g="0" b="0"/>
+      </a:fillRef>
+      <a:effectRef idx="0">
+        <a:scrgbClr r="0" g="0" b="0"/>
+      </a:effectRef>
+      <a:fontRef idx="minor"/>
+    </dgm:style>
+  </dgm:styleLbl>
+  <dgm:styleLbl name="sibTrans2D1">
+    <dgm:scene3d>
+      <a:camera prst="orthographicFront"/>
+      <a:lightRig rig="threePt" dir="t"/>
+    </dgm:scene3d>
+    <dgm:sp3d/>
+    <dgm:txPr/>
+    <dgm:style>
+      <a:lnRef idx="0">
+        <a:scrgbClr r="0" g="0" b="0"/>
+      </a:lnRef>
+      <a:fillRef idx="1">
+        <a:scrgbClr r="0" g="0" b="0"/>
+      </a:fillRef>
+      <a:effectRef idx="0">
+        <a:scrgbClr r="0" g="0" b="0"/>
+      </a:effectRef>
+      <a:fontRef idx="minor">
+        <a:schemeClr val="lt1"/>
+      </a:fontRef>
+    </dgm:style>
+  </dgm:styleLbl>
+  <dgm:styleLbl name="fgSibTrans2D1">
+    <dgm:scene3d>
+      <a:camera prst="orthographicFront"/>
+      <a:lightRig rig="threePt" dir="t"/>
+    </dgm:scene3d>
+    <dgm:sp3d/>
+    <dgm:txPr/>
+    <dgm:style>
+      <a:lnRef idx="0">
+        <a:scrgbClr r="0" g="0" b="0"/>
+      </a:lnRef>
+      <a:fillRef idx="1">
+        <a:scrgbClr r="0" g="0" b="0"/>
+      </a:fillRef>
+      <a:effectRef idx="0">
+        <a:scrgbClr r="0" g="0" b="0"/>
+      </a:effectRef>
+      <a:fontRef idx="minor">
+        <a:schemeClr val="lt1"/>
+      </a:fontRef>
+    </dgm:style>
+  </dgm:styleLbl>
+  <dgm:styleLbl name="bgSibTrans2D1">
+    <dgm:scene3d>
+      <a:camera prst="orthographicFront"/>
+      <a:lightRig rig="threePt" dir="t"/>
+    </dgm:scene3d>
+    <dgm:sp3d/>
+    <dgm:txPr/>
+    <dgm:style>
+      <a:lnRef idx="0">
+        <a:scrgbClr r="0" g="0" b="0"/>
+      </a:lnRef>
+      <a:fillRef idx="1">
+        <a:scrgbClr r="0" g="0" b="0"/>
+      </a:fillRef>
+      <a:effectRef idx="0">
+        <a:scrgbClr r="0" g="0" b="0"/>
+      </a:effectRef>
+      <a:fontRef idx="minor">
+        <a:schemeClr val="lt1"/>
+      </a:fontRef>
+    </dgm:style>
+  </dgm:styleLbl>
+  <dgm:styleLbl name="sibTrans1D1">
+    <dgm:scene3d>
+      <a:camera prst="orthographicFront"/>
+      <a:lightRig rig="threePt" dir="t"/>
+    </dgm:scene3d>
+    <dgm:sp3d/>
+    <dgm:txPr/>
+    <dgm:style>
+      <a:lnRef idx="1">
+        <a:scrgbClr r="0" g="0" b="0"/>
+      </a:lnRef>
+      <a:fillRef idx="0">
+        <a:scrgbClr r="0" g="0" b="0"/>
+      </a:fillRef>
+      <a:effectRef idx="0">
+        <a:scrgbClr r="0" g="0" b="0"/>
+      </a:effectRef>
+      <a:fontRef idx="minor"/>
+    </dgm:style>
+  </dgm:styleLbl>
+  <dgm:styleLbl name="callout">
+    <dgm:scene3d>
+      <a:camera prst="orthographicFront"/>
+      <a:lightRig rig="threePt" dir="t"/>
+    </dgm:scene3d>
+    <dgm:sp3d/>
+    <dgm:txPr/>
+    <dgm:style>
+      <a:lnRef idx="2">
+        <a:scrgbClr r="0" g="0" b="0"/>
+      </a:lnRef>
+      <a:fillRef idx="1">
+        <a:scrgbClr r="0" g="0" b="0"/>
+      </a:fillRef>
+      <a:effectRef idx="0">
+        <a:scrgbClr r="0" g="0" b="0"/>
+      </a:effectRef>
+      <a:fontRef idx="minor"/>
+    </dgm:style>
+  </dgm:styleLbl>
+  <dgm:styleLbl name="asst0">
+    <dgm:scene3d>
+      <a:camera prst="orthographicFront"/>
+      <a:lightRig rig="threePt" dir="t"/>
+    </dgm:scene3d>
+    <dgm:sp3d/>
+    <dgm:txPr/>
+    <dgm:style>
+      <a:lnRef idx="2">
+        <a:scrgbClr r="0" g="0" b="0"/>
+      </a:lnRef>
+      <a:fillRef idx="1">
+        <a:scrgbClr r="0" g="0" b="0"/>
+      </a:fillRef>
+      <a:effectRef idx="0">
+        <a:scrgbClr r="0" g="0" b="0"/>
+      </a:effectRef>
+      <a:fontRef idx="minor">
+        <a:schemeClr val="lt1"/>
+      </a:fontRef>
+    </dgm:style>
+  </dgm:styleLbl>
+  <dgm:styleLbl name="asst1">
+    <dgm:scene3d>
+      <a:camera prst="orthographicFront"/>
+      <a:lightRig rig="threePt" dir="t"/>
+    </dgm:scene3d>
+    <dgm:sp3d/>
+    <dgm:txPr/>
+    <dgm:style>
+      <a:lnRef idx="2">
+        <a:scrgbClr r="0" g="0" b="0"/>
+      </a:lnRef>
+      <a:fillRef idx="1">
+        <a:scrgbClr r="0" g="0" b="0"/>
+      </a:fillRef>
+      <a:effectRef idx="0">
+        <a:scrgbClr r="0" g="0" b="0"/>
+      </a:effectRef>
+      <a:fontRef idx="minor">
+        <a:schemeClr val="lt1"/>
+      </a:fontRef>
+    </dgm:style>
+  </dgm:styleLbl>
+  <dgm:styleLbl name="asst2">
+    <dgm:scene3d>
+      <a:camera prst="orthographicFront"/>
+      <a:lightRig rig="threePt" dir="t"/>
+    </dgm:scene3d>
+    <dgm:sp3d/>
+    <dgm:txPr/>
+    <dgm:style>
+      <a:lnRef idx="2">
+        <a:scrgbClr r="0" g="0" b="0"/>
+      </a:lnRef>
+      <a:fillRef idx="1">
+        <a:scrgbClr r="0" g="0" b="0"/>
+      </a:fillRef>
+      <a:effectRef idx="0">
+        <a:scrgbClr r="0" g="0" b="0"/>
+      </a:effectRef>
+      <a:fontRef idx="minor">
+        <a:schemeClr val="lt1"/>
+      </a:fontRef>
+    </dgm:style>
+  </dgm:styleLbl>
+  <dgm:styleLbl name="asst3">
+    <dgm:scene3d>
+      <a:camera prst="orthographicFront"/>
+      <a:lightRig rig="threePt" dir="t"/>
+    </dgm:scene3d>
+    <dgm:sp3d/>
+    <dgm:txPr/>
+    <dgm:style>
+      <a:lnRef idx="2">
+        <a:scrgbClr r="0" g="0" b="0"/>
+      </a:lnRef>
+      <a:fillRef idx="1">
+        <a:scrgbClr r="0" g="0" b="0"/>
+      </a:fillRef>
+      <a:effectRef idx="0">
+        <a:scrgbClr r="0" g="0" b="0"/>
+      </a:effectRef>
+      <a:fontRef idx="minor">
+        <a:schemeClr val="lt1"/>
+      </a:fontRef>
+    </dgm:style>
+  </dgm:styleLbl>
+  <dgm:styleLbl name="asst4">
+    <dgm:scene3d>
+      <a:camera prst="orthographicFront"/>
+      <a:lightRig rig="threePt" dir="t"/>
+    </dgm:scene3d>
+    <dgm:sp3d/>
+    <dgm:txPr/>
+    <dgm:style>
+      <a:lnRef idx="2">
+        <a:scrgbClr r="0" g="0" b="0"/>
+      </a:lnRef>
+      <a:fillRef idx="1">
+        <a:scrgbClr r="0" g="0" b="0"/>
+      </a:fillRef>
+      <a:effectRef idx="0">
+        <a:scrgbClr r="0" g="0" b="0"/>
+      </a:effectRef>
+      <a:fontRef idx="minor">
+        <a:schemeClr val="lt1"/>
+      </a:fontRef>
+    </dgm:style>
+  </dgm:styleLbl>
+  <dgm:styleLbl name="parChTrans2D1">
+    <dgm:scene3d>
+      <a:camera prst="orthographicFront"/>
+      <a:lightRig rig="threePt" dir="t"/>
+    </dgm:scene3d>
+    <dgm:sp3d/>
+    <dgm:txPr/>
+    <dgm:style>
+      <a:lnRef idx="2">
+        <a:scrgbClr r="0" g="0" b="0"/>
+      </a:lnRef>
+      <a:fillRef idx="1">
+        <a:scrgbClr r="0" g="0" b="0"/>
+      </a:fillRef>
+      <a:effectRef idx="0">
+        <a:scrgbClr r="0" g="0" b="0"/>
+      </a:effectRef>
+      <a:fontRef idx="minor">
+        <a:schemeClr val="lt1"/>
+      </a:fontRef>
+    </dgm:style>
+  </dgm:styleLbl>
+  <dgm:styleLbl name="parChTrans2D2">
+    <dgm:scene3d>
+      <a:camera prst="orthographicFront"/>
+      <a:lightRig rig="threePt" dir="t"/>
+    </dgm:scene3d>
+    <dgm:sp3d/>
+    <dgm:txPr/>
+    <dgm:style>
+      <a:lnRef idx="2">
+        <a:scrgbClr r="0" g="0" b="0"/>
+      </a:lnRef>
+      <a:fillRef idx="1">
+        <a:scrgbClr r="0" g="0" b="0"/>
+      </a:fillRef>
+      <a:effectRef idx="0">
+        <a:scrgbClr r="0" g="0" b="0"/>
+      </a:effectRef>
+      <a:fontRef idx="minor">
+        <a:schemeClr val="lt1"/>
+      </a:fontRef>
+    </dgm:style>
+  </dgm:styleLbl>
+  <dgm:styleLbl name="parChTrans2D3">
+    <dgm:scene3d>
+      <a:camera prst="orthographicFront"/>
+      <a:lightRig rig="threePt" dir="t"/>
+    </dgm:scene3d>
+    <dgm:sp3d/>
+    <dgm:txPr/>
+    <dgm:style>
+      <a:lnRef idx="2">
+        <a:scrgbClr r="0" g="0" b="0"/>
+      </a:lnRef>
+      <a:fillRef idx="1">
+        <a:scrgbClr r="0" g="0" b="0"/>
+      </a:fillRef>
+      <a:effectRef idx="0">
+        <a:scrgbClr r="0" g="0" b="0"/>
+      </a:effectRef>
+      <a:fontRef idx="minor">
+        <a:schemeClr val="lt1"/>
+      </a:fontRef>
+    </dgm:style>
+  </dgm:styleLbl>
+  <dgm:styleLbl name="parChTrans2D4">
+    <dgm:scene3d>
+      <a:camera prst="orthographicFront"/>
+      <a:lightRig rig="threePt" dir="t"/>
+    </dgm:scene3d>
+    <dgm:sp3d/>
+    <dgm:txPr/>
+    <dgm:style>
+      <a:lnRef idx="2">
+        <a:scrgbClr r="0" g="0" b="0"/>
+      </a:lnRef>
+      <a:fillRef idx="1">
+        <a:scrgbClr r="0" g="0" b="0"/>
+      </a:fillRef>
+      <a:effectRef idx="0">
+        <a:scrgbClr r="0" g="0" b="0"/>
+      </a:effectRef>
+      <a:fontRef idx="minor">
+        <a:schemeClr val="lt1"/>
+      </a:fontRef>
+    </dgm:style>
+  </dgm:styleLbl>
+  <dgm:styleLbl name="parChTrans1D1">
+    <dgm:scene3d>
+      <a:camera prst="orthographicFront"/>
+      <a:lightRig rig="threePt" dir="t"/>
+    </dgm:scene3d>
+    <dgm:sp3d/>
+    <dgm:txPr/>
+    <dgm:style>
+      <a:lnRef idx="2">
+        <a:scrgbClr r="0" g="0" b="0"/>
+      </a:lnRef>
+      <a:fillRef idx="0">
+        <a:scrgbClr r="0" g="0" b="0"/>
+      </a:fillRef>
+      <a:effectRef idx="0">
+        <a:scrgbClr r="0" g="0" b="0"/>
+      </a:effectRef>
+      <a:fontRef idx="minor"/>
+    </dgm:style>
+  </dgm:styleLbl>
+  <dgm:styleLbl name="parChTrans1D2">
+    <dgm:scene3d>
+      <a:camera prst="orthographicFront"/>
+      <a:lightRig rig="threePt" dir="t"/>
+    </dgm:scene3d>
+    <dgm:sp3d/>
+    <dgm:txPr/>
+    <dgm:style>
+      <a:lnRef idx="2">
+        <a:scrgbClr r="0" g="0" b="0"/>
+      </a:lnRef>
+      <a:fillRef idx="0">
+        <a:scrgbClr r="0" g="0" b="0"/>
+      </a:fillRef>
+      <a:effectRef idx="0">
+        <a:scrgbClr r="0" g="0" b="0"/>
+      </a:effectRef>
+      <a:fontRef idx="minor"/>
+    </dgm:style>
+  </dgm:styleLbl>
+  <dgm:styleLbl name="parChTrans1D3">
+    <dgm:scene3d>
+      <a:camera prst="orthographicFront"/>
+      <a:lightRig rig="threePt" dir="t"/>
+    </dgm:scene3d>
+    <dgm:sp3d/>
+    <dgm:txPr/>
+    <dgm:style>
+      <a:lnRef idx="2">
+        <a:scrgbClr r="0" g="0" b="0"/>
+      </a:lnRef>
+      <a:fillRef idx="0">
+        <a:scrgbClr r="0" g="0" b="0"/>
+      </a:fillRef>
+      <a:effectRef idx="0">
+        <a:scrgbClr r="0" g="0" b="0"/>
+      </a:effectRef>
+      <a:fontRef idx="minor"/>
+    </dgm:style>
+  </dgm:styleLbl>
+  <dgm:styleLbl name="parChTrans1D4">
+    <dgm:scene3d>
+      <a:camera prst="orthographicFront"/>
+      <a:lightRig rig="threePt" dir="t"/>
+    </dgm:scene3d>
+    <dgm:sp3d/>
+    <dgm:txPr/>
+    <dgm:style>
+      <a:lnRef idx="2">
+        <a:scrgbClr r="0" g="0" b="0"/>
+      </a:lnRef>
+      <a:fillRef idx="0">
+        <a:scrgbClr r="0" g="0" b="0"/>
+      </a:fillRef>
+      <a:effectRef idx="0">
+        <a:scrgbClr r="0" g="0" b="0"/>
+      </a:effectRef>
+      <a:fontRef idx="minor"/>
+    </dgm:style>
+  </dgm:styleLbl>
+  <dgm:styleLbl name="fgAcc1">
+    <dgm:scene3d>
+      <a:camera prst="orthographicFront"/>
+      <a:lightRig rig="threePt" dir="t"/>
+    </dgm:scene3d>
+    <dgm:sp3d/>
+    <dgm:txPr/>
+    <dgm:style>
+      <a:lnRef idx="2">
+        <a:scrgbClr r="0" g="0" b="0"/>
+      </a:lnRef>
+      <a:fillRef idx="1">
+        <a:scrgbClr r="0" g="0" b="0"/>
+      </a:fillRef>
+      <a:effectRef idx="0">
+        <a:scrgbClr r="0" g="0" b="0"/>
+      </a:effectRef>
+      <a:fontRef idx="minor"/>
+    </dgm:style>
+  </dgm:styleLbl>
+  <dgm:styleLbl name="conFgAcc1">
+    <dgm:scene3d>
+      <a:camera prst="orthographicFront"/>
+      <a:lightRig rig="threePt" dir="t"/>
+    </dgm:scene3d>
+    <dgm:sp3d/>
+    <dgm:txPr/>
+    <dgm:style>
+      <a:lnRef idx="2">
+        <a:scrgbClr r="0" g="0" b="0"/>
+      </a:lnRef>
+      <a:fillRef idx="1">
+        <a:scrgbClr r="0" g="0" b="0"/>
+      </a:fillRef>
+      <a:effectRef idx="0">
+        <a:scrgbClr r="0" g="0" b="0"/>
+      </a:effectRef>
+      <a:fontRef idx="minor"/>
+    </dgm:style>
+  </dgm:styleLbl>
+  <dgm:styleLbl name="alignAcc1">
+    <dgm:scene3d>
+      <a:camera prst="orthographicFront"/>
+      <a:lightRig rig="threePt" dir="t"/>
+    </dgm:scene3d>
+    <dgm:sp3d/>
+    <dgm:txPr/>
+    <dgm:style>
+      <a:lnRef idx="2">
+        <a:scrgbClr r="0" g="0" b="0"/>
+      </a:lnRef>
+      <a:fillRef idx="1">
+        <a:scrgbClr r="0" g="0" b="0"/>
+      </a:fillRef>
+      <a:effectRef idx="0">
+        <a:scrgbClr r="0" g="0" b="0"/>
+      </a:effectRef>
+      <a:fontRef idx="minor"/>
+    </dgm:style>
+  </dgm:styleLbl>
+  <dgm:styleLbl name="trAlignAcc1">
+    <dgm:scene3d>
+      <a:camera prst="orthographicFront"/>
+      <a:lightRig rig="threePt" dir="t"/>
+    </dgm:scene3d>
+    <dgm:sp3d/>
+    <dgm:txPr/>
+    <dgm:style>
+      <a:lnRef idx="1">
+        <a:scrgbClr r="0" g="0" b="0"/>
+      </a:lnRef>
+      <a:fillRef idx="1">
+        <a:scrgbClr r="0" g="0" b="0"/>
+      </a:fillRef>
+      <a:effectRef idx="0">
+        <a:scrgbClr r="0" g="0" b="0"/>
+      </a:effectRef>
+      <a:fontRef idx="minor"/>
+    </dgm:style>
+  </dgm:styleLbl>
+  <dgm:styleLbl name="bgAcc1">
+    <dgm:scene3d>
+      <a:camera prst="orthographicFront"/>
+      <a:lightRig rig="threePt" dir="t"/>
+    </dgm:scene3d>
+    <dgm:sp3d/>
+    <dgm:txPr/>
+    <dgm:style>
+      <a:lnRef idx="2">
+        <a:scrgbClr r="0" g="0" b="0"/>
+      </a:lnRef>
+      <a:fillRef idx="1">
+        <a:scrgbClr r="0" g="0" b="0"/>
+      </a:fillRef>
+      <a:effectRef idx="0">
+        <a:scrgbClr r="0" g="0" b="0"/>
+      </a:effectRef>
+      <a:fontRef idx="minor"/>
+    </dgm:style>
+  </dgm:styleLbl>
+  <dgm:styleLbl name="solidFgAcc1">
+    <dgm:scene3d>
+      <a:camera prst="orthographicFront"/>
+      <a:lightRig rig="threePt" dir="t"/>
+    </dgm:scene3d>
+    <dgm:sp3d/>
+    <dgm:txPr/>
+    <dgm:style>
+      <a:lnRef idx="2">
+        <a:scrgbClr r="0" g="0" b="0"/>
+      </a:lnRef>
+      <a:fillRef idx="1">
+        <a:scrgbClr r="0" g="0" b="0"/>
+      </a:fillRef>
+      <a:effectRef idx="0">
+        <a:scrgbClr r="0" g="0" b="0"/>
+      </a:effectRef>
+      <a:fontRef idx="minor"/>
+    </dgm:style>
+  </dgm:styleLbl>
+  <dgm:styleLbl name="solidAlignAcc1">
+    <dgm:scene3d>
+      <a:camera prst="orthographicFront"/>
+      <a:lightRig rig="threePt" dir="t"/>
+    </dgm:scene3d>
+    <dgm:sp3d/>
+    <dgm:txPr/>
+    <dgm:style>
+      <a:lnRef idx="2">
+        <a:scrgbClr r="0" g="0" b="0"/>
+      </a:lnRef>
+      <a:fillRef idx="1">
+        <a:scrgbClr r="0" g="0" b="0"/>
+      </a:fillRef>
+      <a:effectRef idx="0">
+        <a:scrgbClr r="0" g="0" b="0"/>
+      </a:effectRef>
+      <a:fontRef idx="minor"/>
+    </dgm:style>
+  </dgm:styleLbl>
+  <dgm:styleLbl name="solidBgAcc1">
+    <dgm:scene3d>
+      <a:camera prst="orthographicFront"/>
+      <a:lightRig rig="threePt" dir="t"/>
+    </dgm:scene3d>
+    <dgm:sp3d/>
+    <dgm:txPr/>
+    <dgm:style>
+      <a:lnRef idx="2">
+        <a:scrgbClr r="0" g="0" b="0"/>
+      </a:lnRef>
+      <a:fillRef idx="1">
+        <a:scrgbClr r="0" g="0" b="0"/>
+      </a:fillRef>
+      <a:effectRef idx="0">
+        <a:scrgbClr r="0" g="0" b="0"/>
+      </a:effectRef>
+      <a:fontRef idx="minor"/>
+    </dgm:style>
+  </dgm:styleLbl>
+  <dgm:styleLbl name="fgAccFollowNode1">
+    <dgm:scene3d>
+      <a:camera prst="orthographicFront"/>
+      <a:lightRig rig="threePt" dir="t"/>
+    </dgm:scene3d>
+    <dgm:sp3d/>
+    <dgm:txPr/>
+    <dgm:style>
+      <a:lnRef idx="2">
+        <a:scrgbClr r="0" g="0" b="0"/>
+      </a:lnRef>
+      <a:fillRef idx="1">
+        <a:scrgbClr r="0" g="0" b="0"/>
+      </a:fillRef>
+      <a:effectRef idx="0">
+        <a:scrgbClr r="0" g="0" b="0"/>
+      </a:effectRef>
+      <a:fontRef idx="minor"/>
+    </dgm:style>
+  </dgm:styleLbl>
+  <dgm:styleLbl name="alignAccFollowNode1">
+    <dgm:scene3d>
+      <a:camera prst="orthographicFront"/>
+      <a:lightRig rig="threePt" dir="t"/>
+    </dgm:scene3d>
+    <dgm:sp3d/>
+    <dgm:txPr/>
+    <dgm:style>
+      <a:lnRef idx="2">
+        <a:scrgbClr r="0" g="0" b="0"/>
+      </a:lnRef>
+      <a:fillRef idx="1">
+        <a:scrgbClr r="0" g="0" b="0"/>
+      </a:fillRef>
+      <a:effectRef idx="0">
+        <a:scrgbClr r="0" g="0" b="0"/>
+      </a:effectRef>
+      <a:fontRef idx="minor"/>
+    </dgm:style>
+  </dgm:styleLbl>
+  <dgm:styleLbl name="bgAccFollowNode1">
+    <dgm:scene3d>
+      <a:camera prst="orthographicFront"/>
+      <a:lightRig rig="threePt" dir="t"/>
+    </dgm:scene3d>
+    <dgm:sp3d/>
+    <dgm:txPr/>
+    <dgm:style>
+      <a:lnRef idx="2">
+        <a:scrgbClr r="0" g="0" b="0"/>
+      </a:lnRef>
+      <a:fillRef idx="1">
+        <a:scrgbClr r="0" g="0" b="0"/>
+      </a:fillRef>
+      <a:effectRef idx="0">
+        <a:scrgbClr r="0" g="0" b="0"/>
+      </a:effectRef>
+      <a:fontRef idx="minor"/>
+    </dgm:style>
+  </dgm:styleLbl>
+  <dgm:styleLbl name="fgAcc0">
+    <dgm:scene3d>
+      <a:camera prst="orthographicFront"/>
+      <a:lightRig rig="threePt" dir="t"/>
+    </dgm:scene3d>
+    <dgm:sp3d/>
+    <dgm:txPr/>
+    <dgm:style>
+      <a:lnRef idx="2">
+        <a:scrgbClr r="0" g="0" b="0"/>
+      </a:lnRef>
+      <a:fillRef idx="1">
+        <a:scrgbClr r="0" g="0" b="0"/>
+      </a:fillRef>
+      <a:effectRef idx="0">
+        <a:scrgbClr r="0" g="0" b="0"/>
+      </a:effectRef>
+      <a:fontRef idx="minor"/>
+    </dgm:style>
+  </dgm:styleLbl>
+  <dgm:styleLbl name="fgAcc2">
+    <dgm:scene3d>
+      <a:camera prst="orthographicFront"/>
+      <a:lightRig rig="threePt" dir="t"/>
+    </dgm:scene3d>
+    <dgm:sp3d/>
+    <dgm:txPr/>
+    <dgm:style>
+      <a:lnRef idx="2">
+        <a:scrgbClr r="0" g="0" b="0"/>
+      </a:lnRef>
+      <a:fillRef idx="1">
+        <a:scrgbClr r="0" g="0" b="0"/>
+      </a:fillRef>
+      <a:effectRef idx="0">
+        <a:scrgbClr r="0" g="0" b="0"/>
+      </a:effectRef>
+      <a:fontRef idx="minor"/>
+    </dgm:style>
+  </dgm:styleLbl>
+  <dgm:styleLbl name="fgAcc3">
+    <dgm:scene3d>
+      <a:camera prst="orthographicFront"/>
+      <a:lightRig rig="threePt" dir="t"/>
+    </dgm:scene3d>
+    <dgm:sp3d/>
+    <dgm:txPr/>
+    <dgm:style>
+      <a:lnRef idx="2">
+        <a:scrgbClr r="0" g="0" b="0"/>
+      </a:lnRef>
+      <a:fillRef idx="1">
+        <a:scrgbClr r="0" g="0" b="0"/>
+      </a:fillRef>
+      <a:effectRef idx="0">
+        <a:scrgbClr r="0" g="0" b="0"/>
+      </a:effectRef>
+      <a:fontRef idx="minor"/>
+    </dgm:style>
+  </dgm:styleLbl>
+  <dgm:styleLbl name="fgAcc4">
+    <dgm:scene3d>
+      <a:camera prst="orthographicFront"/>
+      <a:lightRig rig="threePt" dir="t"/>
+    </dgm:scene3d>
+    <dgm:sp3d/>
+    <dgm:txPr/>
+    <dgm:style>
+      <a:lnRef idx="2">
+        <a:scrgbClr r="0" g="0" b="0"/>
+      </a:lnRef>
+      <a:fillRef idx="1">
+        <a:scrgbClr r="0" g="0" b="0"/>
+      </a:fillRef>
+      <a:effectRef idx="0">
+        <a:scrgbClr r="0" g="0" b="0"/>
+      </a:effectRef>
+      <a:fontRef idx="minor"/>
+    </dgm:style>
+  </dgm:styleLbl>
+  <dgm:styleLbl name="bgShp">
+    <dgm:scene3d>
+      <a:camera prst="orthographicFront"/>
+      <a:lightRig rig="threePt" dir="t"/>
+    </dgm:scene3d>
+    <dgm:sp3d/>
+    <dgm:txPr/>
+    <dgm:style>
+      <a:lnRef idx="0">
+        <a:scrgbClr r="0" g="0" b="0"/>
+      </a:lnRef>
+      <a:fillRef idx="1">
+        <a:scrgbClr r="0" g="0" b="0"/>
+      </a:fillRef>
+      <a:effectRef idx="0">
+        <a:scrgbClr r="0" g="0" b="0"/>
+      </a:effectRef>
+      <a:fontRef idx="minor"/>
+    </dgm:style>
+  </dgm:styleLbl>
+  <dgm:styleLbl name="dkBgShp">
+    <dgm:scene3d>
+      <a:camera prst="orthographicFront"/>
+      <a:lightRig rig="threePt" dir="t"/>
+    </dgm:scene3d>
+    <dgm:sp3d/>
+    <dgm:txPr/>
+    <dgm:style>
+      <a:lnRef idx="0">
+        <a:scrgbClr r="0" g="0" b="0"/>
+      </a:lnRef>
+      <a:fillRef idx="1">
+        <a:scrgbClr r="0" g="0" b="0"/>
+      </a:fillRef>
+      <a:effectRef idx="0">
+        <a:scrgbClr r="0" g="0" b="0"/>
+      </a:effectRef>
+      <a:fontRef idx="minor"/>
+    </dgm:style>
+  </dgm:styleLbl>
+  <dgm:styleLbl name="trBgShp">
+    <dgm:scene3d>
+      <a:camera prst="orthographicFront"/>
+      <a:lightRig rig="threePt" dir="t"/>
+    </dgm:scene3d>
+    <dgm:sp3d/>
+    <dgm:txPr/>
+    <dgm:style>
+      <a:lnRef idx="0">
+        <a:scrgbClr r="0" g="0" b="0"/>
+      </a:lnRef>
+      <a:fillRef idx="1">
+        <a:scrgbClr r="0" g="0" b="0"/>
+      </a:fillRef>
+      <a:effectRef idx="0">
+        <a:scrgbClr r="0" g="0" b="0"/>
+      </a:effectRef>
+      <a:fontRef idx="minor"/>
+    </dgm:style>
+  </dgm:styleLbl>
+  <dgm:styleLbl name="fgShp">
+    <dgm:scene3d>
+      <a:camera prst="orthographicFront"/>
+      <a:lightRig rig="threePt" dir="t"/>
+    </dgm:scene3d>
+    <dgm:sp3d/>
+    <dgm:txPr/>
+    <dgm:style>
+      <a:lnRef idx="2">
+        <a:scrgbClr r="0" g="0" b="0"/>
+      </a:lnRef>
+      <a:fillRef idx="1">
+        <a:scrgbClr r="0" g="0" b="0"/>
+      </a:fillRef>
+      <a:effectRef idx="0">
+        <a:scrgbClr r="0" g="0" b="0"/>
+      </a:effectRef>
+      <a:fontRef idx="minor"/>
+    </dgm:style>
+  </dgm:styleLbl>
+  <dgm:styleLbl name="revTx">
+    <dgm:scene3d>
+      <a:camera prst="orthographicFront"/>
+      <a:lightRig rig="threePt" dir="t"/>
+    </dgm:scene3d>
+    <dgm:sp3d/>
+    <dgm:txPr/>
+    <dgm:style>
+      <a:lnRef idx="0">
+        <a:scrgbClr r="0" g="0" b="0"/>
+      </a:lnRef>
+      <a:fillRef idx="0">
+        <a:scrgbClr r="0" g="0" b="0"/>
+      </a:fillRef>
+      <a:effectRef idx="0">
+        <a:scrgbClr r="0" g="0" b="0"/>
+      </a:effectRef>
+      <a:fontRef idx="minor"/>
+    </dgm:style>
+  </dgm:styleLbl>
+</dgm:styleDef>
 </file>
 
 <file path=ppt/notesMasters/notesMaster1.xml><?xml version="1.0" encoding="utf-8"?>
@@ -3421,6 +6751,71 @@
 </p:sld>
 </file>
 
+<file path=ppt/slides/slide10.xml><?xml version="1.0" encoding="utf-8"?>
+<p:sld xmlns:a="http://schemas.openxmlformats.org/drawingml/2006/main" xmlns:r="http://schemas.openxmlformats.org/officeDocument/2006/relationships" xmlns:p="http://schemas.openxmlformats.org/presentationml/2006/main">
+  <p:cSld>
+    <p:spTree>
+      <p:nvGrpSpPr>
+        <p:cNvPr id="1" name=""/>
+        <p:cNvGrpSpPr/>
+        <p:nvPr/>
+      </p:nvGrpSpPr>
+      <p:grpSpPr>
+        <a:xfrm>
+          <a:off x="0" y="0"/>
+          <a:ext cx="0" cy="0"/>
+          <a:chOff x="0" y="0"/>
+          <a:chExt cx="0" cy="0"/>
+        </a:xfrm>
+      </p:grpSpPr>
+      <p:sp>
+        <p:nvSpPr>
+          <p:cNvPr id="2" name="Başlık 1">
+            <a:extLst>
+              <a:ext uri="{FF2B5EF4-FFF2-40B4-BE49-F238E27FC236}">
+                <a16:creationId xmlns:a16="http://schemas.microsoft.com/office/drawing/2014/main" id="{CCAC4352-8C73-446B-B542-8B636FFF6712}"/>
+              </a:ext>
+            </a:extLst>
+          </p:cNvPr>
+          <p:cNvSpPr>
+            <a:spLocks noGrp="1"/>
+          </p:cNvSpPr>
+          <p:nvPr>
+            <p:ph type="ctrTitle"/>
+          </p:nvPr>
+        </p:nvSpPr>
+        <p:spPr>
+          <a:xfrm>
+            <a:off x="1524000" y="1846555"/>
+            <a:ext cx="9144000" cy="3107185"/>
+          </a:xfrm>
+        </p:spPr>
+        <p:txBody>
+          <a:bodyPr>
+            <a:normAutofit/>
+          </a:bodyPr>
+          <a:lstStyle/>
+          <a:p>
+            <a:r>
+              <a:rPr lang="en-US" dirty="0"/>
+              <a:t>Thanks for your time and attention.</a:t>
+            </a:r>
+          </a:p>
+        </p:txBody>
+      </p:sp>
+    </p:spTree>
+    <p:extLst>
+      <p:ext uri="{BB962C8B-B14F-4D97-AF65-F5344CB8AC3E}">
+        <p14:creationId xmlns:p14="http://schemas.microsoft.com/office/powerpoint/2010/main" val="2474766372"/>
+      </p:ext>
+    </p:extLst>
+  </p:cSld>
+  <p:clrMapOvr>
+    <a:masterClrMapping/>
+  </p:clrMapOvr>
+</p:sld>
+</file>
+
 <file path=ppt/slides/slide2.xml><?xml version="1.0" encoding="utf-8"?>
 <p:sld xmlns:a="http://schemas.openxmlformats.org/drawingml/2006/main" xmlns:r="http://schemas.openxmlformats.org/officeDocument/2006/relationships" xmlns:p="http://schemas.openxmlformats.org/presentationml/2006/main">
   <p:cSld>
@@ -5131,63 +8526,6 @@
       </p:grpSpPr>
       <p:sp>
         <p:nvSpPr>
-          <p:cNvPr id="17" name="TextBox 16"/>
-          <p:cNvSpPr txBox="1"/>
-          <p:nvPr/>
-        </p:nvSpPr>
-        <p:spPr>
-          <a:xfrm>
-            <a:off x="815542" y="1563357"/>
-            <a:ext cx="2679497" cy="553998"/>
-          </a:xfrm>
-          <a:prstGeom prst="rect">
-            <a:avLst/>
-          </a:prstGeom>
-          <a:solidFill>
-            <a:srgbClr val="E6E7E7"/>
-          </a:solidFill>
-        </p:spPr>
-        <p:txBody>
-          <a:bodyPr wrap="square" rtlCol="0">
-            <a:spAutoFit/>
-          </a:bodyPr>
-          <a:lstStyle/>
-          <a:p>
-            <a:r>
-              <a:rPr lang="en-CA" sz="1500" dirty="0">
-                <a:solidFill>
-                  <a:srgbClr val="676767"/>
-                </a:solidFill>
-                <a:latin typeface="Open Sans Semibold" panose="020B0706030804020204" pitchFamily="34" charset="0"/>
-                <a:ea typeface="Open Sans Semibold" panose="020B0706030804020204" pitchFamily="34" charset="0"/>
-                <a:cs typeface="Open Sans Semibold" panose="020B0706030804020204" pitchFamily="34" charset="0"/>
-              </a:rPr>
-              <a:t>Resident </a:t>
-            </a:r>
-            <a:r>
-              <a:rPr lang="en-CA" sz="1500" dirty="0">
-                <a:solidFill>
-                  <a:srgbClr val="676767"/>
-                </a:solidFill>
-                <a:latin typeface="Open Sans Light" panose="020B0306030504020204" pitchFamily="34" charset="0"/>
-                <a:ea typeface="Open Sans Light" panose="020B0306030504020204" pitchFamily="34" charset="0"/>
-                <a:cs typeface="Open Sans Light" panose="020B0306030504020204" pitchFamily="34" charset="0"/>
-              </a:rPr>
-              <a:t>comes to the reception and asks for a key.</a:t>
-            </a:r>
-            <a:endParaRPr lang="en-CA" sz="1500" dirty="0">
-              <a:solidFill>
-                <a:srgbClr val="676767"/>
-              </a:solidFill>
-              <a:latin typeface="Open Sans Semibold" panose="020B0706030804020204" pitchFamily="34" charset="0"/>
-              <a:ea typeface="Open Sans Semibold" panose="020B0706030804020204" pitchFamily="34" charset="0"/>
-              <a:cs typeface="Open Sans Semibold" panose="020B0706030804020204" pitchFamily="34" charset="0"/>
-            </a:endParaRPr>
-          </a:p>
-        </p:txBody>
-      </p:sp>
-      <p:sp>
-        <p:nvSpPr>
           <p:cNvPr id="10" name="Shape 240"/>
           <p:cNvSpPr txBox="1">
             <a:spLocks/>
@@ -5239,154 +8577,34 @@
           </a:p>
         </p:txBody>
       </p:sp>
-      <p:sp>
-        <p:nvSpPr>
-          <p:cNvPr id="9" name="TextBox 16">
+      <p:graphicFrame>
+        <p:nvGraphicFramePr>
+          <p:cNvPr id="6" name="Diyagram 5">
             <a:extLst>
               <a:ext uri="{FF2B5EF4-FFF2-40B4-BE49-F238E27FC236}">
-                <a16:creationId xmlns:a16="http://schemas.microsoft.com/office/drawing/2014/main" id="{3E19DB53-2A21-4347-A497-AC9156559868}"/>
+                <a16:creationId xmlns:a16="http://schemas.microsoft.com/office/drawing/2014/main" id="{971EE4B2-4CA7-4620-A6CA-DD1A2CAF1B87}"/>
               </a:ext>
             </a:extLst>
           </p:cNvPr>
-          <p:cNvSpPr txBox="1"/>
-          <p:nvPr/>
-        </p:nvSpPr>
-        <p:spPr>
-          <a:xfrm>
-            <a:off x="4574742" y="1563357"/>
-            <a:ext cx="2679497" cy="1015663"/>
-          </a:xfrm>
-          <a:prstGeom prst="rect">
-            <a:avLst/>
-          </a:prstGeom>
-          <a:solidFill>
-            <a:srgbClr val="E6E7E7"/>
-          </a:solidFill>
-        </p:spPr>
-        <p:txBody>
-          <a:bodyPr wrap="square" rtlCol="0">
-            <a:spAutoFit/>
-          </a:bodyPr>
-          <a:lstStyle/>
-          <a:p>
-            <a:r>
-              <a:rPr lang="en-CA" sz="1500" dirty="0">
-                <a:solidFill>
-                  <a:srgbClr val="676767"/>
-                </a:solidFill>
-                <a:latin typeface="Open Sans Semibold" panose="020B0706030804020204" pitchFamily="34" charset="0"/>
-                <a:ea typeface="Open Sans Semibold" panose="020B0706030804020204" pitchFamily="34" charset="0"/>
-                <a:cs typeface="Open Sans Semibold" panose="020B0706030804020204" pitchFamily="34" charset="0"/>
-              </a:rPr>
-              <a:t>Receptionist </a:t>
-            </a:r>
-            <a:r>
-              <a:rPr lang="en-CA" sz="1500" dirty="0">
-                <a:solidFill>
-                  <a:srgbClr val="676767"/>
-                </a:solidFill>
-                <a:latin typeface="Open Sans Light" panose="020B0306030504020204" pitchFamily="34" charset="0"/>
-                <a:ea typeface="Open Sans Light" panose="020B0306030504020204" pitchFamily="34" charset="0"/>
-                <a:cs typeface="Open Sans Light" panose="020B0306030504020204" pitchFamily="34" charset="0"/>
-              </a:rPr>
-              <a:t>takes </a:t>
-            </a:r>
-            <a:r>
-              <a:rPr lang="en-CA" sz="1500" dirty="0" err="1">
-                <a:solidFill>
-                  <a:srgbClr val="676767"/>
-                </a:solidFill>
-                <a:latin typeface="Open Sans Light" panose="020B0306030504020204" pitchFamily="34" charset="0"/>
-                <a:ea typeface="Open Sans Light" panose="020B0306030504020204" pitchFamily="34" charset="0"/>
-                <a:cs typeface="Open Sans Light" panose="020B0306030504020204" pitchFamily="34" charset="0"/>
-              </a:rPr>
-              <a:t>informations</a:t>
-            </a:r>
-            <a:r>
-              <a:rPr lang="en-CA" sz="1500" dirty="0">
-                <a:solidFill>
-                  <a:srgbClr val="676767"/>
-                </a:solidFill>
-                <a:latin typeface="Open Sans Light" panose="020B0306030504020204" pitchFamily="34" charset="0"/>
-                <a:ea typeface="Open Sans Light" panose="020B0306030504020204" pitchFamily="34" charset="0"/>
-                <a:cs typeface="Open Sans Light" panose="020B0306030504020204" pitchFamily="34" charset="0"/>
-              </a:rPr>
-              <a:t> about resident’s laundry, saves them and starts a timer.</a:t>
-            </a:r>
-            <a:endParaRPr lang="en-CA" sz="1500" dirty="0">
-              <a:solidFill>
-                <a:srgbClr val="676767"/>
-              </a:solidFill>
-              <a:latin typeface="Open Sans Semibold" panose="020B0706030804020204" pitchFamily="34" charset="0"/>
-              <a:ea typeface="Open Sans Semibold" panose="020B0706030804020204" pitchFamily="34" charset="0"/>
-              <a:cs typeface="Open Sans Semibold" panose="020B0706030804020204" pitchFamily="34" charset="0"/>
-            </a:endParaRPr>
-          </a:p>
-        </p:txBody>
-      </p:sp>
-      <p:sp>
-        <p:nvSpPr>
-          <p:cNvPr id="11" name="TextBox 16">
-            <a:extLst>
-              <a:ext uri="{FF2B5EF4-FFF2-40B4-BE49-F238E27FC236}">
-                <a16:creationId xmlns:a16="http://schemas.microsoft.com/office/drawing/2014/main" id="{936B27F1-D0FF-4608-9A1C-5A7095F0DE1A}"/>
-              </a:ext>
-            </a:extLst>
-          </p:cNvPr>
-          <p:cNvSpPr txBox="1"/>
-          <p:nvPr/>
-        </p:nvSpPr>
-        <p:spPr>
-          <a:xfrm>
-            <a:off x="8486342" y="1840356"/>
-            <a:ext cx="2679497" cy="553998"/>
-          </a:xfrm>
-          <a:prstGeom prst="rect">
-            <a:avLst/>
-          </a:prstGeom>
-          <a:solidFill>
-            <a:srgbClr val="E6E7E7"/>
-          </a:solidFill>
-        </p:spPr>
-        <p:txBody>
-          <a:bodyPr wrap="square" rtlCol="0">
-            <a:spAutoFit/>
-          </a:bodyPr>
-          <a:lstStyle/>
-          <a:p>
-            <a:r>
-              <a:rPr lang="en-CA" sz="1500" dirty="0">
-                <a:solidFill>
-                  <a:srgbClr val="676767"/>
-                </a:solidFill>
-                <a:latin typeface="Open Sans Semibold" panose="020B0706030804020204" pitchFamily="34" charset="0"/>
-                <a:ea typeface="Open Sans Semibold" panose="020B0706030804020204" pitchFamily="34" charset="0"/>
-                <a:cs typeface="Open Sans Semibold" panose="020B0706030804020204" pitchFamily="34" charset="0"/>
-              </a:rPr>
-              <a:t>Resident </a:t>
-            </a:r>
-            <a:r>
-              <a:rPr lang="en-CA" sz="1500" dirty="0">
-                <a:solidFill>
-                  <a:srgbClr val="676767"/>
-                </a:solidFill>
-                <a:latin typeface="Open Sans Light" panose="020B0306030504020204" pitchFamily="34" charset="0"/>
-                <a:ea typeface="Open Sans Light" panose="020B0306030504020204" pitchFamily="34" charset="0"/>
-                <a:cs typeface="Open Sans Light" panose="020B0306030504020204" pitchFamily="34" charset="0"/>
-              </a:rPr>
-              <a:t>comes to the reception and asks for a key.</a:t>
-            </a:r>
-            <a:endParaRPr lang="en-CA" sz="1500" dirty="0">
-              <a:solidFill>
-                <a:srgbClr val="676767"/>
-              </a:solidFill>
-              <a:latin typeface="Open Sans Semibold" panose="020B0706030804020204" pitchFamily="34" charset="0"/>
-              <a:ea typeface="Open Sans Semibold" panose="020B0706030804020204" pitchFamily="34" charset="0"/>
-              <a:cs typeface="Open Sans Semibold" panose="020B0706030804020204" pitchFamily="34" charset="0"/>
-            </a:endParaRPr>
-          </a:p>
-        </p:txBody>
-      </p:sp>
+          <p:cNvGraphicFramePr/>
+          <p:nvPr>
+            <p:extLst>
+              <p:ext uri="{D42A27DB-BD31-4B8C-83A1-F6EECF244321}">
+                <p14:modId xmlns:p14="http://schemas.microsoft.com/office/powerpoint/2010/main" val="3867443199"/>
+              </p:ext>
+            </p:extLst>
+          </p:nvPr>
+        </p:nvGraphicFramePr>
+        <p:xfrm>
+          <a:off x="2032000" y="1137618"/>
+          <a:ext cx="8128000" cy="5418667"/>
+        </p:xfrm>
+        <a:graphic>
+          <a:graphicData uri="http://schemas.openxmlformats.org/drawingml/2006/diagram">
+            <dgm:relIds xmlns:dgm="http://schemas.openxmlformats.org/drawingml/2006/diagram" xmlns:r="http://schemas.openxmlformats.org/officeDocument/2006/relationships" r:dm="rId4" r:lo="rId5" r:qs="rId6" r:cs="rId7"/>
+          </a:graphicData>
+        </a:graphic>
+      </p:graphicFrame>
     </p:spTree>
     <p:custDataLst>
       <p:tags r:id="rId1"/>
@@ -5470,6 +8688,59 @@
                       </p:childTnLst>
                     </p:cTn>
                   </p:par>
+                  <p:par>
+                    <p:cTn id="8" fill="hold">
+                      <p:stCondLst>
+                        <p:cond delay="indefinite"/>
+                      </p:stCondLst>
+                      <p:childTnLst>
+                        <p:par>
+                          <p:cTn id="9" fill="hold">
+                            <p:stCondLst>
+                              <p:cond delay="0"/>
+                            </p:stCondLst>
+                            <p:childTnLst>
+                              <p:par>
+                                <p:cTn id="10" presetID="10" presetClass="entr" presetSubtype="0" fill="hold" grpId="0" nodeType="clickEffect">
+                                  <p:stCondLst>
+                                    <p:cond delay="0"/>
+                                  </p:stCondLst>
+                                  <p:childTnLst>
+                                    <p:set>
+                                      <p:cBhvr>
+                                        <p:cTn id="11" dur="1" fill="hold">
+                                          <p:stCondLst>
+                                            <p:cond delay="0"/>
+                                          </p:stCondLst>
+                                        </p:cTn>
+                                        <p:tgtEl>
+                                          <p:spTgt spid="6"/>
+                                        </p:tgtEl>
+                                        <p:attrNameLst>
+                                          <p:attrName>style.visibility</p:attrName>
+                                        </p:attrNameLst>
+                                      </p:cBhvr>
+                                      <p:to>
+                                        <p:strVal val="visible"/>
+                                      </p:to>
+                                    </p:set>
+                                    <p:animEffect transition="in" filter="fade">
+                                      <p:cBhvr>
+                                        <p:cTn id="12" dur="500"/>
+                                        <p:tgtEl>
+                                          <p:spTgt spid="6"/>
+                                        </p:tgtEl>
+                                      </p:cBhvr>
+                                    </p:animEffect>
+                                  </p:childTnLst>
+                                </p:cTn>
+                              </p:par>
+                            </p:childTnLst>
+                          </p:cTn>
+                        </p:par>
+                      </p:childTnLst>
+                    </p:cTn>
+                  </p:par>
                 </p:childTnLst>
               </p:cTn>
               <p:prevCondLst>
@@ -5493,6 +8764,9 @@
     </p:tnLst>
     <p:bldLst>
       <p:bldP spid="10" grpId="0"/>
+      <p:bldGraphic spid="6" grpId="0">
+        <p:bldAsOne/>
+      </p:bldGraphic>
     </p:bldLst>
   </p:timing>
 </p:sld>
@@ -5848,36 +9122,6 @@
           <a:chExt cx="0" cy="0"/>
         </a:xfrm>
       </p:grpSpPr>
-      <p:pic>
-        <p:nvPicPr>
-          <p:cNvPr id="2" name="Picture 1"/>
-          <p:cNvPicPr>
-            <a:picLocks noChangeAspect="1"/>
-          </p:cNvPicPr>
-          <p:nvPr/>
-        </p:nvPicPr>
-        <p:blipFill>
-          <a:blip r:embed="rId4">
-            <a:extLst>
-              <a:ext uri="{28A0092B-C50C-407E-A947-70E740481C1C}">
-                <a14:useLocalDpi xmlns:a14="http://schemas.microsoft.com/office/drawing/2010/main" val="0"/>
-              </a:ext>
-            </a:extLst>
-          </a:blip>
-          <a:stretch>
-            <a:fillRect/>
-          </a:stretch>
-        </p:blipFill>
-        <p:spPr>
-          <a:xfrm>
-            <a:off x="1008620" y="1541394"/>
-            <a:ext cx="9944100" cy="4410075"/>
-          </a:xfrm>
-          <a:prstGeom prst="rect">
-            <a:avLst/>
-          </a:prstGeom>
-        </p:spPr>
-      </p:pic>
       <p:sp>
         <p:nvSpPr>
           <p:cNvPr id="7" name="Shape 240"/>
@@ -5888,7 +9132,7 @@
         </p:nvSpPr>
         <p:spPr>
           <a:xfrm>
-            <a:off x="1524000" y="642230"/>
+            <a:off x="1524000" y="615597"/>
             <a:ext cx="9144000" cy="340720"/>
           </a:xfrm>
           <a:prstGeom prst="rect">
@@ -5926,21 +9170,21 @@
                 <a:cs typeface="Open Sans Semibold" panose="020B0706030804020204" pitchFamily="34" charset="0"/>
                 <a:sym typeface="Open Sans"/>
               </a:rPr>
-              <a:t>Our channels are optimized</a:t>
+              <a:t>Business Model</a:t>
             </a:r>
           </a:p>
         </p:txBody>
       </p:sp>
       <p:sp>
         <p:nvSpPr>
-          <p:cNvPr id="4" name="TextBox 3"/>
+          <p:cNvPr id="8" name="TextBox 7"/>
           <p:cNvSpPr txBox="1"/>
           <p:nvPr/>
         </p:nvSpPr>
         <p:spPr>
           <a:xfrm>
-            <a:off x="6351646" y="1356728"/>
-            <a:ext cx="2042712" cy="646331"/>
+            <a:off x="2544619" y="4219389"/>
+            <a:ext cx="2261055" cy="1200329"/>
           </a:xfrm>
           <a:prstGeom prst="rect">
             <a:avLst/>
@@ -5957,7 +9201,7 @@
           <a:p>
             <a:pPr algn="ctr"/>
             <a:r>
-              <a:rPr lang="en-CA" dirty="0">
+              <a:rPr lang="en-CA" dirty="0" err="1">
                 <a:solidFill>
                   <a:srgbClr val="676767"/>
                 </a:solidFill>
@@ -5965,58 +9209,8 @@
                 <a:ea typeface="Open Sans Semibold" panose="020B0706030804020204" pitchFamily="34" charset="0"/>
                 <a:cs typeface="Open Sans Semibold" panose="020B0706030804020204" pitchFamily="34" charset="0"/>
               </a:rPr>
-              <a:t>Email</a:t>
+              <a:t>Rubikon</a:t>
             </a:r>
-          </a:p>
-          <a:p>
-            <a:pPr algn="ctr"/>
-            <a:r>
-              <a:rPr lang="en-CA" b="1" dirty="0">
-                <a:solidFill>
-                  <a:srgbClr val="ED942D"/>
-                </a:solidFill>
-                <a:latin typeface="Open Sans Semibold" panose="020B0706030804020204" pitchFamily="34" charset="0"/>
-                <a:ea typeface="Open Sans Semibold" panose="020B0706030804020204" pitchFamily="34" charset="0"/>
-                <a:cs typeface="Open Sans Semibold" panose="020B0706030804020204" pitchFamily="34" charset="0"/>
-              </a:rPr>
-              <a:t>40%</a:t>
-            </a:r>
-            <a:endParaRPr lang="en-CA" b="1" dirty="0">
-              <a:solidFill>
-                <a:srgbClr val="ED942D"/>
-              </a:solidFill>
-              <a:latin typeface="Open Sans Light" panose="020B0306030504020204" pitchFamily="34" charset="0"/>
-              <a:ea typeface="Open Sans Light" panose="020B0306030504020204" pitchFamily="34" charset="0"/>
-              <a:cs typeface="Open Sans Light" panose="020B0306030504020204" pitchFamily="34" charset="0"/>
-            </a:endParaRPr>
-          </a:p>
-        </p:txBody>
-      </p:sp>
-      <p:sp>
-        <p:nvSpPr>
-          <p:cNvPr id="6" name="TextBox 5"/>
-          <p:cNvSpPr txBox="1"/>
-          <p:nvPr/>
-        </p:nvSpPr>
-        <p:spPr>
-          <a:xfrm>
-            <a:off x="8726734" y="3746432"/>
-            <a:ext cx="1784747" cy="646331"/>
-          </a:xfrm>
-          <a:prstGeom prst="rect">
-            <a:avLst/>
-          </a:prstGeom>
-          <a:solidFill>
-            <a:srgbClr val="E6E7E7"/>
-          </a:solidFill>
-        </p:spPr>
-        <p:txBody>
-          <a:bodyPr wrap="square" rtlCol="0">
-            <a:spAutoFit/>
-          </a:bodyPr>
-          <a:lstStyle/>
-          <a:p>
-            <a:pPr algn="ctr"/>
             <a:r>
               <a:rPr lang="en-CA" dirty="0">
                 <a:solidFill>
@@ -6026,7 +9220,7 @@
                 <a:ea typeface="Open Sans Semibold" panose="020B0706030804020204" pitchFamily="34" charset="0"/>
                 <a:cs typeface="Open Sans Semibold" panose="020B0706030804020204" pitchFamily="34" charset="0"/>
               </a:rPr>
-              <a:t>Paid search</a:t>
+              <a:t> Student House Administration</a:t>
             </a:r>
           </a:p>
           <a:p>
@@ -6040,9 +9234,9 @@
                 <a:ea typeface="Open Sans Semibold" panose="020B0706030804020204" pitchFamily="34" charset="0"/>
                 <a:cs typeface="Open Sans Semibold" panose="020B0706030804020204" pitchFamily="34" charset="0"/>
               </a:rPr>
-              <a:t>10%</a:t>
+              <a:t>60%</a:t>
             </a:r>
-            <a:endParaRPr lang="en-CA" b="1" dirty="0">
+            <a:endParaRPr lang="en-CA" dirty="0">
               <a:solidFill>
                 <a:srgbClr val="ED942D"/>
               </a:solidFill>
@@ -6055,13 +9249,19 @@
       </p:sp>
       <p:sp>
         <p:nvSpPr>
-          <p:cNvPr id="8" name="TextBox 7"/>
+          <p:cNvPr id="9" name="TextBox 7">
+            <a:extLst>
+              <a:ext uri="{FF2B5EF4-FFF2-40B4-BE49-F238E27FC236}">
+                <a16:creationId xmlns:a16="http://schemas.microsoft.com/office/drawing/2014/main" id="{C1AA659B-080F-4370-84A2-86E8113AF769}"/>
+              </a:ext>
+            </a:extLst>
+          </p:cNvPr>
           <p:cNvSpPr txBox="1"/>
           <p:nvPr/>
         </p:nvSpPr>
         <p:spPr>
           <a:xfrm>
-            <a:off x="1305929" y="5404339"/>
+            <a:off x="7634796" y="4496387"/>
             <a:ext cx="2261055" cy="646331"/>
           </a:xfrm>
           <a:prstGeom prst="rect">
@@ -6079,6 +9279,17 @@
           <a:p>
             <a:pPr algn="ctr"/>
             <a:r>
+              <a:rPr lang="en-CA" dirty="0" err="1">
+                <a:solidFill>
+                  <a:srgbClr val="676767"/>
+                </a:solidFill>
+                <a:latin typeface="Open Sans Semibold" panose="020B0706030804020204" pitchFamily="34" charset="0"/>
+                <a:ea typeface="Open Sans Semibold" panose="020B0706030804020204" pitchFamily="34" charset="0"/>
+                <a:cs typeface="Open Sans Semibold" panose="020B0706030804020204" pitchFamily="34" charset="0"/>
+              </a:rPr>
+              <a:t>KeyFinder</a:t>
+            </a:r>
+            <a:r>
               <a:rPr lang="en-CA" dirty="0">
                 <a:solidFill>
                   <a:srgbClr val="676767"/>
@@ -6087,8 +9298,11 @@
                 <a:ea typeface="Open Sans Semibold" panose="020B0706030804020204" pitchFamily="34" charset="0"/>
                 <a:cs typeface="Open Sans Semibold" panose="020B0706030804020204" pitchFamily="34" charset="0"/>
               </a:rPr>
-              <a:t>Organic search </a:t>
+              <a:t> Team</a:t>
             </a:r>
+          </a:p>
+          <a:p>
+            <a:pPr algn="ctr"/>
             <a:r>
               <a:rPr lang="en-CA" dirty="0">
                 <a:solidFill>
@@ -6098,7 +9312,7 @@
                 <a:ea typeface="Open Sans Semibold" panose="020B0706030804020204" pitchFamily="34" charset="0"/>
                 <a:cs typeface="Open Sans Semibold" panose="020B0706030804020204" pitchFamily="34" charset="0"/>
               </a:rPr>
-              <a:t>50%</a:t>
+              <a:t>40%</a:t>
             </a:r>
             <a:endParaRPr lang="en-CA" dirty="0">
               <a:solidFill>
@@ -6111,6 +9325,188 @@
           </a:p>
         </p:txBody>
       </p:sp>
+      <p:sp>
+        <p:nvSpPr>
+          <p:cNvPr id="5" name="Dikdörtgen 4">
+            <a:extLst>
+              <a:ext uri="{FF2B5EF4-FFF2-40B4-BE49-F238E27FC236}">
+                <a16:creationId xmlns:a16="http://schemas.microsoft.com/office/drawing/2014/main" id="{89271FF5-88BE-44AF-B2B5-CE5B245619F3}"/>
+              </a:ext>
+            </a:extLst>
+          </p:cNvPr>
+          <p:cNvSpPr/>
+          <p:nvPr/>
+        </p:nvSpPr>
+        <p:spPr>
+          <a:xfrm>
+            <a:off x="4761338" y="1083075"/>
+            <a:ext cx="2669324" cy="1200329"/>
+          </a:xfrm>
+          <a:prstGeom prst="rect">
+            <a:avLst/>
+          </a:prstGeom>
+        </p:spPr>
+        <p:style>
+          <a:lnRef idx="2">
+            <a:schemeClr val="accent1">
+              <a:shade val="50000"/>
+            </a:schemeClr>
+          </a:lnRef>
+          <a:fillRef idx="1">
+            <a:schemeClr val="accent1"/>
+          </a:fillRef>
+          <a:effectRef idx="0">
+            <a:schemeClr val="accent1"/>
+          </a:effectRef>
+          <a:fontRef idx="minor">
+            <a:schemeClr val="lt1"/>
+          </a:fontRef>
+        </p:style>
+        <p:txBody>
+          <a:bodyPr rtlCol="0" anchor="ctr"/>
+          <a:lstStyle/>
+          <a:p>
+            <a:pPr algn="ctr"/>
+            <a:r>
+              <a:rPr lang="en-US" dirty="0"/>
+              <a:t>5 PLN penalty for every hour resident doesn’t bring the key in time</a:t>
+            </a:r>
+          </a:p>
+        </p:txBody>
+      </p:sp>
+      <p:sp>
+        <p:nvSpPr>
+          <p:cNvPr id="10" name="Dikdörtgen 9">
+            <a:extLst>
+              <a:ext uri="{FF2B5EF4-FFF2-40B4-BE49-F238E27FC236}">
+                <a16:creationId xmlns:a16="http://schemas.microsoft.com/office/drawing/2014/main" id="{6D68D56A-D911-4CBD-B592-6B004D204260}"/>
+              </a:ext>
+            </a:extLst>
+          </p:cNvPr>
+          <p:cNvSpPr/>
+          <p:nvPr/>
+        </p:nvSpPr>
+        <p:spPr>
+          <a:xfrm>
+            <a:off x="5250349" y="2590697"/>
+            <a:ext cx="1691301" cy="806389"/>
+          </a:xfrm>
+          <a:prstGeom prst="rect">
+            <a:avLst/>
+          </a:prstGeom>
+        </p:spPr>
+        <p:style>
+          <a:lnRef idx="2">
+            <a:schemeClr val="accent1">
+              <a:shade val="50000"/>
+            </a:schemeClr>
+          </a:lnRef>
+          <a:fillRef idx="1">
+            <a:schemeClr val="accent1"/>
+          </a:fillRef>
+          <a:effectRef idx="0">
+            <a:schemeClr val="accent1"/>
+          </a:effectRef>
+          <a:fontRef idx="minor">
+            <a:schemeClr val="lt1"/>
+          </a:fontRef>
+        </p:style>
+        <p:txBody>
+          <a:bodyPr rtlCol="0" anchor="ctr"/>
+          <a:lstStyle/>
+          <a:p>
+            <a:pPr algn="ctr"/>
+            <a:r>
+              <a:rPr lang="en-US" dirty="0"/>
+              <a:t>Profit distribution</a:t>
+            </a:r>
+          </a:p>
+        </p:txBody>
+      </p:sp>
+      <p:cxnSp>
+        <p:nvCxnSpPr>
+          <p:cNvPr id="12" name="Düz Ok Bağlayıcısı 11">
+            <a:extLst>
+              <a:ext uri="{FF2B5EF4-FFF2-40B4-BE49-F238E27FC236}">
+                <a16:creationId xmlns:a16="http://schemas.microsoft.com/office/drawing/2014/main" id="{C881358F-344B-4681-B949-C29F2C700811}"/>
+              </a:ext>
+            </a:extLst>
+          </p:cNvPr>
+          <p:cNvCxnSpPr>
+            <a:cxnSpLocks/>
+            <a:endCxn id="8" idx="0"/>
+          </p:cNvCxnSpPr>
+          <p:nvPr/>
+        </p:nvCxnSpPr>
+        <p:spPr>
+          <a:xfrm flipH="1">
+            <a:off x="3675147" y="3397086"/>
+            <a:ext cx="1575202" cy="822303"/>
+          </a:xfrm>
+          <a:prstGeom prst="straightConnector1">
+            <a:avLst/>
+          </a:prstGeom>
+          <a:ln>
+            <a:tailEnd type="triangle"/>
+          </a:ln>
+        </p:spPr>
+        <p:style>
+          <a:lnRef idx="1">
+            <a:schemeClr val="accent1"/>
+          </a:lnRef>
+          <a:fillRef idx="0">
+            <a:schemeClr val="accent1"/>
+          </a:fillRef>
+          <a:effectRef idx="0">
+            <a:schemeClr val="accent1"/>
+          </a:effectRef>
+          <a:fontRef idx="minor">
+            <a:schemeClr val="tx1"/>
+          </a:fontRef>
+        </p:style>
+      </p:cxnSp>
+      <p:cxnSp>
+        <p:nvCxnSpPr>
+          <p:cNvPr id="13" name="Düz Ok Bağlayıcısı 12">
+            <a:extLst>
+              <a:ext uri="{FF2B5EF4-FFF2-40B4-BE49-F238E27FC236}">
+                <a16:creationId xmlns:a16="http://schemas.microsoft.com/office/drawing/2014/main" id="{DA3DAA0E-0F7A-4245-A710-2B0AC46AEA7F}"/>
+              </a:ext>
+            </a:extLst>
+          </p:cNvPr>
+          <p:cNvCxnSpPr>
+            <a:cxnSpLocks/>
+            <a:endCxn id="9" idx="0"/>
+          </p:cNvCxnSpPr>
+          <p:nvPr/>
+        </p:nvCxnSpPr>
+        <p:spPr>
+          <a:xfrm>
+            <a:off x="6954177" y="3397086"/>
+            <a:ext cx="1811147" cy="1099301"/>
+          </a:xfrm>
+          <a:prstGeom prst="straightConnector1">
+            <a:avLst/>
+          </a:prstGeom>
+          <a:ln>
+            <a:tailEnd type="triangle"/>
+          </a:ln>
+        </p:spPr>
+        <p:style>
+          <a:lnRef idx="1">
+            <a:schemeClr val="accent1"/>
+          </a:lnRef>
+          <a:fillRef idx="0">
+            <a:schemeClr val="accent1"/>
+          </a:fillRef>
+          <a:effectRef idx="0">
+            <a:schemeClr val="accent1"/>
+          </a:effectRef>
+          <a:fontRef idx="minor">
+            <a:schemeClr val="tx1"/>
+          </a:fontRef>
+        </p:style>
+      </p:cxnSp>
     </p:spTree>
     <p:custDataLst>
       <p:tags r:id="rId1"/>
@@ -6203,6 +9599,252 @@
                       </p:childTnLst>
                     </p:cTn>
                   </p:par>
+                  <p:par>
+                    <p:cTn id="8" fill="hold">
+                      <p:stCondLst>
+                        <p:cond delay="indefinite"/>
+                      </p:stCondLst>
+                      <p:childTnLst>
+                        <p:par>
+                          <p:cTn id="9" fill="hold">
+                            <p:stCondLst>
+                              <p:cond delay="0"/>
+                            </p:stCondLst>
+                            <p:childTnLst>
+                              <p:par>
+                                <p:cTn id="10" presetID="10" presetClass="entr" presetSubtype="0" fill="hold" grpId="0" nodeType="clickEffect">
+                                  <p:stCondLst>
+                                    <p:cond delay="0"/>
+                                  </p:stCondLst>
+                                  <p:childTnLst>
+                                    <p:set>
+                                      <p:cBhvr>
+                                        <p:cTn id="11" dur="1" fill="hold">
+                                          <p:stCondLst>
+                                            <p:cond delay="0"/>
+                                          </p:stCondLst>
+                                        </p:cTn>
+                                        <p:tgtEl>
+                                          <p:spTgt spid="5"/>
+                                        </p:tgtEl>
+                                        <p:attrNameLst>
+                                          <p:attrName>style.visibility</p:attrName>
+                                        </p:attrNameLst>
+                                      </p:cBhvr>
+                                      <p:to>
+                                        <p:strVal val="visible"/>
+                                      </p:to>
+                                    </p:set>
+                                    <p:animEffect transition="in" filter="fade">
+                                      <p:cBhvr>
+                                        <p:cTn id="12" dur="500"/>
+                                        <p:tgtEl>
+                                          <p:spTgt spid="5"/>
+                                        </p:tgtEl>
+                                      </p:cBhvr>
+                                    </p:animEffect>
+                                  </p:childTnLst>
+                                </p:cTn>
+                              </p:par>
+                            </p:childTnLst>
+                          </p:cTn>
+                        </p:par>
+                      </p:childTnLst>
+                    </p:cTn>
+                  </p:par>
+                  <p:par>
+                    <p:cTn id="13" fill="hold">
+                      <p:stCondLst>
+                        <p:cond delay="indefinite"/>
+                      </p:stCondLst>
+                      <p:childTnLst>
+                        <p:par>
+                          <p:cTn id="14" fill="hold">
+                            <p:stCondLst>
+                              <p:cond delay="0"/>
+                            </p:stCondLst>
+                            <p:childTnLst>
+                              <p:par>
+                                <p:cTn id="15" presetID="10" presetClass="entr" presetSubtype="0" fill="hold" grpId="0" nodeType="clickEffect">
+                                  <p:stCondLst>
+                                    <p:cond delay="0"/>
+                                  </p:stCondLst>
+                                  <p:childTnLst>
+                                    <p:set>
+                                      <p:cBhvr>
+                                        <p:cTn id="16" dur="1" fill="hold">
+                                          <p:stCondLst>
+                                            <p:cond delay="0"/>
+                                          </p:stCondLst>
+                                        </p:cTn>
+                                        <p:tgtEl>
+                                          <p:spTgt spid="8"/>
+                                        </p:tgtEl>
+                                        <p:attrNameLst>
+                                          <p:attrName>style.visibility</p:attrName>
+                                        </p:attrNameLst>
+                                      </p:cBhvr>
+                                      <p:to>
+                                        <p:strVal val="visible"/>
+                                      </p:to>
+                                    </p:set>
+                                    <p:animEffect transition="in" filter="fade">
+                                      <p:cBhvr>
+                                        <p:cTn id="17" dur="500"/>
+                                        <p:tgtEl>
+                                          <p:spTgt spid="8"/>
+                                        </p:tgtEl>
+                                      </p:cBhvr>
+                                    </p:animEffect>
+                                  </p:childTnLst>
+                                </p:cTn>
+                              </p:par>
+                              <p:par>
+                                <p:cTn id="18" presetID="10" presetClass="entr" presetSubtype="0" fill="hold" grpId="0" nodeType="withEffect">
+                                  <p:stCondLst>
+                                    <p:cond delay="0"/>
+                                  </p:stCondLst>
+                                  <p:childTnLst>
+                                    <p:set>
+                                      <p:cBhvr>
+                                        <p:cTn id="19" dur="1" fill="hold">
+                                          <p:stCondLst>
+                                            <p:cond delay="0"/>
+                                          </p:stCondLst>
+                                        </p:cTn>
+                                        <p:tgtEl>
+                                          <p:spTgt spid="9"/>
+                                        </p:tgtEl>
+                                        <p:attrNameLst>
+                                          <p:attrName>style.visibility</p:attrName>
+                                        </p:attrNameLst>
+                                      </p:cBhvr>
+                                      <p:to>
+                                        <p:strVal val="visible"/>
+                                      </p:to>
+                                    </p:set>
+                                    <p:animEffect transition="in" filter="fade">
+                                      <p:cBhvr>
+                                        <p:cTn id="20" dur="500"/>
+                                        <p:tgtEl>
+                                          <p:spTgt spid="9"/>
+                                        </p:tgtEl>
+                                      </p:cBhvr>
+                                    </p:animEffect>
+                                  </p:childTnLst>
+                                </p:cTn>
+                              </p:par>
+                              <p:par>
+                                <p:cTn id="21" presetID="10" presetClass="entr" presetSubtype="0" fill="hold" grpId="0" nodeType="withEffect">
+                                  <p:stCondLst>
+                                    <p:cond delay="0"/>
+                                  </p:stCondLst>
+                                  <p:childTnLst>
+                                    <p:set>
+                                      <p:cBhvr>
+                                        <p:cTn id="22" dur="1" fill="hold">
+                                          <p:stCondLst>
+                                            <p:cond delay="0"/>
+                                          </p:stCondLst>
+                                        </p:cTn>
+                                        <p:tgtEl>
+                                          <p:spTgt spid="10"/>
+                                        </p:tgtEl>
+                                        <p:attrNameLst>
+                                          <p:attrName>style.visibility</p:attrName>
+                                        </p:attrNameLst>
+                                      </p:cBhvr>
+                                      <p:to>
+                                        <p:strVal val="visible"/>
+                                      </p:to>
+                                    </p:set>
+                                    <p:animEffect transition="in" filter="fade">
+                                      <p:cBhvr>
+                                        <p:cTn id="23" dur="500"/>
+                                        <p:tgtEl>
+                                          <p:spTgt spid="10"/>
+                                        </p:tgtEl>
+                                      </p:cBhvr>
+                                    </p:animEffect>
+                                  </p:childTnLst>
+                                </p:cTn>
+                              </p:par>
+                              <p:par>
+                                <p:cTn id="24" presetID="10" presetClass="entr" presetSubtype="0" fill="hold" nodeType="withEffect">
+                                  <p:stCondLst>
+                                    <p:cond delay="0"/>
+                                  </p:stCondLst>
+                                  <p:childTnLst>
+                                    <p:set>
+                                      <p:cBhvr>
+                                        <p:cTn id="25" dur="1" fill="hold">
+                                          <p:stCondLst>
+                                            <p:cond delay="0"/>
+                                          </p:stCondLst>
+                                        </p:cTn>
+                                        <p:tgtEl>
+                                          <p:spTgt spid="12"/>
+                                        </p:tgtEl>
+                                        <p:attrNameLst>
+                                          <p:attrName>style.visibility</p:attrName>
+                                        </p:attrNameLst>
+                                      </p:cBhvr>
+                                      <p:to>
+                                        <p:strVal val="visible"/>
+                                      </p:to>
+                                    </p:set>
+                                    <p:animEffect transition="in" filter="fade">
+                                      <p:cBhvr>
+                                        <p:cTn id="26" dur="500"/>
+                                        <p:tgtEl>
+                                          <p:spTgt spid="12"/>
+                                        </p:tgtEl>
+                                      </p:cBhvr>
+                                    </p:animEffect>
+                                  </p:childTnLst>
+                                </p:cTn>
+                              </p:par>
+                              <p:par>
+                                <p:cTn id="27" presetID="10" presetClass="entr" presetSubtype="0" fill="hold" nodeType="withEffect">
+                                  <p:stCondLst>
+                                    <p:cond delay="0"/>
+                                  </p:stCondLst>
+                                  <p:childTnLst>
+                                    <p:set>
+                                      <p:cBhvr>
+                                        <p:cTn id="28" dur="1" fill="hold">
+                                          <p:stCondLst>
+                                            <p:cond delay="0"/>
+                                          </p:stCondLst>
+                                        </p:cTn>
+                                        <p:tgtEl>
+                                          <p:spTgt spid="13"/>
+                                        </p:tgtEl>
+                                        <p:attrNameLst>
+                                          <p:attrName>style.visibility</p:attrName>
+                                        </p:attrNameLst>
+                                      </p:cBhvr>
+                                      <p:to>
+                                        <p:strVal val="visible"/>
+                                      </p:to>
+                                    </p:set>
+                                    <p:animEffect transition="in" filter="fade">
+                                      <p:cBhvr>
+                                        <p:cTn id="29" dur="500"/>
+                                        <p:tgtEl>
+                                          <p:spTgt spid="13"/>
+                                        </p:tgtEl>
+                                      </p:cBhvr>
+                                    </p:animEffect>
+                                  </p:childTnLst>
+                                </p:cTn>
+                              </p:par>
+                            </p:childTnLst>
+                          </p:cTn>
+                        </p:par>
+                      </p:childTnLst>
+                    </p:cTn>
+                  </p:par>
                 </p:childTnLst>
               </p:cTn>
               <p:prevCondLst>
@@ -6226,8 +9868,77 @@
     </p:tnLst>
     <p:bldLst>
       <p:bldP spid="7" grpId="0"/>
+      <p:bldP spid="8" grpId="0" animBg="1"/>
+      <p:bldP spid="9" grpId="0" animBg="1"/>
+      <p:bldP spid="5" grpId="0" animBg="1"/>
+      <p:bldP spid="10" grpId="0" animBg="1"/>
     </p:bldLst>
   </p:timing>
+</p:sld>
+</file>
+
+<file path=ppt/slides/slide9.xml><?xml version="1.0" encoding="utf-8"?>
+<p:sld xmlns:a="http://schemas.openxmlformats.org/drawingml/2006/main" xmlns:r="http://schemas.openxmlformats.org/officeDocument/2006/relationships" xmlns:p="http://schemas.openxmlformats.org/presentationml/2006/main">
+  <p:cSld>
+    <p:spTree>
+      <p:nvGrpSpPr>
+        <p:cNvPr id="1" name=""/>
+        <p:cNvGrpSpPr/>
+        <p:nvPr/>
+      </p:nvGrpSpPr>
+      <p:grpSpPr>
+        <a:xfrm>
+          <a:off x="0" y="0"/>
+          <a:ext cx="0" cy="0"/>
+          <a:chOff x="0" y="0"/>
+          <a:chExt cx="0" cy="0"/>
+        </a:xfrm>
+      </p:grpSpPr>
+      <p:sp>
+        <p:nvSpPr>
+          <p:cNvPr id="2" name="Başlık 1">
+            <a:extLst>
+              <a:ext uri="{FF2B5EF4-FFF2-40B4-BE49-F238E27FC236}">
+                <a16:creationId xmlns:a16="http://schemas.microsoft.com/office/drawing/2014/main" id="{503CB7A9-E66B-45DC-9DEC-EAA5E52BD7D8}"/>
+              </a:ext>
+            </a:extLst>
+          </p:cNvPr>
+          <p:cNvSpPr>
+            <a:spLocks noGrp="1"/>
+          </p:cNvSpPr>
+          <p:nvPr>
+            <p:ph type="ctrTitle"/>
+          </p:nvPr>
+        </p:nvSpPr>
+        <p:spPr>
+          <a:xfrm>
+            <a:off x="1524000" y="1890945"/>
+            <a:ext cx="9144000" cy="2150038"/>
+          </a:xfrm>
+        </p:spPr>
+        <p:txBody>
+          <a:bodyPr>
+            <a:normAutofit/>
+          </a:bodyPr>
+          <a:lstStyle/>
+          <a:p>
+            <a:r>
+              <a:rPr lang="en-US" sz="5600" dirty="0"/>
+              <a:t>Q&amp;A</a:t>
+            </a:r>
+          </a:p>
+        </p:txBody>
+      </p:sp>
+    </p:spTree>
+    <p:extLst>
+      <p:ext uri="{BB962C8B-B14F-4D97-AF65-F5344CB8AC3E}">
+        <p14:creationId xmlns:p14="http://schemas.microsoft.com/office/powerpoint/2010/main" val="3394278476"/>
+      </p:ext>
+    </p:extLst>
+  </p:cSld>
+  <p:clrMapOvr>
+    <a:masterClrMapping/>
+  </p:clrMapOvr>
 </p:sld>
 </file>
 

--- a/Presentation/KeyFinder Proposal.pptx
+++ b/Presentation/KeyFinder Proposal.pptx
@@ -6900,10 +6900,10 @@
         </p:nvGrpSpPr>
         <p:grpSpPr>
           <a:xfrm>
-            <a:off x="2176760" y="1690662"/>
-            <a:ext cx="7697893" cy="3835382"/>
-            <a:chOff x="2095687" y="1788440"/>
-            <a:chExt cx="7697893" cy="3835382"/>
+            <a:off x="2176760" y="1728330"/>
+            <a:ext cx="7697893" cy="3797714"/>
+            <a:chOff x="2095687" y="1826108"/>
+            <a:chExt cx="7697893" cy="3797714"/>
           </a:xfrm>
         </p:grpSpPr>
         <p:sp>
@@ -6914,7 +6914,7 @@
           </p:nvSpPr>
           <p:spPr>
             <a:xfrm>
-              <a:off x="2381889" y="3954164"/>
+              <a:off x="2402660" y="4048270"/>
               <a:ext cx="1632178" cy="400110"/>
             </a:xfrm>
             <a:prstGeom prst="rect">
@@ -6971,104 +6971,59 @@
             </a:p>
           </p:txBody>
         </p:sp>
-        <p:grpSp>
-          <p:nvGrpSpPr>
-            <p:cNvPr id="5" name="Group 4"/>
-            <p:cNvGrpSpPr/>
+        <p:sp>
+          <p:nvSpPr>
+            <p:cNvPr id="17" name="Oval 16"/>
+            <p:cNvSpPr/>
             <p:nvPr/>
-          </p:nvGrpSpPr>
-          <p:grpSpPr>
-            <a:xfrm>
-              <a:off x="7767128" y="1788440"/>
-              <a:ext cx="2011922" cy="2049590"/>
-              <a:chOff x="7995728" y="1333715"/>
-              <a:chExt cx="2011922" cy="2049590"/>
+          </p:nvSpPr>
+          <p:spPr>
+            <a:xfrm rot="10800000" flipV="1">
+              <a:off x="7767128" y="1826108"/>
+              <a:ext cx="2011922" cy="2011922"/>
             </a:xfrm>
-          </p:grpSpPr>
-          <p:pic>
-            <p:nvPicPr>
-              <p:cNvPr id="3" name="Picture 2"/>
-              <p:cNvPicPr>
-                <a:picLocks noChangeAspect="1"/>
-              </p:cNvPicPr>
-              <p:nvPr/>
-            </p:nvPicPr>
-            <p:blipFill>
-              <a:blip r:embed="rId4">
-                <a:extLst>
-                  <a:ext uri="{28A0092B-C50C-407E-A947-70E740481C1C}">
-                    <a14:useLocalDpi xmlns:a14="http://schemas.microsoft.com/office/drawing/2010/main" val="0"/>
-                  </a:ext>
-                </a:extLst>
-              </a:blip>
-              <a:stretch>
-                <a:fillRect/>
-              </a:stretch>
-            </p:blipFill>
-            <p:spPr>
-              <a:xfrm>
-                <a:off x="7995728" y="1333715"/>
-                <a:ext cx="2000702" cy="2000702"/>
-              </a:xfrm>
-              <a:prstGeom prst="rect">
-                <a:avLst/>
-              </a:prstGeom>
-            </p:spPr>
-          </p:pic>
-          <p:sp>
-            <p:nvSpPr>
-              <p:cNvPr id="17" name="Oval 16"/>
-              <p:cNvSpPr/>
-              <p:nvPr/>
-            </p:nvSpPr>
-            <p:spPr>
-              <a:xfrm rot="10800000" flipV="1">
-                <a:off x="7995728" y="1371383"/>
-                <a:ext cx="2011922" cy="2011922"/>
-              </a:xfrm>
-              <a:prstGeom prst="ellipse">
-                <a:avLst/>
-              </a:prstGeom>
-              <a:noFill/>
-              <a:ln>
+            <a:prstGeom prst="ellipse">
+              <a:avLst/>
+            </a:prstGeom>
+            <a:noFill/>
+            <a:ln>
+              <a:solidFill>
+                <a:srgbClr val="ED942D"/>
+              </a:solidFill>
+            </a:ln>
+          </p:spPr>
+          <p:style>
+            <a:lnRef idx="2">
+              <a:schemeClr val="accent1">
+                <a:shade val="50000"/>
+              </a:schemeClr>
+            </a:lnRef>
+            <a:fillRef idx="1">
+              <a:schemeClr val="accent1"/>
+            </a:fillRef>
+            <a:effectRef idx="0">
+              <a:schemeClr val="accent1"/>
+            </a:effectRef>
+            <a:fontRef idx="minor">
+              <a:schemeClr val="lt1"/>
+            </a:fontRef>
+          </p:style>
+          <p:txBody>
+            <a:bodyPr rtlCol="0" anchor="ctr"/>
+            <a:lstStyle/>
+            <a:p>
+              <a:pPr algn="ctr"/>
+              <a:endParaRPr lang="en-US" dirty="0">
                 <a:solidFill>
-                  <a:srgbClr val="ED942D"/>
+                  <a:srgbClr val="676767"/>
                 </a:solidFill>
-              </a:ln>
-            </p:spPr>
-            <p:style>
-              <a:lnRef idx="2">
-                <a:schemeClr val="accent1">
-                  <a:shade val="50000"/>
-                </a:schemeClr>
-              </a:lnRef>
-              <a:fillRef idx="1">
-                <a:schemeClr val="accent1"/>
-              </a:fillRef>
-              <a:effectRef idx="0">
-                <a:schemeClr val="accent1"/>
-              </a:effectRef>
-              <a:fontRef idx="minor">
-                <a:schemeClr val="lt1"/>
-              </a:fontRef>
-            </p:style>
-            <p:txBody>
-              <a:bodyPr rtlCol="0" anchor="ctr"/>
-              <a:lstStyle/>
-              <a:p>
-                <a:pPr algn="ctr"/>
-                <a:endParaRPr lang="en-US" dirty="0">
-                  <a:solidFill>
-                    <a:srgbClr val="676767"/>
-                  </a:solidFill>
-                  <a:latin typeface="Open Sans Light" panose="020B0306030504020204" pitchFamily="34" charset="0"/>
-                  <a:ea typeface="Open Sans Light" panose="020B0306030504020204" pitchFamily="34" charset="0"/>
-                  <a:cs typeface="Open Sans Light" panose="020B0306030504020204" pitchFamily="34" charset="0"/>
-                </a:endParaRPr>
-              </a:p>
-            </p:txBody>
-          </p:sp>
-        </p:grpSp>
+                <a:latin typeface="Open Sans Light" panose="020B0306030504020204" pitchFamily="34" charset="0"/>
+                <a:ea typeface="Open Sans Light" panose="020B0306030504020204" pitchFamily="34" charset="0"/>
+                <a:cs typeface="Open Sans Light" panose="020B0306030504020204" pitchFamily="34" charset="0"/>
+              </a:endParaRPr>
+            </a:p>
+          </p:txBody>
+        </p:sp>
         <p:sp>
           <p:nvSpPr>
             <p:cNvPr id="24" name="Rectangle 23"/>
@@ -7077,7 +7032,7 @@
           </p:nvSpPr>
           <p:spPr>
             <a:xfrm>
-              <a:off x="7947908" y="3969553"/>
+              <a:off x="7796052" y="4079048"/>
               <a:ext cx="1831142" cy="369332"/>
             </a:xfrm>
             <a:prstGeom prst="rect">
@@ -7401,101 +7356,6 @@
           </p:txBody>
         </p:sp>
       </p:grpSp>
-      <p:pic>
-        <p:nvPicPr>
-          <p:cNvPr id="32" name="Picture 1">
-            <a:extLst>
-              <a:ext uri="{FF2B5EF4-FFF2-40B4-BE49-F238E27FC236}">
-                <a16:creationId xmlns:a16="http://schemas.microsoft.com/office/drawing/2014/main" id="{99642B6B-9780-482E-8681-556BABF1C4AE}"/>
-              </a:ext>
-            </a:extLst>
-          </p:cNvPr>
-          <p:cNvPicPr>
-            <a:picLocks noChangeAspect="1"/>
-          </p:cNvPicPr>
-          <p:nvPr/>
-        </p:nvPicPr>
-        <p:blipFill>
-          <a:blip r:embed="rId5">
-            <a:extLst>
-              <a:ext uri="{28A0092B-C50C-407E-A947-70E740481C1C}">
-                <a14:useLocalDpi xmlns:a14="http://schemas.microsoft.com/office/drawing/2010/main" val="0"/>
-              </a:ext>
-            </a:extLst>
-          </a:blip>
-          <a:stretch>
-            <a:fillRect/>
-          </a:stretch>
-        </p:blipFill>
-        <p:spPr>
-          <a:xfrm>
-            <a:off x="5097571" y="1685033"/>
-            <a:ext cx="2011959" cy="2011959"/>
-          </a:xfrm>
-          <a:prstGeom prst="rect">
-            <a:avLst/>
-          </a:prstGeom>
-        </p:spPr>
-      </p:pic>
-      <p:sp>
-        <p:nvSpPr>
-          <p:cNvPr id="33" name="Oval 32">
-            <a:extLst>
-              <a:ext uri="{FF2B5EF4-FFF2-40B4-BE49-F238E27FC236}">
-                <a16:creationId xmlns:a16="http://schemas.microsoft.com/office/drawing/2014/main" id="{E0A38DAC-76CF-42CE-994E-84E02094FAB9}"/>
-              </a:ext>
-            </a:extLst>
-          </p:cNvPr>
-          <p:cNvSpPr/>
-          <p:nvPr/>
-        </p:nvSpPr>
-        <p:spPr>
-          <a:xfrm rot="10800000" flipV="1">
-            <a:off x="5060636" y="1679442"/>
-            <a:ext cx="2085830" cy="2011922"/>
-          </a:xfrm>
-          <a:prstGeom prst="ellipse">
-            <a:avLst/>
-          </a:prstGeom>
-          <a:noFill/>
-          <a:ln>
-            <a:solidFill>
-              <a:srgbClr val="ED942D"/>
-            </a:solidFill>
-          </a:ln>
-        </p:spPr>
-        <p:style>
-          <a:lnRef idx="2">
-            <a:schemeClr val="accent1">
-              <a:shade val="50000"/>
-            </a:schemeClr>
-          </a:lnRef>
-          <a:fillRef idx="1">
-            <a:schemeClr val="accent1"/>
-          </a:fillRef>
-          <a:effectRef idx="0">
-            <a:schemeClr val="accent1"/>
-          </a:effectRef>
-          <a:fontRef idx="minor">
-            <a:schemeClr val="lt1"/>
-          </a:fontRef>
-        </p:style>
-        <p:txBody>
-          <a:bodyPr rtlCol="0" anchor="ctr"/>
-          <a:lstStyle/>
-          <a:p>
-            <a:pPr algn="ctr"/>
-            <a:endParaRPr lang="en-US" dirty="0">
-              <a:solidFill>
-                <a:srgbClr val="676767"/>
-              </a:solidFill>
-              <a:latin typeface="Open Sans Light" panose="020B0306030504020204" pitchFamily="34" charset="0"/>
-              <a:ea typeface="Open Sans Light" panose="020B0306030504020204" pitchFamily="34" charset="0"/>
-              <a:cs typeface="Open Sans Light" panose="020B0306030504020204" pitchFamily="34" charset="0"/>
-            </a:endParaRPr>
-          </a:p>
-        </p:txBody>
-      </p:sp>
       <p:sp>
         <p:nvSpPr>
           <p:cNvPr id="34" name="Rectangle 23">
@@ -7510,7 +7370,7 @@
         </p:nvSpPr>
         <p:spPr>
           <a:xfrm>
-            <a:off x="5129133" y="3856386"/>
+            <a:off x="5207784" y="3965881"/>
             <a:ext cx="1933734" cy="369332"/>
           </a:xfrm>
           <a:prstGeom prst="rect">
@@ -7727,7 +7587,7 @@
           <p:nvPr/>
         </p:nvPicPr>
         <p:blipFill rotWithShape="1">
-          <a:blip r:embed="rId6"/>
+          <a:blip r:embed="rId4"/>
           <a:srcRect r="1736"/>
           <a:stretch/>
         </p:blipFill>
@@ -7735,6 +7595,36 @@
           <a:xfrm>
             <a:off x="2462962" y="1422400"/>
             <a:ext cx="1632178" cy="2449375"/>
+          </a:xfrm>
+          <a:prstGeom prst="rect">
+            <a:avLst/>
+          </a:prstGeom>
+        </p:spPr>
+      </p:pic>
+      <p:pic>
+        <p:nvPicPr>
+          <p:cNvPr id="4" name="Resim 3" descr="kişi, adam, duvar, poz içeren bir resim&#10;&#10;Açıklama otomatik olarak oluşturuldu">
+            <a:extLst>
+              <a:ext uri="{FF2B5EF4-FFF2-40B4-BE49-F238E27FC236}">
+                <a16:creationId xmlns:a16="http://schemas.microsoft.com/office/drawing/2014/main" id="{C0858DB8-0A83-433B-9A32-DB3E859F9ABC}"/>
+              </a:ext>
+            </a:extLst>
+          </p:cNvPr>
+          <p:cNvPicPr>
+            <a:picLocks noChangeAspect="1"/>
+          </p:cNvPicPr>
+          <p:nvPr/>
+        </p:nvPicPr>
+        <p:blipFill>
+          <a:blip r:embed="rId5"/>
+          <a:stretch>
+            <a:fillRect/>
+          </a:stretch>
+        </p:blipFill>
+        <p:spPr>
+          <a:xfrm>
+            <a:off x="5355708" y="1429899"/>
+            <a:ext cx="1637886" cy="2458365"/>
           </a:xfrm>
           <a:prstGeom prst="rect">
             <a:avLst/>

--- a/Presentation/KeyFinder Proposal.pptx
+++ b/Presentation/KeyFinder Proposal.pptx
@@ -6900,10 +6900,10 @@
         </p:nvGrpSpPr>
         <p:grpSpPr>
           <a:xfrm>
-            <a:off x="2176760" y="1728330"/>
-            <a:ext cx="7697893" cy="3797714"/>
-            <a:chOff x="2095687" y="1826108"/>
-            <a:chExt cx="7697893" cy="3797714"/>
+            <a:off x="2176760" y="3950492"/>
+            <a:ext cx="7697893" cy="1575552"/>
+            <a:chOff x="2095687" y="4048270"/>
+            <a:chExt cx="7697893" cy="1575552"/>
           </a:xfrm>
         </p:grpSpPr>
         <p:sp>
@@ -6967,59 +6967,6 @@
                 <a:latin typeface="Open Sans Semibold" panose="020B0706030804020204" pitchFamily="34" charset="0"/>
                 <a:ea typeface="Open Sans Semibold" panose="020B0706030804020204" pitchFamily="34" charset="0"/>
                 <a:cs typeface="Open Sans Semibold" panose="020B0706030804020204" pitchFamily="34" charset="0"/>
-              </a:endParaRPr>
-            </a:p>
-          </p:txBody>
-        </p:sp>
-        <p:sp>
-          <p:nvSpPr>
-            <p:cNvPr id="17" name="Oval 16"/>
-            <p:cNvSpPr/>
-            <p:nvPr/>
-          </p:nvSpPr>
-          <p:spPr>
-            <a:xfrm rot="10800000" flipV="1">
-              <a:off x="7767128" y="1826108"/>
-              <a:ext cx="2011922" cy="2011922"/>
-            </a:xfrm>
-            <a:prstGeom prst="ellipse">
-              <a:avLst/>
-            </a:prstGeom>
-            <a:noFill/>
-            <a:ln>
-              <a:solidFill>
-                <a:srgbClr val="ED942D"/>
-              </a:solidFill>
-            </a:ln>
-          </p:spPr>
-          <p:style>
-            <a:lnRef idx="2">
-              <a:schemeClr val="accent1">
-                <a:shade val="50000"/>
-              </a:schemeClr>
-            </a:lnRef>
-            <a:fillRef idx="1">
-              <a:schemeClr val="accent1"/>
-            </a:fillRef>
-            <a:effectRef idx="0">
-              <a:schemeClr val="accent1"/>
-            </a:effectRef>
-            <a:fontRef idx="minor">
-              <a:schemeClr val="lt1"/>
-            </a:fontRef>
-          </p:style>
-          <p:txBody>
-            <a:bodyPr rtlCol="0" anchor="ctr"/>
-            <a:lstStyle/>
-            <a:p>
-              <a:pPr algn="ctr"/>
-              <a:endParaRPr lang="en-US" dirty="0">
-                <a:solidFill>
-                  <a:srgbClr val="676767"/>
-                </a:solidFill>
-                <a:latin typeface="Open Sans Light" panose="020B0306030504020204" pitchFamily="34" charset="0"/>
-                <a:ea typeface="Open Sans Light" panose="020B0306030504020204" pitchFamily="34" charset="0"/>
-                <a:cs typeface="Open Sans Light" panose="020B0306030504020204" pitchFamily="34" charset="0"/>
               </a:endParaRPr>
             </a:p>
           </p:txBody>
@@ -7625,6 +7572,36 @@
           <a:xfrm>
             <a:off x="5355708" y="1429899"/>
             <a:ext cx="1637886" cy="2458365"/>
+          </a:xfrm>
+          <a:prstGeom prst="rect">
+            <a:avLst/>
+          </a:prstGeom>
+        </p:spPr>
+      </p:pic>
+      <p:pic>
+        <p:nvPicPr>
+          <p:cNvPr id="3" name="Resim 2" descr="poz, saç içeren bir resim&#10;&#10;Açıklama otomatik olarak oluşturuldu">
+            <a:extLst>
+              <a:ext uri="{FF2B5EF4-FFF2-40B4-BE49-F238E27FC236}">
+                <a16:creationId xmlns:a16="http://schemas.microsoft.com/office/drawing/2014/main" id="{BBE5956F-1B8A-4E8B-BBDD-BF84E7A1E0DE}"/>
+              </a:ext>
+            </a:extLst>
+          </p:cNvPr>
+          <p:cNvPicPr>
+            <a:picLocks noChangeAspect="1"/>
+          </p:cNvPicPr>
+          <p:nvPr/>
+        </p:nvPicPr>
+        <p:blipFill>
+          <a:blip r:embed="rId6"/>
+          <a:stretch>
+            <a:fillRect/>
+          </a:stretch>
+        </p:blipFill>
+        <p:spPr>
+          <a:xfrm>
+            <a:off x="7912148" y="1422400"/>
+            <a:ext cx="1699490" cy="2543481"/>
           </a:xfrm>
           <a:prstGeom prst="rect">
             <a:avLst/>

--- a/Presentation/KeyFinder Proposal.pptx
+++ b/Presentation/KeyFinder Proposal.pptx
@@ -5,7 +5,7 @@
     <p:sldMasterId id="2147483661" r:id="rId1"/>
   </p:sldMasterIdLst>
   <p:notesMasterIdLst>
-    <p:notesMasterId r:id="rId12"/>
+    <p:notesMasterId r:id="rId14"/>
   </p:notesMasterIdLst>
   <p:sldIdLst>
     <p:sldId id="263" r:id="rId2"/>
@@ -14,45 +14,47 @@
     <p:sldId id="329" r:id="rId5"/>
     <p:sldId id="347" r:id="rId6"/>
     <p:sldId id="355" r:id="rId7"/>
-    <p:sldId id="331" r:id="rId8"/>
-    <p:sldId id="349" r:id="rId9"/>
-    <p:sldId id="356" r:id="rId10"/>
-    <p:sldId id="357" r:id="rId11"/>
+    <p:sldId id="358" r:id="rId8"/>
+    <p:sldId id="359" r:id="rId9"/>
+    <p:sldId id="331" r:id="rId10"/>
+    <p:sldId id="349" r:id="rId11"/>
+    <p:sldId id="356" r:id="rId12"/>
+    <p:sldId id="357" r:id="rId13"/>
   </p:sldIdLst>
   <p:sldSz cx="12192000" cy="6858000"/>
   <p:notesSz cx="6858000" cy="9144000"/>
   <p:embeddedFontLst>
     <p:embeddedFont>
       <p:font typeface="Calibri" panose="020F0502020204030204" pitchFamily="34" charset="0"/>
-      <p:regular r:id="rId13"/>
-      <p:bold r:id="rId14"/>
-      <p:italic r:id="rId15"/>
-      <p:boldItalic r:id="rId16"/>
+      <p:regular r:id="rId15"/>
+      <p:bold r:id="rId16"/>
+      <p:italic r:id="rId17"/>
+      <p:boldItalic r:id="rId18"/>
     </p:embeddedFont>
     <p:embeddedFont>
       <p:font typeface="Open Sans" panose="020B0606030504020204" pitchFamily="34" charset="0"/>
-      <p:regular r:id="rId17"/>
-      <p:bold r:id="rId18"/>
-      <p:italic r:id="rId19"/>
-      <p:boldItalic r:id="rId20"/>
+      <p:regular r:id="rId19"/>
+      <p:bold r:id="rId20"/>
+      <p:italic r:id="rId21"/>
+      <p:boldItalic r:id="rId22"/>
     </p:embeddedFont>
     <p:embeddedFont>
       <p:font typeface="Open Sans Light" panose="020B0306030504020204" pitchFamily="34" charset="0"/>
-      <p:regular r:id="rId21"/>
-      <p:italic r:id="rId22"/>
+      <p:regular r:id="rId23"/>
+      <p:italic r:id="rId24"/>
     </p:embeddedFont>
     <p:embeddedFont>
       <p:font typeface="Open Sans Semibold" panose="020B0706030804020204" pitchFamily="34" charset="0"/>
-      <p:bold r:id="rId23"/>
-      <p:boldItalic r:id="rId24"/>
+      <p:bold r:id="rId25"/>
+      <p:boldItalic r:id="rId26"/>
     </p:embeddedFont>
     <p:embeddedFont>
       <p:font typeface="Open Sans Semibold Italic" panose="020B0706030804020204" charset="0"/>
-      <p:boldItalic r:id="rId25"/>
+      <p:boldItalic r:id="rId27"/>
     </p:embeddedFont>
   </p:embeddedFontLst>
   <p:custDataLst>
-    <p:tags r:id="rId26"/>
+    <p:tags r:id="rId28"/>
   </p:custDataLst>
   <p:defaultTextStyle>
     <a:defPPr>
@@ -891,6 +893,1560 @@
     </dgm:fillClrLst>
     <dgm:linClrLst meth="repeat">
       <a:schemeClr val="dk1">
+        <a:alpha val="0"/>
+      </a:schemeClr>
+    </dgm:linClrLst>
+    <dgm:effectClrLst/>
+    <dgm:txLinClrLst/>
+    <dgm:txFillClrLst meth="repeat">
+      <a:schemeClr val="tx1"/>
+    </dgm:txFillClrLst>
+    <dgm:txEffectClrLst/>
+  </dgm:styleLbl>
+</dgm:colorsDef>
+</file>
+
+<file path=ppt/diagrams/colors2.xml><?xml version="1.0" encoding="utf-8"?>
+<dgm:colorsDef xmlns:dgm="http://schemas.openxmlformats.org/drawingml/2006/diagram" xmlns:a="http://schemas.openxmlformats.org/drawingml/2006/main" uniqueId="urn:microsoft.com/office/officeart/2005/8/colors/accent1_2">
+  <dgm:title val=""/>
+  <dgm:desc val=""/>
+  <dgm:catLst>
+    <dgm:cat type="accent1" pri="11200"/>
+  </dgm:catLst>
+  <dgm:styleLbl name="node0">
+    <dgm:fillClrLst meth="repeat">
+      <a:schemeClr val="accent1"/>
+    </dgm:fillClrLst>
+    <dgm:linClrLst meth="repeat">
+      <a:schemeClr val="lt1"/>
+    </dgm:linClrLst>
+    <dgm:effectClrLst/>
+    <dgm:txLinClrLst/>
+    <dgm:txFillClrLst/>
+    <dgm:txEffectClrLst/>
+  </dgm:styleLbl>
+  <dgm:styleLbl name="alignNode1">
+    <dgm:fillClrLst meth="repeat">
+      <a:schemeClr val="accent1"/>
+    </dgm:fillClrLst>
+    <dgm:linClrLst meth="repeat">
+      <a:schemeClr val="accent1"/>
+    </dgm:linClrLst>
+    <dgm:effectClrLst/>
+    <dgm:txLinClrLst/>
+    <dgm:txFillClrLst/>
+    <dgm:txEffectClrLst/>
+  </dgm:styleLbl>
+  <dgm:styleLbl name="node1">
+    <dgm:fillClrLst meth="repeat">
+      <a:schemeClr val="accent1"/>
+    </dgm:fillClrLst>
+    <dgm:linClrLst meth="repeat">
+      <a:schemeClr val="lt1"/>
+    </dgm:linClrLst>
+    <dgm:effectClrLst/>
+    <dgm:txLinClrLst/>
+    <dgm:txFillClrLst/>
+    <dgm:txEffectClrLst/>
+  </dgm:styleLbl>
+  <dgm:styleLbl name="lnNode1">
+    <dgm:fillClrLst meth="repeat">
+      <a:schemeClr val="accent1"/>
+    </dgm:fillClrLst>
+    <dgm:linClrLst meth="repeat">
+      <a:schemeClr val="lt1"/>
+    </dgm:linClrLst>
+    <dgm:effectClrLst/>
+    <dgm:txLinClrLst/>
+    <dgm:txFillClrLst/>
+    <dgm:txEffectClrLst/>
+  </dgm:styleLbl>
+  <dgm:styleLbl name="vennNode1">
+    <dgm:fillClrLst meth="repeat">
+      <a:schemeClr val="accent1">
+        <a:alpha val="50000"/>
+      </a:schemeClr>
+    </dgm:fillClrLst>
+    <dgm:linClrLst meth="repeat">
+      <a:schemeClr val="lt1"/>
+    </dgm:linClrLst>
+    <dgm:effectClrLst/>
+    <dgm:txLinClrLst/>
+    <dgm:txFillClrLst/>
+    <dgm:txEffectClrLst/>
+  </dgm:styleLbl>
+  <dgm:styleLbl name="node2">
+    <dgm:fillClrLst meth="repeat">
+      <a:schemeClr val="accent1"/>
+    </dgm:fillClrLst>
+    <dgm:linClrLst meth="repeat">
+      <a:schemeClr val="lt1"/>
+    </dgm:linClrLst>
+    <dgm:effectClrLst/>
+    <dgm:txLinClrLst/>
+    <dgm:txFillClrLst/>
+    <dgm:txEffectClrLst/>
+  </dgm:styleLbl>
+  <dgm:styleLbl name="node3">
+    <dgm:fillClrLst meth="repeat">
+      <a:schemeClr val="accent1"/>
+    </dgm:fillClrLst>
+    <dgm:linClrLst meth="repeat">
+      <a:schemeClr val="lt1"/>
+    </dgm:linClrLst>
+    <dgm:effectClrLst/>
+    <dgm:txLinClrLst/>
+    <dgm:txFillClrLst/>
+    <dgm:txEffectClrLst/>
+  </dgm:styleLbl>
+  <dgm:styleLbl name="node4">
+    <dgm:fillClrLst meth="repeat">
+      <a:schemeClr val="accent1"/>
+    </dgm:fillClrLst>
+    <dgm:linClrLst meth="repeat">
+      <a:schemeClr val="lt1"/>
+    </dgm:linClrLst>
+    <dgm:effectClrLst/>
+    <dgm:txLinClrLst/>
+    <dgm:txFillClrLst/>
+    <dgm:txEffectClrLst/>
+  </dgm:styleLbl>
+  <dgm:styleLbl name="fgImgPlace1">
+    <dgm:fillClrLst meth="repeat">
+      <a:schemeClr val="accent1">
+        <a:tint val="50000"/>
+      </a:schemeClr>
+    </dgm:fillClrLst>
+    <dgm:linClrLst meth="repeat">
+      <a:schemeClr val="lt1"/>
+    </dgm:linClrLst>
+    <dgm:effectClrLst/>
+    <dgm:txLinClrLst/>
+    <dgm:txFillClrLst meth="repeat">
+      <a:schemeClr val="lt1"/>
+    </dgm:txFillClrLst>
+    <dgm:txEffectClrLst/>
+  </dgm:styleLbl>
+  <dgm:styleLbl name="alignImgPlace1">
+    <dgm:fillClrLst meth="repeat">
+      <a:schemeClr val="accent1">
+        <a:tint val="50000"/>
+      </a:schemeClr>
+    </dgm:fillClrLst>
+    <dgm:linClrLst meth="repeat">
+      <a:schemeClr val="lt1"/>
+    </dgm:linClrLst>
+    <dgm:effectClrLst/>
+    <dgm:txLinClrLst/>
+    <dgm:txFillClrLst meth="repeat">
+      <a:schemeClr val="lt1"/>
+    </dgm:txFillClrLst>
+    <dgm:txEffectClrLst/>
+  </dgm:styleLbl>
+  <dgm:styleLbl name="bgImgPlace1">
+    <dgm:fillClrLst meth="repeat">
+      <a:schemeClr val="accent1">
+        <a:tint val="50000"/>
+      </a:schemeClr>
+    </dgm:fillClrLst>
+    <dgm:linClrLst meth="repeat">
+      <a:schemeClr val="lt1"/>
+    </dgm:linClrLst>
+    <dgm:effectClrLst/>
+    <dgm:txLinClrLst/>
+    <dgm:txFillClrLst meth="repeat">
+      <a:schemeClr val="lt1"/>
+    </dgm:txFillClrLst>
+    <dgm:txEffectClrLst/>
+  </dgm:styleLbl>
+  <dgm:styleLbl name="sibTrans2D1">
+    <dgm:fillClrLst meth="repeat">
+      <a:schemeClr val="accent1">
+        <a:tint val="60000"/>
+      </a:schemeClr>
+    </dgm:fillClrLst>
+    <dgm:linClrLst meth="repeat">
+      <a:schemeClr val="accent1">
+        <a:tint val="60000"/>
+      </a:schemeClr>
+    </dgm:linClrLst>
+    <dgm:effectClrLst/>
+    <dgm:txLinClrLst/>
+    <dgm:txFillClrLst/>
+    <dgm:txEffectClrLst/>
+  </dgm:styleLbl>
+  <dgm:styleLbl name="fgSibTrans2D1">
+    <dgm:fillClrLst meth="repeat">
+      <a:schemeClr val="accent1">
+        <a:tint val="60000"/>
+      </a:schemeClr>
+    </dgm:fillClrLst>
+    <dgm:linClrLst meth="repeat">
+      <a:schemeClr val="accent1">
+        <a:tint val="60000"/>
+      </a:schemeClr>
+    </dgm:linClrLst>
+    <dgm:effectClrLst/>
+    <dgm:txLinClrLst/>
+    <dgm:txFillClrLst/>
+    <dgm:txEffectClrLst/>
+  </dgm:styleLbl>
+  <dgm:styleLbl name="bgSibTrans2D1">
+    <dgm:fillClrLst meth="repeat">
+      <a:schemeClr val="accent1">
+        <a:tint val="60000"/>
+      </a:schemeClr>
+    </dgm:fillClrLst>
+    <dgm:linClrLst meth="repeat">
+      <a:schemeClr val="accent1">
+        <a:tint val="60000"/>
+      </a:schemeClr>
+    </dgm:linClrLst>
+    <dgm:effectClrLst/>
+    <dgm:txLinClrLst/>
+    <dgm:txFillClrLst/>
+    <dgm:txEffectClrLst/>
+  </dgm:styleLbl>
+  <dgm:styleLbl name="sibTrans1D1">
+    <dgm:fillClrLst meth="repeat">
+      <a:schemeClr val="accent1"/>
+    </dgm:fillClrLst>
+    <dgm:linClrLst meth="repeat">
+      <a:schemeClr val="accent1"/>
+    </dgm:linClrLst>
+    <dgm:effectClrLst/>
+    <dgm:txLinClrLst/>
+    <dgm:txFillClrLst meth="repeat">
+      <a:schemeClr val="tx1"/>
+    </dgm:txFillClrLst>
+    <dgm:txEffectClrLst/>
+  </dgm:styleLbl>
+  <dgm:styleLbl name="callout">
+    <dgm:fillClrLst meth="repeat">
+      <a:schemeClr val="accent1"/>
+    </dgm:fillClrLst>
+    <dgm:linClrLst meth="repeat">
+      <a:schemeClr val="accent1">
+        <a:tint val="50000"/>
+      </a:schemeClr>
+    </dgm:linClrLst>
+    <dgm:effectClrLst/>
+    <dgm:txLinClrLst/>
+    <dgm:txFillClrLst meth="repeat">
+      <a:schemeClr val="tx1"/>
+    </dgm:txFillClrLst>
+    <dgm:txEffectClrLst/>
+  </dgm:styleLbl>
+  <dgm:styleLbl name="asst0">
+    <dgm:fillClrLst meth="repeat">
+      <a:schemeClr val="accent1"/>
+    </dgm:fillClrLst>
+    <dgm:linClrLst meth="repeat">
+      <a:schemeClr val="lt1"/>
+    </dgm:linClrLst>
+    <dgm:effectClrLst/>
+    <dgm:txLinClrLst/>
+    <dgm:txFillClrLst/>
+    <dgm:txEffectClrLst/>
+  </dgm:styleLbl>
+  <dgm:styleLbl name="asst1">
+    <dgm:fillClrLst meth="repeat">
+      <a:schemeClr val="accent1"/>
+    </dgm:fillClrLst>
+    <dgm:linClrLst meth="repeat">
+      <a:schemeClr val="lt1"/>
+    </dgm:linClrLst>
+    <dgm:effectClrLst/>
+    <dgm:txLinClrLst/>
+    <dgm:txFillClrLst/>
+    <dgm:txEffectClrLst/>
+  </dgm:styleLbl>
+  <dgm:styleLbl name="asst2">
+    <dgm:fillClrLst meth="repeat">
+      <a:schemeClr val="accent1"/>
+    </dgm:fillClrLst>
+    <dgm:linClrLst meth="repeat">
+      <a:schemeClr val="lt1"/>
+    </dgm:linClrLst>
+    <dgm:effectClrLst/>
+    <dgm:txLinClrLst/>
+    <dgm:txFillClrLst/>
+    <dgm:txEffectClrLst/>
+  </dgm:styleLbl>
+  <dgm:styleLbl name="asst3">
+    <dgm:fillClrLst meth="repeat">
+      <a:schemeClr val="accent1"/>
+    </dgm:fillClrLst>
+    <dgm:linClrLst meth="repeat">
+      <a:schemeClr val="lt1"/>
+    </dgm:linClrLst>
+    <dgm:effectClrLst/>
+    <dgm:txLinClrLst/>
+    <dgm:txFillClrLst/>
+    <dgm:txEffectClrLst/>
+  </dgm:styleLbl>
+  <dgm:styleLbl name="asst4">
+    <dgm:fillClrLst meth="repeat">
+      <a:schemeClr val="accent1"/>
+    </dgm:fillClrLst>
+    <dgm:linClrLst meth="repeat">
+      <a:schemeClr val="lt1"/>
+    </dgm:linClrLst>
+    <dgm:effectClrLst/>
+    <dgm:txLinClrLst/>
+    <dgm:txFillClrLst/>
+    <dgm:txEffectClrLst/>
+  </dgm:styleLbl>
+  <dgm:styleLbl name="parChTrans2D1">
+    <dgm:fillClrLst meth="repeat">
+      <a:schemeClr val="accent1">
+        <a:tint val="60000"/>
+      </a:schemeClr>
+    </dgm:fillClrLst>
+    <dgm:linClrLst meth="repeat">
+      <a:schemeClr val="accent1">
+        <a:tint val="60000"/>
+      </a:schemeClr>
+    </dgm:linClrLst>
+    <dgm:effectClrLst/>
+    <dgm:txLinClrLst/>
+    <dgm:txFillClrLst meth="repeat">
+      <a:schemeClr val="lt1"/>
+    </dgm:txFillClrLst>
+    <dgm:txEffectClrLst/>
+  </dgm:styleLbl>
+  <dgm:styleLbl name="parChTrans2D2">
+    <dgm:fillClrLst meth="repeat">
+      <a:schemeClr val="accent1"/>
+    </dgm:fillClrLst>
+    <dgm:linClrLst meth="repeat">
+      <a:schemeClr val="accent1"/>
+    </dgm:linClrLst>
+    <dgm:effectClrLst/>
+    <dgm:txLinClrLst/>
+    <dgm:txFillClrLst meth="repeat">
+      <a:schemeClr val="lt1"/>
+    </dgm:txFillClrLst>
+    <dgm:txEffectClrLst/>
+  </dgm:styleLbl>
+  <dgm:styleLbl name="parChTrans2D3">
+    <dgm:fillClrLst meth="repeat">
+      <a:schemeClr val="accent1"/>
+    </dgm:fillClrLst>
+    <dgm:linClrLst meth="repeat">
+      <a:schemeClr val="accent1"/>
+    </dgm:linClrLst>
+    <dgm:effectClrLst/>
+    <dgm:txLinClrLst/>
+    <dgm:txFillClrLst meth="repeat">
+      <a:schemeClr val="lt1"/>
+    </dgm:txFillClrLst>
+    <dgm:txEffectClrLst/>
+  </dgm:styleLbl>
+  <dgm:styleLbl name="parChTrans2D4">
+    <dgm:fillClrLst meth="repeat">
+      <a:schemeClr val="accent1"/>
+    </dgm:fillClrLst>
+    <dgm:linClrLst meth="repeat">
+      <a:schemeClr val="accent1"/>
+    </dgm:linClrLst>
+    <dgm:effectClrLst/>
+    <dgm:txLinClrLst/>
+    <dgm:txFillClrLst meth="repeat">
+      <a:schemeClr val="lt1"/>
+    </dgm:txFillClrLst>
+    <dgm:txEffectClrLst/>
+  </dgm:styleLbl>
+  <dgm:styleLbl name="parChTrans1D1">
+    <dgm:fillClrLst meth="repeat">
+      <a:schemeClr val="accent1"/>
+    </dgm:fillClrLst>
+    <dgm:linClrLst meth="repeat">
+      <a:schemeClr val="accent1">
+        <a:shade val="60000"/>
+      </a:schemeClr>
+    </dgm:linClrLst>
+    <dgm:effectClrLst/>
+    <dgm:txLinClrLst/>
+    <dgm:txFillClrLst meth="repeat">
+      <a:schemeClr val="tx1"/>
+    </dgm:txFillClrLst>
+    <dgm:txEffectClrLst/>
+  </dgm:styleLbl>
+  <dgm:styleLbl name="parChTrans1D2">
+    <dgm:fillClrLst meth="repeat">
+      <a:schemeClr val="accent1"/>
+    </dgm:fillClrLst>
+    <dgm:linClrLst meth="repeat">
+      <a:schemeClr val="accent1">
+        <a:shade val="60000"/>
+      </a:schemeClr>
+    </dgm:linClrLst>
+    <dgm:effectClrLst/>
+    <dgm:txLinClrLst/>
+    <dgm:txFillClrLst meth="repeat">
+      <a:schemeClr val="tx1"/>
+    </dgm:txFillClrLst>
+    <dgm:txEffectClrLst/>
+  </dgm:styleLbl>
+  <dgm:styleLbl name="parChTrans1D3">
+    <dgm:fillClrLst meth="repeat">
+      <a:schemeClr val="accent1"/>
+    </dgm:fillClrLst>
+    <dgm:linClrLst meth="repeat">
+      <a:schemeClr val="accent1">
+        <a:shade val="80000"/>
+      </a:schemeClr>
+    </dgm:linClrLst>
+    <dgm:effectClrLst/>
+    <dgm:txLinClrLst/>
+    <dgm:txFillClrLst meth="repeat">
+      <a:schemeClr val="tx1"/>
+    </dgm:txFillClrLst>
+    <dgm:txEffectClrLst/>
+  </dgm:styleLbl>
+  <dgm:styleLbl name="parChTrans1D4">
+    <dgm:fillClrLst meth="repeat">
+      <a:schemeClr val="accent1"/>
+    </dgm:fillClrLst>
+    <dgm:linClrLst meth="repeat">
+      <a:schemeClr val="accent1">
+        <a:shade val="80000"/>
+      </a:schemeClr>
+    </dgm:linClrLst>
+    <dgm:effectClrLst/>
+    <dgm:txLinClrLst/>
+    <dgm:txFillClrLst meth="repeat">
+      <a:schemeClr val="tx1"/>
+    </dgm:txFillClrLst>
+    <dgm:txEffectClrLst/>
+  </dgm:styleLbl>
+  <dgm:styleLbl name="fgAcc1">
+    <dgm:fillClrLst meth="repeat">
+      <a:schemeClr val="lt1">
+        <a:alpha val="90000"/>
+      </a:schemeClr>
+    </dgm:fillClrLst>
+    <dgm:linClrLst meth="repeat">
+      <a:schemeClr val="accent1"/>
+    </dgm:linClrLst>
+    <dgm:effectClrLst/>
+    <dgm:txLinClrLst/>
+    <dgm:txFillClrLst meth="repeat">
+      <a:schemeClr val="dk1"/>
+    </dgm:txFillClrLst>
+    <dgm:txEffectClrLst/>
+  </dgm:styleLbl>
+  <dgm:styleLbl name="conFgAcc1">
+    <dgm:fillClrLst meth="repeat">
+      <a:schemeClr val="lt1">
+        <a:alpha val="90000"/>
+      </a:schemeClr>
+    </dgm:fillClrLst>
+    <dgm:linClrLst meth="repeat">
+      <a:schemeClr val="accent1"/>
+    </dgm:linClrLst>
+    <dgm:effectClrLst/>
+    <dgm:txLinClrLst/>
+    <dgm:txFillClrLst meth="repeat">
+      <a:schemeClr val="dk1"/>
+    </dgm:txFillClrLst>
+    <dgm:txEffectClrLst/>
+  </dgm:styleLbl>
+  <dgm:styleLbl name="alignAcc1">
+    <dgm:fillClrLst meth="repeat">
+      <a:schemeClr val="lt1">
+        <a:alpha val="90000"/>
+      </a:schemeClr>
+    </dgm:fillClrLst>
+    <dgm:linClrLst meth="repeat">
+      <a:schemeClr val="accent1"/>
+    </dgm:linClrLst>
+    <dgm:effectClrLst/>
+    <dgm:txLinClrLst/>
+    <dgm:txFillClrLst meth="repeat">
+      <a:schemeClr val="dk1"/>
+    </dgm:txFillClrLst>
+    <dgm:txEffectClrLst/>
+  </dgm:styleLbl>
+  <dgm:styleLbl name="trAlignAcc1">
+    <dgm:fillClrLst meth="repeat">
+      <a:schemeClr val="lt1">
+        <a:alpha val="40000"/>
+      </a:schemeClr>
+    </dgm:fillClrLst>
+    <dgm:linClrLst meth="repeat">
+      <a:schemeClr val="accent1"/>
+    </dgm:linClrLst>
+    <dgm:effectClrLst/>
+    <dgm:txLinClrLst/>
+    <dgm:txFillClrLst meth="repeat">
+      <a:schemeClr val="dk1"/>
+    </dgm:txFillClrLst>
+    <dgm:txEffectClrLst/>
+  </dgm:styleLbl>
+  <dgm:styleLbl name="bgAcc1">
+    <dgm:fillClrLst meth="repeat">
+      <a:schemeClr val="lt1">
+        <a:alpha val="90000"/>
+      </a:schemeClr>
+    </dgm:fillClrLst>
+    <dgm:linClrLst meth="repeat">
+      <a:schemeClr val="accent1"/>
+    </dgm:linClrLst>
+    <dgm:effectClrLst/>
+    <dgm:txLinClrLst/>
+    <dgm:txFillClrLst meth="repeat">
+      <a:schemeClr val="dk1"/>
+    </dgm:txFillClrLst>
+    <dgm:txEffectClrLst/>
+  </dgm:styleLbl>
+  <dgm:styleLbl name="solidFgAcc1">
+    <dgm:fillClrLst meth="repeat">
+      <a:schemeClr val="lt1"/>
+    </dgm:fillClrLst>
+    <dgm:linClrLst meth="repeat">
+      <a:schemeClr val="accent1"/>
+    </dgm:linClrLst>
+    <dgm:effectClrLst/>
+    <dgm:txLinClrLst/>
+    <dgm:txFillClrLst meth="repeat">
+      <a:schemeClr val="dk1"/>
+    </dgm:txFillClrLst>
+    <dgm:txEffectClrLst/>
+  </dgm:styleLbl>
+  <dgm:styleLbl name="solidAlignAcc1">
+    <dgm:fillClrLst meth="repeat">
+      <a:schemeClr val="lt1"/>
+    </dgm:fillClrLst>
+    <dgm:linClrLst meth="repeat">
+      <a:schemeClr val="accent1"/>
+    </dgm:linClrLst>
+    <dgm:effectClrLst/>
+    <dgm:txLinClrLst/>
+    <dgm:txFillClrLst meth="repeat">
+      <a:schemeClr val="dk1"/>
+    </dgm:txFillClrLst>
+    <dgm:txEffectClrLst/>
+  </dgm:styleLbl>
+  <dgm:styleLbl name="solidBgAcc1">
+    <dgm:fillClrLst meth="repeat">
+      <a:schemeClr val="lt1"/>
+    </dgm:fillClrLst>
+    <dgm:linClrLst meth="repeat">
+      <a:schemeClr val="accent1"/>
+    </dgm:linClrLst>
+    <dgm:effectClrLst/>
+    <dgm:txLinClrLst/>
+    <dgm:txFillClrLst meth="repeat">
+      <a:schemeClr val="dk1"/>
+    </dgm:txFillClrLst>
+    <dgm:txEffectClrLst/>
+  </dgm:styleLbl>
+  <dgm:styleLbl name="fgAccFollowNode1">
+    <dgm:fillClrLst meth="repeat">
+      <a:schemeClr val="accent1">
+        <a:alpha val="90000"/>
+        <a:tint val="40000"/>
+      </a:schemeClr>
+    </dgm:fillClrLst>
+    <dgm:linClrLst meth="repeat">
+      <a:schemeClr val="accent1">
+        <a:alpha val="90000"/>
+        <a:tint val="40000"/>
+      </a:schemeClr>
+    </dgm:linClrLst>
+    <dgm:effectClrLst/>
+    <dgm:txLinClrLst/>
+    <dgm:txFillClrLst meth="repeat">
+      <a:schemeClr val="dk1"/>
+    </dgm:txFillClrLst>
+    <dgm:txEffectClrLst/>
+  </dgm:styleLbl>
+  <dgm:styleLbl name="alignAccFollowNode1">
+    <dgm:fillClrLst meth="repeat">
+      <a:schemeClr val="accent1">
+        <a:alpha val="90000"/>
+        <a:tint val="40000"/>
+      </a:schemeClr>
+    </dgm:fillClrLst>
+    <dgm:linClrLst meth="repeat">
+      <a:schemeClr val="accent1">
+        <a:alpha val="90000"/>
+        <a:tint val="40000"/>
+      </a:schemeClr>
+    </dgm:linClrLst>
+    <dgm:effectClrLst/>
+    <dgm:txLinClrLst/>
+    <dgm:txFillClrLst meth="repeat">
+      <a:schemeClr val="dk1"/>
+    </dgm:txFillClrLst>
+    <dgm:txEffectClrLst/>
+  </dgm:styleLbl>
+  <dgm:styleLbl name="bgAccFollowNode1">
+    <dgm:fillClrLst meth="repeat">
+      <a:schemeClr val="accent1">
+        <a:alpha val="90000"/>
+        <a:tint val="40000"/>
+      </a:schemeClr>
+    </dgm:fillClrLst>
+    <dgm:linClrLst meth="repeat">
+      <a:schemeClr val="accent1">
+        <a:alpha val="90000"/>
+        <a:tint val="40000"/>
+      </a:schemeClr>
+    </dgm:linClrLst>
+    <dgm:effectClrLst/>
+    <dgm:txLinClrLst/>
+    <dgm:txFillClrLst meth="repeat">
+      <a:schemeClr val="dk1"/>
+    </dgm:txFillClrLst>
+    <dgm:txEffectClrLst/>
+  </dgm:styleLbl>
+  <dgm:styleLbl name="fgAcc0">
+    <dgm:fillClrLst meth="repeat">
+      <a:schemeClr val="lt1">
+        <a:alpha val="90000"/>
+      </a:schemeClr>
+    </dgm:fillClrLst>
+    <dgm:linClrLst meth="repeat">
+      <a:schemeClr val="accent1"/>
+    </dgm:linClrLst>
+    <dgm:effectClrLst/>
+    <dgm:txLinClrLst/>
+    <dgm:txFillClrLst meth="repeat">
+      <a:schemeClr val="dk1"/>
+    </dgm:txFillClrLst>
+    <dgm:txEffectClrLst/>
+  </dgm:styleLbl>
+  <dgm:styleLbl name="fgAcc2">
+    <dgm:fillClrLst meth="repeat">
+      <a:schemeClr val="lt1">
+        <a:alpha val="90000"/>
+      </a:schemeClr>
+    </dgm:fillClrLst>
+    <dgm:linClrLst meth="repeat">
+      <a:schemeClr val="accent1"/>
+    </dgm:linClrLst>
+    <dgm:effectClrLst/>
+    <dgm:txLinClrLst/>
+    <dgm:txFillClrLst meth="repeat">
+      <a:schemeClr val="dk1"/>
+    </dgm:txFillClrLst>
+    <dgm:txEffectClrLst/>
+  </dgm:styleLbl>
+  <dgm:styleLbl name="fgAcc3">
+    <dgm:fillClrLst meth="repeat">
+      <a:schemeClr val="lt1">
+        <a:alpha val="90000"/>
+      </a:schemeClr>
+    </dgm:fillClrLst>
+    <dgm:linClrLst meth="repeat">
+      <a:schemeClr val="accent1"/>
+    </dgm:linClrLst>
+    <dgm:effectClrLst/>
+    <dgm:txLinClrLst/>
+    <dgm:txFillClrLst meth="repeat">
+      <a:schemeClr val="dk1"/>
+    </dgm:txFillClrLst>
+    <dgm:txEffectClrLst/>
+  </dgm:styleLbl>
+  <dgm:styleLbl name="fgAcc4">
+    <dgm:fillClrLst meth="repeat">
+      <a:schemeClr val="lt1">
+        <a:alpha val="90000"/>
+      </a:schemeClr>
+    </dgm:fillClrLst>
+    <dgm:linClrLst meth="repeat">
+      <a:schemeClr val="accent1"/>
+    </dgm:linClrLst>
+    <dgm:effectClrLst/>
+    <dgm:txLinClrLst/>
+    <dgm:txFillClrLst meth="repeat">
+      <a:schemeClr val="dk1"/>
+    </dgm:txFillClrLst>
+    <dgm:txEffectClrLst/>
+  </dgm:styleLbl>
+  <dgm:styleLbl name="bgShp">
+    <dgm:fillClrLst meth="repeat">
+      <a:schemeClr val="accent1">
+        <a:tint val="40000"/>
+      </a:schemeClr>
+    </dgm:fillClrLst>
+    <dgm:linClrLst meth="repeat">
+      <a:schemeClr val="accent1"/>
+    </dgm:linClrLst>
+    <dgm:effectClrLst/>
+    <dgm:txLinClrLst/>
+    <dgm:txFillClrLst meth="repeat">
+      <a:schemeClr val="dk1"/>
+    </dgm:txFillClrLst>
+    <dgm:txEffectClrLst/>
+  </dgm:styleLbl>
+  <dgm:styleLbl name="dkBgShp">
+    <dgm:fillClrLst meth="repeat">
+      <a:schemeClr val="accent1">
+        <a:shade val="80000"/>
+      </a:schemeClr>
+    </dgm:fillClrLst>
+    <dgm:linClrLst meth="repeat">
+      <a:schemeClr val="accent1"/>
+    </dgm:linClrLst>
+    <dgm:effectClrLst/>
+    <dgm:txLinClrLst/>
+    <dgm:txFillClrLst meth="repeat">
+      <a:schemeClr val="lt1"/>
+    </dgm:txFillClrLst>
+    <dgm:txEffectClrLst/>
+  </dgm:styleLbl>
+  <dgm:styleLbl name="trBgShp">
+    <dgm:fillClrLst meth="repeat">
+      <a:schemeClr val="accent1">
+        <a:tint val="50000"/>
+        <a:alpha val="40000"/>
+      </a:schemeClr>
+    </dgm:fillClrLst>
+    <dgm:linClrLst meth="repeat">
+      <a:schemeClr val="accent1"/>
+    </dgm:linClrLst>
+    <dgm:effectClrLst/>
+    <dgm:txLinClrLst/>
+    <dgm:txFillClrLst meth="repeat">
+      <a:schemeClr val="lt1"/>
+    </dgm:txFillClrLst>
+    <dgm:txEffectClrLst/>
+  </dgm:styleLbl>
+  <dgm:styleLbl name="fgShp">
+    <dgm:fillClrLst meth="repeat">
+      <a:schemeClr val="accent1">
+        <a:tint val="60000"/>
+      </a:schemeClr>
+    </dgm:fillClrLst>
+    <dgm:linClrLst meth="repeat">
+      <a:schemeClr val="lt1"/>
+    </dgm:linClrLst>
+    <dgm:effectClrLst/>
+    <dgm:txLinClrLst/>
+    <dgm:txFillClrLst meth="repeat">
+      <a:schemeClr val="dk1"/>
+    </dgm:txFillClrLst>
+    <dgm:txEffectClrLst/>
+  </dgm:styleLbl>
+  <dgm:styleLbl name="revTx">
+    <dgm:fillClrLst meth="repeat">
+      <a:schemeClr val="lt1">
+        <a:alpha val="0"/>
+      </a:schemeClr>
+    </dgm:fillClrLst>
+    <dgm:linClrLst meth="repeat">
+      <a:schemeClr val="dk1">
+        <a:alpha val="0"/>
+      </a:schemeClr>
+    </dgm:linClrLst>
+    <dgm:effectClrLst/>
+    <dgm:txLinClrLst/>
+    <dgm:txFillClrLst meth="repeat">
+      <a:schemeClr val="tx1"/>
+    </dgm:txFillClrLst>
+    <dgm:txEffectClrLst/>
+  </dgm:styleLbl>
+</dgm:colorsDef>
+</file>
+
+<file path=ppt/diagrams/colors3.xml><?xml version="1.0" encoding="utf-8"?>
+<dgm:colorsDef xmlns:dgm="http://schemas.openxmlformats.org/drawingml/2006/diagram" xmlns:a="http://schemas.openxmlformats.org/drawingml/2006/main" uniqueId="urn:microsoft.com/office/officeart/2005/8/colors/accent0_2">
+  <dgm:title val=""/>
+  <dgm:desc val=""/>
+  <dgm:catLst>
+    <dgm:cat type="mainScheme" pri="10200"/>
+  </dgm:catLst>
+  <dgm:styleLbl name="node0">
+    <dgm:fillClrLst meth="repeat">
+      <a:schemeClr val="lt1"/>
+    </dgm:fillClrLst>
+    <dgm:linClrLst meth="repeat">
+      <a:schemeClr val="dk2">
+        <a:shade val="80000"/>
+      </a:schemeClr>
+    </dgm:linClrLst>
+    <dgm:effectClrLst/>
+    <dgm:txLinClrLst/>
+    <dgm:txFillClrLst meth="repeat">
+      <a:schemeClr val="dk2"/>
+    </dgm:txFillClrLst>
+    <dgm:txEffectClrLst/>
+  </dgm:styleLbl>
+  <dgm:styleLbl name="node1">
+    <dgm:fillClrLst meth="repeat">
+      <a:schemeClr val="lt1"/>
+    </dgm:fillClrLst>
+    <dgm:linClrLst meth="repeat">
+      <a:schemeClr val="dk2">
+        <a:shade val="80000"/>
+      </a:schemeClr>
+    </dgm:linClrLst>
+    <dgm:effectClrLst/>
+    <dgm:txLinClrLst/>
+    <dgm:txFillClrLst meth="repeat">
+      <a:schemeClr val="dk2"/>
+    </dgm:txFillClrLst>
+    <dgm:txEffectClrLst/>
+  </dgm:styleLbl>
+  <dgm:styleLbl name="alignNode1">
+    <dgm:fillClrLst meth="repeat">
+      <a:schemeClr val="lt1"/>
+    </dgm:fillClrLst>
+    <dgm:linClrLst meth="repeat">
+      <a:schemeClr val="dk2">
+        <a:shade val="80000"/>
+      </a:schemeClr>
+    </dgm:linClrLst>
+    <dgm:effectClrLst/>
+    <dgm:txLinClrLst/>
+    <dgm:txFillClrLst meth="repeat">
+      <a:schemeClr val="dk2"/>
+    </dgm:txFillClrLst>
+    <dgm:txEffectClrLst/>
+  </dgm:styleLbl>
+  <dgm:styleLbl name="lnNode1">
+    <dgm:fillClrLst meth="repeat">
+      <a:schemeClr val="lt1"/>
+    </dgm:fillClrLst>
+    <dgm:linClrLst meth="repeat">
+      <a:schemeClr val="dk2">
+        <a:shade val="80000"/>
+      </a:schemeClr>
+    </dgm:linClrLst>
+    <dgm:effectClrLst/>
+    <dgm:txLinClrLst/>
+    <dgm:txFillClrLst meth="repeat">
+      <a:schemeClr val="dk2"/>
+    </dgm:txFillClrLst>
+    <dgm:txEffectClrLst/>
+  </dgm:styleLbl>
+  <dgm:styleLbl name="vennNode1">
+    <dgm:fillClrLst meth="repeat">
+      <a:schemeClr val="lt1">
+        <a:alpha val="50000"/>
+      </a:schemeClr>
+    </dgm:fillClrLst>
+    <dgm:linClrLst meth="repeat">
+      <a:schemeClr val="dk2">
+        <a:shade val="80000"/>
+      </a:schemeClr>
+    </dgm:linClrLst>
+    <dgm:effectClrLst/>
+    <dgm:txLinClrLst/>
+    <dgm:txFillClrLst/>
+    <dgm:txEffectClrLst/>
+  </dgm:styleLbl>
+  <dgm:styleLbl name="node2">
+    <dgm:fillClrLst meth="repeat">
+      <a:schemeClr val="lt1"/>
+    </dgm:fillClrLst>
+    <dgm:linClrLst meth="repeat">
+      <a:schemeClr val="dk2">
+        <a:shade val="80000"/>
+      </a:schemeClr>
+    </dgm:linClrLst>
+    <dgm:effectClrLst/>
+    <dgm:txLinClrLst/>
+    <dgm:txFillClrLst meth="repeat">
+      <a:schemeClr val="dk2"/>
+    </dgm:txFillClrLst>
+    <dgm:txEffectClrLst/>
+  </dgm:styleLbl>
+  <dgm:styleLbl name="node3">
+    <dgm:fillClrLst meth="repeat">
+      <a:schemeClr val="lt1"/>
+    </dgm:fillClrLst>
+    <dgm:linClrLst meth="repeat">
+      <a:schemeClr val="dk2">
+        <a:shade val="80000"/>
+      </a:schemeClr>
+    </dgm:linClrLst>
+    <dgm:effectClrLst/>
+    <dgm:txLinClrLst/>
+    <dgm:txFillClrLst meth="repeat">
+      <a:schemeClr val="dk2"/>
+    </dgm:txFillClrLst>
+    <dgm:txEffectClrLst/>
+  </dgm:styleLbl>
+  <dgm:styleLbl name="node4">
+    <dgm:fillClrLst meth="repeat">
+      <a:schemeClr val="lt1"/>
+    </dgm:fillClrLst>
+    <dgm:linClrLst meth="repeat">
+      <a:schemeClr val="dk2">
+        <a:shade val="80000"/>
+      </a:schemeClr>
+    </dgm:linClrLst>
+    <dgm:effectClrLst/>
+    <dgm:txLinClrLst/>
+    <dgm:txFillClrLst meth="repeat">
+      <a:schemeClr val="dk2"/>
+    </dgm:txFillClrLst>
+    <dgm:txEffectClrLst/>
+  </dgm:styleLbl>
+  <dgm:styleLbl name="fgImgPlace1">
+    <dgm:fillClrLst meth="repeat">
+      <a:schemeClr val="dk2">
+        <a:tint val="40000"/>
+      </a:schemeClr>
+    </dgm:fillClrLst>
+    <dgm:linClrLst meth="repeat">
+      <a:schemeClr val="dk2">
+        <a:shade val="80000"/>
+      </a:schemeClr>
+    </dgm:linClrLst>
+    <dgm:effectClrLst/>
+    <dgm:txLinClrLst/>
+    <dgm:txFillClrLst meth="repeat">
+      <a:schemeClr val="lt1"/>
+    </dgm:txFillClrLst>
+    <dgm:txEffectClrLst/>
+  </dgm:styleLbl>
+  <dgm:styleLbl name="alignImgPlace1">
+    <dgm:fillClrLst meth="repeat">
+      <a:schemeClr val="dk2">
+        <a:tint val="40000"/>
+      </a:schemeClr>
+    </dgm:fillClrLst>
+    <dgm:linClrLst meth="repeat">
+      <a:schemeClr val="dk2">
+        <a:shade val="80000"/>
+      </a:schemeClr>
+    </dgm:linClrLst>
+    <dgm:effectClrLst/>
+    <dgm:txLinClrLst/>
+    <dgm:txFillClrLst meth="repeat">
+      <a:schemeClr val="lt1"/>
+    </dgm:txFillClrLst>
+    <dgm:txEffectClrLst/>
+  </dgm:styleLbl>
+  <dgm:styleLbl name="bgImgPlace1">
+    <dgm:fillClrLst meth="repeat">
+      <a:schemeClr val="dk2">
+        <a:tint val="40000"/>
+      </a:schemeClr>
+    </dgm:fillClrLst>
+    <dgm:linClrLst meth="repeat">
+      <a:schemeClr val="dk2">
+        <a:shade val="80000"/>
+      </a:schemeClr>
+    </dgm:linClrLst>
+    <dgm:effectClrLst/>
+    <dgm:txLinClrLst/>
+    <dgm:txFillClrLst meth="repeat">
+      <a:schemeClr val="lt1"/>
+    </dgm:txFillClrLst>
+    <dgm:txEffectClrLst/>
+  </dgm:styleLbl>
+  <dgm:styleLbl name="sibTrans2D1">
+    <dgm:fillClrLst meth="repeat">
+      <a:schemeClr val="dk2">
+        <a:tint val="60000"/>
+      </a:schemeClr>
+    </dgm:fillClrLst>
+    <dgm:linClrLst meth="repeat">
+      <a:schemeClr val="dk2">
+        <a:tint val="60000"/>
+      </a:schemeClr>
+    </dgm:linClrLst>
+    <dgm:effectClrLst/>
+    <dgm:txLinClrLst/>
+    <dgm:txFillClrLst meth="repeat">
+      <a:schemeClr val="dk2"/>
+    </dgm:txFillClrLst>
+    <dgm:txEffectClrLst/>
+  </dgm:styleLbl>
+  <dgm:styleLbl name="fgSibTrans2D1">
+    <dgm:fillClrLst meth="repeat">
+      <a:schemeClr val="dk2">
+        <a:tint val="60000"/>
+      </a:schemeClr>
+    </dgm:fillClrLst>
+    <dgm:linClrLst meth="repeat">
+      <a:schemeClr val="dk2">
+        <a:tint val="60000"/>
+      </a:schemeClr>
+    </dgm:linClrLst>
+    <dgm:effectClrLst/>
+    <dgm:txLinClrLst/>
+    <dgm:txFillClrLst meth="repeat">
+      <a:schemeClr val="dk2"/>
+    </dgm:txFillClrLst>
+    <dgm:txEffectClrLst/>
+  </dgm:styleLbl>
+  <dgm:styleLbl name="bgSibTrans2D1">
+    <dgm:fillClrLst meth="repeat">
+      <a:schemeClr val="dk2">
+        <a:tint val="60000"/>
+      </a:schemeClr>
+    </dgm:fillClrLst>
+    <dgm:linClrLst meth="repeat">
+      <a:schemeClr val="dk2">
+        <a:tint val="60000"/>
+      </a:schemeClr>
+    </dgm:linClrLst>
+    <dgm:effectClrLst/>
+    <dgm:txLinClrLst/>
+    <dgm:txFillClrLst meth="repeat">
+      <a:schemeClr val="dk2"/>
+    </dgm:txFillClrLst>
+    <dgm:txEffectClrLst/>
+  </dgm:styleLbl>
+  <dgm:styleLbl name="sibTrans1D1">
+    <dgm:fillClrLst meth="repeat">
+      <a:schemeClr val="dk2"/>
+    </dgm:fillClrLst>
+    <dgm:linClrLst meth="repeat">
+      <a:schemeClr val="dk2"/>
+    </dgm:linClrLst>
+    <dgm:effectClrLst/>
+    <dgm:txLinClrLst/>
+    <dgm:txFillClrLst meth="repeat">
+      <a:schemeClr val="tx1"/>
+    </dgm:txFillClrLst>
+    <dgm:txEffectClrLst/>
+  </dgm:styleLbl>
+  <dgm:styleLbl name="callout">
+    <dgm:fillClrLst meth="repeat">
+      <a:schemeClr val="dk2"/>
+    </dgm:fillClrLst>
+    <dgm:linClrLst meth="repeat">
+      <a:schemeClr val="dk2"/>
+    </dgm:linClrLst>
+    <dgm:effectClrLst/>
+    <dgm:txLinClrLst/>
+    <dgm:txFillClrLst meth="repeat">
+      <a:schemeClr val="tx1"/>
+    </dgm:txFillClrLst>
+    <dgm:txEffectClrLst/>
+  </dgm:styleLbl>
+  <dgm:styleLbl name="asst0">
+    <dgm:fillClrLst meth="repeat">
+      <a:schemeClr val="lt1"/>
+    </dgm:fillClrLst>
+    <dgm:linClrLst meth="repeat">
+      <a:schemeClr val="dk2">
+        <a:shade val="80000"/>
+      </a:schemeClr>
+    </dgm:linClrLst>
+    <dgm:effectClrLst/>
+    <dgm:txLinClrLst/>
+    <dgm:txFillClrLst meth="repeat">
+      <a:schemeClr val="dk2"/>
+    </dgm:txFillClrLst>
+    <dgm:txEffectClrLst/>
+  </dgm:styleLbl>
+  <dgm:styleLbl name="asst1">
+    <dgm:fillClrLst meth="repeat">
+      <a:schemeClr val="lt1"/>
+    </dgm:fillClrLst>
+    <dgm:linClrLst meth="repeat">
+      <a:schemeClr val="dk2">
+        <a:shade val="80000"/>
+      </a:schemeClr>
+    </dgm:linClrLst>
+    <dgm:effectClrLst/>
+    <dgm:txLinClrLst/>
+    <dgm:txFillClrLst meth="repeat">
+      <a:schemeClr val="dk2"/>
+    </dgm:txFillClrLst>
+    <dgm:txEffectClrLst/>
+  </dgm:styleLbl>
+  <dgm:styleLbl name="asst2">
+    <dgm:fillClrLst meth="repeat">
+      <a:schemeClr val="lt1"/>
+    </dgm:fillClrLst>
+    <dgm:linClrLst meth="repeat">
+      <a:schemeClr val="dk2">
+        <a:shade val="80000"/>
+      </a:schemeClr>
+    </dgm:linClrLst>
+    <dgm:effectClrLst/>
+    <dgm:txLinClrLst/>
+    <dgm:txFillClrLst meth="repeat">
+      <a:schemeClr val="dk2"/>
+    </dgm:txFillClrLst>
+    <dgm:txEffectClrLst/>
+  </dgm:styleLbl>
+  <dgm:styleLbl name="asst3">
+    <dgm:fillClrLst meth="repeat">
+      <a:schemeClr val="lt1"/>
+    </dgm:fillClrLst>
+    <dgm:linClrLst meth="repeat">
+      <a:schemeClr val="dk2">
+        <a:shade val="80000"/>
+      </a:schemeClr>
+    </dgm:linClrLst>
+    <dgm:effectClrLst/>
+    <dgm:txLinClrLst/>
+    <dgm:txFillClrLst meth="repeat">
+      <a:schemeClr val="dk2"/>
+    </dgm:txFillClrLst>
+    <dgm:txEffectClrLst/>
+  </dgm:styleLbl>
+  <dgm:styleLbl name="asst4">
+    <dgm:fillClrLst meth="repeat">
+      <a:schemeClr val="lt1"/>
+    </dgm:fillClrLst>
+    <dgm:linClrLst meth="repeat">
+      <a:schemeClr val="dk2">
+        <a:shade val="80000"/>
+      </a:schemeClr>
+    </dgm:linClrLst>
+    <dgm:effectClrLst/>
+    <dgm:txLinClrLst/>
+    <dgm:txFillClrLst meth="repeat">
+      <a:schemeClr val="dk2"/>
+    </dgm:txFillClrLst>
+    <dgm:txEffectClrLst/>
+  </dgm:styleLbl>
+  <dgm:styleLbl name="parChTrans2D1">
+    <dgm:fillClrLst meth="repeat">
+      <a:schemeClr val="dk2">
+        <a:tint val="60000"/>
+      </a:schemeClr>
+    </dgm:fillClrLst>
+    <dgm:linClrLst meth="repeat">
+      <a:schemeClr val="dk2">
+        <a:tint val="60000"/>
+      </a:schemeClr>
+    </dgm:linClrLst>
+    <dgm:effectClrLst/>
+    <dgm:txLinClrLst/>
+    <dgm:txFillClrLst/>
+    <dgm:txEffectClrLst/>
+  </dgm:styleLbl>
+  <dgm:styleLbl name="parChTrans2D2">
+    <dgm:fillClrLst meth="repeat">
+      <a:schemeClr val="dk2"/>
+    </dgm:fillClrLst>
+    <dgm:linClrLst meth="repeat">
+      <a:schemeClr val="dk2"/>
+    </dgm:linClrLst>
+    <dgm:effectClrLst/>
+    <dgm:txLinClrLst/>
+    <dgm:txFillClrLst/>
+    <dgm:txEffectClrLst/>
+  </dgm:styleLbl>
+  <dgm:styleLbl name="parChTrans2D3">
+    <dgm:fillClrLst meth="repeat">
+      <a:schemeClr val="dk2"/>
+    </dgm:fillClrLst>
+    <dgm:linClrLst meth="repeat">
+      <a:schemeClr val="dk2"/>
+    </dgm:linClrLst>
+    <dgm:effectClrLst/>
+    <dgm:txLinClrLst/>
+    <dgm:txFillClrLst/>
+    <dgm:txEffectClrLst/>
+  </dgm:styleLbl>
+  <dgm:styleLbl name="parChTrans2D4">
+    <dgm:fillClrLst meth="repeat">
+      <a:schemeClr val="dk2"/>
+    </dgm:fillClrLst>
+    <dgm:linClrLst meth="repeat">
+      <a:schemeClr val="dk2"/>
+    </dgm:linClrLst>
+    <dgm:effectClrLst/>
+    <dgm:txLinClrLst/>
+    <dgm:txFillClrLst meth="repeat">
+      <a:schemeClr val="lt1"/>
+    </dgm:txFillClrLst>
+    <dgm:txEffectClrLst/>
+  </dgm:styleLbl>
+  <dgm:styleLbl name="parChTrans1D1">
+    <dgm:fillClrLst meth="repeat">
+      <a:schemeClr val="dk2"/>
+    </dgm:fillClrLst>
+    <dgm:linClrLst meth="repeat">
+      <a:schemeClr val="dk2">
+        <a:shade val="60000"/>
+      </a:schemeClr>
+    </dgm:linClrLst>
+    <dgm:effectClrLst/>
+    <dgm:txLinClrLst/>
+    <dgm:txFillClrLst meth="repeat">
+      <a:schemeClr val="tx1"/>
+    </dgm:txFillClrLst>
+    <dgm:txEffectClrLst/>
+  </dgm:styleLbl>
+  <dgm:styleLbl name="parChTrans1D2">
+    <dgm:fillClrLst meth="repeat">
+      <a:schemeClr val="dk2"/>
+    </dgm:fillClrLst>
+    <dgm:linClrLst meth="repeat">
+      <a:schemeClr val="dk2">
+        <a:shade val="60000"/>
+      </a:schemeClr>
+    </dgm:linClrLst>
+    <dgm:effectClrLst/>
+    <dgm:txLinClrLst/>
+    <dgm:txFillClrLst meth="repeat">
+      <a:schemeClr val="tx1"/>
+    </dgm:txFillClrLst>
+    <dgm:txEffectClrLst/>
+  </dgm:styleLbl>
+  <dgm:styleLbl name="parChTrans1D3">
+    <dgm:fillClrLst meth="repeat">
+      <a:schemeClr val="dk2"/>
+    </dgm:fillClrLst>
+    <dgm:linClrLst meth="repeat">
+      <a:schemeClr val="dk2">
+        <a:shade val="80000"/>
+      </a:schemeClr>
+    </dgm:linClrLst>
+    <dgm:effectClrLst/>
+    <dgm:txLinClrLst/>
+    <dgm:txFillClrLst meth="repeat">
+      <a:schemeClr val="tx1"/>
+    </dgm:txFillClrLst>
+    <dgm:txEffectClrLst/>
+  </dgm:styleLbl>
+  <dgm:styleLbl name="parChTrans1D4">
+    <dgm:fillClrLst meth="repeat">
+      <a:schemeClr val="dk2"/>
+    </dgm:fillClrLst>
+    <dgm:linClrLst meth="repeat">
+      <a:schemeClr val="dk2">
+        <a:shade val="80000"/>
+      </a:schemeClr>
+    </dgm:linClrLst>
+    <dgm:effectClrLst/>
+    <dgm:txLinClrLst/>
+    <dgm:txFillClrLst meth="repeat">
+      <a:schemeClr val="tx1"/>
+    </dgm:txFillClrLst>
+    <dgm:txEffectClrLst/>
+  </dgm:styleLbl>
+  <dgm:styleLbl name="fgAcc1">
+    <dgm:fillClrLst meth="repeat">
+      <a:schemeClr val="dk2">
+        <a:alpha val="90000"/>
+        <a:tint val="40000"/>
+      </a:schemeClr>
+    </dgm:fillClrLst>
+    <dgm:linClrLst meth="repeat">
+      <a:schemeClr val="dk2"/>
+    </dgm:linClrLst>
+    <dgm:effectClrLst/>
+    <dgm:txLinClrLst/>
+    <dgm:txFillClrLst meth="repeat">
+      <a:schemeClr val="dk2"/>
+    </dgm:txFillClrLst>
+    <dgm:txEffectClrLst/>
+  </dgm:styleLbl>
+  <dgm:styleLbl name="conFgAcc1">
+    <dgm:fillClrLst meth="repeat">
+      <a:schemeClr val="dk2">
+        <a:alpha val="90000"/>
+        <a:tint val="40000"/>
+      </a:schemeClr>
+    </dgm:fillClrLst>
+    <dgm:linClrLst meth="repeat">
+      <a:schemeClr val="dk2"/>
+    </dgm:linClrLst>
+    <dgm:effectClrLst/>
+    <dgm:txLinClrLst/>
+    <dgm:txFillClrLst meth="repeat">
+      <a:schemeClr val="dk2"/>
+    </dgm:txFillClrLst>
+    <dgm:txEffectClrLst/>
+  </dgm:styleLbl>
+  <dgm:styleLbl name="alignAcc1">
+    <dgm:fillClrLst meth="repeat">
+      <a:schemeClr val="dk2">
+        <a:alpha val="90000"/>
+        <a:tint val="40000"/>
+      </a:schemeClr>
+    </dgm:fillClrLst>
+    <dgm:linClrLst meth="repeat">
+      <a:schemeClr val="dk2"/>
+    </dgm:linClrLst>
+    <dgm:effectClrLst/>
+    <dgm:txLinClrLst/>
+    <dgm:txFillClrLst meth="repeat">
+      <a:schemeClr val="dk2"/>
+    </dgm:txFillClrLst>
+    <dgm:txEffectClrLst/>
+  </dgm:styleLbl>
+  <dgm:styleLbl name="trAlignAcc1">
+    <dgm:fillClrLst meth="repeat">
+      <a:schemeClr val="dk2">
+        <a:alpha val="40000"/>
+        <a:tint val="40000"/>
+      </a:schemeClr>
+    </dgm:fillClrLst>
+    <dgm:linClrLst meth="repeat">
+      <a:schemeClr val="dk2"/>
+    </dgm:linClrLst>
+    <dgm:effectClrLst/>
+    <dgm:txLinClrLst/>
+    <dgm:txFillClrLst meth="repeat">
+      <a:schemeClr val="dk2"/>
+    </dgm:txFillClrLst>
+    <dgm:txEffectClrLst/>
+  </dgm:styleLbl>
+  <dgm:styleLbl name="bgAcc1">
+    <dgm:fillClrLst meth="repeat">
+      <a:schemeClr val="dk2">
+        <a:alpha val="90000"/>
+        <a:tint val="40000"/>
+      </a:schemeClr>
+    </dgm:fillClrLst>
+    <dgm:linClrLst meth="repeat">
+      <a:schemeClr val="dk2"/>
+    </dgm:linClrLst>
+    <dgm:effectClrLst/>
+    <dgm:txLinClrLst/>
+    <dgm:txFillClrLst meth="repeat">
+      <a:schemeClr val="dk2"/>
+    </dgm:txFillClrLst>
+    <dgm:txEffectClrLst/>
+  </dgm:styleLbl>
+  <dgm:styleLbl name="solidFgAcc1">
+    <dgm:fillClrLst meth="repeat">
+      <a:schemeClr val="lt1"/>
+    </dgm:fillClrLst>
+    <dgm:linClrLst meth="repeat">
+      <a:schemeClr val="dk2"/>
+    </dgm:linClrLst>
+    <dgm:effectClrLst/>
+    <dgm:txLinClrLst/>
+    <dgm:txFillClrLst meth="repeat">
+      <a:schemeClr val="dk2"/>
+    </dgm:txFillClrLst>
+    <dgm:txEffectClrLst/>
+  </dgm:styleLbl>
+  <dgm:styleLbl name="solidAlignAcc1">
+    <dgm:fillClrLst meth="repeat">
+      <a:schemeClr val="lt1"/>
+    </dgm:fillClrLst>
+    <dgm:linClrLst meth="repeat">
+      <a:schemeClr val="dk2"/>
+    </dgm:linClrLst>
+    <dgm:effectClrLst/>
+    <dgm:txLinClrLst/>
+    <dgm:txFillClrLst meth="repeat">
+      <a:schemeClr val="dk2"/>
+    </dgm:txFillClrLst>
+    <dgm:txEffectClrLst/>
+  </dgm:styleLbl>
+  <dgm:styleLbl name="solidBgAcc1">
+    <dgm:fillClrLst meth="repeat">
+      <a:schemeClr val="lt1"/>
+    </dgm:fillClrLst>
+    <dgm:linClrLst meth="repeat">
+      <a:schemeClr val="dk2"/>
+    </dgm:linClrLst>
+    <dgm:effectClrLst/>
+    <dgm:txLinClrLst/>
+    <dgm:txFillClrLst meth="repeat">
+      <a:schemeClr val="dk2"/>
+    </dgm:txFillClrLst>
+    <dgm:txEffectClrLst/>
+  </dgm:styleLbl>
+  <dgm:styleLbl name="fgAccFollowNode1">
+    <dgm:fillClrLst meth="repeat">
+      <a:schemeClr val="lt1">
+        <a:alpha val="90000"/>
+        <a:tint val="40000"/>
+      </a:schemeClr>
+    </dgm:fillClrLst>
+    <dgm:linClrLst meth="repeat">
+      <a:schemeClr val="dk2">
+        <a:alpha val="90000"/>
+      </a:schemeClr>
+    </dgm:linClrLst>
+    <dgm:effectClrLst/>
+    <dgm:txLinClrLst/>
+    <dgm:txFillClrLst meth="repeat">
+      <a:schemeClr val="dk2"/>
+    </dgm:txFillClrLst>
+    <dgm:txEffectClrLst/>
+  </dgm:styleLbl>
+  <dgm:styleLbl name="alignAccFollowNode1">
+    <dgm:fillClrLst meth="repeat">
+      <a:schemeClr val="lt1">
+        <a:alpha val="90000"/>
+        <a:tint val="40000"/>
+      </a:schemeClr>
+    </dgm:fillClrLst>
+    <dgm:linClrLst meth="repeat">
+      <a:schemeClr val="dk2">
+        <a:alpha val="90000"/>
+      </a:schemeClr>
+    </dgm:linClrLst>
+    <dgm:effectClrLst/>
+    <dgm:txLinClrLst/>
+    <dgm:txFillClrLst meth="repeat">
+      <a:schemeClr val="dk2"/>
+    </dgm:txFillClrLst>
+    <dgm:txEffectClrLst/>
+  </dgm:styleLbl>
+  <dgm:styleLbl name="bgAccFollowNode1">
+    <dgm:fillClrLst meth="repeat">
+      <a:schemeClr val="lt1">
+        <a:alpha val="90000"/>
+        <a:tint val="40000"/>
+      </a:schemeClr>
+    </dgm:fillClrLst>
+    <dgm:linClrLst meth="repeat">
+      <a:schemeClr val="dk2">
+        <a:alpha val="90000"/>
+      </a:schemeClr>
+    </dgm:linClrLst>
+    <dgm:effectClrLst/>
+    <dgm:txLinClrLst/>
+    <dgm:txFillClrLst meth="repeat">
+      <a:schemeClr val="dk2"/>
+    </dgm:txFillClrLst>
+    <dgm:txEffectClrLst/>
+  </dgm:styleLbl>
+  <dgm:styleLbl name="fgAcc0">
+    <dgm:fillClrLst meth="repeat">
+      <a:schemeClr val="dk2">
+        <a:alpha val="90000"/>
+        <a:tint val="40000"/>
+      </a:schemeClr>
+    </dgm:fillClrLst>
+    <dgm:linClrLst meth="repeat">
+      <a:schemeClr val="dk2"/>
+    </dgm:linClrLst>
+    <dgm:effectClrLst/>
+    <dgm:txLinClrLst/>
+    <dgm:txFillClrLst meth="repeat">
+      <a:schemeClr val="dk2"/>
+    </dgm:txFillClrLst>
+    <dgm:txEffectClrLst/>
+  </dgm:styleLbl>
+  <dgm:styleLbl name="fgAcc2">
+    <dgm:fillClrLst meth="repeat">
+      <a:schemeClr val="dk2">
+        <a:alpha val="90000"/>
+        <a:tint val="40000"/>
+      </a:schemeClr>
+    </dgm:fillClrLst>
+    <dgm:linClrLst meth="repeat">
+      <a:schemeClr val="dk2"/>
+    </dgm:linClrLst>
+    <dgm:effectClrLst/>
+    <dgm:txLinClrLst/>
+    <dgm:txFillClrLst meth="repeat">
+      <a:schemeClr val="dk2"/>
+    </dgm:txFillClrLst>
+    <dgm:txEffectClrLst/>
+  </dgm:styleLbl>
+  <dgm:styleLbl name="fgAcc3">
+    <dgm:fillClrLst meth="repeat">
+      <a:schemeClr val="dk2">
+        <a:alpha val="90000"/>
+        <a:tint val="40000"/>
+      </a:schemeClr>
+    </dgm:fillClrLst>
+    <dgm:linClrLst meth="repeat">
+      <a:schemeClr val="dk2"/>
+    </dgm:linClrLst>
+    <dgm:effectClrLst/>
+    <dgm:txLinClrLst/>
+    <dgm:txFillClrLst meth="repeat">
+      <a:schemeClr val="dk2"/>
+    </dgm:txFillClrLst>
+    <dgm:txEffectClrLst/>
+  </dgm:styleLbl>
+  <dgm:styleLbl name="fgAcc4">
+    <dgm:fillClrLst meth="repeat">
+      <a:schemeClr val="dk2">
+        <a:alpha val="90000"/>
+        <a:tint val="40000"/>
+      </a:schemeClr>
+    </dgm:fillClrLst>
+    <dgm:linClrLst meth="repeat">
+      <a:schemeClr val="dk2"/>
+    </dgm:linClrLst>
+    <dgm:effectClrLst/>
+    <dgm:txLinClrLst/>
+    <dgm:txFillClrLst meth="repeat">
+      <a:schemeClr val="dk2"/>
+    </dgm:txFillClrLst>
+    <dgm:txEffectClrLst/>
+  </dgm:styleLbl>
+  <dgm:styleLbl name="bgShp">
+    <dgm:fillClrLst meth="repeat">
+      <a:schemeClr val="dk2">
+        <a:tint val="40000"/>
+      </a:schemeClr>
+    </dgm:fillClrLst>
+    <dgm:linClrLst meth="repeat">
+      <a:schemeClr val="dk2"/>
+    </dgm:linClrLst>
+    <dgm:effectClrLst/>
+    <dgm:txLinClrLst/>
+    <dgm:txFillClrLst meth="repeat">
+      <a:schemeClr val="dk1"/>
+    </dgm:txFillClrLst>
+    <dgm:txEffectClrLst/>
+  </dgm:styleLbl>
+  <dgm:styleLbl name="dkBgShp">
+    <dgm:fillClrLst meth="repeat">
+      <a:schemeClr val="dk2">
+        <a:shade val="80000"/>
+      </a:schemeClr>
+    </dgm:fillClrLst>
+    <dgm:linClrLst meth="repeat">
+      <a:schemeClr val="dk2"/>
+    </dgm:linClrLst>
+    <dgm:effectClrLst/>
+    <dgm:txLinClrLst/>
+    <dgm:txFillClrLst meth="repeat">
+      <a:schemeClr val="lt2"/>
+    </dgm:txFillClrLst>
+    <dgm:txEffectClrLst/>
+  </dgm:styleLbl>
+  <dgm:styleLbl name="trBgShp">
+    <dgm:fillClrLst meth="repeat">
+      <a:schemeClr val="dk2">
+        <a:tint val="50000"/>
+        <a:alpha val="40000"/>
+      </a:schemeClr>
+    </dgm:fillClrLst>
+    <dgm:linClrLst meth="repeat">
+      <a:schemeClr val="dk2"/>
+    </dgm:linClrLst>
+    <dgm:effectClrLst/>
+    <dgm:txLinClrLst/>
+    <dgm:txFillClrLst meth="repeat">
+      <a:schemeClr val="lt2"/>
+    </dgm:txFillClrLst>
+    <dgm:txEffectClrLst/>
+  </dgm:styleLbl>
+  <dgm:styleLbl name="fgShp">
+    <dgm:fillClrLst meth="repeat">
+      <a:schemeClr val="dk2">
+        <a:tint val="60000"/>
+      </a:schemeClr>
+    </dgm:fillClrLst>
+    <dgm:linClrLst meth="repeat">
+      <a:schemeClr val="lt1"/>
+    </dgm:linClrLst>
+    <dgm:effectClrLst/>
+    <dgm:txLinClrLst/>
+    <dgm:txFillClrLst meth="repeat">
+      <a:schemeClr val="dk2"/>
+    </dgm:txFillClrLst>
+    <dgm:txEffectClrLst/>
+  </dgm:styleLbl>
+  <dgm:styleLbl name="revTx">
+    <dgm:fillClrLst meth="repeat">
+      <a:schemeClr val="lt1">
+        <a:alpha val="0"/>
+      </a:schemeClr>
+    </dgm:fillClrLst>
+    <dgm:linClrLst meth="repeat">
+      <a:schemeClr val="dk2">
         <a:alpha val="0"/>
       </a:schemeClr>
     </dgm:linClrLst>
@@ -1396,6 +2952,334 @@
   <dgm:extLst>
     <a:ext uri="http://schemas.microsoft.com/office/drawing/2008/diagram">
       <dsp:dataModelExt xmlns:dsp="http://schemas.microsoft.com/office/drawing/2008/diagram" relId="rId8" minVer="http://schemas.openxmlformats.org/drawingml/2006/diagram"/>
+    </a:ext>
+  </dgm:extLst>
+</dgm:dataModel>
+</file>
+
+<file path=ppt/diagrams/data2.xml><?xml version="1.0" encoding="utf-8"?>
+<dgm:dataModel xmlns:dgm="http://schemas.openxmlformats.org/drawingml/2006/diagram" xmlns:a="http://schemas.openxmlformats.org/drawingml/2006/main">
+  <dgm:ptLst>
+    <dgm:pt modelId="{664FB159-9CA4-4898-A25F-53D0C4DD4A04}" type="doc">
+      <dgm:prSet loTypeId="urn:microsoft.com/office/officeart/2005/8/layout/process1" loCatId="process" qsTypeId="urn:microsoft.com/office/officeart/2005/8/quickstyle/simple1" qsCatId="simple" csTypeId="urn:microsoft.com/office/officeart/2005/8/colors/accent1_2" csCatId="accent1"/>
+      <dgm:spPr/>
+      <dgm:t>
+        <a:bodyPr/>
+        <a:lstStyle/>
+        <a:p>
+          <a:endParaRPr lang="en-US"/>
+        </a:p>
+      </dgm:t>
+    </dgm:pt>
+    <dgm:pt modelId="{68B5E620-FC1E-491F-937B-1231C6F1562D}">
+      <dgm:prSet/>
+      <dgm:spPr/>
+      <dgm:t>
+        <a:bodyPr/>
+        <a:lstStyle/>
+        <a:p>
+          <a:r>
+            <a:rPr lang="en-US" dirty="0"/>
+            <a:t>Services We Will Provide</a:t>
+          </a:r>
+        </a:p>
+      </dgm:t>
+    </dgm:pt>
+    <dgm:pt modelId="{47DF7D41-3096-46B6-8C47-87A31ADD5254}" type="parTrans" cxnId="{09F4E231-45AD-46CA-8CC2-49B813802AA6}">
+      <dgm:prSet/>
+      <dgm:spPr/>
+      <dgm:t>
+        <a:bodyPr/>
+        <a:lstStyle/>
+        <a:p>
+          <a:endParaRPr lang="en-US"/>
+        </a:p>
+      </dgm:t>
+    </dgm:pt>
+    <dgm:pt modelId="{73B72081-17BD-48FB-809D-EEB5B9C4626D}" type="sibTrans" cxnId="{09F4E231-45AD-46CA-8CC2-49B813802AA6}">
+      <dgm:prSet/>
+      <dgm:spPr/>
+      <dgm:t>
+        <a:bodyPr/>
+        <a:lstStyle/>
+        <a:p>
+          <a:endParaRPr lang="en-US"/>
+        </a:p>
+      </dgm:t>
+    </dgm:pt>
+    <dgm:pt modelId="{688F821D-AF81-4B50-B2E4-7D40FFBA32AD}" type="pres">
+      <dgm:prSet presAssocID="{664FB159-9CA4-4898-A25F-53D0C4DD4A04}" presName="Name0" presStyleCnt="0">
+        <dgm:presLayoutVars>
+          <dgm:dir/>
+          <dgm:resizeHandles val="exact"/>
+        </dgm:presLayoutVars>
+      </dgm:prSet>
+      <dgm:spPr/>
+    </dgm:pt>
+    <dgm:pt modelId="{F826B078-6E91-4F9B-8774-EDE7C9D08789}" type="pres">
+      <dgm:prSet presAssocID="{68B5E620-FC1E-491F-937B-1231C6F1562D}" presName="node" presStyleLbl="node1" presStyleIdx="0" presStyleCnt="1">
+        <dgm:presLayoutVars>
+          <dgm:bulletEnabled val="1"/>
+        </dgm:presLayoutVars>
+      </dgm:prSet>
+      <dgm:spPr/>
+    </dgm:pt>
+  </dgm:ptLst>
+  <dgm:cxnLst>
+    <dgm:cxn modelId="{09F4E231-45AD-46CA-8CC2-49B813802AA6}" srcId="{664FB159-9CA4-4898-A25F-53D0C4DD4A04}" destId="{68B5E620-FC1E-491F-937B-1231C6F1562D}" srcOrd="0" destOrd="0" parTransId="{47DF7D41-3096-46B6-8C47-87A31ADD5254}" sibTransId="{73B72081-17BD-48FB-809D-EEB5B9C4626D}"/>
+    <dgm:cxn modelId="{34B54780-9807-413B-9077-6394B3D7BD22}" type="presOf" srcId="{68B5E620-FC1E-491F-937B-1231C6F1562D}" destId="{F826B078-6E91-4F9B-8774-EDE7C9D08789}" srcOrd="0" destOrd="0" presId="urn:microsoft.com/office/officeart/2005/8/layout/process1"/>
+    <dgm:cxn modelId="{725529E8-795C-4F5E-90E8-2B64B5D002D7}" type="presOf" srcId="{664FB159-9CA4-4898-A25F-53D0C4DD4A04}" destId="{688F821D-AF81-4B50-B2E4-7D40FFBA32AD}" srcOrd="0" destOrd="0" presId="urn:microsoft.com/office/officeart/2005/8/layout/process1"/>
+    <dgm:cxn modelId="{13C1520E-1DF6-4701-B485-603D3BD487B5}" type="presParOf" srcId="{688F821D-AF81-4B50-B2E4-7D40FFBA32AD}" destId="{F826B078-6E91-4F9B-8774-EDE7C9D08789}" srcOrd="0" destOrd="0" presId="urn:microsoft.com/office/officeart/2005/8/layout/process1"/>
+  </dgm:cxnLst>
+  <dgm:bg/>
+  <dgm:whole/>
+  <dgm:extLst>
+    <a:ext uri="http://schemas.microsoft.com/office/drawing/2008/diagram">
+      <dsp:dataModelExt xmlns:dsp="http://schemas.microsoft.com/office/drawing/2008/diagram" relId="rId6" minVer="http://schemas.openxmlformats.org/drawingml/2006/diagram"/>
+    </a:ext>
+  </dgm:extLst>
+</dgm:dataModel>
+</file>
+
+<file path=ppt/diagrams/data3.xml><?xml version="1.0" encoding="utf-8"?>
+<dgm:dataModel xmlns:dgm="http://schemas.openxmlformats.org/drawingml/2006/diagram" xmlns:a="http://schemas.openxmlformats.org/drawingml/2006/main">
+  <dgm:ptLst>
+    <dgm:pt modelId="{0EA77AD7-2DE5-4C5F-A5EB-F1EC6A46B469}" type="doc">
+      <dgm:prSet loTypeId="urn:microsoft.com/office/officeart/2005/8/layout/vList2" loCatId="list" qsTypeId="urn:microsoft.com/office/officeart/2005/8/quickstyle/simple5" qsCatId="simple" csTypeId="urn:microsoft.com/office/officeart/2005/8/colors/accent0_2" csCatId="mainScheme"/>
+      <dgm:spPr/>
+      <dgm:t>
+        <a:bodyPr/>
+        <a:lstStyle/>
+        <a:p>
+          <a:endParaRPr lang="en-US"/>
+        </a:p>
+      </dgm:t>
+    </dgm:pt>
+    <dgm:pt modelId="{2E9ABC37-930D-4FC5-8E3E-48691329EAD4}">
+      <dgm:prSet/>
+      <dgm:spPr/>
+      <dgm:t>
+        <a:bodyPr/>
+        <a:lstStyle/>
+        <a:p>
+          <a:r>
+            <a:rPr lang="en-US" dirty="0"/>
+            <a:t>Maintenance and sustainability of the software.</a:t>
+          </a:r>
+        </a:p>
+      </dgm:t>
+    </dgm:pt>
+    <dgm:pt modelId="{80EF3E8F-C489-49E0-A4D3-2108F9716EF8}" type="parTrans" cxnId="{7112B1D1-D034-4D00-9121-28AB91DAD813}">
+      <dgm:prSet/>
+      <dgm:spPr/>
+      <dgm:t>
+        <a:bodyPr/>
+        <a:lstStyle/>
+        <a:p>
+          <a:endParaRPr lang="en-US"/>
+        </a:p>
+      </dgm:t>
+    </dgm:pt>
+    <dgm:pt modelId="{3B216771-3C16-4078-9818-57D0442A789F}" type="sibTrans" cxnId="{7112B1D1-D034-4D00-9121-28AB91DAD813}">
+      <dgm:prSet/>
+      <dgm:spPr/>
+      <dgm:t>
+        <a:bodyPr/>
+        <a:lstStyle/>
+        <a:p>
+          <a:endParaRPr lang="en-US"/>
+        </a:p>
+      </dgm:t>
+    </dgm:pt>
+    <dgm:pt modelId="{5AB940B0-F9BA-414E-98EE-20EF4022DED8}">
+      <dgm:prSet/>
+      <dgm:spPr/>
+      <dgm:t>
+        <a:bodyPr/>
+        <a:lstStyle/>
+        <a:p>
+          <a:r>
+            <a:rPr lang="en-US"/>
+            <a:t>A secure system which will avoid attacks from outside.</a:t>
+          </a:r>
+        </a:p>
+      </dgm:t>
+    </dgm:pt>
+    <dgm:pt modelId="{8360E17C-BF1F-4F06-BEAD-9C51476CE925}" type="parTrans" cxnId="{8F26C5F1-A3F6-4C83-82C7-2A4D1F7F3C4D}">
+      <dgm:prSet/>
+      <dgm:spPr/>
+      <dgm:t>
+        <a:bodyPr/>
+        <a:lstStyle/>
+        <a:p>
+          <a:endParaRPr lang="en-US"/>
+        </a:p>
+      </dgm:t>
+    </dgm:pt>
+    <dgm:pt modelId="{2A0DAE28-0DEB-4811-B986-B4007EA5C02A}" type="sibTrans" cxnId="{8F26C5F1-A3F6-4C83-82C7-2A4D1F7F3C4D}">
+      <dgm:prSet/>
+      <dgm:spPr/>
+      <dgm:t>
+        <a:bodyPr/>
+        <a:lstStyle/>
+        <a:p>
+          <a:endParaRPr lang="en-US"/>
+        </a:p>
+      </dgm:t>
+    </dgm:pt>
+    <dgm:pt modelId="{4C66239C-50AF-48D7-AFC1-BFA2F9C4A262}">
+      <dgm:prSet/>
+      <dgm:spPr/>
+      <dgm:t>
+        <a:bodyPr/>
+        <a:lstStyle/>
+        <a:p>
+          <a:r>
+            <a:rPr lang="en-US"/>
+            <a:t>Educating the staff and the residents.</a:t>
+          </a:r>
+        </a:p>
+      </dgm:t>
+    </dgm:pt>
+    <dgm:pt modelId="{F32FB018-95A2-481E-8DC2-006760B09457}" type="parTrans" cxnId="{2908D0B3-15C3-473F-A842-F739E867C66B}">
+      <dgm:prSet/>
+      <dgm:spPr/>
+      <dgm:t>
+        <a:bodyPr/>
+        <a:lstStyle/>
+        <a:p>
+          <a:endParaRPr lang="en-US"/>
+        </a:p>
+      </dgm:t>
+    </dgm:pt>
+    <dgm:pt modelId="{B5DE070C-88DA-4F27-9135-00B3D456FE0D}" type="sibTrans" cxnId="{2908D0B3-15C3-473F-A842-F739E867C66B}">
+      <dgm:prSet/>
+      <dgm:spPr/>
+      <dgm:t>
+        <a:bodyPr/>
+        <a:lstStyle/>
+        <a:p>
+          <a:endParaRPr lang="en-US"/>
+        </a:p>
+      </dgm:t>
+    </dgm:pt>
+    <dgm:pt modelId="{4D67917A-D6D1-4838-865D-E1863B4A6F10}">
+      <dgm:prSet/>
+      <dgm:spPr/>
+      <dgm:t>
+        <a:bodyPr/>
+        <a:lstStyle/>
+        <a:p>
+          <a:r>
+            <a:rPr lang="en-US"/>
+            <a:t>Making new patches using the customer feedbacks.</a:t>
+          </a:r>
+        </a:p>
+      </dgm:t>
+    </dgm:pt>
+    <dgm:pt modelId="{F732302F-E508-4782-83E7-A7BADF8B8ECE}" type="parTrans" cxnId="{9422C19C-1C0E-4CE9-8D43-5DBA3DA84329}">
+      <dgm:prSet/>
+      <dgm:spPr/>
+      <dgm:t>
+        <a:bodyPr/>
+        <a:lstStyle/>
+        <a:p>
+          <a:endParaRPr lang="en-US"/>
+        </a:p>
+      </dgm:t>
+    </dgm:pt>
+    <dgm:pt modelId="{91736B67-3A42-46B8-B681-2A005684D7FF}" type="sibTrans" cxnId="{9422C19C-1C0E-4CE9-8D43-5DBA3DA84329}">
+      <dgm:prSet/>
+      <dgm:spPr/>
+      <dgm:t>
+        <a:bodyPr/>
+        <a:lstStyle/>
+        <a:p>
+          <a:endParaRPr lang="en-US"/>
+        </a:p>
+      </dgm:t>
+    </dgm:pt>
+    <dgm:pt modelId="{E67A6BAF-3C52-4E55-BFDA-6B130805954C}" type="pres">
+      <dgm:prSet presAssocID="{0EA77AD7-2DE5-4C5F-A5EB-F1EC6A46B469}" presName="linear" presStyleCnt="0">
+        <dgm:presLayoutVars>
+          <dgm:animLvl val="lvl"/>
+          <dgm:resizeHandles val="exact"/>
+        </dgm:presLayoutVars>
+      </dgm:prSet>
+      <dgm:spPr/>
+    </dgm:pt>
+    <dgm:pt modelId="{9F69B48B-4A33-413E-ABFF-81A6827F24CC}" type="pres">
+      <dgm:prSet presAssocID="{2E9ABC37-930D-4FC5-8E3E-48691329EAD4}" presName="parentText" presStyleLbl="node1" presStyleIdx="0" presStyleCnt="4">
+        <dgm:presLayoutVars>
+          <dgm:chMax val="0"/>
+          <dgm:bulletEnabled val="1"/>
+        </dgm:presLayoutVars>
+      </dgm:prSet>
+      <dgm:spPr/>
+    </dgm:pt>
+    <dgm:pt modelId="{FBD0C178-9784-4FF6-805C-21C6E253FB29}" type="pres">
+      <dgm:prSet presAssocID="{3B216771-3C16-4078-9818-57D0442A789F}" presName="spacer" presStyleCnt="0"/>
+      <dgm:spPr/>
+    </dgm:pt>
+    <dgm:pt modelId="{E81F05B8-63AD-43E0-9420-448F96DB6A33}" type="pres">
+      <dgm:prSet presAssocID="{5AB940B0-F9BA-414E-98EE-20EF4022DED8}" presName="parentText" presStyleLbl="node1" presStyleIdx="1" presStyleCnt="4">
+        <dgm:presLayoutVars>
+          <dgm:chMax val="0"/>
+          <dgm:bulletEnabled val="1"/>
+        </dgm:presLayoutVars>
+      </dgm:prSet>
+      <dgm:spPr/>
+    </dgm:pt>
+    <dgm:pt modelId="{1058E5C6-C51D-43AA-A12A-7B2611886445}" type="pres">
+      <dgm:prSet presAssocID="{2A0DAE28-0DEB-4811-B986-B4007EA5C02A}" presName="spacer" presStyleCnt="0"/>
+      <dgm:spPr/>
+    </dgm:pt>
+    <dgm:pt modelId="{FEA6204D-B3E6-4A4E-9A9B-E03D02EC9A05}" type="pres">
+      <dgm:prSet presAssocID="{4C66239C-50AF-48D7-AFC1-BFA2F9C4A262}" presName="parentText" presStyleLbl="node1" presStyleIdx="2" presStyleCnt="4">
+        <dgm:presLayoutVars>
+          <dgm:chMax val="0"/>
+          <dgm:bulletEnabled val="1"/>
+        </dgm:presLayoutVars>
+      </dgm:prSet>
+      <dgm:spPr/>
+    </dgm:pt>
+    <dgm:pt modelId="{E9053CF4-DA10-4F75-9514-1265FD6515C2}" type="pres">
+      <dgm:prSet presAssocID="{B5DE070C-88DA-4F27-9135-00B3D456FE0D}" presName="spacer" presStyleCnt="0"/>
+      <dgm:spPr/>
+    </dgm:pt>
+    <dgm:pt modelId="{9FC0E397-FA24-4A7F-AC82-38B1E7D7594F}" type="pres">
+      <dgm:prSet presAssocID="{4D67917A-D6D1-4838-865D-E1863B4A6F10}" presName="parentText" presStyleLbl="node1" presStyleIdx="3" presStyleCnt="4">
+        <dgm:presLayoutVars>
+          <dgm:chMax val="0"/>
+          <dgm:bulletEnabled val="1"/>
+        </dgm:presLayoutVars>
+      </dgm:prSet>
+      <dgm:spPr/>
+    </dgm:pt>
+  </dgm:ptLst>
+  <dgm:cxnLst>
+    <dgm:cxn modelId="{A83E6E01-70B5-482D-B636-5CDD1717B8E7}" type="presOf" srcId="{4C66239C-50AF-48D7-AFC1-BFA2F9C4A262}" destId="{FEA6204D-B3E6-4A4E-9A9B-E03D02EC9A05}" srcOrd="0" destOrd="0" presId="urn:microsoft.com/office/officeart/2005/8/layout/vList2"/>
+    <dgm:cxn modelId="{8264905E-37CC-4C7A-8418-2490A858B861}" type="presOf" srcId="{4D67917A-D6D1-4838-865D-E1863B4A6F10}" destId="{9FC0E397-FA24-4A7F-AC82-38B1E7D7594F}" srcOrd="0" destOrd="0" presId="urn:microsoft.com/office/officeart/2005/8/layout/vList2"/>
+    <dgm:cxn modelId="{92821679-8776-4485-AA5F-71C20C9386BC}" type="presOf" srcId="{2E9ABC37-930D-4FC5-8E3E-48691329EAD4}" destId="{9F69B48B-4A33-413E-ABFF-81A6827F24CC}" srcOrd="0" destOrd="0" presId="urn:microsoft.com/office/officeart/2005/8/layout/vList2"/>
+    <dgm:cxn modelId="{9422C19C-1C0E-4CE9-8D43-5DBA3DA84329}" srcId="{0EA77AD7-2DE5-4C5F-A5EB-F1EC6A46B469}" destId="{4D67917A-D6D1-4838-865D-E1863B4A6F10}" srcOrd="3" destOrd="0" parTransId="{F732302F-E508-4782-83E7-A7BADF8B8ECE}" sibTransId="{91736B67-3A42-46B8-B681-2A005684D7FF}"/>
+    <dgm:cxn modelId="{2908D0B3-15C3-473F-A842-F739E867C66B}" srcId="{0EA77AD7-2DE5-4C5F-A5EB-F1EC6A46B469}" destId="{4C66239C-50AF-48D7-AFC1-BFA2F9C4A262}" srcOrd="2" destOrd="0" parTransId="{F32FB018-95A2-481E-8DC2-006760B09457}" sibTransId="{B5DE070C-88DA-4F27-9135-00B3D456FE0D}"/>
+    <dgm:cxn modelId="{5A52A6B5-1281-44CD-86A8-0CC26CD320ED}" type="presOf" srcId="{0EA77AD7-2DE5-4C5F-A5EB-F1EC6A46B469}" destId="{E67A6BAF-3C52-4E55-BFDA-6B130805954C}" srcOrd="0" destOrd="0" presId="urn:microsoft.com/office/officeart/2005/8/layout/vList2"/>
+    <dgm:cxn modelId="{7112B1D1-D034-4D00-9121-28AB91DAD813}" srcId="{0EA77AD7-2DE5-4C5F-A5EB-F1EC6A46B469}" destId="{2E9ABC37-930D-4FC5-8E3E-48691329EAD4}" srcOrd="0" destOrd="0" parTransId="{80EF3E8F-C489-49E0-A4D3-2108F9716EF8}" sibTransId="{3B216771-3C16-4078-9818-57D0442A789F}"/>
+    <dgm:cxn modelId="{2CEE49E3-2357-4EF6-9785-CC7B4AA017AD}" type="presOf" srcId="{5AB940B0-F9BA-414E-98EE-20EF4022DED8}" destId="{E81F05B8-63AD-43E0-9420-448F96DB6A33}" srcOrd="0" destOrd="0" presId="urn:microsoft.com/office/officeart/2005/8/layout/vList2"/>
+    <dgm:cxn modelId="{8F26C5F1-A3F6-4C83-82C7-2A4D1F7F3C4D}" srcId="{0EA77AD7-2DE5-4C5F-A5EB-F1EC6A46B469}" destId="{5AB940B0-F9BA-414E-98EE-20EF4022DED8}" srcOrd="1" destOrd="0" parTransId="{8360E17C-BF1F-4F06-BEAD-9C51476CE925}" sibTransId="{2A0DAE28-0DEB-4811-B986-B4007EA5C02A}"/>
+    <dgm:cxn modelId="{8FD138A8-599B-49CA-9F60-AE4082E64FF9}" type="presParOf" srcId="{E67A6BAF-3C52-4E55-BFDA-6B130805954C}" destId="{9F69B48B-4A33-413E-ABFF-81A6827F24CC}" srcOrd="0" destOrd="0" presId="urn:microsoft.com/office/officeart/2005/8/layout/vList2"/>
+    <dgm:cxn modelId="{F4A91BBC-D762-4B93-8D9F-5D04B370065D}" type="presParOf" srcId="{E67A6BAF-3C52-4E55-BFDA-6B130805954C}" destId="{FBD0C178-9784-4FF6-805C-21C6E253FB29}" srcOrd="1" destOrd="0" presId="urn:microsoft.com/office/officeart/2005/8/layout/vList2"/>
+    <dgm:cxn modelId="{B65DA94B-8C08-41E3-88FC-9F9A23C03489}" type="presParOf" srcId="{E67A6BAF-3C52-4E55-BFDA-6B130805954C}" destId="{E81F05B8-63AD-43E0-9420-448F96DB6A33}" srcOrd="2" destOrd="0" presId="urn:microsoft.com/office/officeart/2005/8/layout/vList2"/>
+    <dgm:cxn modelId="{A259F8D5-5CDB-4631-A5DD-7BDE1282DE4C}" type="presParOf" srcId="{E67A6BAF-3C52-4E55-BFDA-6B130805954C}" destId="{1058E5C6-C51D-43AA-A12A-7B2611886445}" srcOrd="3" destOrd="0" presId="urn:microsoft.com/office/officeart/2005/8/layout/vList2"/>
+    <dgm:cxn modelId="{725D351E-CD28-41A0-B10A-917C04977BC4}" type="presParOf" srcId="{E67A6BAF-3C52-4E55-BFDA-6B130805954C}" destId="{FEA6204D-B3E6-4A4E-9A9B-E03D02EC9A05}" srcOrd="4" destOrd="0" presId="urn:microsoft.com/office/officeart/2005/8/layout/vList2"/>
+    <dgm:cxn modelId="{1CC88860-56B8-46B4-85E6-731D09CE920C}" type="presParOf" srcId="{E67A6BAF-3C52-4E55-BFDA-6B130805954C}" destId="{E9053CF4-DA10-4F75-9514-1265FD6515C2}" srcOrd="5" destOrd="0" presId="urn:microsoft.com/office/officeart/2005/8/layout/vList2"/>
+    <dgm:cxn modelId="{C2AEBF88-7582-4C84-A49C-B02DEAD55D72}" type="presParOf" srcId="{E67A6BAF-3C52-4E55-BFDA-6B130805954C}" destId="{9FC0E397-FA24-4A7F-AC82-38B1E7D7594F}" srcOrd="6" destOrd="0" presId="urn:microsoft.com/office/officeart/2005/8/layout/vList2"/>
+  </dgm:cxnLst>
+  <dgm:bg/>
+  <dgm:whole/>
+  <dgm:extLst>
+    <a:ext uri="http://schemas.microsoft.com/office/drawing/2008/diagram">
+      <dsp:dataModelExt xmlns:dsp="http://schemas.microsoft.com/office/drawing/2008/diagram" relId="rId11" minVer="http://schemas.openxmlformats.org/drawingml/2006/diagram"/>
     </a:ext>
   </dgm:extLst>
 </dgm:dataModel>
@@ -2243,6 +4127,530 @@
 </dsp:drawing>
 </file>
 
+<file path=ppt/diagrams/drawing2.xml><?xml version="1.0" encoding="utf-8"?>
+<dsp:drawing xmlns:dgm="http://schemas.openxmlformats.org/drawingml/2006/diagram" xmlns:dsp="http://schemas.microsoft.com/office/drawing/2008/diagram" xmlns:a="http://schemas.openxmlformats.org/drawingml/2006/main">
+  <dsp:spTree>
+    <dsp:nvGrpSpPr>
+      <dsp:cNvPr id="0" name=""/>
+      <dsp:cNvGrpSpPr/>
+    </dsp:nvGrpSpPr>
+    <dsp:grpSpPr/>
+    <dsp:sp modelId="{F826B078-6E91-4F9B-8774-EDE7C9D08789}">
+      <dsp:nvSpPr>
+        <dsp:cNvPr id="0" name=""/>
+        <dsp:cNvSpPr/>
+      </dsp:nvSpPr>
+      <dsp:spPr>
+        <a:xfrm>
+          <a:off x="5320" y="0"/>
+          <a:ext cx="10885958" cy="1171624"/>
+        </a:xfrm>
+        <a:prstGeom prst="roundRect">
+          <a:avLst>
+            <a:gd name="adj" fmla="val 10000"/>
+          </a:avLst>
+        </a:prstGeom>
+        <a:solidFill>
+          <a:schemeClr val="accent1">
+            <a:hueOff val="0"/>
+            <a:satOff val="0"/>
+            <a:lumOff val="0"/>
+            <a:alphaOff val="0"/>
+          </a:schemeClr>
+        </a:solidFill>
+        <a:ln w="12700" cap="flat" cmpd="sng" algn="ctr">
+          <a:solidFill>
+            <a:schemeClr val="lt1">
+              <a:hueOff val="0"/>
+              <a:satOff val="0"/>
+              <a:lumOff val="0"/>
+              <a:alphaOff val="0"/>
+            </a:schemeClr>
+          </a:solidFill>
+          <a:prstDash val="solid"/>
+          <a:miter lim="800000"/>
+        </a:ln>
+        <a:effectLst/>
+      </dsp:spPr>
+      <dsp:style>
+        <a:lnRef idx="2">
+          <a:scrgbClr r="0" g="0" b="0"/>
+        </a:lnRef>
+        <a:fillRef idx="1">
+          <a:scrgbClr r="0" g="0" b="0"/>
+        </a:fillRef>
+        <a:effectRef idx="0">
+          <a:scrgbClr r="0" g="0" b="0"/>
+        </a:effectRef>
+        <a:fontRef idx="minor">
+          <a:schemeClr val="lt1"/>
+        </a:fontRef>
+      </dsp:style>
+      <dsp:txBody>
+        <a:bodyPr spcFirstLastPara="0" vert="horz" wrap="square" lIns="194310" tIns="194310" rIns="194310" bIns="194310" numCol="1" spcCol="1270" anchor="ctr" anchorCtr="0">
+          <a:noAutofit/>
+        </a:bodyPr>
+        <a:lstStyle/>
+        <a:p>
+          <a:pPr marL="0" lvl="0" indent="0" algn="ctr" defTabSz="2266950">
+            <a:lnSpc>
+              <a:spcPct val="90000"/>
+            </a:lnSpc>
+            <a:spcBef>
+              <a:spcPct val="0"/>
+            </a:spcBef>
+            <a:spcAft>
+              <a:spcPct val="35000"/>
+            </a:spcAft>
+            <a:buNone/>
+          </a:pPr>
+          <a:r>
+            <a:rPr lang="en-US" sz="5100" kern="1200" dirty="0"/>
+            <a:t>Services We Will Provide</a:t>
+          </a:r>
+        </a:p>
+      </dsp:txBody>
+      <dsp:txXfrm>
+        <a:off x="39636" y="34316"/>
+        <a:ext cx="10817326" cy="1102992"/>
+      </dsp:txXfrm>
+    </dsp:sp>
+  </dsp:spTree>
+</dsp:drawing>
+</file>
+
+<file path=ppt/diagrams/drawing3.xml><?xml version="1.0" encoding="utf-8"?>
+<dsp:drawing xmlns:dgm="http://schemas.openxmlformats.org/drawingml/2006/diagram" xmlns:dsp="http://schemas.microsoft.com/office/drawing/2008/diagram" xmlns:a="http://schemas.openxmlformats.org/drawingml/2006/main">
+  <dsp:spTree>
+    <dsp:nvGrpSpPr>
+      <dsp:cNvPr id="0" name=""/>
+      <dsp:cNvGrpSpPr/>
+    </dsp:nvGrpSpPr>
+    <dsp:grpSpPr/>
+    <dsp:sp modelId="{9F69B48B-4A33-413E-ABFF-81A6827F24CC}">
+      <dsp:nvSpPr>
+        <dsp:cNvPr id="0" name=""/>
+        <dsp:cNvSpPr/>
+      </dsp:nvSpPr>
+      <dsp:spPr>
+        <a:xfrm>
+          <a:off x="0" y="353651"/>
+          <a:ext cx="10896600" cy="887445"/>
+        </a:xfrm>
+        <a:prstGeom prst="roundRect">
+          <a:avLst/>
+        </a:prstGeom>
+        <a:gradFill rotWithShape="0">
+          <a:gsLst>
+            <a:gs pos="0">
+              <a:schemeClr val="lt1">
+                <a:hueOff val="0"/>
+                <a:satOff val="0"/>
+                <a:lumOff val="0"/>
+                <a:alphaOff val="0"/>
+                <a:satMod val="103000"/>
+                <a:lumMod val="102000"/>
+                <a:tint val="94000"/>
+              </a:schemeClr>
+            </a:gs>
+            <a:gs pos="50000">
+              <a:schemeClr val="lt1">
+                <a:hueOff val="0"/>
+                <a:satOff val="0"/>
+                <a:lumOff val="0"/>
+                <a:alphaOff val="0"/>
+                <a:satMod val="110000"/>
+                <a:lumMod val="100000"/>
+                <a:shade val="100000"/>
+              </a:schemeClr>
+            </a:gs>
+            <a:gs pos="100000">
+              <a:schemeClr val="lt1">
+                <a:hueOff val="0"/>
+                <a:satOff val="0"/>
+                <a:lumOff val="0"/>
+                <a:alphaOff val="0"/>
+                <a:lumMod val="99000"/>
+                <a:satMod val="120000"/>
+                <a:shade val="78000"/>
+              </a:schemeClr>
+            </a:gs>
+          </a:gsLst>
+          <a:lin ang="5400000" scaled="0"/>
+        </a:gradFill>
+        <a:ln>
+          <a:noFill/>
+        </a:ln>
+        <a:effectLst>
+          <a:outerShdw blurRad="57150" dist="19050" dir="5400000" algn="ctr" rotWithShape="0">
+            <a:srgbClr val="000000">
+              <a:alpha val="63000"/>
+            </a:srgbClr>
+          </a:outerShdw>
+        </a:effectLst>
+      </dsp:spPr>
+      <dsp:style>
+        <a:lnRef idx="0">
+          <a:scrgbClr r="0" g="0" b="0"/>
+        </a:lnRef>
+        <a:fillRef idx="3">
+          <a:scrgbClr r="0" g="0" b="0"/>
+        </a:fillRef>
+        <a:effectRef idx="3">
+          <a:scrgbClr r="0" g="0" b="0"/>
+        </a:effectRef>
+        <a:fontRef idx="minor">
+          <a:schemeClr val="lt1"/>
+        </a:fontRef>
+      </dsp:style>
+      <dsp:txBody>
+        <a:bodyPr spcFirstLastPara="0" vert="horz" wrap="square" lIns="140970" tIns="140970" rIns="140970" bIns="140970" numCol="1" spcCol="1270" anchor="ctr" anchorCtr="0">
+          <a:noAutofit/>
+        </a:bodyPr>
+        <a:lstStyle/>
+        <a:p>
+          <a:pPr marL="0" lvl="0" indent="0" algn="l" defTabSz="1644650">
+            <a:lnSpc>
+              <a:spcPct val="90000"/>
+            </a:lnSpc>
+            <a:spcBef>
+              <a:spcPct val="0"/>
+            </a:spcBef>
+            <a:spcAft>
+              <a:spcPct val="35000"/>
+            </a:spcAft>
+            <a:buNone/>
+          </a:pPr>
+          <a:r>
+            <a:rPr lang="en-US" sz="3700" kern="1200" dirty="0"/>
+            <a:t>Maintenance and sustainability of the software.</a:t>
+          </a:r>
+        </a:p>
+      </dsp:txBody>
+      <dsp:txXfrm>
+        <a:off x="43321" y="396972"/>
+        <a:ext cx="10809958" cy="800803"/>
+      </dsp:txXfrm>
+    </dsp:sp>
+    <dsp:sp modelId="{E81F05B8-63AD-43E0-9420-448F96DB6A33}">
+      <dsp:nvSpPr>
+        <dsp:cNvPr id="0" name=""/>
+        <dsp:cNvSpPr/>
+      </dsp:nvSpPr>
+      <dsp:spPr>
+        <a:xfrm>
+          <a:off x="0" y="1347656"/>
+          <a:ext cx="10896600" cy="887445"/>
+        </a:xfrm>
+        <a:prstGeom prst="roundRect">
+          <a:avLst/>
+        </a:prstGeom>
+        <a:gradFill rotWithShape="0">
+          <a:gsLst>
+            <a:gs pos="0">
+              <a:schemeClr val="lt1">
+                <a:hueOff val="0"/>
+                <a:satOff val="0"/>
+                <a:lumOff val="0"/>
+                <a:alphaOff val="0"/>
+                <a:satMod val="103000"/>
+                <a:lumMod val="102000"/>
+                <a:tint val="94000"/>
+              </a:schemeClr>
+            </a:gs>
+            <a:gs pos="50000">
+              <a:schemeClr val="lt1">
+                <a:hueOff val="0"/>
+                <a:satOff val="0"/>
+                <a:lumOff val="0"/>
+                <a:alphaOff val="0"/>
+                <a:satMod val="110000"/>
+                <a:lumMod val="100000"/>
+                <a:shade val="100000"/>
+              </a:schemeClr>
+            </a:gs>
+            <a:gs pos="100000">
+              <a:schemeClr val="lt1">
+                <a:hueOff val="0"/>
+                <a:satOff val="0"/>
+                <a:lumOff val="0"/>
+                <a:alphaOff val="0"/>
+                <a:lumMod val="99000"/>
+                <a:satMod val="120000"/>
+                <a:shade val="78000"/>
+              </a:schemeClr>
+            </a:gs>
+          </a:gsLst>
+          <a:lin ang="5400000" scaled="0"/>
+        </a:gradFill>
+        <a:ln>
+          <a:noFill/>
+        </a:ln>
+        <a:effectLst>
+          <a:outerShdw blurRad="57150" dist="19050" dir="5400000" algn="ctr" rotWithShape="0">
+            <a:srgbClr val="000000">
+              <a:alpha val="63000"/>
+            </a:srgbClr>
+          </a:outerShdw>
+        </a:effectLst>
+      </dsp:spPr>
+      <dsp:style>
+        <a:lnRef idx="0">
+          <a:scrgbClr r="0" g="0" b="0"/>
+        </a:lnRef>
+        <a:fillRef idx="3">
+          <a:scrgbClr r="0" g="0" b="0"/>
+        </a:fillRef>
+        <a:effectRef idx="3">
+          <a:scrgbClr r="0" g="0" b="0"/>
+        </a:effectRef>
+        <a:fontRef idx="minor">
+          <a:schemeClr val="lt1"/>
+        </a:fontRef>
+      </dsp:style>
+      <dsp:txBody>
+        <a:bodyPr spcFirstLastPara="0" vert="horz" wrap="square" lIns="140970" tIns="140970" rIns="140970" bIns="140970" numCol="1" spcCol="1270" anchor="ctr" anchorCtr="0">
+          <a:noAutofit/>
+        </a:bodyPr>
+        <a:lstStyle/>
+        <a:p>
+          <a:pPr marL="0" lvl="0" indent="0" algn="l" defTabSz="1644650">
+            <a:lnSpc>
+              <a:spcPct val="90000"/>
+            </a:lnSpc>
+            <a:spcBef>
+              <a:spcPct val="0"/>
+            </a:spcBef>
+            <a:spcAft>
+              <a:spcPct val="35000"/>
+            </a:spcAft>
+            <a:buNone/>
+          </a:pPr>
+          <a:r>
+            <a:rPr lang="en-US" sz="3700" kern="1200"/>
+            <a:t>A secure system which will avoid attacks from outside.</a:t>
+          </a:r>
+        </a:p>
+      </dsp:txBody>
+      <dsp:txXfrm>
+        <a:off x="43321" y="1390977"/>
+        <a:ext cx="10809958" cy="800803"/>
+      </dsp:txXfrm>
+    </dsp:sp>
+    <dsp:sp modelId="{FEA6204D-B3E6-4A4E-9A9B-E03D02EC9A05}">
+      <dsp:nvSpPr>
+        <dsp:cNvPr id="0" name=""/>
+        <dsp:cNvSpPr/>
+      </dsp:nvSpPr>
+      <dsp:spPr>
+        <a:xfrm>
+          <a:off x="0" y="2341661"/>
+          <a:ext cx="10896600" cy="887445"/>
+        </a:xfrm>
+        <a:prstGeom prst="roundRect">
+          <a:avLst/>
+        </a:prstGeom>
+        <a:gradFill rotWithShape="0">
+          <a:gsLst>
+            <a:gs pos="0">
+              <a:schemeClr val="lt1">
+                <a:hueOff val="0"/>
+                <a:satOff val="0"/>
+                <a:lumOff val="0"/>
+                <a:alphaOff val="0"/>
+                <a:satMod val="103000"/>
+                <a:lumMod val="102000"/>
+                <a:tint val="94000"/>
+              </a:schemeClr>
+            </a:gs>
+            <a:gs pos="50000">
+              <a:schemeClr val="lt1">
+                <a:hueOff val="0"/>
+                <a:satOff val="0"/>
+                <a:lumOff val="0"/>
+                <a:alphaOff val="0"/>
+                <a:satMod val="110000"/>
+                <a:lumMod val="100000"/>
+                <a:shade val="100000"/>
+              </a:schemeClr>
+            </a:gs>
+            <a:gs pos="100000">
+              <a:schemeClr val="lt1">
+                <a:hueOff val="0"/>
+                <a:satOff val="0"/>
+                <a:lumOff val="0"/>
+                <a:alphaOff val="0"/>
+                <a:lumMod val="99000"/>
+                <a:satMod val="120000"/>
+                <a:shade val="78000"/>
+              </a:schemeClr>
+            </a:gs>
+          </a:gsLst>
+          <a:lin ang="5400000" scaled="0"/>
+        </a:gradFill>
+        <a:ln>
+          <a:noFill/>
+        </a:ln>
+        <a:effectLst>
+          <a:outerShdw blurRad="57150" dist="19050" dir="5400000" algn="ctr" rotWithShape="0">
+            <a:srgbClr val="000000">
+              <a:alpha val="63000"/>
+            </a:srgbClr>
+          </a:outerShdw>
+        </a:effectLst>
+      </dsp:spPr>
+      <dsp:style>
+        <a:lnRef idx="0">
+          <a:scrgbClr r="0" g="0" b="0"/>
+        </a:lnRef>
+        <a:fillRef idx="3">
+          <a:scrgbClr r="0" g="0" b="0"/>
+        </a:fillRef>
+        <a:effectRef idx="3">
+          <a:scrgbClr r="0" g="0" b="0"/>
+        </a:effectRef>
+        <a:fontRef idx="minor">
+          <a:schemeClr val="lt1"/>
+        </a:fontRef>
+      </dsp:style>
+      <dsp:txBody>
+        <a:bodyPr spcFirstLastPara="0" vert="horz" wrap="square" lIns="140970" tIns="140970" rIns="140970" bIns="140970" numCol="1" spcCol="1270" anchor="ctr" anchorCtr="0">
+          <a:noAutofit/>
+        </a:bodyPr>
+        <a:lstStyle/>
+        <a:p>
+          <a:pPr marL="0" lvl="0" indent="0" algn="l" defTabSz="1644650">
+            <a:lnSpc>
+              <a:spcPct val="90000"/>
+            </a:lnSpc>
+            <a:spcBef>
+              <a:spcPct val="0"/>
+            </a:spcBef>
+            <a:spcAft>
+              <a:spcPct val="35000"/>
+            </a:spcAft>
+            <a:buNone/>
+          </a:pPr>
+          <a:r>
+            <a:rPr lang="en-US" sz="3700" kern="1200"/>
+            <a:t>Educating the staff and the residents.</a:t>
+          </a:r>
+        </a:p>
+      </dsp:txBody>
+      <dsp:txXfrm>
+        <a:off x="43321" y="2384982"/>
+        <a:ext cx="10809958" cy="800803"/>
+      </dsp:txXfrm>
+    </dsp:sp>
+    <dsp:sp modelId="{9FC0E397-FA24-4A7F-AC82-38B1E7D7594F}">
+      <dsp:nvSpPr>
+        <dsp:cNvPr id="0" name=""/>
+        <dsp:cNvSpPr/>
+      </dsp:nvSpPr>
+      <dsp:spPr>
+        <a:xfrm>
+          <a:off x="0" y="3335666"/>
+          <a:ext cx="10896600" cy="887445"/>
+        </a:xfrm>
+        <a:prstGeom prst="roundRect">
+          <a:avLst/>
+        </a:prstGeom>
+        <a:gradFill rotWithShape="0">
+          <a:gsLst>
+            <a:gs pos="0">
+              <a:schemeClr val="lt1">
+                <a:hueOff val="0"/>
+                <a:satOff val="0"/>
+                <a:lumOff val="0"/>
+                <a:alphaOff val="0"/>
+                <a:satMod val="103000"/>
+                <a:lumMod val="102000"/>
+                <a:tint val="94000"/>
+              </a:schemeClr>
+            </a:gs>
+            <a:gs pos="50000">
+              <a:schemeClr val="lt1">
+                <a:hueOff val="0"/>
+                <a:satOff val="0"/>
+                <a:lumOff val="0"/>
+                <a:alphaOff val="0"/>
+                <a:satMod val="110000"/>
+                <a:lumMod val="100000"/>
+                <a:shade val="100000"/>
+              </a:schemeClr>
+            </a:gs>
+            <a:gs pos="100000">
+              <a:schemeClr val="lt1">
+                <a:hueOff val="0"/>
+                <a:satOff val="0"/>
+                <a:lumOff val="0"/>
+                <a:alphaOff val="0"/>
+                <a:lumMod val="99000"/>
+                <a:satMod val="120000"/>
+                <a:shade val="78000"/>
+              </a:schemeClr>
+            </a:gs>
+          </a:gsLst>
+          <a:lin ang="5400000" scaled="0"/>
+        </a:gradFill>
+        <a:ln>
+          <a:noFill/>
+        </a:ln>
+        <a:effectLst>
+          <a:outerShdw blurRad="57150" dist="19050" dir="5400000" algn="ctr" rotWithShape="0">
+            <a:srgbClr val="000000">
+              <a:alpha val="63000"/>
+            </a:srgbClr>
+          </a:outerShdw>
+        </a:effectLst>
+      </dsp:spPr>
+      <dsp:style>
+        <a:lnRef idx="0">
+          <a:scrgbClr r="0" g="0" b="0"/>
+        </a:lnRef>
+        <a:fillRef idx="3">
+          <a:scrgbClr r="0" g="0" b="0"/>
+        </a:fillRef>
+        <a:effectRef idx="3">
+          <a:scrgbClr r="0" g="0" b="0"/>
+        </a:effectRef>
+        <a:fontRef idx="minor">
+          <a:schemeClr val="lt1"/>
+        </a:fontRef>
+      </dsp:style>
+      <dsp:txBody>
+        <a:bodyPr spcFirstLastPara="0" vert="horz" wrap="square" lIns="140970" tIns="140970" rIns="140970" bIns="140970" numCol="1" spcCol="1270" anchor="ctr" anchorCtr="0">
+          <a:noAutofit/>
+        </a:bodyPr>
+        <a:lstStyle/>
+        <a:p>
+          <a:pPr marL="0" lvl="0" indent="0" algn="l" defTabSz="1644650">
+            <a:lnSpc>
+              <a:spcPct val="90000"/>
+            </a:lnSpc>
+            <a:spcBef>
+              <a:spcPct val="0"/>
+            </a:spcBef>
+            <a:spcAft>
+              <a:spcPct val="35000"/>
+            </a:spcAft>
+            <a:buNone/>
+          </a:pPr>
+          <a:r>
+            <a:rPr lang="en-US" sz="3700" kern="1200"/>
+            <a:t>Making new patches using the customer feedbacks.</a:t>
+          </a:r>
+        </a:p>
+      </dsp:txBody>
+      <dsp:txXfrm>
+        <a:off x="43321" y="3378987"/>
+        <a:ext cx="10809958" cy="800803"/>
+      </dsp:txXfrm>
+    </dsp:sp>
+  </dsp:spTree>
+</dsp:drawing>
+</file>
+
 <file path=ppt/diagrams/layout1.xml><?xml version="1.0" encoding="utf-8"?>
 <dgm:layoutDef xmlns:dgm="http://schemas.openxmlformats.org/drawingml/2006/diagram" xmlns:a="http://schemas.openxmlformats.org/drawingml/2006/main" uniqueId="urn:microsoft.com/office/officeart/2005/8/layout/cycle5">
   <dgm:title val=""/>
@@ -2451,6 +4859,319 @@
 </dgm:layoutDef>
 </file>
 
+<file path=ppt/diagrams/layout2.xml><?xml version="1.0" encoding="utf-8"?>
+<dgm:layoutDef xmlns:dgm="http://schemas.openxmlformats.org/drawingml/2006/diagram" xmlns:a="http://schemas.openxmlformats.org/drawingml/2006/main" uniqueId="urn:microsoft.com/office/officeart/2005/8/layout/process1">
+  <dgm:title val=""/>
+  <dgm:desc val=""/>
+  <dgm:catLst>
+    <dgm:cat type="process" pri="1000"/>
+    <dgm:cat type="convert" pri="15000"/>
+  </dgm:catLst>
+  <dgm:sampData useDef="1">
+    <dgm:dataModel>
+      <dgm:ptLst/>
+      <dgm:bg/>
+      <dgm:whole/>
+    </dgm:dataModel>
+  </dgm:sampData>
+  <dgm:styleData>
+    <dgm:dataModel>
+      <dgm:ptLst>
+        <dgm:pt modelId="0" type="doc"/>
+        <dgm:pt modelId="1"/>
+        <dgm:pt modelId="2"/>
+      </dgm:ptLst>
+      <dgm:cxnLst>
+        <dgm:cxn modelId="3" srcId="0" destId="1" srcOrd="0" destOrd="0"/>
+        <dgm:cxn modelId="4" srcId="0" destId="2" srcOrd="1" destOrd="0"/>
+      </dgm:cxnLst>
+      <dgm:bg/>
+      <dgm:whole/>
+    </dgm:dataModel>
+  </dgm:styleData>
+  <dgm:clrData>
+    <dgm:dataModel>
+      <dgm:ptLst>
+        <dgm:pt modelId="0" type="doc"/>
+        <dgm:pt modelId="1"/>
+        <dgm:pt modelId="2"/>
+        <dgm:pt modelId="3"/>
+        <dgm:pt modelId="4"/>
+      </dgm:ptLst>
+      <dgm:cxnLst>
+        <dgm:cxn modelId="5" srcId="0" destId="1" srcOrd="0" destOrd="0"/>
+        <dgm:cxn modelId="6" srcId="0" destId="2" srcOrd="1" destOrd="0"/>
+        <dgm:cxn modelId="7" srcId="0" destId="3" srcOrd="2" destOrd="0"/>
+        <dgm:cxn modelId="8" srcId="0" destId="4" srcOrd="3" destOrd="0"/>
+      </dgm:cxnLst>
+      <dgm:bg/>
+      <dgm:whole/>
+    </dgm:dataModel>
+  </dgm:clrData>
+  <dgm:layoutNode name="Name0">
+    <dgm:varLst>
+      <dgm:dir/>
+      <dgm:resizeHandles val="exact"/>
+    </dgm:varLst>
+    <dgm:choose name="Name1">
+      <dgm:if name="Name2" func="var" arg="dir" op="equ" val="norm">
+        <dgm:alg type="lin"/>
+      </dgm:if>
+      <dgm:else name="Name3">
+        <dgm:alg type="lin">
+          <dgm:param type="linDir" val="fromR"/>
+        </dgm:alg>
+      </dgm:else>
+    </dgm:choose>
+    <dgm:shape xmlns:r="http://schemas.openxmlformats.org/officeDocument/2006/relationships" r:blip="">
+      <dgm:adjLst/>
+    </dgm:shape>
+    <dgm:presOf/>
+    <dgm:constrLst>
+      <dgm:constr type="w" for="ch" ptType="node" refType="w"/>
+      <dgm:constr type="h" for="ch" ptType="node" op="equ"/>
+      <dgm:constr type="primFontSz" for="ch" ptType="node" op="equ" val="65"/>
+      <dgm:constr type="w" for="ch" ptType="sibTrans" refType="w" refFor="ch" refPtType="node" op="equ" fact="0.4"/>
+      <dgm:constr type="h" for="ch" ptType="sibTrans" op="equ"/>
+      <dgm:constr type="primFontSz" for="des" forName="connectorText" op="equ" val="55"/>
+      <dgm:constr type="primFontSz" for="des" forName="connectorText" refType="primFontSz" refFor="ch" refPtType="node" op="lte" fact="0.8"/>
+    </dgm:constrLst>
+    <dgm:ruleLst/>
+    <dgm:forEach name="nodesForEach" axis="ch" ptType="node">
+      <dgm:layoutNode name="node">
+        <dgm:varLst>
+          <dgm:bulletEnabled val="1"/>
+        </dgm:varLst>
+        <dgm:alg type="tx"/>
+        <dgm:shape xmlns:r="http://schemas.openxmlformats.org/officeDocument/2006/relationships" type="roundRect" r:blip="">
+          <dgm:adjLst>
+            <dgm:adj idx="1" val="0.1"/>
+          </dgm:adjLst>
+        </dgm:shape>
+        <dgm:presOf axis="desOrSelf" ptType="node"/>
+        <dgm:constrLst>
+          <dgm:constr type="h" refType="w" fact="0.6"/>
+          <dgm:constr type="tMarg" refType="primFontSz" fact="0.3"/>
+          <dgm:constr type="bMarg" refType="primFontSz" fact="0.3"/>
+          <dgm:constr type="lMarg" refType="primFontSz" fact="0.3"/>
+          <dgm:constr type="rMarg" refType="primFontSz" fact="0.3"/>
+        </dgm:constrLst>
+        <dgm:ruleLst>
+          <dgm:rule type="primFontSz" val="18" fact="NaN" max="NaN"/>
+          <dgm:rule type="h" val="NaN" fact="1.5" max="NaN"/>
+          <dgm:rule type="primFontSz" val="5" fact="NaN" max="NaN"/>
+          <dgm:rule type="h" val="INF" fact="NaN" max="NaN"/>
+        </dgm:ruleLst>
+      </dgm:layoutNode>
+      <dgm:forEach name="sibTransForEach" axis="followSib" ptType="sibTrans" cnt="1">
+        <dgm:layoutNode name="sibTrans">
+          <dgm:alg type="conn">
+            <dgm:param type="begPts" val="auto"/>
+            <dgm:param type="endPts" val="auto"/>
+          </dgm:alg>
+          <dgm:shape xmlns:r="http://schemas.openxmlformats.org/officeDocument/2006/relationships" type="conn" r:blip="">
+            <dgm:adjLst/>
+          </dgm:shape>
+          <dgm:presOf axis="self"/>
+          <dgm:constrLst>
+            <dgm:constr type="h" refType="w" fact="0.62"/>
+            <dgm:constr type="connDist"/>
+            <dgm:constr type="begPad" refType="connDist" fact="0.25"/>
+            <dgm:constr type="endPad" refType="connDist" fact="0.22"/>
+          </dgm:constrLst>
+          <dgm:ruleLst/>
+          <dgm:layoutNode name="connectorText">
+            <dgm:alg type="tx">
+              <dgm:param type="autoTxRot" val="grav"/>
+            </dgm:alg>
+            <dgm:shape xmlns:r="http://schemas.openxmlformats.org/officeDocument/2006/relationships" type="conn" r:blip="" hideGeom="1">
+              <dgm:adjLst/>
+            </dgm:shape>
+            <dgm:presOf axis="self"/>
+            <dgm:constrLst>
+              <dgm:constr type="lMarg"/>
+              <dgm:constr type="rMarg"/>
+              <dgm:constr type="tMarg"/>
+              <dgm:constr type="bMarg"/>
+            </dgm:constrLst>
+            <dgm:ruleLst>
+              <dgm:rule type="primFontSz" val="5" fact="NaN" max="NaN"/>
+            </dgm:ruleLst>
+          </dgm:layoutNode>
+        </dgm:layoutNode>
+      </dgm:forEach>
+    </dgm:forEach>
+  </dgm:layoutNode>
+</dgm:layoutDef>
+</file>
+
+<file path=ppt/diagrams/layout3.xml><?xml version="1.0" encoding="utf-8"?>
+<dgm:layoutDef xmlns:dgm="http://schemas.openxmlformats.org/drawingml/2006/diagram" xmlns:a="http://schemas.openxmlformats.org/drawingml/2006/main" uniqueId="urn:microsoft.com/office/officeart/2005/8/layout/vList2">
+  <dgm:title val=""/>
+  <dgm:desc val=""/>
+  <dgm:catLst>
+    <dgm:cat type="list" pri="3000"/>
+    <dgm:cat type="convert" pri="1000"/>
+  </dgm:catLst>
+  <dgm:sampData>
+    <dgm:dataModel>
+      <dgm:ptLst>
+        <dgm:pt modelId="0" type="doc"/>
+        <dgm:pt modelId="1">
+          <dgm:prSet phldr="1"/>
+        </dgm:pt>
+        <dgm:pt modelId="11">
+          <dgm:prSet phldr="1"/>
+        </dgm:pt>
+        <dgm:pt modelId="2">
+          <dgm:prSet phldr="1"/>
+        </dgm:pt>
+        <dgm:pt modelId="21">
+          <dgm:prSet phldr="1"/>
+        </dgm:pt>
+      </dgm:ptLst>
+      <dgm:cxnLst>
+        <dgm:cxn modelId="4" srcId="0" destId="1" srcOrd="0" destOrd="0"/>
+        <dgm:cxn modelId="5" srcId="0" destId="2" srcOrd="1" destOrd="0"/>
+        <dgm:cxn modelId="12" srcId="1" destId="11" srcOrd="0" destOrd="0"/>
+        <dgm:cxn modelId="23" srcId="2" destId="21" srcOrd="0" destOrd="0"/>
+      </dgm:cxnLst>
+      <dgm:bg/>
+      <dgm:whole/>
+    </dgm:dataModel>
+  </dgm:sampData>
+  <dgm:styleData>
+    <dgm:dataModel>
+      <dgm:ptLst>
+        <dgm:pt modelId="0" type="doc"/>
+        <dgm:pt modelId="1"/>
+        <dgm:pt modelId="2"/>
+      </dgm:ptLst>
+      <dgm:cxnLst>
+        <dgm:cxn modelId="3" srcId="0" destId="1" srcOrd="0" destOrd="0"/>
+        <dgm:cxn modelId="4" srcId="0" destId="2" srcOrd="1" destOrd="0"/>
+      </dgm:cxnLst>
+      <dgm:bg/>
+      <dgm:whole/>
+    </dgm:dataModel>
+  </dgm:styleData>
+  <dgm:clrData>
+    <dgm:dataModel>
+      <dgm:ptLst>
+        <dgm:pt modelId="0" type="doc"/>
+        <dgm:pt modelId="1"/>
+        <dgm:pt modelId="2"/>
+        <dgm:pt modelId="3"/>
+        <dgm:pt modelId="4"/>
+      </dgm:ptLst>
+      <dgm:cxnLst>
+        <dgm:cxn modelId="5" srcId="0" destId="1" srcOrd="0" destOrd="0"/>
+        <dgm:cxn modelId="6" srcId="0" destId="2" srcOrd="1" destOrd="0"/>
+        <dgm:cxn modelId="7" srcId="0" destId="3" srcOrd="2" destOrd="0"/>
+        <dgm:cxn modelId="8" srcId="0" destId="4" srcOrd="3" destOrd="0"/>
+      </dgm:cxnLst>
+      <dgm:bg/>
+      <dgm:whole/>
+    </dgm:dataModel>
+  </dgm:clrData>
+  <dgm:layoutNode name="linear">
+    <dgm:varLst>
+      <dgm:animLvl val="lvl"/>
+      <dgm:resizeHandles val="exact"/>
+    </dgm:varLst>
+    <dgm:alg type="lin">
+      <dgm:param type="linDir" val="fromT"/>
+      <dgm:param type="vertAlign" val="mid"/>
+    </dgm:alg>
+    <dgm:shape xmlns:r="http://schemas.openxmlformats.org/officeDocument/2006/relationships" r:blip="">
+      <dgm:adjLst/>
+    </dgm:shape>
+    <dgm:presOf/>
+    <dgm:constrLst>
+      <dgm:constr type="w" for="ch" forName="parentText" refType="w"/>
+      <dgm:constr type="h" for="ch" forName="parentText" refType="primFontSz" refFor="ch" refForName="parentText" fact="0.52"/>
+      <dgm:constr type="w" for="ch" forName="childText" refType="w"/>
+      <dgm:constr type="h" for="ch" forName="childText" refType="primFontSz" refFor="ch" refForName="parentText" fact="0.46"/>
+      <dgm:constr type="h" for="ch" forName="parentText" op="equ"/>
+      <dgm:constr type="primFontSz" for="ch" forName="parentText" op="equ" val="65"/>
+      <dgm:constr type="primFontSz" for="ch" forName="childText" refType="primFontSz" refFor="ch" refForName="parentText" op="equ"/>
+      <dgm:constr type="h" for="ch" forName="spacer" refType="primFontSz" refFor="ch" refForName="parentText" fact="0.08"/>
+    </dgm:constrLst>
+    <dgm:ruleLst>
+      <dgm:rule type="primFontSz" for="ch" forName="parentText" val="5" fact="NaN" max="NaN"/>
+    </dgm:ruleLst>
+    <dgm:forEach name="Name0" axis="ch" ptType="node">
+      <dgm:layoutNode name="parentText" styleLbl="node1">
+        <dgm:varLst>
+          <dgm:chMax val="0"/>
+          <dgm:bulletEnabled val="1"/>
+        </dgm:varLst>
+        <dgm:alg type="tx">
+          <dgm:param type="parTxLTRAlign" val="l"/>
+          <dgm:param type="parTxRTLAlign" val="r"/>
+        </dgm:alg>
+        <dgm:shape xmlns:r="http://schemas.openxmlformats.org/officeDocument/2006/relationships" type="roundRect" r:blip="">
+          <dgm:adjLst/>
+        </dgm:shape>
+        <dgm:presOf axis="self"/>
+        <dgm:constrLst>
+          <dgm:constr type="tMarg" refType="primFontSz" fact="0.3"/>
+          <dgm:constr type="bMarg" refType="primFontSz" fact="0.3"/>
+          <dgm:constr type="lMarg" refType="primFontSz" fact="0.3"/>
+          <dgm:constr type="rMarg" refType="primFontSz" fact="0.3"/>
+        </dgm:constrLst>
+        <dgm:ruleLst>
+          <dgm:rule type="h" val="INF" fact="NaN" max="NaN"/>
+        </dgm:ruleLst>
+      </dgm:layoutNode>
+      <dgm:choose name="Name1">
+        <dgm:if name="Name2" axis="ch" ptType="node" func="cnt" op="gte" val="1">
+          <dgm:layoutNode name="childText" styleLbl="revTx">
+            <dgm:varLst>
+              <dgm:bulletEnabled val="1"/>
+            </dgm:varLst>
+            <dgm:alg type="tx">
+              <dgm:param type="stBulletLvl" val="1"/>
+              <dgm:param type="lnSpAfChP" val="20"/>
+            </dgm:alg>
+            <dgm:shape xmlns:r="http://schemas.openxmlformats.org/officeDocument/2006/relationships" type="rect" r:blip="">
+              <dgm:adjLst/>
+            </dgm:shape>
+            <dgm:presOf axis="des" ptType="node"/>
+            <dgm:constrLst>
+              <dgm:constr type="tMarg" refType="primFontSz" fact="0.1"/>
+              <dgm:constr type="bMarg" refType="primFontSz" fact="0.1"/>
+              <dgm:constr type="lMarg" refType="w" fact="0.09"/>
+            </dgm:constrLst>
+            <dgm:ruleLst>
+              <dgm:rule type="h" val="INF" fact="NaN" max="NaN"/>
+            </dgm:ruleLst>
+          </dgm:layoutNode>
+        </dgm:if>
+        <dgm:else name="Name3">
+          <dgm:choose name="Name4">
+            <dgm:if name="Name5" axis="par ch" ptType="doc node" func="cnt" op="gte" val="2">
+              <dgm:forEach name="Name6" axis="followSib" ptType="sibTrans" cnt="1">
+                <dgm:layoutNode name="spacer">
+                  <dgm:alg type="sp"/>
+                  <dgm:shape xmlns:r="http://schemas.openxmlformats.org/officeDocument/2006/relationships" r:blip="">
+                    <dgm:adjLst/>
+                  </dgm:shape>
+                  <dgm:presOf/>
+                  <dgm:constrLst/>
+                  <dgm:ruleLst/>
+                </dgm:layoutNode>
+              </dgm:forEach>
+            </dgm:if>
+            <dgm:else name="Name7"/>
+          </dgm:choose>
+        </dgm:else>
+      </dgm:choose>
+    </dgm:forEach>
+  </dgm:layoutNode>
+</dgm:layoutDef>
+</file>
+
 <file path=ppt/diagrams/quickStyle1.xml><?xml version="1.0" encoding="utf-8"?>
 <dgm:styleDef xmlns:dgm="http://schemas.openxmlformats.org/drawingml/2006/diagram" xmlns:a="http://schemas.openxmlformats.org/drawingml/2006/main" uniqueId="urn:microsoft.com/office/officeart/2005/8/quickstyle/simple1">
   <dgm:title val=""/>
@@ -3457,6 +6178,2074 @@
         <a:scrgbClr r="0" g="0" b="0"/>
       </a:fillRef>
       <a:effectRef idx="0">
+        <a:scrgbClr r="0" g="0" b="0"/>
+      </a:effectRef>
+      <a:fontRef idx="minor"/>
+    </dgm:style>
+  </dgm:styleLbl>
+  <dgm:styleLbl name="revTx">
+    <dgm:scene3d>
+      <a:camera prst="orthographicFront"/>
+      <a:lightRig rig="threePt" dir="t"/>
+    </dgm:scene3d>
+    <dgm:sp3d/>
+    <dgm:txPr/>
+    <dgm:style>
+      <a:lnRef idx="0">
+        <a:scrgbClr r="0" g="0" b="0"/>
+      </a:lnRef>
+      <a:fillRef idx="0">
+        <a:scrgbClr r="0" g="0" b="0"/>
+      </a:fillRef>
+      <a:effectRef idx="0">
+        <a:scrgbClr r="0" g="0" b="0"/>
+      </a:effectRef>
+      <a:fontRef idx="minor"/>
+    </dgm:style>
+  </dgm:styleLbl>
+</dgm:styleDef>
+</file>
+
+<file path=ppt/diagrams/quickStyle2.xml><?xml version="1.0" encoding="utf-8"?>
+<dgm:styleDef xmlns:dgm="http://schemas.openxmlformats.org/drawingml/2006/diagram" xmlns:a="http://schemas.openxmlformats.org/drawingml/2006/main" uniqueId="urn:microsoft.com/office/officeart/2005/8/quickstyle/simple1">
+  <dgm:title val=""/>
+  <dgm:desc val=""/>
+  <dgm:catLst>
+    <dgm:cat type="simple" pri="10100"/>
+  </dgm:catLst>
+  <dgm:scene3d>
+    <a:camera prst="orthographicFront"/>
+    <a:lightRig rig="threePt" dir="t"/>
+  </dgm:scene3d>
+  <dgm:styleLbl name="node0">
+    <dgm:scene3d>
+      <a:camera prst="orthographicFront"/>
+      <a:lightRig rig="threePt" dir="t"/>
+    </dgm:scene3d>
+    <dgm:sp3d/>
+    <dgm:txPr/>
+    <dgm:style>
+      <a:lnRef idx="2">
+        <a:scrgbClr r="0" g="0" b="0"/>
+      </a:lnRef>
+      <a:fillRef idx="1">
+        <a:scrgbClr r="0" g="0" b="0"/>
+      </a:fillRef>
+      <a:effectRef idx="0">
+        <a:scrgbClr r="0" g="0" b="0"/>
+      </a:effectRef>
+      <a:fontRef idx="minor">
+        <a:schemeClr val="lt1"/>
+      </a:fontRef>
+    </dgm:style>
+  </dgm:styleLbl>
+  <dgm:styleLbl name="lnNode1">
+    <dgm:scene3d>
+      <a:camera prst="orthographicFront"/>
+      <a:lightRig rig="threePt" dir="t"/>
+    </dgm:scene3d>
+    <dgm:sp3d/>
+    <dgm:txPr/>
+    <dgm:style>
+      <a:lnRef idx="2">
+        <a:scrgbClr r="0" g="0" b="0"/>
+      </a:lnRef>
+      <a:fillRef idx="1">
+        <a:scrgbClr r="0" g="0" b="0"/>
+      </a:fillRef>
+      <a:effectRef idx="0">
+        <a:scrgbClr r="0" g="0" b="0"/>
+      </a:effectRef>
+      <a:fontRef idx="minor">
+        <a:schemeClr val="lt1"/>
+      </a:fontRef>
+    </dgm:style>
+  </dgm:styleLbl>
+  <dgm:styleLbl name="vennNode1">
+    <dgm:scene3d>
+      <a:camera prst="orthographicFront"/>
+      <a:lightRig rig="threePt" dir="t"/>
+    </dgm:scene3d>
+    <dgm:sp3d/>
+    <dgm:txPr/>
+    <dgm:style>
+      <a:lnRef idx="2">
+        <a:scrgbClr r="0" g="0" b="0"/>
+      </a:lnRef>
+      <a:fillRef idx="1">
+        <a:scrgbClr r="0" g="0" b="0"/>
+      </a:fillRef>
+      <a:effectRef idx="0">
+        <a:scrgbClr r="0" g="0" b="0"/>
+      </a:effectRef>
+      <a:fontRef idx="minor">
+        <a:schemeClr val="tx1"/>
+      </a:fontRef>
+    </dgm:style>
+  </dgm:styleLbl>
+  <dgm:styleLbl name="alignNode1">
+    <dgm:scene3d>
+      <a:camera prst="orthographicFront"/>
+      <a:lightRig rig="threePt" dir="t"/>
+    </dgm:scene3d>
+    <dgm:sp3d/>
+    <dgm:txPr/>
+    <dgm:style>
+      <a:lnRef idx="2">
+        <a:scrgbClr r="0" g="0" b="0"/>
+      </a:lnRef>
+      <a:fillRef idx="1">
+        <a:scrgbClr r="0" g="0" b="0"/>
+      </a:fillRef>
+      <a:effectRef idx="0">
+        <a:scrgbClr r="0" g="0" b="0"/>
+      </a:effectRef>
+      <a:fontRef idx="minor">
+        <a:schemeClr val="lt1"/>
+      </a:fontRef>
+    </dgm:style>
+  </dgm:styleLbl>
+  <dgm:styleLbl name="node1">
+    <dgm:scene3d>
+      <a:camera prst="orthographicFront"/>
+      <a:lightRig rig="threePt" dir="t"/>
+    </dgm:scene3d>
+    <dgm:sp3d/>
+    <dgm:txPr/>
+    <dgm:style>
+      <a:lnRef idx="2">
+        <a:scrgbClr r="0" g="0" b="0"/>
+      </a:lnRef>
+      <a:fillRef idx="1">
+        <a:scrgbClr r="0" g="0" b="0"/>
+      </a:fillRef>
+      <a:effectRef idx="0">
+        <a:scrgbClr r="0" g="0" b="0"/>
+      </a:effectRef>
+      <a:fontRef idx="minor">
+        <a:schemeClr val="lt1"/>
+      </a:fontRef>
+    </dgm:style>
+  </dgm:styleLbl>
+  <dgm:styleLbl name="node2">
+    <dgm:scene3d>
+      <a:camera prst="orthographicFront"/>
+      <a:lightRig rig="threePt" dir="t"/>
+    </dgm:scene3d>
+    <dgm:sp3d/>
+    <dgm:txPr/>
+    <dgm:style>
+      <a:lnRef idx="2">
+        <a:scrgbClr r="0" g="0" b="0"/>
+      </a:lnRef>
+      <a:fillRef idx="1">
+        <a:scrgbClr r="0" g="0" b="0"/>
+      </a:fillRef>
+      <a:effectRef idx="0">
+        <a:scrgbClr r="0" g="0" b="0"/>
+      </a:effectRef>
+      <a:fontRef idx="minor">
+        <a:schemeClr val="lt1"/>
+      </a:fontRef>
+    </dgm:style>
+  </dgm:styleLbl>
+  <dgm:styleLbl name="node3">
+    <dgm:scene3d>
+      <a:camera prst="orthographicFront"/>
+      <a:lightRig rig="threePt" dir="t"/>
+    </dgm:scene3d>
+    <dgm:sp3d/>
+    <dgm:txPr/>
+    <dgm:style>
+      <a:lnRef idx="2">
+        <a:scrgbClr r="0" g="0" b="0"/>
+      </a:lnRef>
+      <a:fillRef idx="1">
+        <a:scrgbClr r="0" g="0" b="0"/>
+      </a:fillRef>
+      <a:effectRef idx="0">
+        <a:scrgbClr r="0" g="0" b="0"/>
+      </a:effectRef>
+      <a:fontRef idx="minor">
+        <a:schemeClr val="lt1"/>
+      </a:fontRef>
+    </dgm:style>
+  </dgm:styleLbl>
+  <dgm:styleLbl name="node4">
+    <dgm:scene3d>
+      <a:camera prst="orthographicFront"/>
+      <a:lightRig rig="threePt" dir="t"/>
+    </dgm:scene3d>
+    <dgm:sp3d/>
+    <dgm:txPr/>
+    <dgm:style>
+      <a:lnRef idx="2">
+        <a:scrgbClr r="0" g="0" b="0"/>
+      </a:lnRef>
+      <a:fillRef idx="1">
+        <a:scrgbClr r="0" g="0" b="0"/>
+      </a:fillRef>
+      <a:effectRef idx="0">
+        <a:scrgbClr r="0" g="0" b="0"/>
+      </a:effectRef>
+      <a:fontRef idx="minor">
+        <a:schemeClr val="lt1"/>
+      </a:fontRef>
+    </dgm:style>
+  </dgm:styleLbl>
+  <dgm:styleLbl name="fgImgPlace1">
+    <dgm:scene3d>
+      <a:camera prst="orthographicFront"/>
+      <a:lightRig rig="threePt" dir="t"/>
+    </dgm:scene3d>
+    <dgm:sp3d/>
+    <dgm:txPr/>
+    <dgm:style>
+      <a:lnRef idx="2">
+        <a:scrgbClr r="0" g="0" b="0"/>
+      </a:lnRef>
+      <a:fillRef idx="1">
+        <a:scrgbClr r="0" g="0" b="0"/>
+      </a:fillRef>
+      <a:effectRef idx="0">
+        <a:scrgbClr r="0" g="0" b="0"/>
+      </a:effectRef>
+      <a:fontRef idx="minor"/>
+    </dgm:style>
+  </dgm:styleLbl>
+  <dgm:styleLbl name="alignImgPlace1">
+    <dgm:scene3d>
+      <a:camera prst="orthographicFront"/>
+      <a:lightRig rig="threePt" dir="t"/>
+    </dgm:scene3d>
+    <dgm:sp3d/>
+    <dgm:txPr/>
+    <dgm:style>
+      <a:lnRef idx="2">
+        <a:scrgbClr r="0" g="0" b="0"/>
+      </a:lnRef>
+      <a:fillRef idx="1">
+        <a:scrgbClr r="0" g="0" b="0"/>
+      </a:fillRef>
+      <a:effectRef idx="0">
+        <a:scrgbClr r="0" g="0" b="0"/>
+      </a:effectRef>
+      <a:fontRef idx="minor"/>
+    </dgm:style>
+  </dgm:styleLbl>
+  <dgm:styleLbl name="bgImgPlace1">
+    <dgm:scene3d>
+      <a:camera prst="orthographicFront"/>
+      <a:lightRig rig="threePt" dir="t"/>
+    </dgm:scene3d>
+    <dgm:sp3d/>
+    <dgm:txPr/>
+    <dgm:style>
+      <a:lnRef idx="2">
+        <a:scrgbClr r="0" g="0" b="0"/>
+      </a:lnRef>
+      <a:fillRef idx="1">
+        <a:scrgbClr r="0" g="0" b="0"/>
+      </a:fillRef>
+      <a:effectRef idx="0">
+        <a:scrgbClr r="0" g="0" b="0"/>
+      </a:effectRef>
+      <a:fontRef idx="minor"/>
+    </dgm:style>
+  </dgm:styleLbl>
+  <dgm:styleLbl name="sibTrans2D1">
+    <dgm:scene3d>
+      <a:camera prst="orthographicFront"/>
+      <a:lightRig rig="threePt" dir="t"/>
+    </dgm:scene3d>
+    <dgm:sp3d/>
+    <dgm:txPr/>
+    <dgm:style>
+      <a:lnRef idx="0">
+        <a:scrgbClr r="0" g="0" b="0"/>
+      </a:lnRef>
+      <a:fillRef idx="1">
+        <a:scrgbClr r="0" g="0" b="0"/>
+      </a:fillRef>
+      <a:effectRef idx="0">
+        <a:scrgbClr r="0" g="0" b="0"/>
+      </a:effectRef>
+      <a:fontRef idx="minor">
+        <a:schemeClr val="lt1"/>
+      </a:fontRef>
+    </dgm:style>
+  </dgm:styleLbl>
+  <dgm:styleLbl name="fgSibTrans2D1">
+    <dgm:scene3d>
+      <a:camera prst="orthographicFront"/>
+      <a:lightRig rig="threePt" dir="t"/>
+    </dgm:scene3d>
+    <dgm:sp3d/>
+    <dgm:txPr/>
+    <dgm:style>
+      <a:lnRef idx="0">
+        <a:scrgbClr r="0" g="0" b="0"/>
+      </a:lnRef>
+      <a:fillRef idx="1">
+        <a:scrgbClr r="0" g="0" b="0"/>
+      </a:fillRef>
+      <a:effectRef idx="0">
+        <a:scrgbClr r="0" g="0" b="0"/>
+      </a:effectRef>
+      <a:fontRef idx="minor">
+        <a:schemeClr val="lt1"/>
+      </a:fontRef>
+    </dgm:style>
+  </dgm:styleLbl>
+  <dgm:styleLbl name="bgSibTrans2D1">
+    <dgm:scene3d>
+      <a:camera prst="orthographicFront"/>
+      <a:lightRig rig="threePt" dir="t"/>
+    </dgm:scene3d>
+    <dgm:sp3d/>
+    <dgm:txPr/>
+    <dgm:style>
+      <a:lnRef idx="0">
+        <a:scrgbClr r="0" g="0" b="0"/>
+      </a:lnRef>
+      <a:fillRef idx="1">
+        <a:scrgbClr r="0" g="0" b="0"/>
+      </a:fillRef>
+      <a:effectRef idx="0">
+        <a:scrgbClr r="0" g="0" b="0"/>
+      </a:effectRef>
+      <a:fontRef idx="minor">
+        <a:schemeClr val="lt1"/>
+      </a:fontRef>
+    </dgm:style>
+  </dgm:styleLbl>
+  <dgm:styleLbl name="sibTrans1D1">
+    <dgm:scene3d>
+      <a:camera prst="orthographicFront"/>
+      <a:lightRig rig="threePt" dir="t"/>
+    </dgm:scene3d>
+    <dgm:sp3d/>
+    <dgm:txPr/>
+    <dgm:style>
+      <a:lnRef idx="1">
+        <a:scrgbClr r="0" g="0" b="0"/>
+      </a:lnRef>
+      <a:fillRef idx="0">
+        <a:scrgbClr r="0" g="0" b="0"/>
+      </a:fillRef>
+      <a:effectRef idx="0">
+        <a:scrgbClr r="0" g="0" b="0"/>
+      </a:effectRef>
+      <a:fontRef idx="minor"/>
+    </dgm:style>
+  </dgm:styleLbl>
+  <dgm:styleLbl name="callout">
+    <dgm:scene3d>
+      <a:camera prst="orthographicFront"/>
+      <a:lightRig rig="threePt" dir="t"/>
+    </dgm:scene3d>
+    <dgm:sp3d/>
+    <dgm:txPr/>
+    <dgm:style>
+      <a:lnRef idx="2">
+        <a:scrgbClr r="0" g="0" b="0"/>
+      </a:lnRef>
+      <a:fillRef idx="1">
+        <a:scrgbClr r="0" g="0" b="0"/>
+      </a:fillRef>
+      <a:effectRef idx="0">
+        <a:scrgbClr r="0" g="0" b="0"/>
+      </a:effectRef>
+      <a:fontRef idx="minor"/>
+    </dgm:style>
+  </dgm:styleLbl>
+  <dgm:styleLbl name="asst0">
+    <dgm:scene3d>
+      <a:camera prst="orthographicFront"/>
+      <a:lightRig rig="threePt" dir="t"/>
+    </dgm:scene3d>
+    <dgm:sp3d/>
+    <dgm:txPr/>
+    <dgm:style>
+      <a:lnRef idx="2">
+        <a:scrgbClr r="0" g="0" b="0"/>
+      </a:lnRef>
+      <a:fillRef idx="1">
+        <a:scrgbClr r="0" g="0" b="0"/>
+      </a:fillRef>
+      <a:effectRef idx="0">
+        <a:scrgbClr r="0" g="0" b="0"/>
+      </a:effectRef>
+      <a:fontRef idx="minor">
+        <a:schemeClr val="lt1"/>
+      </a:fontRef>
+    </dgm:style>
+  </dgm:styleLbl>
+  <dgm:styleLbl name="asst1">
+    <dgm:scene3d>
+      <a:camera prst="orthographicFront"/>
+      <a:lightRig rig="threePt" dir="t"/>
+    </dgm:scene3d>
+    <dgm:sp3d/>
+    <dgm:txPr/>
+    <dgm:style>
+      <a:lnRef idx="2">
+        <a:scrgbClr r="0" g="0" b="0"/>
+      </a:lnRef>
+      <a:fillRef idx="1">
+        <a:scrgbClr r="0" g="0" b="0"/>
+      </a:fillRef>
+      <a:effectRef idx="0">
+        <a:scrgbClr r="0" g="0" b="0"/>
+      </a:effectRef>
+      <a:fontRef idx="minor">
+        <a:schemeClr val="lt1"/>
+      </a:fontRef>
+    </dgm:style>
+  </dgm:styleLbl>
+  <dgm:styleLbl name="asst2">
+    <dgm:scene3d>
+      <a:camera prst="orthographicFront"/>
+      <a:lightRig rig="threePt" dir="t"/>
+    </dgm:scene3d>
+    <dgm:sp3d/>
+    <dgm:txPr/>
+    <dgm:style>
+      <a:lnRef idx="2">
+        <a:scrgbClr r="0" g="0" b="0"/>
+      </a:lnRef>
+      <a:fillRef idx="1">
+        <a:scrgbClr r="0" g="0" b="0"/>
+      </a:fillRef>
+      <a:effectRef idx="0">
+        <a:scrgbClr r="0" g="0" b="0"/>
+      </a:effectRef>
+      <a:fontRef idx="minor">
+        <a:schemeClr val="lt1"/>
+      </a:fontRef>
+    </dgm:style>
+  </dgm:styleLbl>
+  <dgm:styleLbl name="asst3">
+    <dgm:scene3d>
+      <a:camera prst="orthographicFront"/>
+      <a:lightRig rig="threePt" dir="t"/>
+    </dgm:scene3d>
+    <dgm:sp3d/>
+    <dgm:txPr/>
+    <dgm:style>
+      <a:lnRef idx="2">
+        <a:scrgbClr r="0" g="0" b="0"/>
+      </a:lnRef>
+      <a:fillRef idx="1">
+        <a:scrgbClr r="0" g="0" b="0"/>
+      </a:fillRef>
+      <a:effectRef idx="0">
+        <a:scrgbClr r="0" g="0" b="0"/>
+      </a:effectRef>
+      <a:fontRef idx="minor">
+        <a:schemeClr val="lt1"/>
+      </a:fontRef>
+    </dgm:style>
+  </dgm:styleLbl>
+  <dgm:styleLbl name="asst4">
+    <dgm:scene3d>
+      <a:camera prst="orthographicFront"/>
+      <a:lightRig rig="threePt" dir="t"/>
+    </dgm:scene3d>
+    <dgm:sp3d/>
+    <dgm:txPr/>
+    <dgm:style>
+      <a:lnRef idx="2">
+        <a:scrgbClr r="0" g="0" b="0"/>
+      </a:lnRef>
+      <a:fillRef idx="1">
+        <a:scrgbClr r="0" g="0" b="0"/>
+      </a:fillRef>
+      <a:effectRef idx="0">
+        <a:scrgbClr r="0" g="0" b="0"/>
+      </a:effectRef>
+      <a:fontRef idx="minor">
+        <a:schemeClr val="lt1"/>
+      </a:fontRef>
+    </dgm:style>
+  </dgm:styleLbl>
+  <dgm:styleLbl name="parChTrans2D1">
+    <dgm:scene3d>
+      <a:camera prst="orthographicFront"/>
+      <a:lightRig rig="threePt" dir="t"/>
+    </dgm:scene3d>
+    <dgm:sp3d/>
+    <dgm:txPr/>
+    <dgm:style>
+      <a:lnRef idx="2">
+        <a:scrgbClr r="0" g="0" b="0"/>
+      </a:lnRef>
+      <a:fillRef idx="1">
+        <a:scrgbClr r="0" g="0" b="0"/>
+      </a:fillRef>
+      <a:effectRef idx="0">
+        <a:scrgbClr r="0" g="0" b="0"/>
+      </a:effectRef>
+      <a:fontRef idx="minor">
+        <a:schemeClr val="lt1"/>
+      </a:fontRef>
+    </dgm:style>
+  </dgm:styleLbl>
+  <dgm:styleLbl name="parChTrans2D2">
+    <dgm:scene3d>
+      <a:camera prst="orthographicFront"/>
+      <a:lightRig rig="threePt" dir="t"/>
+    </dgm:scene3d>
+    <dgm:sp3d/>
+    <dgm:txPr/>
+    <dgm:style>
+      <a:lnRef idx="2">
+        <a:scrgbClr r="0" g="0" b="0"/>
+      </a:lnRef>
+      <a:fillRef idx="1">
+        <a:scrgbClr r="0" g="0" b="0"/>
+      </a:fillRef>
+      <a:effectRef idx="0">
+        <a:scrgbClr r="0" g="0" b="0"/>
+      </a:effectRef>
+      <a:fontRef idx="minor">
+        <a:schemeClr val="lt1"/>
+      </a:fontRef>
+    </dgm:style>
+  </dgm:styleLbl>
+  <dgm:styleLbl name="parChTrans2D3">
+    <dgm:scene3d>
+      <a:camera prst="orthographicFront"/>
+      <a:lightRig rig="threePt" dir="t"/>
+    </dgm:scene3d>
+    <dgm:sp3d/>
+    <dgm:txPr/>
+    <dgm:style>
+      <a:lnRef idx="2">
+        <a:scrgbClr r="0" g="0" b="0"/>
+      </a:lnRef>
+      <a:fillRef idx="1">
+        <a:scrgbClr r="0" g="0" b="0"/>
+      </a:fillRef>
+      <a:effectRef idx="0">
+        <a:scrgbClr r="0" g="0" b="0"/>
+      </a:effectRef>
+      <a:fontRef idx="minor">
+        <a:schemeClr val="lt1"/>
+      </a:fontRef>
+    </dgm:style>
+  </dgm:styleLbl>
+  <dgm:styleLbl name="parChTrans2D4">
+    <dgm:scene3d>
+      <a:camera prst="orthographicFront"/>
+      <a:lightRig rig="threePt" dir="t"/>
+    </dgm:scene3d>
+    <dgm:sp3d/>
+    <dgm:txPr/>
+    <dgm:style>
+      <a:lnRef idx="2">
+        <a:scrgbClr r="0" g="0" b="0"/>
+      </a:lnRef>
+      <a:fillRef idx="1">
+        <a:scrgbClr r="0" g="0" b="0"/>
+      </a:fillRef>
+      <a:effectRef idx="0">
+        <a:scrgbClr r="0" g="0" b="0"/>
+      </a:effectRef>
+      <a:fontRef idx="minor">
+        <a:schemeClr val="lt1"/>
+      </a:fontRef>
+    </dgm:style>
+  </dgm:styleLbl>
+  <dgm:styleLbl name="parChTrans1D1">
+    <dgm:scene3d>
+      <a:camera prst="orthographicFront"/>
+      <a:lightRig rig="threePt" dir="t"/>
+    </dgm:scene3d>
+    <dgm:sp3d/>
+    <dgm:txPr/>
+    <dgm:style>
+      <a:lnRef idx="2">
+        <a:scrgbClr r="0" g="0" b="0"/>
+      </a:lnRef>
+      <a:fillRef idx="0">
+        <a:scrgbClr r="0" g="0" b="0"/>
+      </a:fillRef>
+      <a:effectRef idx="0">
+        <a:scrgbClr r="0" g="0" b="0"/>
+      </a:effectRef>
+      <a:fontRef idx="minor"/>
+    </dgm:style>
+  </dgm:styleLbl>
+  <dgm:styleLbl name="parChTrans1D2">
+    <dgm:scene3d>
+      <a:camera prst="orthographicFront"/>
+      <a:lightRig rig="threePt" dir="t"/>
+    </dgm:scene3d>
+    <dgm:sp3d/>
+    <dgm:txPr/>
+    <dgm:style>
+      <a:lnRef idx="2">
+        <a:scrgbClr r="0" g="0" b="0"/>
+      </a:lnRef>
+      <a:fillRef idx="0">
+        <a:scrgbClr r="0" g="0" b="0"/>
+      </a:fillRef>
+      <a:effectRef idx="0">
+        <a:scrgbClr r="0" g="0" b="0"/>
+      </a:effectRef>
+      <a:fontRef idx="minor"/>
+    </dgm:style>
+  </dgm:styleLbl>
+  <dgm:styleLbl name="parChTrans1D3">
+    <dgm:scene3d>
+      <a:camera prst="orthographicFront"/>
+      <a:lightRig rig="threePt" dir="t"/>
+    </dgm:scene3d>
+    <dgm:sp3d/>
+    <dgm:txPr/>
+    <dgm:style>
+      <a:lnRef idx="2">
+        <a:scrgbClr r="0" g="0" b="0"/>
+      </a:lnRef>
+      <a:fillRef idx="0">
+        <a:scrgbClr r="0" g="0" b="0"/>
+      </a:fillRef>
+      <a:effectRef idx="0">
+        <a:scrgbClr r="0" g="0" b="0"/>
+      </a:effectRef>
+      <a:fontRef idx="minor"/>
+    </dgm:style>
+  </dgm:styleLbl>
+  <dgm:styleLbl name="parChTrans1D4">
+    <dgm:scene3d>
+      <a:camera prst="orthographicFront"/>
+      <a:lightRig rig="threePt" dir="t"/>
+    </dgm:scene3d>
+    <dgm:sp3d/>
+    <dgm:txPr/>
+    <dgm:style>
+      <a:lnRef idx="2">
+        <a:scrgbClr r="0" g="0" b="0"/>
+      </a:lnRef>
+      <a:fillRef idx="0">
+        <a:scrgbClr r="0" g="0" b="0"/>
+      </a:fillRef>
+      <a:effectRef idx="0">
+        <a:scrgbClr r="0" g="0" b="0"/>
+      </a:effectRef>
+      <a:fontRef idx="minor"/>
+    </dgm:style>
+  </dgm:styleLbl>
+  <dgm:styleLbl name="fgAcc1">
+    <dgm:scene3d>
+      <a:camera prst="orthographicFront"/>
+      <a:lightRig rig="threePt" dir="t"/>
+    </dgm:scene3d>
+    <dgm:sp3d/>
+    <dgm:txPr/>
+    <dgm:style>
+      <a:lnRef idx="2">
+        <a:scrgbClr r="0" g="0" b="0"/>
+      </a:lnRef>
+      <a:fillRef idx="1">
+        <a:scrgbClr r="0" g="0" b="0"/>
+      </a:fillRef>
+      <a:effectRef idx="0">
+        <a:scrgbClr r="0" g="0" b="0"/>
+      </a:effectRef>
+      <a:fontRef idx="minor"/>
+    </dgm:style>
+  </dgm:styleLbl>
+  <dgm:styleLbl name="conFgAcc1">
+    <dgm:scene3d>
+      <a:camera prst="orthographicFront"/>
+      <a:lightRig rig="threePt" dir="t"/>
+    </dgm:scene3d>
+    <dgm:sp3d/>
+    <dgm:txPr/>
+    <dgm:style>
+      <a:lnRef idx="2">
+        <a:scrgbClr r="0" g="0" b="0"/>
+      </a:lnRef>
+      <a:fillRef idx="1">
+        <a:scrgbClr r="0" g="0" b="0"/>
+      </a:fillRef>
+      <a:effectRef idx="0">
+        <a:scrgbClr r="0" g="0" b="0"/>
+      </a:effectRef>
+      <a:fontRef idx="minor"/>
+    </dgm:style>
+  </dgm:styleLbl>
+  <dgm:styleLbl name="alignAcc1">
+    <dgm:scene3d>
+      <a:camera prst="orthographicFront"/>
+      <a:lightRig rig="threePt" dir="t"/>
+    </dgm:scene3d>
+    <dgm:sp3d/>
+    <dgm:txPr/>
+    <dgm:style>
+      <a:lnRef idx="2">
+        <a:scrgbClr r="0" g="0" b="0"/>
+      </a:lnRef>
+      <a:fillRef idx="1">
+        <a:scrgbClr r="0" g="0" b="0"/>
+      </a:fillRef>
+      <a:effectRef idx="0">
+        <a:scrgbClr r="0" g="0" b="0"/>
+      </a:effectRef>
+      <a:fontRef idx="minor"/>
+    </dgm:style>
+  </dgm:styleLbl>
+  <dgm:styleLbl name="trAlignAcc1">
+    <dgm:scene3d>
+      <a:camera prst="orthographicFront"/>
+      <a:lightRig rig="threePt" dir="t"/>
+    </dgm:scene3d>
+    <dgm:sp3d/>
+    <dgm:txPr/>
+    <dgm:style>
+      <a:lnRef idx="1">
+        <a:scrgbClr r="0" g="0" b="0"/>
+      </a:lnRef>
+      <a:fillRef idx="1">
+        <a:scrgbClr r="0" g="0" b="0"/>
+      </a:fillRef>
+      <a:effectRef idx="0">
+        <a:scrgbClr r="0" g="0" b="0"/>
+      </a:effectRef>
+      <a:fontRef idx="minor"/>
+    </dgm:style>
+  </dgm:styleLbl>
+  <dgm:styleLbl name="bgAcc1">
+    <dgm:scene3d>
+      <a:camera prst="orthographicFront"/>
+      <a:lightRig rig="threePt" dir="t"/>
+    </dgm:scene3d>
+    <dgm:sp3d/>
+    <dgm:txPr/>
+    <dgm:style>
+      <a:lnRef idx="2">
+        <a:scrgbClr r="0" g="0" b="0"/>
+      </a:lnRef>
+      <a:fillRef idx="1">
+        <a:scrgbClr r="0" g="0" b="0"/>
+      </a:fillRef>
+      <a:effectRef idx="0">
+        <a:scrgbClr r="0" g="0" b="0"/>
+      </a:effectRef>
+      <a:fontRef idx="minor"/>
+    </dgm:style>
+  </dgm:styleLbl>
+  <dgm:styleLbl name="solidFgAcc1">
+    <dgm:scene3d>
+      <a:camera prst="orthographicFront"/>
+      <a:lightRig rig="threePt" dir="t"/>
+    </dgm:scene3d>
+    <dgm:sp3d/>
+    <dgm:txPr/>
+    <dgm:style>
+      <a:lnRef idx="2">
+        <a:scrgbClr r="0" g="0" b="0"/>
+      </a:lnRef>
+      <a:fillRef idx="1">
+        <a:scrgbClr r="0" g="0" b="0"/>
+      </a:fillRef>
+      <a:effectRef idx="0">
+        <a:scrgbClr r="0" g="0" b="0"/>
+      </a:effectRef>
+      <a:fontRef idx="minor"/>
+    </dgm:style>
+  </dgm:styleLbl>
+  <dgm:styleLbl name="solidAlignAcc1">
+    <dgm:scene3d>
+      <a:camera prst="orthographicFront"/>
+      <a:lightRig rig="threePt" dir="t"/>
+    </dgm:scene3d>
+    <dgm:sp3d/>
+    <dgm:txPr/>
+    <dgm:style>
+      <a:lnRef idx="2">
+        <a:scrgbClr r="0" g="0" b="0"/>
+      </a:lnRef>
+      <a:fillRef idx="1">
+        <a:scrgbClr r="0" g="0" b="0"/>
+      </a:fillRef>
+      <a:effectRef idx="0">
+        <a:scrgbClr r="0" g="0" b="0"/>
+      </a:effectRef>
+      <a:fontRef idx="minor"/>
+    </dgm:style>
+  </dgm:styleLbl>
+  <dgm:styleLbl name="solidBgAcc1">
+    <dgm:scene3d>
+      <a:camera prst="orthographicFront"/>
+      <a:lightRig rig="threePt" dir="t"/>
+    </dgm:scene3d>
+    <dgm:sp3d/>
+    <dgm:txPr/>
+    <dgm:style>
+      <a:lnRef idx="2">
+        <a:scrgbClr r="0" g="0" b="0"/>
+      </a:lnRef>
+      <a:fillRef idx="1">
+        <a:scrgbClr r="0" g="0" b="0"/>
+      </a:fillRef>
+      <a:effectRef idx="0">
+        <a:scrgbClr r="0" g="0" b="0"/>
+      </a:effectRef>
+      <a:fontRef idx="minor"/>
+    </dgm:style>
+  </dgm:styleLbl>
+  <dgm:styleLbl name="fgAccFollowNode1">
+    <dgm:scene3d>
+      <a:camera prst="orthographicFront"/>
+      <a:lightRig rig="threePt" dir="t"/>
+    </dgm:scene3d>
+    <dgm:sp3d/>
+    <dgm:txPr/>
+    <dgm:style>
+      <a:lnRef idx="2">
+        <a:scrgbClr r="0" g="0" b="0"/>
+      </a:lnRef>
+      <a:fillRef idx="1">
+        <a:scrgbClr r="0" g="0" b="0"/>
+      </a:fillRef>
+      <a:effectRef idx="0">
+        <a:scrgbClr r="0" g="0" b="0"/>
+      </a:effectRef>
+      <a:fontRef idx="minor"/>
+    </dgm:style>
+  </dgm:styleLbl>
+  <dgm:styleLbl name="alignAccFollowNode1">
+    <dgm:scene3d>
+      <a:camera prst="orthographicFront"/>
+      <a:lightRig rig="threePt" dir="t"/>
+    </dgm:scene3d>
+    <dgm:sp3d/>
+    <dgm:txPr/>
+    <dgm:style>
+      <a:lnRef idx="2">
+        <a:scrgbClr r="0" g="0" b="0"/>
+      </a:lnRef>
+      <a:fillRef idx="1">
+        <a:scrgbClr r="0" g="0" b="0"/>
+      </a:fillRef>
+      <a:effectRef idx="0">
+        <a:scrgbClr r="0" g="0" b="0"/>
+      </a:effectRef>
+      <a:fontRef idx="minor"/>
+    </dgm:style>
+  </dgm:styleLbl>
+  <dgm:styleLbl name="bgAccFollowNode1">
+    <dgm:scene3d>
+      <a:camera prst="orthographicFront"/>
+      <a:lightRig rig="threePt" dir="t"/>
+    </dgm:scene3d>
+    <dgm:sp3d/>
+    <dgm:txPr/>
+    <dgm:style>
+      <a:lnRef idx="2">
+        <a:scrgbClr r="0" g="0" b="0"/>
+      </a:lnRef>
+      <a:fillRef idx="1">
+        <a:scrgbClr r="0" g="0" b="0"/>
+      </a:fillRef>
+      <a:effectRef idx="0">
+        <a:scrgbClr r="0" g="0" b="0"/>
+      </a:effectRef>
+      <a:fontRef idx="minor"/>
+    </dgm:style>
+  </dgm:styleLbl>
+  <dgm:styleLbl name="fgAcc0">
+    <dgm:scene3d>
+      <a:camera prst="orthographicFront"/>
+      <a:lightRig rig="threePt" dir="t"/>
+    </dgm:scene3d>
+    <dgm:sp3d/>
+    <dgm:txPr/>
+    <dgm:style>
+      <a:lnRef idx="2">
+        <a:scrgbClr r="0" g="0" b="0"/>
+      </a:lnRef>
+      <a:fillRef idx="1">
+        <a:scrgbClr r="0" g="0" b="0"/>
+      </a:fillRef>
+      <a:effectRef idx="0">
+        <a:scrgbClr r="0" g="0" b="0"/>
+      </a:effectRef>
+      <a:fontRef idx="minor"/>
+    </dgm:style>
+  </dgm:styleLbl>
+  <dgm:styleLbl name="fgAcc2">
+    <dgm:scene3d>
+      <a:camera prst="orthographicFront"/>
+      <a:lightRig rig="threePt" dir="t"/>
+    </dgm:scene3d>
+    <dgm:sp3d/>
+    <dgm:txPr/>
+    <dgm:style>
+      <a:lnRef idx="2">
+        <a:scrgbClr r="0" g="0" b="0"/>
+      </a:lnRef>
+      <a:fillRef idx="1">
+        <a:scrgbClr r="0" g="0" b="0"/>
+      </a:fillRef>
+      <a:effectRef idx="0">
+        <a:scrgbClr r="0" g="0" b="0"/>
+      </a:effectRef>
+      <a:fontRef idx="minor"/>
+    </dgm:style>
+  </dgm:styleLbl>
+  <dgm:styleLbl name="fgAcc3">
+    <dgm:scene3d>
+      <a:camera prst="orthographicFront"/>
+      <a:lightRig rig="threePt" dir="t"/>
+    </dgm:scene3d>
+    <dgm:sp3d/>
+    <dgm:txPr/>
+    <dgm:style>
+      <a:lnRef idx="2">
+        <a:scrgbClr r="0" g="0" b="0"/>
+      </a:lnRef>
+      <a:fillRef idx="1">
+        <a:scrgbClr r="0" g="0" b="0"/>
+      </a:fillRef>
+      <a:effectRef idx="0">
+        <a:scrgbClr r="0" g="0" b="0"/>
+      </a:effectRef>
+      <a:fontRef idx="minor"/>
+    </dgm:style>
+  </dgm:styleLbl>
+  <dgm:styleLbl name="fgAcc4">
+    <dgm:scene3d>
+      <a:camera prst="orthographicFront"/>
+      <a:lightRig rig="threePt" dir="t"/>
+    </dgm:scene3d>
+    <dgm:sp3d/>
+    <dgm:txPr/>
+    <dgm:style>
+      <a:lnRef idx="2">
+        <a:scrgbClr r="0" g="0" b="0"/>
+      </a:lnRef>
+      <a:fillRef idx="1">
+        <a:scrgbClr r="0" g="0" b="0"/>
+      </a:fillRef>
+      <a:effectRef idx="0">
+        <a:scrgbClr r="0" g="0" b="0"/>
+      </a:effectRef>
+      <a:fontRef idx="minor"/>
+    </dgm:style>
+  </dgm:styleLbl>
+  <dgm:styleLbl name="bgShp">
+    <dgm:scene3d>
+      <a:camera prst="orthographicFront"/>
+      <a:lightRig rig="threePt" dir="t"/>
+    </dgm:scene3d>
+    <dgm:sp3d/>
+    <dgm:txPr/>
+    <dgm:style>
+      <a:lnRef idx="0">
+        <a:scrgbClr r="0" g="0" b="0"/>
+      </a:lnRef>
+      <a:fillRef idx="1">
+        <a:scrgbClr r="0" g="0" b="0"/>
+      </a:fillRef>
+      <a:effectRef idx="0">
+        <a:scrgbClr r="0" g="0" b="0"/>
+      </a:effectRef>
+      <a:fontRef idx="minor"/>
+    </dgm:style>
+  </dgm:styleLbl>
+  <dgm:styleLbl name="dkBgShp">
+    <dgm:scene3d>
+      <a:camera prst="orthographicFront"/>
+      <a:lightRig rig="threePt" dir="t"/>
+    </dgm:scene3d>
+    <dgm:sp3d/>
+    <dgm:txPr/>
+    <dgm:style>
+      <a:lnRef idx="0">
+        <a:scrgbClr r="0" g="0" b="0"/>
+      </a:lnRef>
+      <a:fillRef idx="1">
+        <a:scrgbClr r="0" g="0" b="0"/>
+      </a:fillRef>
+      <a:effectRef idx="0">
+        <a:scrgbClr r="0" g="0" b="0"/>
+      </a:effectRef>
+      <a:fontRef idx="minor"/>
+    </dgm:style>
+  </dgm:styleLbl>
+  <dgm:styleLbl name="trBgShp">
+    <dgm:scene3d>
+      <a:camera prst="orthographicFront"/>
+      <a:lightRig rig="threePt" dir="t"/>
+    </dgm:scene3d>
+    <dgm:sp3d/>
+    <dgm:txPr/>
+    <dgm:style>
+      <a:lnRef idx="0">
+        <a:scrgbClr r="0" g="0" b="0"/>
+      </a:lnRef>
+      <a:fillRef idx="1">
+        <a:scrgbClr r="0" g="0" b="0"/>
+      </a:fillRef>
+      <a:effectRef idx="0">
+        <a:scrgbClr r="0" g="0" b="0"/>
+      </a:effectRef>
+      <a:fontRef idx="minor"/>
+    </dgm:style>
+  </dgm:styleLbl>
+  <dgm:styleLbl name="fgShp">
+    <dgm:scene3d>
+      <a:camera prst="orthographicFront"/>
+      <a:lightRig rig="threePt" dir="t"/>
+    </dgm:scene3d>
+    <dgm:sp3d/>
+    <dgm:txPr/>
+    <dgm:style>
+      <a:lnRef idx="2">
+        <a:scrgbClr r="0" g="0" b="0"/>
+      </a:lnRef>
+      <a:fillRef idx="1">
+        <a:scrgbClr r="0" g="0" b="0"/>
+      </a:fillRef>
+      <a:effectRef idx="0">
+        <a:scrgbClr r="0" g="0" b="0"/>
+      </a:effectRef>
+      <a:fontRef idx="minor"/>
+    </dgm:style>
+  </dgm:styleLbl>
+  <dgm:styleLbl name="revTx">
+    <dgm:scene3d>
+      <a:camera prst="orthographicFront"/>
+      <a:lightRig rig="threePt" dir="t"/>
+    </dgm:scene3d>
+    <dgm:sp3d/>
+    <dgm:txPr/>
+    <dgm:style>
+      <a:lnRef idx="0">
+        <a:scrgbClr r="0" g="0" b="0"/>
+      </a:lnRef>
+      <a:fillRef idx="0">
+        <a:scrgbClr r="0" g="0" b="0"/>
+      </a:fillRef>
+      <a:effectRef idx="0">
+        <a:scrgbClr r="0" g="0" b="0"/>
+      </a:effectRef>
+      <a:fontRef idx="minor"/>
+    </dgm:style>
+  </dgm:styleLbl>
+</dgm:styleDef>
+</file>
+
+<file path=ppt/diagrams/quickStyle3.xml><?xml version="1.0" encoding="utf-8"?>
+<dgm:styleDef xmlns:dgm="http://schemas.openxmlformats.org/drawingml/2006/diagram" xmlns:a="http://schemas.openxmlformats.org/drawingml/2006/main" uniqueId="urn:microsoft.com/office/officeart/2005/8/quickstyle/simple5">
+  <dgm:title val=""/>
+  <dgm:desc val=""/>
+  <dgm:catLst>
+    <dgm:cat type="simple" pri="10500"/>
+  </dgm:catLst>
+  <dgm:scene3d>
+    <a:camera prst="orthographicFront"/>
+    <a:lightRig rig="threePt" dir="t"/>
+  </dgm:scene3d>
+  <dgm:styleLbl name="node0">
+    <dgm:scene3d>
+      <a:camera prst="orthographicFront"/>
+      <a:lightRig rig="threePt" dir="t"/>
+    </dgm:scene3d>
+    <dgm:sp3d/>
+    <dgm:txPr/>
+    <dgm:style>
+      <a:lnRef idx="0">
+        <a:scrgbClr r="0" g="0" b="0"/>
+      </a:lnRef>
+      <a:fillRef idx="3">
+        <a:scrgbClr r="0" g="0" b="0"/>
+      </a:fillRef>
+      <a:effectRef idx="3">
+        <a:scrgbClr r="0" g="0" b="0"/>
+      </a:effectRef>
+      <a:fontRef idx="minor">
+        <a:schemeClr val="lt1"/>
+      </a:fontRef>
+    </dgm:style>
+  </dgm:styleLbl>
+  <dgm:styleLbl name="lnNode1">
+    <dgm:scene3d>
+      <a:camera prst="orthographicFront"/>
+      <a:lightRig rig="threePt" dir="t"/>
+    </dgm:scene3d>
+    <dgm:sp3d/>
+    <dgm:txPr/>
+    <dgm:style>
+      <a:lnRef idx="0">
+        <a:scrgbClr r="0" g="0" b="0"/>
+      </a:lnRef>
+      <a:fillRef idx="3">
+        <a:scrgbClr r="0" g="0" b="0"/>
+      </a:fillRef>
+      <a:effectRef idx="3">
+        <a:scrgbClr r="0" g="0" b="0"/>
+      </a:effectRef>
+      <a:fontRef idx="minor">
+        <a:schemeClr val="lt1"/>
+      </a:fontRef>
+    </dgm:style>
+  </dgm:styleLbl>
+  <dgm:styleLbl name="vennNode1">
+    <dgm:scene3d>
+      <a:camera prst="orthographicFront"/>
+      <a:lightRig rig="threePt" dir="t"/>
+    </dgm:scene3d>
+    <dgm:sp3d/>
+    <dgm:txPr/>
+    <dgm:style>
+      <a:lnRef idx="0">
+        <a:scrgbClr r="0" g="0" b="0"/>
+      </a:lnRef>
+      <a:fillRef idx="3">
+        <a:scrgbClr r="0" g="0" b="0"/>
+      </a:fillRef>
+      <a:effectRef idx="3">
+        <a:scrgbClr r="0" g="0" b="0"/>
+      </a:effectRef>
+      <a:fontRef idx="minor">
+        <a:schemeClr val="tx1"/>
+      </a:fontRef>
+    </dgm:style>
+  </dgm:styleLbl>
+  <dgm:styleLbl name="alignNode1">
+    <dgm:scene3d>
+      <a:camera prst="orthographicFront"/>
+      <a:lightRig rig="threePt" dir="t"/>
+    </dgm:scene3d>
+    <dgm:sp3d/>
+    <dgm:txPr/>
+    <dgm:style>
+      <a:lnRef idx="1">
+        <a:scrgbClr r="0" g="0" b="0"/>
+      </a:lnRef>
+      <a:fillRef idx="3">
+        <a:scrgbClr r="0" g="0" b="0"/>
+      </a:fillRef>
+      <a:effectRef idx="3">
+        <a:scrgbClr r="0" g="0" b="0"/>
+      </a:effectRef>
+      <a:fontRef idx="minor">
+        <a:schemeClr val="lt1"/>
+      </a:fontRef>
+    </dgm:style>
+  </dgm:styleLbl>
+  <dgm:styleLbl name="node1">
+    <dgm:scene3d>
+      <a:camera prst="orthographicFront"/>
+      <a:lightRig rig="threePt" dir="t"/>
+    </dgm:scene3d>
+    <dgm:sp3d/>
+    <dgm:txPr/>
+    <dgm:style>
+      <a:lnRef idx="0">
+        <a:scrgbClr r="0" g="0" b="0"/>
+      </a:lnRef>
+      <a:fillRef idx="3">
+        <a:scrgbClr r="0" g="0" b="0"/>
+      </a:fillRef>
+      <a:effectRef idx="3">
+        <a:scrgbClr r="0" g="0" b="0"/>
+      </a:effectRef>
+      <a:fontRef idx="minor">
+        <a:schemeClr val="lt1"/>
+      </a:fontRef>
+    </dgm:style>
+  </dgm:styleLbl>
+  <dgm:styleLbl name="node2">
+    <dgm:scene3d>
+      <a:camera prst="orthographicFront"/>
+      <a:lightRig rig="threePt" dir="t"/>
+    </dgm:scene3d>
+    <dgm:sp3d/>
+    <dgm:txPr/>
+    <dgm:style>
+      <a:lnRef idx="0">
+        <a:scrgbClr r="0" g="0" b="0"/>
+      </a:lnRef>
+      <a:fillRef idx="3">
+        <a:scrgbClr r="0" g="0" b="0"/>
+      </a:fillRef>
+      <a:effectRef idx="3">
+        <a:scrgbClr r="0" g="0" b="0"/>
+      </a:effectRef>
+      <a:fontRef idx="minor">
+        <a:schemeClr val="lt1"/>
+      </a:fontRef>
+    </dgm:style>
+  </dgm:styleLbl>
+  <dgm:styleLbl name="node3">
+    <dgm:scene3d>
+      <a:camera prst="orthographicFront"/>
+      <a:lightRig rig="threePt" dir="t"/>
+    </dgm:scene3d>
+    <dgm:sp3d/>
+    <dgm:txPr/>
+    <dgm:style>
+      <a:lnRef idx="0">
+        <a:scrgbClr r="0" g="0" b="0"/>
+      </a:lnRef>
+      <a:fillRef idx="3">
+        <a:scrgbClr r="0" g="0" b="0"/>
+      </a:fillRef>
+      <a:effectRef idx="3">
+        <a:scrgbClr r="0" g="0" b="0"/>
+      </a:effectRef>
+      <a:fontRef idx="minor">
+        <a:schemeClr val="lt1"/>
+      </a:fontRef>
+    </dgm:style>
+  </dgm:styleLbl>
+  <dgm:styleLbl name="node4">
+    <dgm:scene3d>
+      <a:camera prst="orthographicFront"/>
+      <a:lightRig rig="threePt" dir="t"/>
+    </dgm:scene3d>
+    <dgm:sp3d/>
+    <dgm:txPr/>
+    <dgm:style>
+      <a:lnRef idx="0">
+        <a:scrgbClr r="0" g="0" b="0"/>
+      </a:lnRef>
+      <a:fillRef idx="3">
+        <a:scrgbClr r="0" g="0" b="0"/>
+      </a:fillRef>
+      <a:effectRef idx="3">
+        <a:scrgbClr r="0" g="0" b="0"/>
+      </a:effectRef>
+      <a:fontRef idx="minor">
+        <a:schemeClr val="lt1"/>
+      </a:fontRef>
+    </dgm:style>
+  </dgm:styleLbl>
+  <dgm:styleLbl name="fgImgPlace1">
+    <dgm:scene3d>
+      <a:camera prst="orthographicFront"/>
+      <a:lightRig rig="threePt" dir="t"/>
+    </dgm:scene3d>
+    <dgm:sp3d/>
+    <dgm:txPr/>
+    <dgm:style>
+      <a:lnRef idx="0">
+        <a:scrgbClr r="0" g="0" b="0"/>
+      </a:lnRef>
+      <a:fillRef idx="1">
+        <a:scrgbClr r="0" g="0" b="0"/>
+      </a:fillRef>
+      <a:effectRef idx="3">
+        <a:scrgbClr r="0" g="0" b="0"/>
+      </a:effectRef>
+      <a:fontRef idx="minor"/>
+    </dgm:style>
+  </dgm:styleLbl>
+  <dgm:styleLbl name="alignImgPlace1">
+    <dgm:scene3d>
+      <a:camera prst="orthographicFront"/>
+      <a:lightRig rig="threePt" dir="t"/>
+    </dgm:scene3d>
+    <dgm:sp3d/>
+    <dgm:txPr/>
+    <dgm:style>
+      <a:lnRef idx="0">
+        <a:scrgbClr r="0" g="0" b="0"/>
+      </a:lnRef>
+      <a:fillRef idx="1">
+        <a:scrgbClr r="0" g="0" b="0"/>
+      </a:fillRef>
+      <a:effectRef idx="3">
+        <a:scrgbClr r="0" g="0" b="0"/>
+      </a:effectRef>
+      <a:fontRef idx="minor"/>
+    </dgm:style>
+  </dgm:styleLbl>
+  <dgm:styleLbl name="bgImgPlace1">
+    <dgm:scene3d>
+      <a:camera prst="orthographicFront"/>
+      <a:lightRig rig="threePt" dir="t"/>
+    </dgm:scene3d>
+    <dgm:sp3d/>
+    <dgm:txPr/>
+    <dgm:style>
+      <a:lnRef idx="0">
+        <a:scrgbClr r="0" g="0" b="0"/>
+      </a:lnRef>
+      <a:fillRef idx="1">
+        <a:scrgbClr r="0" g="0" b="0"/>
+      </a:fillRef>
+      <a:effectRef idx="3">
+        <a:scrgbClr r="0" g="0" b="0"/>
+      </a:effectRef>
+      <a:fontRef idx="minor"/>
+    </dgm:style>
+  </dgm:styleLbl>
+  <dgm:styleLbl name="sibTrans2D1">
+    <dgm:scene3d>
+      <a:camera prst="orthographicFront"/>
+      <a:lightRig rig="threePt" dir="t"/>
+    </dgm:scene3d>
+    <dgm:sp3d/>
+    <dgm:txPr/>
+    <dgm:style>
+      <a:lnRef idx="0">
+        <a:scrgbClr r="0" g="0" b="0"/>
+      </a:lnRef>
+      <a:fillRef idx="3">
+        <a:scrgbClr r="0" g="0" b="0"/>
+      </a:fillRef>
+      <a:effectRef idx="3">
+        <a:scrgbClr r="0" g="0" b="0"/>
+      </a:effectRef>
+      <a:fontRef idx="minor">
+        <a:schemeClr val="lt1"/>
+      </a:fontRef>
+    </dgm:style>
+  </dgm:styleLbl>
+  <dgm:styleLbl name="fgSibTrans2D1">
+    <dgm:scene3d>
+      <a:camera prst="orthographicFront"/>
+      <a:lightRig rig="threePt" dir="t"/>
+    </dgm:scene3d>
+    <dgm:sp3d/>
+    <dgm:txPr/>
+    <dgm:style>
+      <a:lnRef idx="0">
+        <a:scrgbClr r="0" g="0" b="0"/>
+      </a:lnRef>
+      <a:fillRef idx="3">
+        <a:scrgbClr r="0" g="0" b="0"/>
+      </a:fillRef>
+      <a:effectRef idx="3">
+        <a:scrgbClr r="0" g="0" b="0"/>
+      </a:effectRef>
+      <a:fontRef idx="minor">
+        <a:schemeClr val="lt1"/>
+      </a:fontRef>
+    </dgm:style>
+  </dgm:styleLbl>
+  <dgm:styleLbl name="bgSibTrans2D1">
+    <dgm:scene3d>
+      <a:camera prst="orthographicFront"/>
+      <a:lightRig rig="threePt" dir="t"/>
+    </dgm:scene3d>
+    <dgm:sp3d/>
+    <dgm:txPr/>
+    <dgm:style>
+      <a:lnRef idx="0">
+        <a:scrgbClr r="0" g="0" b="0"/>
+      </a:lnRef>
+      <a:fillRef idx="3">
+        <a:scrgbClr r="0" g="0" b="0"/>
+      </a:fillRef>
+      <a:effectRef idx="3">
+        <a:scrgbClr r="0" g="0" b="0"/>
+      </a:effectRef>
+      <a:fontRef idx="minor">
+        <a:schemeClr val="lt1"/>
+      </a:fontRef>
+    </dgm:style>
+  </dgm:styleLbl>
+  <dgm:styleLbl name="sibTrans1D1">
+    <dgm:scene3d>
+      <a:camera prst="orthographicFront"/>
+      <a:lightRig rig="threePt" dir="t"/>
+    </dgm:scene3d>
+    <dgm:sp3d/>
+    <dgm:txPr/>
+    <dgm:style>
+      <a:lnRef idx="1">
+        <a:scrgbClr r="0" g="0" b="0"/>
+      </a:lnRef>
+      <a:fillRef idx="0">
+        <a:scrgbClr r="0" g="0" b="0"/>
+      </a:fillRef>
+      <a:effectRef idx="0">
+        <a:scrgbClr r="0" g="0" b="0"/>
+      </a:effectRef>
+      <a:fontRef idx="minor"/>
+    </dgm:style>
+  </dgm:styleLbl>
+  <dgm:styleLbl name="callout">
+    <dgm:scene3d>
+      <a:camera prst="orthographicFront"/>
+      <a:lightRig rig="threePt" dir="t"/>
+    </dgm:scene3d>
+    <dgm:sp3d/>
+    <dgm:txPr/>
+    <dgm:style>
+      <a:lnRef idx="1">
+        <a:scrgbClr r="0" g="0" b="0"/>
+      </a:lnRef>
+      <a:fillRef idx="0">
+        <a:scrgbClr r="0" g="0" b="0"/>
+      </a:fillRef>
+      <a:effectRef idx="1">
+        <a:scrgbClr r="0" g="0" b="0"/>
+      </a:effectRef>
+      <a:fontRef idx="minor"/>
+    </dgm:style>
+  </dgm:styleLbl>
+  <dgm:styleLbl name="asst0">
+    <dgm:scene3d>
+      <a:camera prst="orthographicFront"/>
+      <a:lightRig rig="threePt" dir="t"/>
+    </dgm:scene3d>
+    <dgm:sp3d/>
+    <dgm:txPr/>
+    <dgm:style>
+      <a:lnRef idx="0">
+        <a:scrgbClr r="0" g="0" b="0"/>
+      </a:lnRef>
+      <a:fillRef idx="3">
+        <a:scrgbClr r="0" g="0" b="0"/>
+      </a:fillRef>
+      <a:effectRef idx="3">
+        <a:scrgbClr r="0" g="0" b="0"/>
+      </a:effectRef>
+      <a:fontRef idx="minor">
+        <a:schemeClr val="lt1"/>
+      </a:fontRef>
+    </dgm:style>
+  </dgm:styleLbl>
+  <dgm:styleLbl name="asst1">
+    <dgm:scene3d>
+      <a:camera prst="orthographicFront"/>
+      <a:lightRig rig="threePt" dir="t"/>
+    </dgm:scene3d>
+    <dgm:sp3d/>
+    <dgm:txPr/>
+    <dgm:style>
+      <a:lnRef idx="0">
+        <a:scrgbClr r="0" g="0" b="0"/>
+      </a:lnRef>
+      <a:fillRef idx="3">
+        <a:scrgbClr r="0" g="0" b="0"/>
+      </a:fillRef>
+      <a:effectRef idx="3">
+        <a:scrgbClr r="0" g="0" b="0"/>
+      </a:effectRef>
+      <a:fontRef idx="minor">
+        <a:schemeClr val="lt1"/>
+      </a:fontRef>
+    </dgm:style>
+  </dgm:styleLbl>
+  <dgm:styleLbl name="asst2">
+    <dgm:scene3d>
+      <a:camera prst="orthographicFront"/>
+      <a:lightRig rig="threePt" dir="t"/>
+    </dgm:scene3d>
+    <dgm:sp3d/>
+    <dgm:txPr/>
+    <dgm:style>
+      <a:lnRef idx="0">
+        <a:scrgbClr r="0" g="0" b="0"/>
+      </a:lnRef>
+      <a:fillRef idx="3">
+        <a:scrgbClr r="0" g="0" b="0"/>
+      </a:fillRef>
+      <a:effectRef idx="3">
+        <a:scrgbClr r="0" g="0" b="0"/>
+      </a:effectRef>
+      <a:fontRef idx="minor">
+        <a:schemeClr val="lt1"/>
+      </a:fontRef>
+    </dgm:style>
+  </dgm:styleLbl>
+  <dgm:styleLbl name="asst3">
+    <dgm:scene3d>
+      <a:camera prst="orthographicFront"/>
+      <a:lightRig rig="threePt" dir="t"/>
+    </dgm:scene3d>
+    <dgm:sp3d/>
+    <dgm:txPr/>
+    <dgm:style>
+      <a:lnRef idx="0">
+        <a:scrgbClr r="0" g="0" b="0"/>
+      </a:lnRef>
+      <a:fillRef idx="3">
+        <a:scrgbClr r="0" g="0" b="0"/>
+      </a:fillRef>
+      <a:effectRef idx="3">
+        <a:scrgbClr r="0" g="0" b="0"/>
+      </a:effectRef>
+      <a:fontRef idx="minor">
+        <a:schemeClr val="lt1"/>
+      </a:fontRef>
+    </dgm:style>
+  </dgm:styleLbl>
+  <dgm:styleLbl name="asst4">
+    <dgm:scene3d>
+      <a:camera prst="orthographicFront"/>
+      <a:lightRig rig="threePt" dir="t"/>
+    </dgm:scene3d>
+    <dgm:sp3d/>
+    <dgm:txPr/>
+    <dgm:style>
+      <a:lnRef idx="0">
+        <a:scrgbClr r="0" g="0" b="0"/>
+      </a:lnRef>
+      <a:fillRef idx="3">
+        <a:scrgbClr r="0" g="0" b="0"/>
+      </a:fillRef>
+      <a:effectRef idx="3">
+        <a:scrgbClr r="0" g="0" b="0"/>
+      </a:effectRef>
+      <a:fontRef idx="minor">
+        <a:schemeClr val="lt1"/>
+      </a:fontRef>
+    </dgm:style>
+  </dgm:styleLbl>
+  <dgm:styleLbl name="parChTrans2D1">
+    <dgm:scene3d>
+      <a:camera prst="orthographicFront"/>
+      <a:lightRig rig="threePt" dir="t"/>
+    </dgm:scene3d>
+    <dgm:sp3d/>
+    <dgm:txPr/>
+    <dgm:style>
+      <a:lnRef idx="0">
+        <a:scrgbClr r="0" g="0" b="0"/>
+      </a:lnRef>
+      <a:fillRef idx="3">
+        <a:scrgbClr r="0" g="0" b="0"/>
+      </a:fillRef>
+      <a:effectRef idx="3">
+        <a:scrgbClr r="0" g="0" b="0"/>
+      </a:effectRef>
+      <a:fontRef idx="minor">
+        <a:schemeClr val="lt1"/>
+      </a:fontRef>
+    </dgm:style>
+  </dgm:styleLbl>
+  <dgm:styleLbl name="parChTrans2D2">
+    <dgm:scene3d>
+      <a:camera prst="orthographicFront"/>
+      <a:lightRig rig="threePt" dir="t"/>
+    </dgm:scene3d>
+    <dgm:sp3d/>
+    <dgm:txPr/>
+    <dgm:style>
+      <a:lnRef idx="0">
+        <a:scrgbClr r="0" g="0" b="0"/>
+      </a:lnRef>
+      <a:fillRef idx="3">
+        <a:scrgbClr r="0" g="0" b="0"/>
+      </a:fillRef>
+      <a:effectRef idx="3">
+        <a:scrgbClr r="0" g="0" b="0"/>
+      </a:effectRef>
+      <a:fontRef idx="minor">
+        <a:schemeClr val="lt1"/>
+      </a:fontRef>
+    </dgm:style>
+  </dgm:styleLbl>
+  <dgm:styleLbl name="parChTrans2D3">
+    <dgm:scene3d>
+      <a:camera prst="orthographicFront"/>
+      <a:lightRig rig="threePt" dir="t"/>
+    </dgm:scene3d>
+    <dgm:sp3d/>
+    <dgm:txPr/>
+    <dgm:style>
+      <a:lnRef idx="0">
+        <a:scrgbClr r="0" g="0" b="0"/>
+      </a:lnRef>
+      <a:fillRef idx="3">
+        <a:scrgbClr r="0" g="0" b="0"/>
+      </a:fillRef>
+      <a:effectRef idx="3">
+        <a:scrgbClr r="0" g="0" b="0"/>
+      </a:effectRef>
+      <a:fontRef idx="minor">
+        <a:schemeClr val="lt1"/>
+      </a:fontRef>
+    </dgm:style>
+  </dgm:styleLbl>
+  <dgm:styleLbl name="parChTrans2D4">
+    <dgm:scene3d>
+      <a:camera prst="orthographicFront"/>
+      <a:lightRig rig="threePt" dir="t"/>
+    </dgm:scene3d>
+    <dgm:sp3d/>
+    <dgm:txPr/>
+    <dgm:style>
+      <a:lnRef idx="0">
+        <a:scrgbClr r="0" g="0" b="0"/>
+      </a:lnRef>
+      <a:fillRef idx="3">
+        <a:scrgbClr r="0" g="0" b="0"/>
+      </a:fillRef>
+      <a:effectRef idx="3">
+        <a:scrgbClr r="0" g="0" b="0"/>
+      </a:effectRef>
+      <a:fontRef idx="minor">
+        <a:schemeClr val="lt1"/>
+      </a:fontRef>
+    </dgm:style>
+  </dgm:styleLbl>
+  <dgm:styleLbl name="parChTrans1D1">
+    <dgm:scene3d>
+      <a:camera prst="orthographicFront"/>
+      <a:lightRig rig="threePt" dir="t"/>
+    </dgm:scene3d>
+    <dgm:sp3d/>
+    <dgm:txPr/>
+    <dgm:style>
+      <a:lnRef idx="2">
+        <a:scrgbClr r="0" g="0" b="0"/>
+      </a:lnRef>
+      <a:fillRef idx="0">
+        <a:scrgbClr r="0" g="0" b="0"/>
+      </a:fillRef>
+      <a:effectRef idx="0">
+        <a:scrgbClr r="0" g="0" b="0"/>
+      </a:effectRef>
+      <a:fontRef idx="minor"/>
+    </dgm:style>
+  </dgm:styleLbl>
+  <dgm:styleLbl name="parChTrans1D2">
+    <dgm:scene3d>
+      <a:camera prst="orthographicFront"/>
+      <a:lightRig rig="threePt" dir="t"/>
+    </dgm:scene3d>
+    <dgm:sp3d/>
+    <dgm:txPr/>
+    <dgm:style>
+      <a:lnRef idx="2">
+        <a:scrgbClr r="0" g="0" b="0"/>
+      </a:lnRef>
+      <a:fillRef idx="0">
+        <a:scrgbClr r="0" g="0" b="0"/>
+      </a:fillRef>
+      <a:effectRef idx="0">
+        <a:scrgbClr r="0" g="0" b="0"/>
+      </a:effectRef>
+      <a:fontRef idx="minor"/>
+    </dgm:style>
+  </dgm:styleLbl>
+  <dgm:styleLbl name="parChTrans1D3">
+    <dgm:scene3d>
+      <a:camera prst="orthographicFront"/>
+      <a:lightRig rig="threePt" dir="t"/>
+    </dgm:scene3d>
+    <dgm:sp3d/>
+    <dgm:txPr/>
+    <dgm:style>
+      <a:lnRef idx="2">
+        <a:scrgbClr r="0" g="0" b="0"/>
+      </a:lnRef>
+      <a:fillRef idx="0">
+        <a:scrgbClr r="0" g="0" b="0"/>
+      </a:fillRef>
+      <a:effectRef idx="0">
+        <a:scrgbClr r="0" g="0" b="0"/>
+      </a:effectRef>
+      <a:fontRef idx="minor"/>
+    </dgm:style>
+  </dgm:styleLbl>
+  <dgm:styleLbl name="parChTrans1D4">
+    <dgm:scene3d>
+      <a:camera prst="orthographicFront"/>
+      <a:lightRig rig="threePt" dir="t"/>
+    </dgm:scene3d>
+    <dgm:sp3d/>
+    <dgm:txPr/>
+    <dgm:style>
+      <a:lnRef idx="2">
+        <a:scrgbClr r="0" g="0" b="0"/>
+      </a:lnRef>
+      <a:fillRef idx="0">
+        <a:scrgbClr r="0" g="0" b="0"/>
+      </a:fillRef>
+      <a:effectRef idx="0">
+        <a:scrgbClr r="0" g="0" b="0"/>
+      </a:effectRef>
+      <a:fontRef idx="minor"/>
+    </dgm:style>
+  </dgm:styleLbl>
+  <dgm:styleLbl name="fgAcc1">
+    <dgm:scene3d>
+      <a:camera prst="orthographicFront"/>
+      <a:lightRig rig="threePt" dir="t"/>
+    </dgm:scene3d>
+    <dgm:sp3d/>
+    <dgm:txPr/>
+    <dgm:style>
+      <a:lnRef idx="1">
+        <a:scrgbClr r="0" g="0" b="0"/>
+      </a:lnRef>
+      <a:fillRef idx="1">
+        <a:scrgbClr r="0" g="0" b="0"/>
+      </a:fillRef>
+      <a:effectRef idx="2">
+        <a:scrgbClr r="0" g="0" b="0"/>
+      </a:effectRef>
+      <a:fontRef idx="minor"/>
+    </dgm:style>
+  </dgm:styleLbl>
+  <dgm:styleLbl name="conFgAcc1">
+    <dgm:scene3d>
+      <a:camera prst="orthographicFront"/>
+      <a:lightRig rig="threePt" dir="t"/>
+    </dgm:scene3d>
+    <dgm:sp3d/>
+    <dgm:txPr/>
+    <dgm:style>
+      <a:lnRef idx="1">
+        <a:scrgbClr r="0" g="0" b="0"/>
+      </a:lnRef>
+      <a:fillRef idx="1">
+        <a:scrgbClr r="0" g="0" b="0"/>
+      </a:fillRef>
+      <a:effectRef idx="2">
+        <a:scrgbClr r="0" g="0" b="0"/>
+      </a:effectRef>
+      <a:fontRef idx="minor"/>
+    </dgm:style>
+  </dgm:styleLbl>
+  <dgm:styleLbl name="alignAcc1">
+    <dgm:scene3d>
+      <a:camera prst="orthographicFront"/>
+      <a:lightRig rig="threePt" dir="t"/>
+    </dgm:scene3d>
+    <dgm:sp3d/>
+    <dgm:txPr/>
+    <dgm:style>
+      <a:lnRef idx="1">
+        <a:scrgbClr r="0" g="0" b="0"/>
+      </a:lnRef>
+      <a:fillRef idx="1">
+        <a:scrgbClr r="0" g="0" b="0"/>
+      </a:fillRef>
+      <a:effectRef idx="2">
+        <a:scrgbClr r="0" g="0" b="0"/>
+      </a:effectRef>
+      <a:fontRef idx="minor"/>
+    </dgm:style>
+  </dgm:styleLbl>
+  <dgm:styleLbl name="trAlignAcc1">
+    <dgm:scene3d>
+      <a:camera prst="orthographicFront"/>
+      <a:lightRig rig="threePt" dir="t"/>
+    </dgm:scene3d>
+    <dgm:sp3d/>
+    <dgm:txPr/>
+    <dgm:style>
+      <a:lnRef idx="1">
+        <a:scrgbClr r="0" g="0" b="0"/>
+      </a:lnRef>
+      <a:fillRef idx="1">
+        <a:scrgbClr r="0" g="0" b="0"/>
+      </a:fillRef>
+      <a:effectRef idx="0">
+        <a:scrgbClr r="0" g="0" b="0"/>
+      </a:effectRef>
+      <a:fontRef idx="minor"/>
+    </dgm:style>
+  </dgm:styleLbl>
+  <dgm:styleLbl name="bgAcc1">
+    <dgm:scene3d>
+      <a:camera prst="orthographicFront"/>
+      <a:lightRig rig="threePt" dir="t"/>
+    </dgm:scene3d>
+    <dgm:sp3d/>
+    <dgm:txPr/>
+    <dgm:style>
+      <a:lnRef idx="1">
+        <a:scrgbClr r="0" g="0" b="0"/>
+      </a:lnRef>
+      <a:fillRef idx="1">
+        <a:scrgbClr r="0" g="0" b="0"/>
+      </a:fillRef>
+      <a:effectRef idx="2">
+        <a:scrgbClr r="0" g="0" b="0"/>
+      </a:effectRef>
+      <a:fontRef idx="minor"/>
+    </dgm:style>
+  </dgm:styleLbl>
+  <dgm:styleLbl name="solidFgAcc1">
+    <dgm:scene3d>
+      <a:camera prst="orthographicFront"/>
+      <a:lightRig rig="threePt" dir="t"/>
+    </dgm:scene3d>
+    <dgm:sp3d/>
+    <dgm:txPr/>
+    <dgm:style>
+      <a:lnRef idx="1">
+        <a:scrgbClr r="0" g="0" b="0"/>
+      </a:lnRef>
+      <a:fillRef idx="1">
+        <a:scrgbClr r="0" g="0" b="0"/>
+      </a:fillRef>
+      <a:effectRef idx="2">
+        <a:scrgbClr r="0" g="0" b="0"/>
+      </a:effectRef>
+      <a:fontRef idx="minor"/>
+    </dgm:style>
+  </dgm:styleLbl>
+  <dgm:styleLbl name="solidAlignAcc1">
+    <dgm:scene3d>
+      <a:camera prst="orthographicFront"/>
+      <a:lightRig rig="threePt" dir="t"/>
+    </dgm:scene3d>
+    <dgm:sp3d/>
+    <dgm:txPr/>
+    <dgm:style>
+      <a:lnRef idx="1">
+        <a:scrgbClr r="0" g="0" b="0"/>
+      </a:lnRef>
+      <a:fillRef idx="1">
+        <a:scrgbClr r="0" g="0" b="0"/>
+      </a:fillRef>
+      <a:effectRef idx="3">
+        <a:scrgbClr r="0" g="0" b="0"/>
+      </a:effectRef>
+      <a:fontRef idx="minor"/>
+    </dgm:style>
+  </dgm:styleLbl>
+  <dgm:styleLbl name="solidBgAcc1">
+    <dgm:scene3d>
+      <a:camera prst="orthographicFront"/>
+      <a:lightRig rig="threePt" dir="t"/>
+    </dgm:scene3d>
+    <dgm:sp3d/>
+    <dgm:txPr/>
+    <dgm:style>
+      <a:lnRef idx="1">
+        <a:scrgbClr r="0" g="0" b="0"/>
+      </a:lnRef>
+      <a:fillRef idx="1">
+        <a:scrgbClr r="0" g="0" b="0"/>
+      </a:fillRef>
+      <a:effectRef idx="3">
+        <a:scrgbClr r="0" g="0" b="0"/>
+      </a:effectRef>
+      <a:fontRef idx="minor"/>
+    </dgm:style>
+  </dgm:styleLbl>
+  <dgm:styleLbl name="fgAccFollowNode1">
+    <dgm:scene3d>
+      <a:camera prst="orthographicFront"/>
+      <a:lightRig rig="threePt" dir="t"/>
+    </dgm:scene3d>
+    <dgm:sp3d/>
+    <dgm:txPr/>
+    <dgm:style>
+      <a:lnRef idx="1">
+        <a:scrgbClr r="0" g="0" b="0"/>
+      </a:lnRef>
+      <a:fillRef idx="1">
+        <a:scrgbClr r="0" g="0" b="0"/>
+      </a:fillRef>
+      <a:effectRef idx="2">
+        <a:scrgbClr r="0" g="0" b="0"/>
+      </a:effectRef>
+      <a:fontRef idx="minor"/>
+    </dgm:style>
+  </dgm:styleLbl>
+  <dgm:styleLbl name="alignAccFollowNode1">
+    <dgm:scene3d>
+      <a:camera prst="orthographicFront"/>
+      <a:lightRig rig="threePt" dir="t"/>
+    </dgm:scene3d>
+    <dgm:sp3d/>
+    <dgm:txPr/>
+    <dgm:style>
+      <a:lnRef idx="1">
+        <a:scrgbClr r="0" g="0" b="0"/>
+      </a:lnRef>
+      <a:fillRef idx="1">
+        <a:scrgbClr r="0" g="0" b="0"/>
+      </a:fillRef>
+      <a:effectRef idx="2">
+        <a:scrgbClr r="0" g="0" b="0"/>
+      </a:effectRef>
+      <a:fontRef idx="minor"/>
+    </dgm:style>
+  </dgm:styleLbl>
+  <dgm:styleLbl name="bgAccFollowNode1">
+    <dgm:scene3d>
+      <a:camera prst="orthographicFront"/>
+      <a:lightRig rig="threePt" dir="t"/>
+    </dgm:scene3d>
+    <dgm:sp3d/>
+    <dgm:txPr/>
+    <dgm:style>
+      <a:lnRef idx="1">
+        <a:scrgbClr r="0" g="0" b="0"/>
+      </a:lnRef>
+      <a:fillRef idx="1">
+        <a:scrgbClr r="0" g="0" b="0"/>
+      </a:fillRef>
+      <a:effectRef idx="2">
+        <a:scrgbClr r="0" g="0" b="0"/>
+      </a:effectRef>
+      <a:fontRef idx="minor"/>
+    </dgm:style>
+  </dgm:styleLbl>
+  <dgm:styleLbl name="fgAcc0">
+    <dgm:scene3d>
+      <a:camera prst="orthographicFront"/>
+      <a:lightRig rig="threePt" dir="t"/>
+    </dgm:scene3d>
+    <dgm:sp3d/>
+    <dgm:txPr/>
+    <dgm:style>
+      <a:lnRef idx="1">
+        <a:scrgbClr r="0" g="0" b="0"/>
+      </a:lnRef>
+      <a:fillRef idx="1">
+        <a:scrgbClr r="0" g="0" b="0"/>
+      </a:fillRef>
+      <a:effectRef idx="2">
+        <a:scrgbClr r="0" g="0" b="0"/>
+      </a:effectRef>
+      <a:fontRef idx="minor"/>
+    </dgm:style>
+  </dgm:styleLbl>
+  <dgm:styleLbl name="fgAcc2">
+    <dgm:scene3d>
+      <a:camera prst="orthographicFront"/>
+      <a:lightRig rig="threePt" dir="t"/>
+    </dgm:scene3d>
+    <dgm:sp3d/>
+    <dgm:txPr/>
+    <dgm:style>
+      <a:lnRef idx="1">
+        <a:scrgbClr r="0" g="0" b="0"/>
+      </a:lnRef>
+      <a:fillRef idx="1">
+        <a:scrgbClr r="0" g="0" b="0"/>
+      </a:fillRef>
+      <a:effectRef idx="2">
+        <a:scrgbClr r="0" g="0" b="0"/>
+      </a:effectRef>
+      <a:fontRef idx="minor"/>
+    </dgm:style>
+  </dgm:styleLbl>
+  <dgm:styleLbl name="fgAcc3">
+    <dgm:scene3d>
+      <a:camera prst="orthographicFront"/>
+      <a:lightRig rig="threePt" dir="t"/>
+    </dgm:scene3d>
+    <dgm:sp3d/>
+    <dgm:txPr/>
+    <dgm:style>
+      <a:lnRef idx="1">
+        <a:scrgbClr r="0" g="0" b="0"/>
+      </a:lnRef>
+      <a:fillRef idx="1">
+        <a:scrgbClr r="0" g="0" b="0"/>
+      </a:fillRef>
+      <a:effectRef idx="2">
+        <a:scrgbClr r="0" g="0" b="0"/>
+      </a:effectRef>
+      <a:fontRef idx="minor"/>
+    </dgm:style>
+  </dgm:styleLbl>
+  <dgm:styleLbl name="fgAcc4">
+    <dgm:scene3d>
+      <a:camera prst="orthographicFront"/>
+      <a:lightRig rig="threePt" dir="t"/>
+    </dgm:scene3d>
+    <dgm:sp3d/>
+    <dgm:txPr/>
+    <dgm:style>
+      <a:lnRef idx="1">
+        <a:scrgbClr r="0" g="0" b="0"/>
+      </a:lnRef>
+      <a:fillRef idx="1">
+        <a:scrgbClr r="0" g="0" b="0"/>
+      </a:fillRef>
+      <a:effectRef idx="2">
+        <a:scrgbClr r="0" g="0" b="0"/>
+      </a:effectRef>
+      <a:fontRef idx="minor"/>
+    </dgm:style>
+  </dgm:styleLbl>
+  <dgm:styleLbl name="bgShp">
+    <dgm:scene3d>
+      <a:camera prst="orthographicFront"/>
+      <a:lightRig rig="threePt" dir="t"/>
+    </dgm:scene3d>
+    <dgm:sp3d/>
+    <dgm:txPr/>
+    <dgm:style>
+      <a:lnRef idx="0">
+        <a:scrgbClr r="0" g="0" b="0"/>
+      </a:lnRef>
+      <a:fillRef idx="1">
+        <a:scrgbClr r="0" g="0" b="0"/>
+      </a:fillRef>
+      <a:effectRef idx="2">
+        <a:scrgbClr r="0" g="0" b="0"/>
+      </a:effectRef>
+      <a:fontRef idx="minor"/>
+    </dgm:style>
+  </dgm:styleLbl>
+  <dgm:styleLbl name="dkBgShp">
+    <dgm:scene3d>
+      <a:camera prst="orthographicFront"/>
+      <a:lightRig rig="threePt" dir="t"/>
+    </dgm:scene3d>
+    <dgm:sp3d/>
+    <dgm:txPr/>
+    <dgm:style>
+      <a:lnRef idx="0">
+        <a:scrgbClr r="0" g="0" b="0"/>
+      </a:lnRef>
+      <a:fillRef idx="1">
+        <a:scrgbClr r="0" g="0" b="0"/>
+      </a:fillRef>
+      <a:effectRef idx="3">
+        <a:scrgbClr r="0" g="0" b="0"/>
+      </a:effectRef>
+      <a:fontRef idx="minor"/>
+    </dgm:style>
+  </dgm:styleLbl>
+  <dgm:styleLbl name="trBgShp">
+    <dgm:scene3d>
+      <a:camera prst="orthographicFront"/>
+      <a:lightRig rig="threePt" dir="t"/>
+    </dgm:scene3d>
+    <dgm:sp3d/>
+    <dgm:txPr/>
+    <dgm:style>
+      <a:lnRef idx="0">
+        <a:scrgbClr r="0" g="0" b="0"/>
+      </a:lnRef>
+      <a:fillRef idx="1">
+        <a:scrgbClr r="0" g="0" b="0"/>
+      </a:fillRef>
+      <a:effectRef idx="0">
+        <a:scrgbClr r="0" g="0" b="0"/>
+      </a:effectRef>
+      <a:fontRef idx="minor"/>
+    </dgm:style>
+  </dgm:styleLbl>
+  <dgm:styleLbl name="fgShp">
+    <dgm:scene3d>
+      <a:camera prst="orthographicFront"/>
+      <a:lightRig rig="threePt" dir="t"/>
+    </dgm:scene3d>
+    <dgm:sp3d/>
+    <dgm:txPr/>
+    <dgm:style>
+      <a:lnRef idx="0">
+        <a:scrgbClr r="0" g="0" b="0"/>
+      </a:lnRef>
+      <a:fillRef idx="3">
+        <a:scrgbClr r="0" g="0" b="0"/>
+      </a:fillRef>
+      <a:effectRef idx="3">
         <a:scrgbClr r="0" g="0" b="0"/>
       </a:effectRef>
       <a:fontRef idx="minor"/>
@@ -5088,7 +9877,7 @@
                 <a:cs typeface="Calibri"/>
                 <a:sym typeface="Calibri"/>
               </a:rPr>
-              <a:t>7</a:t>
+              <a:t>9</a:t>
             </a:fld>
             <a:endParaRPr lang="en-US" sz="1200">
               <a:solidFill>
@@ -5246,7 +10035,7 @@
             </a:pPr>
             <a:fld id="{00000000-1234-1234-1234-123412341234}" type="slidenum">
               <a:rPr lang="en-US"/>
-              <a:t>8</a:t>
+              <a:t>10</a:t>
             </a:fld>
             <a:endParaRPr lang="en-US"/>
           </a:p>
@@ -6756,6 +11545,843 @@
   <p:cSld>
     <p:spTree>
       <p:nvGrpSpPr>
+        <p:cNvPr id="1" name="Shape 402"/>
+        <p:cNvGrpSpPr/>
+        <p:nvPr/>
+      </p:nvGrpSpPr>
+      <p:grpSpPr>
+        <a:xfrm>
+          <a:off x="0" y="0"/>
+          <a:ext cx="0" cy="0"/>
+          <a:chOff x="0" y="0"/>
+          <a:chExt cx="0" cy="0"/>
+        </a:xfrm>
+      </p:grpSpPr>
+      <p:sp>
+        <p:nvSpPr>
+          <p:cNvPr id="7" name="Shape 240"/>
+          <p:cNvSpPr txBox="1">
+            <a:spLocks/>
+          </p:cNvSpPr>
+          <p:nvPr/>
+        </p:nvSpPr>
+        <p:spPr>
+          <a:xfrm>
+            <a:off x="1524000" y="615597"/>
+            <a:ext cx="9144000" cy="340720"/>
+          </a:xfrm>
+          <a:prstGeom prst="rect">
+            <a:avLst/>
+          </a:prstGeom>
+        </p:spPr>
+        <p:txBody>
+          <a:bodyPr vert="horz" lIns="91440" tIns="45720" rIns="91440" bIns="45720" rtlCol="0" anchor="ctr">
+            <a:normAutofit fontScale="90000" lnSpcReduction="20000"/>
+          </a:bodyPr>
+          <a:lstStyle>
+            <a:lvl1pPr algn="ctr" defTabSz="914400" rtl="0" eaLnBrk="1" latinLnBrk="0" hangingPunct="1">
+              <a:lnSpc>
+                <a:spcPct val="90000"/>
+              </a:lnSpc>
+              <a:spcBef>
+                <a:spcPct val="0"/>
+              </a:spcBef>
+              <a:buNone/>
+              <a:defRPr sz="4800" kern="1200">
+                <a:solidFill>
+                  <a:srgbClr val="132E57"/>
+                </a:solidFill>
+                <a:latin typeface="Open Sans Light" panose="020B0306030504020204" pitchFamily="34" charset="0"/>
+                <a:ea typeface="Open Sans Light" panose="020B0306030504020204" pitchFamily="34" charset="0"/>
+                <a:cs typeface="Open Sans Light" panose="020B0306030504020204" pitchFamily="34" charset="0"/>
+              </a:defRPr>
+            </a:lvl1pPr>
+          </a:lstStyle>
+          <a:p>
+            <a:r>
+              <a:rPr lang="en-US" sz="2400" dirty="0">
+                <a:latin typeface="Open Sans Semibold" panose="020B0706030804020204" pitchFamily="34" charset="0"/>
+                <a:ea typeface="Open Sans Semibold" panose="020B0706030804020204" pitchFamily="34" charset="0"/>
+                <a:cs typeface="Open Sans Semibold" panose="020B0706030804020204" pitchFamily="34" charset="0"/>
+                <a:sym typeface="Open Sans"/>
+              </a:rPr>
+              <a:t>Business Model</a:t>
+            </a:r>
+          </a:p>
+        </p:txBody>
+      </p:sp>
+      <p:sp>
+        <p:nvSpPr>
+          <p:cNvPr id="8" name="TextBox 7"/>
+          <p:cNvSpPr txBox="1"/>
+          <p:nvPr/>
+        </p:nvSpPr>
+        <p:spPr>
+          <a:xfrm>
+            <a:off x="2544619" y="4219389"/>
+            <a:ext cx="2261055" cy="1200329"/>
+          </a:xfrm>
+          <a:prstGeom prst="rect">
+            <a:avLst/>
+          </a:prstGeom>
+          <a:solidFill>
+            <a:srgbClr val="E6E7E7"/>
+          </a:solidFill>
+        </p:spPr>
+        <p:txBody>
+          <a:bodyPr wrap="square" rtlCol="0">
+            <a:spAutoFit/>
+          </a:bodyPr>
+          <a:lstStyle/>
+          <a:p>
+            <a:pPr algn="ctr"/>
+            <a:r>
+              <a:rPr lang="en-CA" dirty="0" err="1">
+                <a:solidFill>
+                  <a:srgbClr val="676767"/>
+                </a:solidFill>
+                <a:latin typeface="Open Sans Semibold" panose="020B0706030804020204" pitchFamily="34" charset="0"/>
+                <a:ea typeface="Open Sans Semibold" panose="020B0706030804020204" pitchFamily="34" charset="0"/>
+                <a:cs typeface="Open Sans Semibold" panose="020B0706030804020204" pitchFamily="34" charset="0"/>
+              </a:rPr>
+              <a:t>Rubikon</a:t>
+            </a:r>
+            <a:r>
+              <a:rPr lang="en-CA" dirty="0">
+                <a:solidFill>
+                  <a:srgbClr val="676767"/>
+                </a:solidFill>
+                <a:latin typeface="Open Sans Semibold" panose="020B0706030804020204" pitchFamily="34" charset="0"/>
+                <a:ea typeface="Open Sans Semibold" panose="020B0706030804020204" pitchFamily="34" charset="0"/>
+                <a:cs typeface="Open Sans Semibold" panose="020B0706030804020204" pitchFamily="34" charset="0"/>
+              </a:rPr>
+              <a:t> Student House Administration</a:t>
+            </a:r>
+          </a:p>
+          <a:p>
+            <a:pPr algn="ctr"/>
+            <a:r>
+              <a:rPr lang="en-CA" dirty="0">
+                <a:solidFill>
+                  <a:srgbClr val="ED942D"/>
+                </a:solidFill>
+                <a:latin typeface="Open Sans Semibold" panose="020B0706030804020204" pitchFamily="34" charset="0"/>
+                <a:ea typeface="Open Sans Semibold" panose="020B0706030804020204" pitchFamily="34" charset="0"/>
+                <a:cs typeface="Open Sans Semibold" panose="020B0706030804020204" pitchFamily="34" charset="0"/>
+              </a:rPr>
+              <a:t>60%</a:t>
+            </a:r>
+            <a:endParaRPr lang="en-CA" dirty="0">
+              <a:solidFill>
+                <a:srgbClr val="ED942D"/>
+              </a:solidFill>
+              <a:latin typeface="Open Sans Light" panose="020B0306030504020204" pitchFamily="34" charset="0"/>
+              <a:ea typeface="Open Sans Light" panose="020B0306030504020204" pitchFamily="34" charset="0"/>
+              <a:cs typeface="Open Sans Light" panose="020B0306030504020204" pitchFamily="34" charset="0"/>
+            </a:endParaRPr>
+          </a:p>
+        </p:txBody>
+      </p:sp>
+      <p:sp>
+        <p:nvSpPr>
+          <p:cNvPr id="9" name="TextBox 7">
+            <a:extLst>
+              <a:ext uri="{FF2B5EF4-FFF2-40B4-BE49-F238E27FC236}">
+                <a16:creationId xmlns:a16="http://schemas.microsoft.com/office/drawing/2014/main" id="{C1AA659B-080F-4370-84A2-86E8113AF769}"/>
+              </a:ext>
+            </a:extLst>
+          </p:cNvPr>
+          <p:cNvSpPr txBox="1"/>
+          <p:nvPr/>
+        </p:nvSpPr>
+        <p:spPr>
+          <a:xfrm>
+            <a:off x="7634796" y="4496387"/>
+            <a:ext cx="2261055" cy="646331"/>
+          </a:xfrm>
+          <a:prstGeom prst="rect">
+            <a:avLst/>
+          </a:prstGeom>
+          <a:solidFill>
+            <a:srgbClr val="E6E7E7"/>
+          </a:solidFill>
+        </p:spPr>
+        <p:txBody>
+          <a:bodyPr wrap="square" rtlCol="0">
+            <a:spAutoFit/>
+          </a:bodyPr>
+          <a:lstStyle/>
+          <a:p>
+            <a:pPr algn="ctr"/>
+            <a:r>
+              <a:rPr lang="en-CA" dirty="0" err="1">
+                <a:solidFill>
+                  <a:srgbClr val="676767"/>
+                </a:solidFill>
+                <a:latin typeface="Open Sans Semibold" panose="020B0706030804020204" pitchFamily="34" charset="0"/>
+                <a:ea typeface="Open Sans Semibold" panose="020B0706030804020204" pitchFamily="34" charset="0"/>
+                <a:cs typeface="Open Sans Semibold" panose="020B0706030804020204" pitchFamily="34" charset="0"/>
+              </a:rPr>
+              <a:t>KeyFinder</a:t>
+            </a:r>
+            <a:r>
+              <a:rPr lang="en-CA" dirty="0">
+                <a:solidFill>
+                  <a:srgbClr val="676767"/>
+                </a:solidFill>
+                <a:latin typeface="Open Sans Semibold" panose="020B0706030804020204" pitchFamily="34" charset="0"/>
+                <a:ea typeface="Open Sans Semibold" panose="020B0706030804020204" pitchFamily="34" charset="0"/>
+                <a:cs typeface="Open Sans Semibold" panose="020B0706030804020204" pitchFamily="34" charset="0"/>
+              </a:rPr>
+              <a:t> Team</a:t>
+            </a:r>
+          </a:p>
+          <a:p>
+            <a:pPr algn="ctr"/>
+            <a:r>
+              <a:rPr lang="en-CA" dirty="0">
+                <a:solidFill>
+                  <a:srgbClr val="ED942D"/>
+                </a:solidFill>
+                <a:latin typeface="Open Sans Semibold" panose="020B0706030804020204" pitchFamily="34" charset="0"/>
+                <a:ea typeface="Open Sans Semibold" panose="020B0706030804020204" pitchFamily="34" charset="0"/>
+                <a:cs typeface="Open Sans Semibold" panose="020B0706030804020204" pitchFamily="34" charset="0"/>
+              </a:rPr>
+              <a:t>40%</a:t>
+            </a:r>
+            <a:endParaRPr lang="en-CA" dirty="0">
+              <a:solidFill>
+                <a:srgbClr val="ED942D"/>
+              </a:solidFill>
+              <a:latin typeface="Open Sans Light" panose="020B0306030504020204" pitchFamily="34" charset="0"/>
+              <a:ea typeface="Open Sans Light" panose="020B0306030504020204" pitchFamily="34" charset="0"/>
+              <a:cs typeface="Open Sans Light" panose="020B0306030504020204" pitchFamily="34" charset="0"/>
+            </a:endParaRPr>
+          </a:p>
+        </p:txBody>
+      </p:sp>
+      <p:sp>
+        <p:nvSpPr>
+          <p:cNvPr id="5" name="Dikdörtgen 4">
+            <a:extLst>
+              <a:ext uri="{FF2B5EF4-FFF2-40B4-BE49-F238E27FC236}">
+                <a16:creationId xmlns:a16="http://schemas.microsoft.com/office/drawing/2014/main" id="{89271FF5-88BE-44AF-B2B5-CE5B245619F3}"/>
+              </a:ext>
+            </a:extLst>
+          </p:cNvPr>
+          <p:cNvSpPr/>
+          <p:nvPr/>
+        </p:nvSpPr>
+        <p:spPr>
+          <a:xfrm>
+            <a:off x="4761338" y="1083075"/>
+            <a:ext cx="2669324" cy="1200329"/>
+          </a:xfrm>
+          <a:prstGeom prst="rect">
+            <a:avLst/>
+          </a:prstGeom>
+        </p:spPr>
+        <p:style>
+          <a:lnRef idx="2">
+            <a:schemeClr val="accent1">
+              <a:shade val="50000"/>
+            </a:schemeClr>
+          </a:lnRef>
+          <a:fillRef idx="1">
+            <a:schemeClr val="accent1"/>
+          </a:fillRef>
+          <a:effectRef idx="0">
+            <a:schemeClr val="accent1"/>
+          </a:effectRef>
+          <a:fontRef idx="minor">
+            <a:schemeClr val="lt1"/>
+          </a:fontRef>
+        </p:style>
+        <p:txBody>
+          <a:bodyPr rtlCol="0" anchor="ctr"/>
+          <a:lstStyle/>
+          <a:p>
+            <a:pPr algn="ctr"/>
+            <a:r>
+              <a:rPr lang="en-US" dirty="0"/>
+              <a:t>5 PLN penalty for every hour resident doesn’t bring the key in time</a:t>
+            </a:r>
+          </a:p>
+        </p:txBody>
+      </p:sp>
+      <p:sp>
+        <p:nvSpPr>
+          <p:cNvPr id="10" name="Dikdörtgen 9">
+            <a:extLst>
+              <a:ext uri="{FF2B5EF4-FFF2-40B4-BE49-F238E27FC236}">
+                <a16:creationId xmlns:a16="http://schemas.microsoft.com/office/drawing/2014/main" id="{6D68D56A-D911-4CBD-B592-6B004D204260}"/>
+              </a:ext>
+            </a:extLst>
+          </p:cNvPr>
+          <p:cNvSpPr/>
+          <p:nvPr/>
+        </p:nvSpPr>
+        <p:spPr>
+          <a:xfrm>
+            <a:off x="5250349" y="2590697"/>
+            <a:ext cx="1691301" cy="806389"/>
+          </a:xfrm>
+          <a:prstGeom prst="rect">
+            <a:avLst/>
+          </a:prstGeom>
+        </p:spPr>
+        <p:style>
+          <a:lnRef idx="2">
+            <a:schemeClr val="accent1">
+              <a:shade val="50000"/>
+            </a:schemeClr>
+          </a:lnRef>
+          <a:fillRef idx="1">
+            <a:schemeClr val="accent1"/>
+          </a:fillRef>
+          <a:effectRef idx="0">
+            <a:schemeClr val="accent1"/>
+          </a:effectRef>
+          <a:fontRef idx="minor">
+            <a:schemeClr val="lt1"/>
+          </a:fontRef>
+        </p:style>
+        <p:txBody>
+          <a:bodyPr rtlCol="0" anchor="ctr"/>
+          <a:lstStyle/>
+          <a:p>
+            <a:pPr algn="ctr"/>
+            <a:r>
+              <a:rPr lang="en-US" dirty="0"/>
+              <a:t>Profit distribution</a:t>
+            </a:r>
+          </a:p>
+        </p:txBody>
+      </p:sp>
+      <p:cxnSp>
+        <p:nvCxnSpPr>
+          <p:cNvPr id="12" name="Düz Ok Bağlayıcısı 11">
+            <a:extLst>
+              <a:ext uri="{FF2B5EF4-FFF2-40B4-BE49-F238E27FC236}">
+                <a16:creationId xmlns:a16="http://schemas.microsoft.com/office/drawing/2014/main" id="{C881358F-344B-4681-B949-C29F2C700811}"/>
+              </a:ext>
+            </a:extLst>
+          </p:cNvPr>
+          <p:cNvCxnSpPr>
+            <a:cxnSpLocks/>
+            <a:endCxn id="8" idx="0"/>
+          </p:cNvCxnSpPr>
+          <p:nvPr/>
+        </p:nvCxnSpPr>
+        <p:spPr>
+          <a:xfrm flipH="1">
+            <a:off x="3675147" y="3397086"/>
+            <a:ext cx="1575202" cy="822303"/>
+          </a:xfrm>
+          <a:prstGeom prst="straightConnector1">
+            <a:avLst/>
+          </a:prstGeom>
+          <a:ln>
+            <a:tailEnd type="triangle"/>
+          </a:ln>
+        </p:spPr>
+        <p:style>
+          <a:lnRef idx="1">
+            <a:schemeClr val="accent1"/>
+          </a:lnRef>
+          <a:fillRef idx="0">
+            <a:schemeClr val="accent1"/>
+          </a:fillRef>
+          <a:effectRef idx="0">
+            <a:schemeClr val="accent1"/>
+          </a:effectRef>
+          <a:fontRef idx="minor">
+            <a:schemeClr val="tx1"/>
+          </a:fontRef>
+        </p:style>
+      </p:cxnSp>
+      <p:cxnSp>
+        <p:nvCxnSpPr>
+          <p:cNvPr id="13" name="Düz Ok Bağlayıcısı 12">
+            <a:extLst>
+              <a:ext uri="{FF2B5EF4-FFF2-40B4-BE49-F238E27FC236}">
+                <a16:creationId xmlns:a16="http://schemas.microsoft.com/office/drawing/2014/main" id="{DA3DAA0E-0F7A-4245-A710-2B0AC46AEA7F}"/>
+              </a:ext>
+            </a:extLst>
+          </p:cNvPr>
+          <p:cNvCxnSpPr>
+            <a:cxnSpLocks/>
+            <a:endCxn id="9" idx="0"/>
+          </p:cNvCxnSpPr>
+          <p:nvPr/>
+        </p:nvCxnSpPr>
+        <p:spPr>
+          <a:xfrm>
+            <a:off x="6954177" y="3397086"/>
+            <a:ext cx="1811147" cy="1099301"/>
+          </a:xfrm>
+          <a:prstGeom prst="straightConnector1">
+            <a:avLst/>
+          </a:prstGeom>
+          <a:ln>
+            <a:tailEnd type="triangle"/>
+          </a:ln>
+        </p:spPr>
+        <p:style>
+          <a:lnRef idx="1">
+            <a:schemeClr val="accent1"/>
+          </a:lnRef>
+          <a:fillRef idx="0">
+            <a:schemeClr val="accent1"/>
+          </a:fillRef>
+          <a:effectRef idx="0">
+            <a:schemeClr val="accent1"/>
+          </a:effectRef>
+          <a:fontRef idx="minor">
+            <a:schemeClr val="tx1"/>
+          </a:fontRef>
+        </p:style>
+      </p:cxnSp>
+    </p:spTree>
+    <p:custDataLst>
+      <p:tags r:id="rId1"/>
+    </p:custDataLst>
+    <p:extLst>
+      <p:ext uri="{BB962C8B-B14F-4D97-AF65-F5344CB8AC3E}">
+        <p14:creationId xmlns:p14="http://schemas.microsoft.com/office/powerpoint/2010/main" val="1222540040"/>
+      </p:ext>
+    </p:extLst>
+  </p:cSld>
+  <p:clrMapOvr>
+    <a:masterClrMapping/>
+  </p:clrMapOvr>
+  <mc:AlternateContent xmlns:mc="http://schemas.openxmlformats.org/markup-compatibility/2006" xmlns:p14="http://schemas.microsoft.com/office/powerpoint/2010/main">
+    <mc:Choice Requires="p14">
+      <p:transition spd="med" p14:dur="700">
+        <p:fade/>
+      </p:transition>
+    </mc:Choice>
+    <mc:Fallback xmlns="">
+      <p:transition spd="med">
+        <p:fade/>
+      </p:transition>
+    </mc:Fallback>
+  </mc:AlternateContent>
+  <p:timing>
+    <p:tnLst>
+      <p:par>
+        <p:cTn id="1" dur="indefinite" restart="never" nodeType="tmRoot">
+          <p:childTnLst>
+            <p:seq concurrent="1" nextAc="seek">
+              <p:cTn id="2" dur="indefinite" nodeType="mainSeq">
+                <p:childTnLst>
+                  <p:par>
+                    <p:cTn id="3" fill="hold">
+                      <p:stCondLst>
+                        <p:cond delay="indefinite"/>
+                        <p:cond evt="onBegin" delay="0">
+                          <p:tn val="2"/>
+                        </p:cond>
+                      </p:stCondLst>
+                      <p:childTnLst>
+                        <p:par>
+                          <p:cTn id="4" fill="hold">
+                            <p:stCondLst>
+                              <p:cond delay="0"/>
+                            </p:stCondLst>
+                            <p:childTnLst>
+                              <p:par>
+                                <p:cTn id="5" presetID="10" presetClass="entr" presetSubtype="0" fill="hold" grpId="0" nodeType="withEffect">
+                                  <p:stCondLst>
+                                    <p:cond delay="0"/>
+                                  </p:stCondLst>
+                                  <p:iterate type="lt">
+                                    <p:tmPct val="13000"/>
+                                  </p:iterate>
+                                  <p:childTnLst>
+                                    <p:set>
+                                      <p:cBhvr>
+                                        <p:cTn id="6" dur="1" fill="hold">
+                                          <p:stCondLst>
+                                            <p:cond delay="0"/>
+                                          </p:stCondLst>
+                                        </p:cTn>
+                                        <p:tgtEl>
+                                          <p:spTgt spid="7"/>
+                                        </p:tgtEl>
+                                        <p:attrNameLst>
+                                          <p:attrName>style.visibility</p:attrName>
+                                        </p:attrNameLst>
+                                      </p:cBhvr>
+                                      <p:to>
+                                        <p:strVal val="visible"/>
+                                      </p:to>
+                                    </p:set>
+                                    <p:animEffect transition="in" filter="fade">
+                                      <p:cBhvr>
+                                        <p:cTn id="7" dur="500"/>
+                                        <p:tgtEl>
+                                          <p:spTgt spid="7"/>
+                                        </p:tgtEl>
+                                      </p:cBhvr>
+                                    </p:animEffect>
+                                  </p:childTnLst>
+                                </p:cTn>
+                              </p:par>
+                            </p:childTnLst>
+                          </p:cTn>
+                        </p:par>
+                      </p:childTnLst>
+                    </p:cTn>
+                  </p:par>
+                  <p:par>
+                    <p:cTn id="8" fill="hold">
+                      <p:stCondLst>
+                        <p:cond delay="indefinite"/>
+                      </p:stCondLst>
+                      <p:childTnLst>
+                        <p:par>
+                          <p:cTn id="9" fill="hold">
+                            <p:stCondLst>
+                              <p:cond delay="0"/>
+                            </p:stCondLst>
+                            <p:childTnLst>
+                              <p:par>
+                                <p:cTn id="10" presetID="10" presetClass="entr" presetSubtype="0" fill="hold" grpId="0" nodeType="clickEffect">
+                                  <p:stCondLst>
+                                    <p:cond delay="0"/>
+                                  </p:stCondLst>
+                                  <p:childTnLst>
+                                    <p:set>
+                                      <p:cBhvr>
+                                        <p:cTn id="11" dur="1" fill="hold">
+                                          <p:stCondLst>
+                                            <p:cond delay="0"/>
+                                          </p:stCondLst>
+                                        </p:cTn>
+                                        <p:tgtEl>
+                                          <p:spTgt spid="5"/>
+                                        </p:tgtEl>
+                                        <p:attrNameLst>
+                                          <p:attrName>style.visibility</p:attrName>
+                                        </p:attrNameLst>
+                                      </p:cBhvr>
+                                      <p:to>
+                                        <p:strVal val="visible"/>
+                                      </p:to>
+                                    </p:set>
+                                    <p:animEffect transition="in" filter="fade">
+                                      <p:cBhvr>
+                                        <p:cTn id="12" dur="500"/>
+                                        <p:tgtEl>
+                                          <p:spTgt spid="5"/>
+                                        </p:tgtEl>
+                                      </p:cBhvr>
+                                    </p:animEffect>
+                                  </p:childTnLst>
+                                </p:cTn>
+                              </p:par>
+                            </p:childTnLst>
+                          </p:cTn>
+                        </p:par>
+                      </p:childTnLst>
+                    </p:cTn>
+                  </p:par>
+                  <p:par>
+                    <p:cTn id="13" fill="hold">
+                      <p:stCondLst>
+                        <p:cond delay="indefinite"/>
+                      </p:stCondLst>
+                      <p:childTnLst>
+                        <p:par>
+                          <p:cTn id="14" fill="hold">
+                            <p:stCondLst>
+                              <p:cond delay="0"/>
+                            </p:stCondLst>
+                            <p:childTnLst>
+                              <p:par>
+                                <p:cTn id="15" presetID="10" presetClass="entr" presetSubtype="0" fill="hold" grpId="0" nodeType="clickEffect">
+                                  <p:stCondLst>
+                                    <p:cond delay="0"/>
+                                  </p:stCondLst>
+                                  <p:childTnLst>
+                                    <p:set>
+                                      <p:cBhvr>
+                                        <p:cTn id="16" dur="1" fill="hold">
+                                          <p:stCondLst>
+                                            <p:cond delay="0"/>
+                                          </p:stCondLst>
+                                        </p:cTn>
+                                        <p:tgtEl>
+                                          <p:spTgt spid="8"/>
+                                        </p:tgtEl>
+                                        <p:attrNameLst>
+                                          <p:attrName>style.visibility</p:attrName>
+                                        </p:attrNameLst>
+                                      </p:cBhvr>
+                                      <p:to>
+                                        <p:strVal val="visible"/>
+                                      </p:to>
+                                    </p:set>
+                                    <p:animEffect transition="in" filter="fade">
+                                      <p:cBhvr>
+                                        <p:cTn id="17" dur="500"/>
+                                        <p:tgtEl>
+                                          <p:spTgt spid="8"/>
+                                        </p:tgtEl>
+                                      </p:cBhvr>
+                                    </p:animEffect>
+                                  </p:childTnLst>
+                                </p:cTn>
+                              </p:par>
+                              <p:par>
+                                <p:cTn id="18" presetID="10" presetClass="entr" presetSubtype="0" fill="hold" grpId="0" nodeType="withEffect">
+                                  <p:stCondLst>
+                                    <p:cond delay="0"/>
+                                  </p:stCondLst>
+                                  <p:childTnLst>
+                                    <p:set>
+                                      <p:cBhvr>
+                                        <p:cTn id="19" dur="1" fill="hold">
+                                          <p:stCondLst>
+                                            <p:cond delay="0"/>
+                                          </p:stCondLst>
+                                        </p:cTn>
+                                        <p:tgtEl>
+                                          <p:spTgt spid="9"/>
+                                        </p:tgtEl>
+                                        <p:attrNameLst>
+                                          <p:attrName>style.visibility</p:attrName>
+                                        </p:attrNameLst>
+                                      </p:cBhvr>
+                                      <p:to>
+                                        <p:strVal val="visible"/>
+                                      </p:to>
+                                    </p:set>
+                                    <p:animEffect transition="in" filter="fade">
+                                      <p:cBhvr>
+                                        <p:cTn id="20" dur="500"/>
+                                        <p:tgtEl>
+                                          <p:spTgt spid="9"/>
+                                        </p:tgtEl>
+                                      </p:cBhvr>
+                                    </p:animEffect>
+                                  </p:childTnLst>
+                                </p:cTn>
+                              </p:par>
+                              <p:par>
+                                <p:cTn id="21" presetID="10" presetClass="entr" presetSubtype="0" fill="hold" grpId="0" nodeType="withEffect">
+                                  <p:stCondLst>
+                                    <p:cond delay="0"/>
+                                  </p:stCondLst>
+                                  <p:childTnLst>
+                                    <p:set>
+                                      <p:cBhvr>
+                                        <p:cTn id="22" dur="1" fill="hold">
+                                          <p:stCondLst>
+                                            <p:cond delay="0"/>
+                                          </p:stCondLst>
+                                        </p:cTn>
+                                        <p:tgtEl>
+                                          <p:spTgt spid="10"/>
+                                        </p:tgtEl>
+                                        <p:attrNameLst>
+                                          <p:attrName>style.visibility</p:attrName>
+                                        </p:attrNameLst>
+                                      </p:cBhvr>
+                                      <p:to>
+                                        <p:strVal val="visible"/>
+                                      </p:to>
+                                    </p:set>
+                                    <p:animEffect transition="in" filter="fade">
+                                      <p:cBhvr>
+                                        <p:cTn id="23" dur="500"/>
+                                        <p:tgtEl>
+                                          <p:spTgt spid="10"/>
+                                        </p:tgtEl>
+                                      </p:cBhvr>
+                                    </p:animEffect>
+                                  </p:childTnLst>
+                                </p:cTn>
+                              </p:par>
+                              <p:par>
+                                <p:cTn id="24" presetID="10" presetClass="entr" presetSubtype="0" fill="hold" nodeType="withEffect">
+                                  <p:stCondLst>
+                                    <p:cond delay="0"/>
+                                  </p:stCondLst>
+                                  <p:childTnLst>
+                                    <p:set>
+                                      <p:cBhvr>
+                                        <p:cTn id="25" dur="1" fill="hold">
+                                          <p:stCondLst>
+                                            <p:cond delay="0"/>
+                                          </p:stCondLst>
+                                        </p:cTn>
+                                        <p:tgtEl>
+                                          <p:spTgt spid="12"/>
+                                        </p:tgtEl>
+                                        <p:attrNameLst>
+                                          <p:attrName>style.visibility</p:attrName>
+                                        </p:attrNameLst>
+                                      </p:cBhvr>
+                                      <p:to>
+                                        <p:strVal val="visible"/>
+                                      </p:to>
+                                    </p:set>
+                                    <p:animEffect transition="in" filter="fade">
+                                      <p:cBhvr>
+                                        <p:cTn id="26" dur="500"/>
+                                        <p:tgtEl>
+                                          <p:spTgt spid="12"/>
+                                        </p:tgtEl>
+                                      </p:cBhvr>
+                                    </p:animEffect>
+                                  </p:childTnLst>
+                                </p:cTn>
+                              </p:par>
+                              <p:par>
+                                <p:cTn id="27" presetID="10" presetClass="entr" presetSubtype="0" fill="hold" nodeType="withEffect">
+                                  <p:stCondLst>
+                                    <p:cond delay="0"/>
+                                  </p:stCondLst>
+                                  <p:childTnLst>
+                                    <p:set>
+                                      <p:cBhvr>
+                                        <p:cTn id="28" dur="1" fill="hold">
+                                          <p:stCondLst>
+                                            <p:cond delay="0"/>
+                                          </p:stCondLst>
+                                        </p:cTn>
+                                        <p:tgtEl>
+                                          <p:spTgt spid="13"/>
+                                        </p:tgtEl>
+                                        <p:attrNameLst>
+                                          <p:attrName>style.visibility</p:attrName>
+                                        </p:attrNameLst>
+                                      </p:cBhvr>
+                                      <p:to>
+                                        <p:strVal val="visible"/>
+                                      </p:to>
+                                    </p:set>
+                                    <p:animEffect transition="in" filter="fade">
+                                      <p:cBhvr>
+                                        <p:cTn id="29" dur="500"/>
+                                        <p:tgtEl>
+                                          <p:spTgt spid="13"/>
+                                        </p:tgtEl>
+                                      </p:cBhvr>
+                                    </p:animEffect>
+                                  </p:childTnLst>
+                                </p:cTn>
+                              </p:par>
+                            </p:childTnLst>
+                          </p:cTn>
+                        </p:par>
+                      </p:childTnLst>
+                    </p:cTn>
+                  </p:par>
+                </p:childTnLst>
+              </p:cTn>
+              <p:prevCondLst>
+                <p:cond evt="onPrev" delay="0">
+                  <p:tgtEl>
+                    <p:sldTgt/>
+                  </p:tgtEl>
+                </p:cond>
+              </p:prevCondLst>
+              <p:nextCondLst>
+                <p:cond evt="onNext" delay="0">
+                  <p:tgtEl>
+                    <p:sldTgt/>
+                  </p:tgtEl>
+                </p:cond>
+              </p:nextCondLst>
+            </p:seq>
+          </p:childTnLst>
+        </p:cTn>
+      </p:par>
+    </p:tnLst>
+    <p:bldLst>
+      <p:bldP spid="7" grpId="0"/>
+      <p:bldP spid="8" grpId="0" animBg="1"/>
+      <p:bldP spid="9" grpId="0" animBg="1"/>
+      <p:bldP spid="5" grpId="0" animBg="1"/>
+      <p:bldP spid="10" grpId="0" animBg="1"/>
+    </p:bldLst>
+  </p:timing>
+</p:sld>
+</file>
+
+<file path=ppt/slides/slide11.xml><?xml version="1.0" encoding="utf-8"?>
+<p:sld xmlns:a="http://schemas.openxmlformats.org/drawingml/2006/main" xmlns:r="http://schemas.openxmlformats.org/officeDocument/2006/relationships" xmlns:p="http://schemas.openxmlformats.org/presentationml/2006/main">
+  <p:cSld>
+    <p:spTree>
+      <p:nvGrpSpPr>
+        <p:cNvPr id="1" name=""/>
+        <p:cNvGrpSpPr/>
+        <p:nvPr/>
+      </p:nvGrpSpPr>
+      <p:grpSpPr>
+        <a:xfrm>
+          <a:off x="0" y="0"/>
+          <a:ext cx="0" cy="0"/>
+          <a:chOff x="0" y="0"/>
+          <a:chExt cx="0" cy="0"/>
+        </a:xfrm>
+      </p:grpSpPr>
+      <p:sp>
+        <p:nvSpPr>
+          <p:cNvPr id="2" name="Başlık 1">
+            <a:extLst>
+              <a:ext uri="{FF2B5EF4-FFF2-40B4-BE49-F238E27FC236}">
+                <a16:creationId xmlns:a16="http://schemas.microsoft.com/office/drawing/2014/main" id="{503CB7A9-E66B-45DC-9DEC-EAA5E52BD7D8}"/>
+              </a:ext>
+            </a:extLst>
+          </p:cNvPr>
+          <p:cNvSpPr>
+            <a:spLocks noGrp="1"/>
+          </p:cNvSpPr>
+          <p:nvPr>
+            <p:ph type="ctrTitle"/>
+          </p:nvPr>
+        </p:nvSpPr>
+        <p:spPr>
+          <a:xfrm>
+            <a:off x="1524000" y="1890945"/>
+            <a:ext cx="9144000" cy="2150038"/>
+          </a:xfrm>
+        </p:spPr>
+        <p:txBody>
+          <a:bodyPr>
+            <a:normAutofit/>
+          </a:bodyPr>
+          <a:lstStyle/>
+          <a:p>
+            <a:r>
+              <a:rPr lang="en-US" sz="5600" dirty="0"/>
+              <a:t>Q&amp;A</a:t>
+            </a:r>
+          </a:p>
+        </p:txBody>
+      </p:sp>
+    </p:spTree>
+    <p:extLst>
+      <p:ext uri="{BB962C8B-B14F-4D97-AF65-F5344CB8AC3E}">
+        <p14:creationId xmlns:p14="http://schemas.microsoft.com/office/powerpoint/2010/main" val="3394278476"/>
+      </p:ext>
+    </p:extLst>
+  </p:cSld>
+  <p:clrMapOvr>
+    <a:masterClrMapping/>
+  </p:clrMapOvr>
+</p:sld>
+</file>
+
+<file path=ppt/slides/slide12.xml><?xml version="1.0" encoding="utf-8"?>
+<p:sld xmlns:a="http://schemas.openxmlformats.org/drawingml/2006/main" xmlns:r="http://schemas.openxmlformats.org/officeDocument/2006/relationships" xmlns:p="http://schemas.openxmlformats.org/presentationml/2006/main">
+  <p:cSld>
+    <p:spTree>
+      <p:nvGrpSpPr>
         <p:cNvPr id="1" name=""/>
         <p:cNvGrpSpPr/>
         <p:nvPr/>
@@ -7600,7 +13226,7 @@
         </p:blipFill>
         <p:spPr>
           <a:xfrm>
-            <a:off x="7912148" y="1422400"/>
+            <a:off x="7942951" y="1422400"/>
             <a:ext cx="1699490" cy="2543481"/>
           </a:xfrm>
           <a:prstGeom prst="rect">
@@ -8642,6 +14268,153 @@
 <file path=ppt/slides/slide7.xml><?xml version="1.0" encoding="utf-8"?>
 <p:sld xmlns:a="http://schemas.openxmlformats.org/drawingml/2006/main" xmlns:r="http://schemas.openxmlformats.org/officeDocument/2006/relationships" xmlns:p="http://schemas.openxmlformats.org/presentationml/2006/main">
   <p:cSld>
+    <p:spTree>
+      <p:nvGrpSpPr>
+        <p:cNvPr id="1" name=""/>
+        <p:cNvGrpSpPr/>
+        <p:nvPr/>
+      </p:nvGrpSpPr>
+      <p:grpSpPr>
+        <a:xfrm>
+          <a:off x="0" y="0"/>
+          <a:ext cx="0" cy="0"/>
+          <a:chOff x="0" y="0"/>
+          <a:chExt cx="0" cy="0"/>
+        </a:xfrm>
+      </p:grpSpPr>
+      <p:sp>
+        <p:nvSpPr>
+          <p:cNvPr id="2" name="Başlık 1">
+            <a:extLst>
+              <a:ext uri="{FF2B5EF4-FFF2-40B4-BE49-F238E27FC236}">
+                <a16:creationId xmlns:a16="http://schemas.microsoft.com/office/drawing/2014/main" id="{B0B5E0D6-A1AE-4920-9328-D14F445AE48B}"/>
+              </a:ext>
+            </a:extLst>
+          </p:cNvPr>
+          <p:cNvSpPr>
+            <a:spLocks noGrp="1"/>
+          </p:cNvSpPr>
+          <p:nvPr>
+            <p:ph type="ctrTitle"/>
+          </p:nvPr>
+        </p:nvSpPr>
+        <p:spPr/>
+        <p:txBody>
+          <a:bodyPr/>
+          <a:lstStyle/>
+          <a:p>
+            <a:r>
+              <a:rPr lang="en-US" dirty="0"/>
+              <a:t>Our Services</a:t>
+            </a:r>
+          </a:p>
+        </p:txBody>
+      </p:sp>
+    </p:spTree>
+    <p:extLst>
+      <p:ext uri="{BB962C8B-B14F-4D97-AF65-F5344CB8AC3E}">
+        <p14:creationId xmlns:p14="http://schemas.microsoft.com/office/powerpoint/2010/main" val="1868249741"/>
+      </p:ext>
+    </p:extLst>
+  </p:cSld>
+  <p:clrMapOvr>
+    <a:masterClrMapping/>
+  </p:clrMapOvr>
+</p:sld>
+</file>
+
+<file path=ppt/slides/slide8.xml><?xml version="1.0" encoding="utf-8"?>
+<p:sld xmlns:a="http://schemas.openxmlformats.org/drawingml/2006/main" xmlns:r="http://schemas.openxmlformats.org/officeDocument/2006/relationships" xmlns:p="http://schemas.openxmlformats.org/presentationml/2006/main">
+  <p:cSld>
+    <p:spTree>
+      <p:nvGrpSpPr>
+        <p:cNvPr id="1" name=""/>
+        <p:cNvGrpSpPr/>
+        <p:nvPr/>
+      </p:nvGrpSpPr>
+      <p:grpSpPr>
+        <a:xfrm>
+          <a:off x="0" y="0"/>
+          <a:ext cx="0" cy="0"/>
+          <a:chOff x="0" y="0"/>
+          <a:chExt cx="0" cy="0"/>
+        </a:xfrm>
+      </p:grpSpPr>
+      <p:graphicFrame>
+        <p:nvGraphicFramePr>
+          <p:cNvPr id="5" name="Diyagram 4">
+            <a:extLst>
+              <a:ext uri="{FF2B5EF4-FFF2-40B4-BE49-F238E27FC236}">
+                <a16:creationId xmlns:a16="http://schemas.microsoft.com/office/drawing/2014/main" id="{0CE36CF2-62F7-43B5-92CB-525E590B8B76}"/>
+              </a:ext>
+            </a:extLst>
+          </p:cNvPr>
+          <p:cNvGraphicFramePr/>
+          <p:nvPr>
+            <p:extLst>
+              <p:ext uri="{D42A27DB-BD31-4B8C-83A1-F6EECF244321}">
+                <p14:modId xmlns:p14="http://schemas.microsoft.com/office/powerpoint/2010/main" val="3382774792"/>
+              </p:ext>
+            </p:extLst>
+          </p:nvPr>
+        </p:nvGraphicFramePr>
+        <p:xfrm>
+          <a:off x="457200" y="311943"/>
+          <a:ext cx="10896600" cy="1171624"/>
+        </p:xfrm>
+        <a:graphic>
+          <a:graphicData uri="http://schemas.openxmlformats.org/drawingml/2006/diagram">
+            <dgm:relIds xmlns:dgm="http://schemas.openxmlformats.org/drawingml/2006/diagram" xmlns:r="http://schemas.openxmlformats.org/officeDocument/2006/relationships" r:dm="rId2" r:lo="rId3" r:qs="rId4" r:cs="rId5"/>
+          </a:graphicData>
+        </a:graphic>
+      </p:graphicFrame>
+      <p:graphicFrame>
+        <p:nvGraphicFramePr>
+          <p:cNvPr id="6" name="İçerik Yer Tutucusu 3">
+            <a:extLst>
+              <a:ext uri="{FF2B5EF4-FFF2-40B4-BE49-F238E27FC236}">
+                <a16:creationId xmlns:a16="http://schemas.microsoft.com/office/drawing/2014/main" id="{FC3D3740-02C0-4191-9C2A-2E11315B9319}"/>
+              </a:ext>
+            </a:extLst>
+          </p:cNvPr>
+          <p:cNvGraphicFramePr>
+            <a:graphicFrameLocks noGrp="1"/>
+          </p:cNvGraphicFramePr>
+          <p:nvPr>
+            <p:ph idx="1"/>
+            <p:extLst>
+              <p:ext uri="{D42A27DB-BD31-4B8C-83A1-F6EECF244321}">
+                <p14:modId xmlns:p14="http://schemas.microsoft.com/office/powerpoint/2010/main" val="1659624921"/>
+              </p:ext>
+            </p:extLst>
+          </p:nvPr>
+        </p:nvGraphicFramePr>
+        <p:xfrm>
+          <a:off x="457200" y="1600200"/>
+          <a:ext cx="10896600" cy="4576763"/>
+        </p:xfrm>
+        <a:graphic>
+          <a:graphicData uri="http://schemas.openxmlformats.org/drawingml/2006/diagram">
+            <dgm:relIds xmlns:dgm="http://schemas.openxmlformats.org/drawingml/2006/diagram" xmlns:r="http://schemas.openxmlformats.org/officeDocument/2006/relationships" r:dm="rId7" r:lo="rId8" r:qs="rId9" r:cs="rId10"/>
+          </a:graphicData>
+        </a:graphic>
+      </p:graphicFrame>
+    </p:spTree>
+    <p:extLst>
+      <p:ext uri="{BB962C8B-B14F-4D97-AF65-F5344CB8AC3E}">
+        <p14:creationId xmlns:p14="http://schemas.microsoft.com/office/powerpoint/2010/main" val="4122539730"/>
+      </p:ext>
+    </p:extLst>
+  </p:cSld>
+  <p:clrMapOvr>
+    <a:masterClrMapping/>
+  </p:clrMapOvr>
+</p:sld>
+</file>
+
+<file path=ppt/slides/slide9.xml><?xml version="1.0" encoding="utf-8"?>
+<p:sld xmlns:a="http://schemas.openxmlformats.org/drawingml/2006/main" xmlns:r="http://schemas.openxmlformats.org/officeDocument/2006/relationships" xmlns:p="http://schemas.openxmlformats.org/presentationml/2006/main">
+  <p:cSld>
     <p:bg>
       <p:bgPr>
         <a:solidFill>
@@ -8969,843 +14742,6 @@
       <p:bldP spid="10" grpId="0"/>
     </p:bldLst>
   </p:timing>
-</p:sld>
-</file>
-
-<file path=ppt/slides/slide8.xml><?xml version="1.0" encoding="utf-8"?>
-<p:sld xmlns:a="http://schemas.openxmlformats.org/drawingml/2006/main" xmlns:r="http://schemas.openxmlformats.org/officeDocument/2006/relationships" xmlns:p="http://schemas.openxmlformats.org/presentationml/2006/main">
-  <p:cSld>
-    <p:spTree>
-      <p:nvGrpSpPr>
-        <p:cNvPr id="1" name="Shape 402"/>
-        <p:cNvGrpSpPr/>
-        <p:nvPr/>
-      </p:nvGrpSpPr>
-      <p:grpSpPr>
-        <a:xfrm>
-          <a:off x="0" y="0"/>
-          <a:ext cx="0" cy="0"/>
-          <a:chOff x="0" y="0"/>
-          <a:chExt cx="0" cy="0"/>
-        </a:xfrm>
-      </p:grpSpPr>
-      <p:sp>
-        <p:nvSpPr>
-          <p:cNvPr id="7" name="Shape 240"/>
-          <p:cNvSpPr txBox="1">
-            <a:spLocks/>
-          </p:cNvSpPr>
-          <p:nvPr/>
-        </p:nvSpPr>
-        <p:spPr>
-          <a:xfrm>
-            <a:off x="1524000" y="615597"/>
-            <a:ext cx="9144000" cy="340720"/>
-          </a:xfrm>
-          <a:prstGeom prst="rect">
-            <a:avLst/>
-          </a:prstGeom>
-        </p:spPr>
-        <p:txBody>
-          <a:bodyPr vert="horz" lIns="91440" tIns="45720" rIns="91440" bIns="45720" rtlCol="0" anchor="ctr">
-            <a:normAutofit fontScale="90000" lnSpcReduction="20000"/>
-          </a:bodyPr>
-          <a:lstStyle>
-            <a:lvl1pPr algn="ctr" defTabSz="914400" rtl="0" eaLnBrk="1" latinLnBrk="0" hangingPunct="1">
-              <a:lnSpc>
-                <a:spcPct val="90000"/>
-              </a:lnSpc>
-              <a:spcBef>
-                <a:spcPct val="0"/>
-              </a:spcBef>
-              <a:buNone/>
-              <a:defRPr sz="4800" kern="1200">
-                <a:solidFill>
-                  <a:srgbClr val="132E57"/>
-                </a:solidFill>
-                <a:latin typeface="Open Sans Light" panose="020B0306030504020204" pitchFamily="34" charset="0"/>
-                <a:ea typeface="Open Sans Light" panose="020B0306030504020204" pitchFamily="34" charset="0"/>
-                <a:cs typeface="Open Sans Light" panose="020B0306030504020204" pitchFamily="34" charset="0"/>
-              </a:defRPr>
-            </a:lvl1pPr>
-          </a:lstStyle>
-          <a:p>
-            <a:r>
-              <a:rPr lang="en-US" sz="2400" dirty="0">
-                <a:latin typeface="Open Sans Semibold" panose="020B0706030804020204" pitchFamily="34" charset="0"/>
-                <a:ea typeface="Open Sans Semibold" panose="020B0706030804020204" pitchFamily="34" charset="0"/>
-                <a:cs typeface="Open Sans Semibold" panose="020B0706030804020204" pitchFamily="34" charset="0"/>
-                <a:sym typeface="Open Sans"/>
-              </a:rPr>
-              <a:t>Business Model</a:t>
-            </a:r>
-          </a:p>
-        </p:txBody>
-      </p:sp>
-      <p:sp>
-        <p:nvSpPr>
-          <p:cNvPr id="8" name="TextBox 7"/>
-          <p:cNvSpPr txBox="1"/>
-          <p:nvPr/>
-        </p:nvSpPr>
-        <p:spPr>
-          <a:xfrm>
-            <a:off x="2544619" y="4219389"/>
-            <a:ext cx="2261055" cy="1200329"/>
-          </a:xfrm>
-          <a:prstGeom prst="rect">
-            <a:avLst/>
-          </a:prstGeom>
-          <a:solidFill>
-            <a:srgbClr val="E6E7E7"/>
-          </a:solidFill>
-        </p:spPr>
-        <p:txBody>
-          <a:bodyPr wrap="square" rtlCol="0">
-            <a:spAutoFit/>
-          </a:bodyPr>
-          <a:lstStyle/>
-          <a:p>
-            <a:pPr algn="ctr"/>
-            <a:r>
-              <a:rPr lang="en-CA" dirty="0" err="1">
-                <a:solidFill>
-                  <a:srgbClr val="676767"/>
-                </a:solidFill>
-                <a:latin typeface="Open Sans Semibold" panose="020B0706030804020204" pitchFamily="34" charset="0"/>
-                <a:ea typeface="Open Sans Semibold" panose="020B0706030804020204" pitchFamily="34" charset="0"/>
-                <a:cs typeface="Open Sans Semibold" panose="020B0706030804020204" pitchFamily="34" charset="0"/>
-              </a:rPr>
-              <a:t>Rubikon</a:t>
-            </a:r>
-            <a:r>
-              <a:rPr lang="en-CA" dirty="0">
-                <a:solidFill>
-                  <a:srgbClr val="676767"/>
-                </a:solidFill>
-                <a:latin typeface="Open Sans Semibold" panose="020B0706030804020204" pitchFamily="34" charset="0"/>
-                <a:ea typeface="Open Sans Semibold" panose="020B0706030804020204" pitchFamily="34" charset="0"/>
-                <a:cs typeface="Open Sans Semibold" panose="020B0706030804020204" pitchFamily="34" charset="0"/>
-              </a:rPr>
-              <a:t> Student House Administration</a:t>
-            </a:r>
-          </a:p>
-          <a:p>
-            <a:pPr algn="ctr"/>
-            <a:r>
-              <a:rPr lang="en-CA" dirty="0">
-                <a:solidFill>
-                  <a:srgbClr val="ED942D"/>
-                </a:solidFill>
-                <a:latin typeface="Open Sans Semibold" panose="020B0706030804020204" pitchFamily="34" charset="0"/>
-                <a:ea typeface="Open Sans Semibold" panose="020B0706030804020204" pitchFamily="34" charset="0"/>
-                <a:cs typeface="Open Sans Semibold" panose="020B0706030804020204" pitchFamily="34" charset="0"/>
-              </a:rPr>
-              <a:t>60%</a:t>
-            </a:r>
-            <a:endParaRPr lang="en-CA" dirty="0">
-              <a:solidFill>
-                <a:srgbClr val="ED942D"/>
-              </a:solidFill>
-              <a:latin typeface="Open Sans Light" panose="020B0306030504020204" pitchFamily="34" charset="0"/>
-              <a:ea typeface="Open Sans Light" panose="020B0306030504020204" pitchFamily="34" charset="0"/>
-              <a:cs typeface="Open Sans Light" panose="020B0306030504020204" pitchFamily="34" charset="0"/>
-            </a:endParaRPr>
-          </a:p>
-        </p:txBody>
-      </p:sp>
-      <p:sp>
-        <p:nvSpPr>
-          <p:cNvPr id="9" name="TextBox 7">
-            <a:extLst>
-              <a:ext uri="{FF2B5EF4-FFF2-40B4-BE49-F238E27FC236}">
-                <a16:creationId xmlns:a16="http://schemas.microsoft.com/office/drawing/2014/main" id="{C1AA659B-080F-4370-84A2-86E8113AF769}"/>
-              </a:ext>
-            </a:extLst>
-          </p:cNvPr>
-          <p:cNvSpPr txBox="1"/>
-          <p:nvPr/>
-        </p:nvSpPr>
-        <p:spPr>
-          <a:xfrm>
-            <a:off x="7634796" y="4496387"/>
-            <a:ext cx="2261055" cy="646331"/>
-          </a:xfrm>
-          <a:prstGeom prst="rect">
-            <a:avLst/>
-          </a:prstGeom>
-          <a:solidFill>
-            <a:srgbClr val="E6E7E7"/>
-          </a:solidFill>
-        </p:spPr>
-        <p:txBody>
-          <a:bodyPr wrap="square" rtlCol="0">
-            <a:spAutoFit/>
-          </a:bodyPr>
-          <a:lstStyle/>
-          <a:p>
-            <a:pPr algn="ctr"/>
-            <a:r>
-              <a:rPr lang="en-CA" dirty="0" err="1">
-                <a:solidFill>
-                  <a:srgbClr val="676767"/>
-                </a:solidFill>
-                <a:latin typeface="Open Sans Semibold" panose="020B0706030804020204" pitchFamily="34" charset="0"/>
-                <a:ea typeface="Open Sans Semibold" panose="020B0706030804020204" pitchFamily="34" charset="0"/>
-                <a:cs typeface="Open Sans Semibold" panose="020B0706030804020204" pitchFamily="34" charset="0"/>
-              </a:rPr>
-              <a:t>KeyFinder</a:t>
-            </a:r>
-            <a:r>
-              <a:rPr lang="en-CA" dirty="0">
-                <a:solidFill>
-                  <a:srgbClr val="676767"/>
-                </a:solidFill>
-                <a:latin typeface="Open Sans Semibold" panose="020B0706030804020204" pitchFamily="34" charset="0"/>
-                <a:ea typeface="Open Sans Semibold" panose="020B0706030804020204" pitchFamily="34" charset="0"/>
-                <a:cs typeface="Open Sans Semibold" panose="020B0706030804020204" pitchFamily="34" charset="0"/>
-              </a:rPr>
-              <a:t> Team</a:t>
-            </a:r>
-          </a:p>
-          <a:p>
-            <a:pPr algn="ctr"/>
-            <a:r>
-              <a:rPr lang="en-CA" dirty="0">
-                <a:solidFill>
-                  <a:srgbClr val="ED942D"/>
-                </a:solidFill>
-                <a:latin typeface="Open Sans Semibold" panose="020B0706030804020204" pitchFamily="34" charset="0"/>
-                <a:ea typeface="Open Sans Semibold" panose="020B0706030804020204" pitchFamily="34" charset="0"/>
-                <a:cs typeface="Open Sans Semibold" panose="020B0706030804020204" pitchFamily="34" charset="0"/>
-              </a:rPr>
-              <a:t>40%</a:t>
-            </a:r>
-            <a:endParaRPr lang="en-CA" dirty="0">
-              <a:solidFill>
-                <a:srgbClr val="ED942D"/>
-              </a:solidFill>
-              <a:latin typeface="Open Sans Light" panose="020B0306030504020204" pitchFamily="34" charset="0"/>
-              <a:ea typeface="Open Sans Light" panose="020B0306030504020204" pitchFamily="34" charset="0"/>
-              <a:cs typeface="Open Sans Light" panose="020B0306030504020204" pitchFamily="34" charset="0"/>
-            </a:endParaRPr>
-          </a:p>
-        </p:txBody>
-      </p:sp>
-      <p:sp>
-        <p:nvSpPr>
-          <p:cNvPr id="5" name="Dikdörtgen 4">
-            <a:extLst>
-              <a:ext uri="{FF2B5EF4-FFF2-40B4-BE49-F238E27FC236}">
-                <a16:creationId xmlns:a16="http://schemas.microsoft.com/office/drawing/2014/main" id="{89271FF5-88BE-44AF-B2B5-CE5B245619F3}"/>
-              </a:ext>
-            </a:extLst>
-          </p:cNvPr>
-          <p:cNvSpPr/>
-          <p:nvPr/>
-        </p:nvSpPr>
-        <p:spPr>
-          <a:xfrm>
-            <a:off x="4761338" y="1083075"/>
-            <a:ext cx="2669324" cy="1200329"/>
-          </a:xfrm>
-          <a:prstGeom prst="rect">
-            <a:avLst/>
-          </a:prstGeom>
-        </p:spPr>
-        <p:style>
-          <a:lnRef idx="2">
-            <a:schemeClr val="accent1">
-              <a:shade val="50000"/>
-            </a:schemeClr>
-          </a:lnRef>
-          <a:fillRef idx="1">
-            <a:schemeClr val="accent1"/>
-          </a:fillRef>
-          <a:effectRef idx="0">
-            <a:schemeClr val="accent1"/>
-          </a:effectRef>
-          <a:fontRef idx="minor">
-            <a:schemeClr val="lt1"/>
-          </a:fontRef>
-        </p:style>
-        <p:txBody>
-          <a:bodyPr rtlCol="0" anchor="ctr"/>
-          <a:lstStyle/>
-          <a:p>
-            <a:pPr algn="ctr"/>
-            <a:r>
-              <a:rPr lang="en-US" dirty="0"/>
-              <a:t>5 PLN penalty for every hour resident doesn’t bring the key in time</a:t>
-            </a:r>
-          </a:p>
-        </p:txBody>
-      </p:sp>
-      <p:sp>
-        <p:nvSpPr>
-          <p:cNvPr id="10" name="Dikdörtgen 9">
-            <a:extLst>
-              <a:ext uri="{FF2B5EF4-FFF2-40B4-BE49-F238E27FC236}">
-                <a16:creationId xmlns:a16="http://schemas.microsoft.com/office/drawing/2014/main" id="{6D68D56A-D911-4CBD-B592-6B004D204260}"/>
-              </a:ext>
-            </a:extLst>
-          </p:cNvPr>
-          <p:cNvSpPr/>
-          <p:nvPr/>
-        </p:nvSpPr>
-        <p:spPr>
-          <a:xfrm>
-            <a:off x="5250349" y="2590697"/>
-            <a:ext cx="1691301" cy="806389"/>
-          </a:xfrm>
-          <a:prstGeom prst="rect">
-            <a:avLst/>
-          </a:prstGeom>
-        </p:spPr>
-        <p:style>
-          <a:lnRef idx="2">
-            <a:schemeClr val="accent1">
-              <a:shade val="50000"/>
-            </a:schemeClr>
-          </a:lnRef>
-          <a:fillRef idx="1">
-            <a:schemeClr val="accent1"/>
-          </a:fillRef>
-          <a:effectRef idx="0">
-            <a:schemeClr val="accent1"/>
-          </a:effectRef>
-          <a:fontRef idx="minor">
-            <a:schemeClr val="lt1"/>
-          </a:fontRef>
-        </p:style>
-        <p:txBody>
-          <a:bodyPr rtlCol="0" anchor="ctr"/>
-          <a:lstStyle/>
-          <a:p>
-            <a:pPr algn="ctr"/>
-            <a:r>
-              <a:rPr lang="en-US" dirty="0"/>
-              <a:t>Profit distribution</a:t>
-            </a:r>
-          </a:p>
-        </p:txBody>
-      </p:sp>
-      <p:cxnSp>
-        <p:nvCxnSpPr>
-          <p:cNvPr id="12" name="Düz Ok Bağlayıcısı 11">
-            <a:extLst>
-              <a:ext uri="{FF2B5EF4-FFF2-40B4-BE49-F238E27FC236}">
-                <a16:creationId xmlns:a16="http://schemas.microsoft.com/office/drawing/2014/main" id="{C881358F-344B-4681-B949-C29F2C700811}"/>
-              </a:ext>
-            </a:extLst>
-          </p:cNvPr>
-          <p:cNvCxnSpPr>
-            <a:cxnSpLocks/>
-            <a:endCxn id="8" idx="0"/>
-          </p:cNvCxnSpPr>
-          <p:nvPr/>
-        </p:nvCxnSpPr>
-        <p:spPr>
-          <a:xfrm flipH="1">
-            <a:off x="3675147" y="3397086"/>
-            <a:ext cx="1575202" cy="822303"/>
-          </a:xfrm>
-          <a:prstGeom prst="straightConnector1">
-            <a:avLst/>
-          </a:prstGeom>
-          <a:ln>
-            <a:tailEnd type="triangle"/>
-          </a:ln>
-        </p:spPr>
-        <p:style>
-          <a:lnRef idx="1">
-            <a:schemeClr val="accent1"/>
-          </a:lnRef>
-          <a:fillRef idx="0">
-            <a:schemeClr val="accent1"/>
-          </a:fillRef>
-          <a:effectRef idx="0">
-            <a:schemeClr val="accent1"/>
-          </a:effectRef>
-          <a:fontRef idx="minor">
-            <a:schemeClr val="tx1"/>
-          </a:fontRef>
-        </p:style>
-      </p:cxnSp>
-      <p:cxnSp>
-        <p:nvCxnSpPr>
-          <p:cNvPr id="13" name="Düz Ok Bağlayıcısı 12">
-            <a:extLst>
-              <a:ext uri="{FF2B5EF4-FFF2-40B4-BE49-F238E27FC236}">
-                <a16:creationId xmlns:a16="http://schemas.microsoft.com/office/drawing/2014/main" id="{DA3DAA0E-0F7A-4245-A710-2B0AC46AEA7F}"/>
-              </a:ext>
-            </a:extLst>
-          </p:cNvPr>
-          <p:cNvCxnSpPr>
-            <a:cxnSpLocks/>
-            <a:endCxn id="9" idx="0"/>
-          </p:cNvCxnSpPr>
-          <p:nvPr/>
-        </p:nvCxnSpPr>
-        <p:spPr>
-          <a:xfrm>
-            <a:off x="6954177" y="3397086"/>
-            <a:ext cx="1811147" cy="1099301"/>
-          </a:xfrm>
-          <a:prstGeom prst="straightConnector1">
-            <a:avLst/>
-          </a:prstGeom>
-          <a:ln>
-            <a:tailEnd type="triangle"/>
-          </a:ln>
-        </p:spPr>
-        <p:style>
-          <a:lnRef idx="1">
-            <a:schemeClr val="accent1"/>
-          </a:lnRef>
-          <a:fillRef idx="0">
-            <a:schemeClr val="accent1"/>
-          </a:fillRef>
-          <a:effectRef idx="0">
-            <a:schemeClr val="accent1"/>
-          </a:effectRef>
-          <a:fontRef idx="minor">
-            <a:schemeClr val="tx1"/>
-          </a:fontRef>
-        </p:style>
-      </p:cxnSp>
-    </p:spTree>
-    <p:custDataLst>
-      <p:tags r:id="rId1"/>
-    </p:custDataLst>
-    <p:extLst>
-      <p:ext uri="{BB962C8B-B14F-4D97-AF65-F5344CB8AC3E}">
-        <p14:creationId xmlns:p14="http://schemas.microsoft.com/office/powerpoint/2010/main" val="1222540040"/>
-      </p:ext>
-    </p:extLst>
-  </p:cSld>
-  <p:clrMapOvr>
-    <a:masterClrMapping/>
-  </p:clrMapOvr>
-  <mc:AlternateContent xmlns:mc="http://schemas.openxmlformats.org/markup-compatibility/2006" xmlns:p14="http://schemas.microsoft.com/office/powerpoint/2010/main">
-    <mc:Choice Requires="p14">
-      <p:transition spd="med" p14:dur="700">
-        <p:fade/>
-      </p:transition>
-    </mc:Choice>
-    <mc:Fallback xmlns="">
-      <p:transition spd="med">
-        <p:fade/>
-      </p:transition>
-    </mc:Fallback>
-  </mc:AlternateContent>
-  <p:timing>
-    <p:tnLst>
-      <p:par>
-        <p:cTn id="1" dur="indefinite" restart="never" nodeType="tmRoot">
-          <p:childTnLst>
-            <p:seq concurrent="1" nextAc="seek">
-              <p:cTn id="2" dur="indefinite" nodeType="mainSeq">
-                <p:childTnLst>
-                  <p:par>
-                    <p:cTn id="3" fill="hold">
-                      <p:stCondLst>
-                        <p:cond delay="indefinite"/>
-                        <p:cond evt="onBegin" delay="0">
-                          <p:tn val="2"/>
-                        </p:cond>
-                      </p:stCondLst>
-                      <p:childTnLst>
-                        <p:par>
-                          <p:cTn id="4" fill="hold">
-                            <p:stCondLst>
-                              <p:cond delay="0"/>
-                            </p:stCondLst>
-                            <p:childTnLst>
-                              <p:par>
-                                <p:cTn id="5" presetID="10" presetClass="entr" presetSubtype="0" fill="hold" grpId="0" nodeType="withEffect">
-                                  <p:stCondLst>
-                                    <p:cond delay="0"/>
-                                  </p:stCondLst>
-                                  <p:iterate type="lt">
-                                    <p:tmPct val="13000"/>
-                                  </p:iterate>
-                                  <p:childTnLst>
-                                    <p:set>
-                                      <p:cBhvr>
-                                        <p:cTn id="6" dur="1" fill="hold">
-                                          <p:stCondLst>
-                                            <p:cond delay="0"/>
-                                          </p:stCondLst>
-                                        </p:cTn>
-                                        <p:tgtEl>
-                                          <p:spTgt spid="7"/>
-                                        </p:tgtEl>
-                                        <p:attrNameLst>
-                                          <p:attrName>style.visibility</p:attrName>
-                                        </p:attrNameLst>
-                                      </p:cBhvr>
-                                      <p:to>
-                                        <p:strVal val="visible"/>
-                                      </p:to>
-                                    </p:set>
-                                    <p:animEffect transition="in" filter="fade">
-                                      <p:cBhvr>
-                                        <p:cTn id="7" dur="500"/>
-                                        <p:tgtEl>
-                                          <p:spTgt spid="7"/>
-                                        </p:tgtEl>
-                                      </p:cBhvr>
-                                    </p:animEffect>
-                                  </p:childTnLst>
-                                </p:cTn>
-                              </p:par>
-                            </p:childTnLst>
-                          </p:cTn>
-                        </p:par>
-                      </p:childTnLst>
-                    </p:cTn>
-                  </p:par>
-                  <p:par>
-                    <p:cTn id="8" fill="hold">
-                      <p:stCondLst>
-                        <p:cond delay="indefinite"/>
-                      </p:stCondLst>
-                      <p:childTnLst>
-                        <p:par>
-                          <p:cTn id="9" fill="hold">
-                            <p:stCondLst>
-                              <p:cond delay="0"/>
-                            </p:stCondLst>
-                            <p:childTnLst>
-                              <p:par>
-                                <p:cTn id="10" presetID="10" presetClass="entr" presetSubtype="0" fill="hold" grpId="0" nodeType="clickEffect">
-                                  <p:stCondLst>
-                                    <p:cond delay="0"/>
-                                  </p:stCondLst>
-                                  <p:childTnLst>
-                                    <p:set>
-                                      <p:cBhvr>
-                                        <p:cTn id="11" dur="1" fill="hold">
-                                          <p:stCondLst>
-                                            <p:cond delay="0"/>
-                                          </p:stCondLst>
-                                        </p:cTn>
-                                        <p:tgtEl>
-                                          <p:spTgt spid="5"/>
-                                        </p:tgtEl>
-                                        <p:attrNameLst>
-                                          <p:attrName>style.visibility</p:attrName>
-                                        </p:attrNameLst>
-                                      </p:cBhvr>
-                                      <p:to>
-                                        <p:strVal val="visible"/>
-                                      </p:to>
-                                    </p:set>
-                                    <p:animEffect transition="in" filter="fade">
-                                      <p:cBhvr>
-                                        <p:cTn id="12" dur="500"/>
-                                        <p:tgtEl>
-                                          <p:spTgt spid="5"/>
-                                        </p:tgtEl>
-                                      </p:cBhvr>
-                                    </p:animEffect>
-                                  </p:childTnLst>
-                                </p:cTn>
-                              </p:par>
-                            </p:childTnLst>
-                          </p:cTn>
-                        </p:par>
-                      </p:childTnLst>
-                    </p:cTn>
-                  </p:par>
-                  <p:par>
-                    <p:cTn id="13" fill="hold">
-                      <p:stCondLst>
-                        <p:cond delay="indefinite"/>
-                      </p:stCondLst>
-                      <p:childTnLst>
-                        <p:par>
-                          <p:cTn id="14" fill="hold">
-                            <p:stCondLst>
-                              <p:cond delay="0"/>
-                            </p:stCondLst>
-                            <p:childTnLst>
-                              <p:par>
-                                <p:cTn id="15" presetID="10" presetClass="entr" presetSubtype="0" fill="hold" grpId="0" nodeType="clickEffect">
-                                  <p:stCondLst>
-                                    <p:cond delay="0"/>
-                                  </p:stCondLst>
-                                  <p:childTnLst>
-                                    <p:set>
-                                      <p:cBhvr>
-                                        <p:cTn id="16" dur="1" fill="hold">
-                                          <p:stCondLst>
-                                            <p:cond delay="0"/>
-                                          </p:stCondLst>
-                                        </p:cTn>
-                                        <p:tgtEl>
-                                          <p:spTgt spid="8"/>
-                                        </p:tgtEl>
-                                        <p:attrNameLst>
-                                          <p:attrName>style.visibility</p:attrName>
-                                        </p:attrNameLst>
-                                      </p:cBhvr>
-                                      <p:to>
-                                        <p:strVal val="visible"/>
-                                      </p:to>
-                                    </p:set>
-                                    <p:animEffect transition="in" filter="fade">
-                                      <p:cBhvr>
-                                        <p:cTn id="17" dur="500"/>
-                                        <p:tgtEl>
-                                          <p:spTgt spid="8"/>
-                                        </p:tgtEl>
-                                      </p:cBhvr>
-                                    </p:animEffect>
-                                  </p:childTnLst>
-                                </p:cTn>
-                              </p:par>
-                              <p:par>
-                                <p:cTn id="18" presetID="10" presetClass="entr" presetSubtype="0" fill="hold" grpId="0" nodeType="withEffect">
-                                  <p:stCondLst>
-                                    <p:cond delay="0"/>
-                                  </p:stCondLst>
-                                  <p:childTnLst>
-                                    <p:set>
-                                      <p:cBhvr>
-                                        <p:cTn id="19" dur="1" fill="hold">
-                                          <p:stCondLst>
-                                            <p:cond delay="0"/>
-                                          </p:stCondLst>
-                                        </p:cTn>
-                                        <p:tgtEl>
-                                          <p:spTgt spid="9"/>
-                                        </p:tgtEl>
-                                        <p:attrNameLst>
-                                          <p:attrName>style.visibility</p:attrName>
-                                        </p:attrNameLst>
-                                      </p:cBhvr>
-                                      <p:to>
-                                        <p:strVal val="visible"/>
-                                      </p:to>
-                                    </p:set>
-                                    <p:animEffect transition="in" filter="fade">
-                                      <p:cBhvr>
-                                        <p:cTn id="20" dur="500"/>
-                                        <p:tgtEl>
-                                          <p:spTgt spid="9"/>
-                                        </p:tgtEl>
-                                      </p:cBhvr>
-                                    </p:animEffect>
-                                  </p:childTnLst>
-                                </p:cTn>
-                              </p:par>
-                              <p:par>
-                                <p:cTn id="21" presetID="10" presetClass="entr" presetSubtype="0" fill="hold" grpId="0" nodeType="withEffect">
-                                  <p:stCondLst>
-                                    <p:cond delay="0"/>
-                                  </p:stCondLst>
-                                  <p:childTnLst>
-                                    <p:set>
-                                      <p:cBhvr>
-                                        <p:cTn id="22" dur="1" fill="hold">
-                                          <p:stCondLst>
-                                            <p:cond delay="0"/>
-                                          </p:stCondLst>
-                                        </p:cTn>
-                                        <p:tgtEl>
-                                          <p:spTgt spid="10"/>
-                                        </p:tgtEl>
-                                        <p:attrNameLst>
-                                          <p:attrName>style.visibility</p:attrName>
-                                        </p:attrNameLst>
-                                      </p:cBhvr>
-                                      <p:to>
-                                        <p:strVal val="visible"/>
-                                      </p:to>
-                                    </p:set>
-                                    <p:animEffect transition="in" filter="fade">
-                                      <p:cBhvr>
-                                        <p:cTn id="23" dur="500"/>
-                                        <p:tgtEl>
-                                          <p:spTgt spid="10"/>
-                                        </p:tgtEl>
-                                      </p:cBhvr>
-                                    </p:animEffect>
-                                  </p:childTnLst>
-                                </p:cTn>
-                              </p:par>
-                              <p:par>
-                                <p:cTn id="24" presetID="10" presetClass="entr" presetSubtype="0" fill="hold" nodeType="withEffect">
-                                  <p:stCondLst>
-                                    <p:cond delay="0"/>
-                                  </p:stCondLst>
-                                  <p:childTnLst>
-                                    <p:set>
-                                      <p:cBhvr>
-                                        <p:cTn id="25" dur="1" fill="hold">
-                                          <p:stCondLst>
-                                            <p:cond delay="0"/>
-                                          </p:stCondLst>
-                                        </p:cTn>
-                                        <p:tgtEl>
-                                          <p:spTgt spid="12"/>
-                                        </p:tgtEl>
-                                        <p:attrNameLst>
-                                          <p:attrName>style.visibility</p:attrName>
-                                        </p:attrNameLst>
-                                      </p:cBhvr>
-                                      <p:to>
-                                        <p:strVal val="visible"/>
-                                      </p:to>
-                                    </p:set>
-                                    <p:animEffect transition="in" filter="fade">
-                                      <p:cBhvr>
-                                        <p:cTn id="26" dur="500"/>
-                                        <p:tgtEl>
-                                          <p:spTgt spid="12"/>
-                                        </p:tgtEl>
-                                      </p:cBhvr>
-                                    </p:animEffect>
-                                  </p:childTnLst>
-                                </p:cTn>
-                              </p:par>
-                              <p:par>
-                                <p:cTn id="27" presetID="10" presetClass="entr" presetSubtype="0" fill="hold" nodeType="withEffect">
-                                  <p:stCondLst>
-                                    <p:cond delay="0"/>
-                                  </p:stCondLst>
-                                  <p:childTnLst>
-                                    <p:set>
-                                      <p:cBhvr>
-                                        <p:cTn id="28" dur="1" fill="hold">
-                                          <p:stCondLst>
-                                            <p:cond delay="0"/>
-                                          </p:stCondLst>
-                                        </p:cTn>
-                                        <p:tgtEl>
-                                          <p:spTgt spid="13"/>
-                                        </p:tgtEl>
-                                        <p:attrNameLst>
-                                          <p:attrName>style.visibility</p:attrName>
-                                        </p:attrNameLst>
-                                      </p:cBhvr>
-                                      <p:to>
-                                        <p:strVal val="visible"/>
-                                      </p:to>
-                                    </p:set>
-                                    <p:animEffect transition="in" filter="fade">
-                                      <p:cBhvr>
-                                        <p:cTn id="29" dur="500"/>
-                                        <p:tgtEl>
-                                          <p:spTgt spid="13"/>
-                                        </p:tgtEl>
-                                      </p:cBhvr>
-                                    </p:animEffect>
-                                  </p:childTnLst>
-                                </p:cTn>
-                              </p:par>
-                            </p:childTnLst>
-                          </p:cTn>
-                        </p:par>
-                      </p:childTnLst>
-                    </p:cTn>
-                  </p:par>
-                </p:childTnLst>
-              </p:cTn>
-              <p:prevCondLst>
-                <p:cond evt="onPrev" delay="0">
-                  <p:tgtEl>
-                    <p:sldTgt/>
-                  </p:tgtEl>
-                </p:cond>
-              </p:prevCondLst>
-              <p:nextCondLst>
-                <p:cond evt="onNext" delay="0">
-                  <p:tgtEl>
-                    <p:sldTgt/>
-                  </p:tgtEl>
-                </p:cond>
-              </p:nextCondLst>
-            </p:seq>
-          </p:childTnLst>
-        </p:cTn>
-      </p:par>
-    </p:tnLst>
-    <p:bldLst>
-      <p:bldP spid="7" grpId="0"/>
-      <p:bldP spid="8" grpId="0" animBg="1"/>
-      <p:bldP spid="9" grpId="0" animBg="1"/>
-      <p:bldP spid="5" grpId="0" animBg="1"/>
-      <p:bldP spid="10" grpId="0" animBg="1"/>
-    </p:bldLst>
-  </p:timing>
-</p:sld>
-</file>
-
-<file path=ppt/slides/slide9.xml><?xml version="1.0" encoding="utf-8"?>
-<p:sld xmlns:a="http://schemas.openxmlformats.org/drawingml/2006/main" xmlns:r="http://schemas.openxmlformats.org/officeDocument/2006/relationships" xmlns:p="http://schemas.openxmlformats.org/presentationml/2006/main">
-  <p:cSld>
-    <p:spTree>
-      <p:nvGrpSpPr>
-        <p:cNvPr id="1" name=""/>
-        <p:cNvGrpSpPr/>
-        <p:nvPr/>
-      </p:nvGrpSpPr>
-      <p:grpSpPr>
-        <a:xfrm>
-          <a:off x="0" y="0"/>
-          <a:ext cx="0" cy="0"/>
-          <a:chOff x="0" y="0"/>
-          <a:chExt cx="0" cy="0"/>
-        </a:xfrm>
-      </p:grpSpPr>
-      <p:sp>
-        <p:nvSpPr>
-          <p:cNvPr id="2" name="Başlık 1">
-            <a:extLst>
-              <a:ext uri="{FF2B5EF4-FFF2-40B4-BE49-F238E27FC236}">
-                <a16:creationId xmlns:a16="http://schemas.microsoft.com/office/drawing/2014/main" id="{503CB7A9-E66B-45DC-9DEC-EAA5E52BD7D8}"/>
-              </a:ext>
-            </a:extLst>
-          </p:cNvPr>
-          <p:cNvSpPr>
-            <a:spLocks noGrp="1"/>
-          </p:cNvSpPr>
-          <p:nvPr>
-            <p:ph type="ctrTitle"/>
-          </p:nvPr>
-        </p:nvSpPr>
-        <p:spPr>
-          <a:xfrm>
-            <a:off x="1524000" y="1890945"/>
-            <a:ext cx="9144000" cy="2150038"/>
-          </a:xfrm>
-        </p:spPr>
-        <p:txBody>
-          <a:bodyPr>
-            <a:normAutofit/>
-          </a:bodyPr>
-          <a:lstStyle/>
-          <a:p>
-            <a:r>
-              <a:rPr lang="en-US" sz="5600" dirty="0"/>
-              <a:t>Q&amp;A</a:t>
-            </a:r>
-          </a:p>
-        </p:txBody>
-      </p:sp>
-    </p:spTree>
-    <p:extLst>
-      <p:ext uri="{BB962C8B-B14F-4D97-AF65-F5344CB8AC3E}">
-        <p14:creationId xmlns:p14="http://schemas.microsoft.com/office/powerpoint/2010/main" val="3394278476"/>
-      </p:ext>
-    </p:extLst>
-  </p:cSld>
-  <p:clrMapOvr>
-    <a:masterClrMapping/>
-  </p:clrMapOvr>
 </p:sld>
 </file>
 
